--- a/eco v nukes.pptx
+++ b/eco v nukes.pptx
@@ -2,10 +2,23 @@
 <file path=ppt/presentation.xml><?xml version="1.0" encoding="utf-8"?>
 <p:presentation xmlns:a="http://schemas.openxmlformats.org/drawingml/2006/main" xmlns:r="http://schemas.openxmlformats.org/officeDocument/2006/relationships" xmlns:p="http://schemas.openxmlformats.org/presentationml/2006/main" saveSubsetFonts="1" autoCompressPictures="0">
   <p:sldMasterIdLst>
-    <p:sldMasterId id="2147483648" r:id="rId1"/>
+    <p:sldMasterId id="2147483938" r:id="rId1"/>
   </p:sldMasterIdLst>
+  <p:notesMasterIdLst>
+    <p:notesMasterId r:id="rId13"/>
+  </p:notesMasterIdLst>
   <p:sldIdLst>
     <p:sldId id="256" r:id="rId2"/>
+    <p:sldId id="258" r:id="rId3"/>
+    <p:sldId id="259" r:id="rId4"/>
+    <p:sldId id="260" r:id="rId5"/>
+    <p:sldId id="261" r:id="rId6"/>
+    <p:sldId id="262" r:id="rId7"/>
+    <p:sldId id="263" r:id="rId8"/>
+    <p:sldId id="264" r:id="rId9"/>
+    <p:sldId id="265" r:id="rId10"/>
+    <p:sldId id="266" r:id="rId11"/>
+    <p:sldId id="267" r:id="rId12"/>
   </p:sldIdLst>
   <p:sldSz cx="12192000" cy="6858000"/>
   <p:notesSz cx="6858000" cy="9144000"/>
@@ -13,7 +26,7 @@
     <a:defPPr>
       <a:defRPr lang="en-US"/>
     </a:defPPr>
-    <a:lvl1pPr marL="0" algn="l" defTabSz="914400" rtl="0" eaLnBrk="1" latinLnBrk="0" hangingPunct="1">
+    <a:lvl1pPr marL="0" algn="l" defTabSz="457200" rtl="0" eaLnBrk="1" latinLnBrk="0" hangingPunct="1">
       <a:defRPr sz="1800" kern="1200">
         <a:solidFill>
           <a:schemeClr val="tx1"/>
@@ -23,7 +36,7 @@
         <a:cs typeface="+mn-cs"/>
       </a:defRPr>
     </a:lvl1pPr>
-    <a:lvl2pPr marL="457200" algn="l" defTabSz="914400" rtl="0" eaLnBrk="1" latinLnBrk="0" hangingPunct="1">
+    <a:lvl2pPr marL="457200" algn="l" defTabSz="457200" rtl="0" eaLnBrk="1" latinLnBrk="0" hangingPunct="1">
       <a:defRPr sz="1800" kern="1200">
         <a:solidFill>
           <a:schemeClr val="tx1"/>
@@ -33,7 +46,7 @@
         <a:cs typeface="+mn-cs"/>
       </a:defRPr>
     </a:lvl2pPr>
-    <a:lvl3pPr marL="914400" algn="l" defTabSz="914400" rtl="0" eaLnBrk="1" latinLnBrk="0" hangingPunct="1">
+    <a:lvl3pPr marL="914400" algn="l" defTabSz="457200" rtl="0" eaLnBrk="1" latinLnBrk="0" hangingPunct="1">
       <a:defRPr sz="1800" kern="1200">
         <a:solidFill>
           <a:schemeClr val="tx1"/>
@@ -43,7 +56,7 @@
         <a:cs typeface="+mn-cs"/>
       </a:defRPr>
     </a:lvl3pPr>
-    <a:lvl4pPr marL="1371600" algn="l" defTabSz="914400" rtl="0" eaLnBrk="1" latinLnBrk="0" hangingPunct="1">
+    <a:lvl4pPr marL="1371600" algn="l" defTabSz="457200" rtl="0" eaLnBrk="1" latinLnBrk="0" hangingPunct="1">
       <a:defRPr sz="1800" kern="1200">
         <a:solidFill>
           <a:schemeClr val="tx1"/>
@@ -53,7 +66,7 @@
         <a:cs typeface="+mn-cs"/>
       </a:defRPr>
     </a:lvl4pPr>
-    <a:lvl5pPr marL="1828800" algn="l" defTabSz="914400" rtl="0" eaLnBrk="1" latinLnBrk="0" hangingPunct="1">
+    <a:lvl5pPr marL="1828800" algn="l" defTabSz="457200" rtl="0" eaLnBrk="1" latinLnBrk="0" hangingPunct="1">
       <a:defRPr sz="1800" kern="1200">
         <a:solidFill>
           <a:schemeClr val="tx1"/>
@@ -63,7 +76,7 @@
         <a:cs typeface="+mn-cs"/>
       </a:defRPr>
     </a:lvl5pPr>
-    <a:lvl6pPr marL="2286000" algn="l" defTabSz="914400" rtl="0" eaLnBrk="1" latinLnBrk="0" hangingPunct="1">
+    <a:lvl6pPr marL="2286000" algn="l" defTabSz="457200" rtl="0" eaLnBrk="1" latinLnBrk="0" hangingPunct="1">
       <a:defRPr sz="1800" kern="1200">
         <a:solidFill>
           <a:schemeClr val="tx1"/>
@@ -73,7 +86,7 @@
         <a:cs typeface="+mn-cs"/>
       </a:defRPr>
     </a:lvl6pPr>
-    <a:lvl7pPr marL="2743200" algn="l" defTabSz="914400" rtl="0" eaLnBrk="1" latinLnBrk="0" hangingPunct="1">
+    <a:lvl7pPr marL="2743200" algn="l" defTabSz="457200" rtl="0" eaLnBrk="1" latinLnBrk="0" hangingPunct="1">
       <a:defRPr sz="1800" kern="1200">
         <a:solidFill>
           <a:schemeClr val="tx1"/>
@@ -83,7 +96,7 @@
         <a:cs typeface="+mn-cs"/>
       </a:defRPr>
     </a:lvl7pPr>
-    <a:lvl8pPr marL="3200400" algn="l" defTabSz="914400" rtl="0" eaLnBrk="1" latinLnBrk="0" hangingPunct="1">
+    <a:lvl8pPr marL="3200400" algn="l" defTabSz="457200" rtl="0" eaLnBrk="1" latinLnBrk="0" hangingPunct="1">
       <a:defRPr sz="1800" kern="1200">
         <a:solidFill>
           <a:schemeClr val="tx1"/>
@@ -93,7 +106,7 @@
         <a:cs typeface="+mn-cs"/>
       </a:defRPr>
     </a:lvl8pPr>
-    <a:lvl9pPr marL="3657600" algn="l" defTabSz="914400" rtl="0" eaLnBrk="1" latinLnBrk="0" hangingPunct="1">
+    <a:lvl9pPr marL="3657600" algn="l" defTabSz="457200" rtl="0" eaLnBrk="1" latinLnBrk="0" hangingPunct="1">
       <a:defRPr sz="1800" kern="1200">
         <a:solidFill>
           <a:schemeClr val="tx1"/>
@@ -107,9 +120,14 @@
 </p:presentation>
 </file>
 
-<file path=ppt/slideLayouts/slideLayout1.xml><?xml version="1.0" encoding="utf-8"?>
-<p:sldLayout xmlns:a="http://schemas.openxmlformats.org/drawingml/2006/main" xmlns:r="http://schemas.openxmlformats.org/officeDocument/2006/relationships" xmlns:p="http://schemas.openxmlformats.org/presentationml/2006/main" type="title" preserve="1">
-  <p:cSld name="Title Slide">
+<file path=ppt/notesMasters/notesMaster1.xml><?xml version="1.0" encoding="utf-8"?>
+<p:notesMaster xmlns:a="http://schemas.openxmlformats.org/drawingml/2006/main" xmlns:r="http://schemas.openxmlformats.org/officeDocument/2006/relationships" xmlns:p="http://schemas.openxmlformats.org/presentationml/2006/main">
+  <p:cSld>
+    <p:bg>
+      <p:bgRef idx="1001">
+        <a:schemeClr val="bg1"/>
+      </p:bgRef>
+    </p:bg>
     <p:spTree>
       <p:nvGrpSpPr>
         <p:cNvPr id="1" name=""/>
@@ -126,31 +144,1918 @@
       </p:grpSpPr>
       <p:sp>
         <p:nvSpPr>
-          <p:cNvPr id="2" name="Title 1">
-            <a:extLst>
-              <a:ext uri="{FF2B5EF4-FFF2-40B4-BE49-F238E27FC236}">
-                <a16:creationId xmlns:a16="http://schemas.microsoft.com/office/drawing/2014/main" id="{8D652D74-4316-C95F-741D-5B8D8CFF9085}"/>
-              </a:ext>
-            </a:extLst>
-          </p:cNvPr>
-          <p:cNvSpPr>
-            <a:spLocks noGrp="1"/>
-          </p:cNvSpPr>
-          <p:nvPr>
-            <p:ph type="ctrTitle"/>
+          <p:cNvPr id="2" name="Header Placeholder 1"/>
+          <p:cNvSpPr>
+            <a:spLocks noGrp="1"/>
+          </p:cNvSpPr>
+          <p:nvPr>
+            <p:ph type="hdr" sz="quarter"/>
           </p:nvPr>
         </p:nvSpPr>
         <p:spPr>
           <a:xfrm>
-            <a:off x="1524000" y="1122363"/>
-            <a:ext cx="9144000" cy="2387600"/>
+            <a:off x="0" y="0"/>
+            <a:ext cx="2971800" cy="458788"/>
           </a:xfrm>
+          <a:prstGeom prst="rect">
+            <a:avLst/>
+          </a:prstGeom>
         </p:spPr>
         <p:txBody>
-          <a:bodyPr anchor="b"/>
+          <a:bodyPr vert="horz" lIns="91440" tIns="45720" rIns="91440" bIns="45720" rtlCol="0"/>
+          <a:lstStyle>
+            <a:lvl1pPr algn="l">
+              <a:defRPr sz="1200"/>
+            </a:lvl1pPr>
+          </a:lstStyle>
+          <a:p>
+            <a:endParaRPr lang="en-US"/>
+          </a:p>
+        </p:txBody>
+      </p:sp>
+      <p:sp>
+        <p:nvSpPr>
+          <p:cNvPr id="3" name="Date Placeholder 2"/>
+          <p:cNvSpPr>
+            <a:spLocks noGrp="1"/>
+          </p:cNvSpPr>
+          <p:nvPr>
+            <p:ph type="dt" idx="1"/>
+          </p:nvPr>
+        </p:nvSpPr>
+        <p:spPr>
+          <a:xfrm>
+            <a:off x="3884613" y="0"/>
+            <a:ext cx="2971800" cy="458788"/>
+          </a:xfrm>
+          <a:prstGeom prst="rect">
+            <a:avLst/>
+          </a:prstGeom>
+        </p:spPr>
+        <p:txBody>
+          <a:bodyPr vert="horz" lIns="91440" tIns="45720" rIns="91440" bIns="45720" rtlCol="0"/>
+          <a:lstStyle>
+            <a:lvl1pPr algn="r">
+              <a:defRPr sz="1200"/>
+            </a:lvl1pPr>
+          </a:lstStyle>
+          <a:p>
+            <a:fld id="{66CEA388-9760-F642-AB18-16F2F52EF7FA}" type="datetimeFigureOut">
+              <a:rPr lang="en-US" smtClean="0"/>
+              <a:t>7/24/24</a:t>
+            </a:fld>
+            <a:endParaRPr lang="en-US"/>
+          </a:p>
+        </p:txBody>
+      </p:sp>
+      <p:sp>
+        <p:nvSpPr>
+          <p:cNvPr id="4" name="Slide Image Placeholder 3"/>
+          <p:cNvSpPr>
+            <a:spLocks noGrp="1" noRot="1" noChangeAspect="1"/>
+          </p:cNvSpPr>
+          <p:nvPr>
+            <p:ph type="sldImg" idx="2"/>
+          </p:nvPr>
+        </p:nvSpPr>
+        <p:spPr>
+          <a:xfrm>
+            <a:off x="685800" y="1143000"/>
+            <a:ext cx="5486400" cy="3086100"/>
+          </a:xfrm>
+          <a:prstGeom prst="rect">
+            <a:avLst/>
+          </a:prstGeom>
+          <a:noFill/>
+          <a:ln w="12700">
+            <a:solidFill>
+              <a:prstClr val="black"/>
+            </a:solidFill>
+          </a:ln>
+        </p:spPr>
+        <p:txBody>
+          <a:bodyPr vert="horz" lIns="91440" tIns="45720" rIns="91440" bIns="45720" rtlCol="0" anchor="ctr"/>
+          <a:lstStyle/>
+          <a:p>
+            <a:endParaRPr lang="en-US"/>
+          </a:p>
+        </p:txBody>
+      </p:sp>
+      <p:sp>
+        <p:nvSpPr>
+          <p:cNvPr id="5" name="Notes Placeholder 4"/>
+          <p:cNvSpPr>
+            <a:spLocks noGrp="1"/>
+          </p:cNvSpPr>
+          <p:nvPr>
+            <p:ph type="body" sz="quarter" idx="3"/>
+          </p:nvPr>
+        </p:nvSpPr>
+        <p:spPr>
+          <a:xfrm>
+            <a:off x="685800" y="4400550"/>
+            <a:ext cx="5486400" cy="3600450"/>
+          </a:xfrm>
+          <a:prstGeom prst="rect">
+            <a:avLst/>
+          </a:prstGeom>
+        </p:spPr>
+        <p:txBody>
+          <a:bodyPr vert="horz" lIns="91440" tIns="45720" rIns="91440" bIns="45720" rtlCol="0"/>
+          <a:lstStyle/>
+          <a:p>
+            <a:pPr lvl="0"/>
+            <a:r>
+              <a:rPr lang="en-US"/>
+              <a:t>Click to edit Master text styles</a:t>
+            </a:r>
+          </a:p>
+          <a:p>
+            <a:pPr lvl="1"/>
+            <a:r>
+              <a:rPr lang="en-US"/>
+              <a:t>Second level</a:t>
+            </a:r>
+          </a:p>
+          <a:p>
+            <a:pPr lvl="2"/>
+            <a:r>
+              <a:rPr lang="en-US"/>
+              <a:t>Third level</a:t>
+            </a:r>
+          </a:p>
+          <a:p>
+            <a:pPr lvl="3"/>
+            <a:r>
+              <a:rPr lang="en-US"/>
+              <a:t>Fourth level</a:t>
+            </a:r>
+          </a:p>
+          <a:p>
+            <a:pPr lvl="4"/>
+            <a:r>
+              <a:rPr lang="en-US"/>
+              <a:t>Fifth level</a:t>
+            </a:r>
+          </a:p>
+        </p:txBody>
+      </p:sp>
+      <p:sp>
+        <p:nvSpPr>
+          <p:cNvPr id="6" name="Footer Placeholder 5"/>
+          <p:cNvSpPr>
+            <a:spLocks noGrp="1"/>
+          </p:cNvSpPr>
+          <p:nvPr>
+            <p:ph type="ftr" sz="quarter" idx="4"/>
+          </p:nvPr>
+        </p:nvSpPr>
+        <p:spPr>
+          <a:xfrm>
+            <a:off x="0" y="8685213"/>
+            <a:ext cx="2971800" cy="458787"/>
+          </a:xfrm>
+          <a:prstGeom prst="rect">
+            <a:avLst/>
+          </a:prstGeom>
+        </p:spPr>
+        <p:txBody>
+          <a:bodyPr vert="horz" lIns="91440" tIns="45720" rIns="91440" bIns="45720" rtlCol="0" anchor="b"/>
+          <a:lstStyle>
+            <a:lvl1pPr algn="l">
+              <a:defRPr sz="1200"/>
+            </a:lvl1pPr>
+          </a:lstStyle>
+          <a:p>
+            <a:endParaRPr lang="en-US"/>
+          </a:p>
+        </p:txBody>
+      </p:sp>
+      <p:sp>
+        <p:nvSpPr>
+          <p:cNvPr id="7" name="Slide Number Placeholder 6"/>
+          <p:cNvSpPr>
+            <a:spLocks noGrp="1"/>
+          </p:cNvSpPr>
+          <p:nvPr>
+            <p:ph type="sldNum" sz="quarter" idx="5"/>
+          </p:nvPr>
+        </p:nvSpPr>
+        <p:spPr>
+          <a:xfrm>
+            <a:off x="3884613" y="8685213"/>
+            <a:ext cx="2971800" cy="458787"/>
+          </a:xfrm>
+          <a:prstGeom prst="rect">
+            <a:avLst/>
+          </a:prstGeom>
+        </p:spPr>
+        <p:txBody>
+          <a:bodyPr vert="horz" lIns="91440" tIns="45720" rIns="91440" bIns="45720" rtlCol="0" anchor="b"/>
+          <a:lstStyle>
+            <a:lvl1pPr algn="r">
+              <a:defRPr sz="1200"/>
+            </a:lvl1pPr>
+          </a:lstStyle>
+          <a:p>
+            <a:fld id="{DF55601B-8ECC-C44A-AFB0-A266DFAEED8C}" type="slidenum">
+              <a:rPr lang="en-US" smtClean="0"/>
+              <a:t>‹#›</a:t>
+            </a:fld>
+            <a:endParaRPr lang="en-US"/>
+          </a:p>
+        </p:txBody>
+      </p:sp>
+    </p:spTree>
+    <p:extLst>
+      <p:ext uri="{BB962C8B-B14F-4D97-AF65-F5344CB8AC3E}">
+        <p14:creationId xmlns:p14="http://schemas.microsoft.com/office/powerpoint/2010/main" val="3874680596"/>
+      </p:ext>
+    </p:extLst>
+  </p:cSld>
+  <p:clrMap bg1="lt1" tx1="dk1" bg2="lt2" tx2="dk2" accent1="accent1" accent2="accent2" accent3="accent3" accent4="accent4" accent5="accent5" accent6="accent6" hlink="hlink" folHlink="folHlink"/>
+  <p:notesStyle>
+    <a:lvl1pPr marL="0" algn="l" defTabSz="914400" rtl="0" eaLnBrk="1" latinLnBrk="0" hangingPunct="1">
+      <a:defRPr sz="1200" kern="1200">
+        <a:solidFill>
+          <a:schemeClr val="tx1"/>
+        </a:solidFill>
+        <a:latin typeface="+mn-lt"/>
+        <a:ea typeface="+mn-ea"/>
+        <a:cs typeface="+mn-cs"/>
+      </a:defRPr>
+    </a:lvl1pPr>
+    <a:lvl2pPr marL="457200" algn="l" defTabSz="914400" rtl="0" eaLnBrk="1" latinLnBrk="0" hangingPunct="1">
+      <a:defRPr sz="1200" kern="1200">
+        <a:solidFill>
+          <a:schemeClr val="tx1"/>
+        </a:solidFill>
+        <a:latin typeface="+mn-lt"/>
+        <a:ea typeface="+mn-ea"/>
+        <a:cs typeface="+mn-cs"/>
+      </a:defRPr>
+    </a:lvl2pPr>
+    <a:lvl3pPr marL="914400" algn="l" defTabSz="914400" rtl="0" eaLnBrk="1" latinLnBrk="0" hangingPunct="1">
+      <a:defRPr sz="1200" kern="1200">
+        <a:solidFill>
+          <a:schemeClr val="tx1"/>
+        </a:solidFill>
+        <a:latin typeface="+mn-lt"/>
+        <a:ea typeface="+mn-ea"/>
+        <a:cs typeface="+mn-cs"/>
+      </a:defRPr>
+    </a:lvl3pPr>
+    <a:lvl4pPr marL="1371600" algn="l" defTabSz="914400" rtl="0" eaLnBrk="1" latinLnBrk="0" hangingPunct="1">
+      <a:defRPr sz="1200" kern="1200">
+        <a:solidFill>
+          <a:schemeClr val="tx1"/>
+        </a:solidFill>
+        <a:latin typeface="+mn-lt"/>
+        <a:ea typeface="+mn-ea"/>
+        <a:cs typeface="+mn-cs"/>
+      </a:defRPr>
+    </a:lvl4pPr>
+    <a:lvl5pPr marL="1828800" algn="l" defTabSz="914400" rtl="0" eaLnBrk="1" latinLnBrk="0" hangingPunct="1">
+      <a:defRPr sz="1200" kern="1200">
+        <a:solidFill>
+          <a:schemeClr val="tx1"/>
+        </a:solidFill>
+        <a:latin typeface="+mn-lt"/>
+        <a:ea typeface="+mn-ea"/>
+        <a:cs typeface="+mn-cs"/>
+      </a:defRPr>
+    </a:lvl5pPr>
+    <a:lvl6pPr marL="2286000" algn="l" defTabSz="914400" rtl="0" eaLnBrk="1" latinLnBrk="0" hangingPunct="1">
+      <a:defRPr sz="1200" kern="1200">
+        <a:solidFill>
+          <a:schemeClr val="tx1"/>
+        </a:solidFill>
+        <a:latin typeface="+mn-lt"/>
+        <a:ea typeface="+mn-ea"/>
+        <a:cs typeface="+mn-cs"/>
+      </a:defRPr>
+    </a:lvl6pPr>
+    <a:lvl7pPr marL="2743200" algn="l" defTabSz="914400" rtl="0" eaLnBrk="1" latinLnBrk="0" hangingPunct="1">
+      <a:defRPr sz="1200" kern="1200">
+        <a:solidFill>
+          <a:schemeClr val="tx1"/>
+        </a:solidFill>
+        <a:latin typeface="+mn-lt"/>
+        <a:ea typeface="+mn-ea"/>
+        <a:cs typeface="+mn-cs"/>
+      </a:defRPr>
+    </a:lvl7pPr>
+    <a:lvl8pPr marL="3200400" algn="l" defTabSz="914400" rtl="0" eaLnBrk="1" latinLnBrk="0" hangingPunct="1">
+      <a:defRPr sz="1200" kern="1200">
+        <a:solidFill>
+          <a:schemeClr val="tx1"/>
+        </a:solidFill>
+        <a:latin typeface="+mn-lt"/>
+        <a:ea typeface="+mn-ea"/>
+        <a:cs typeface="+mn-cs"/>
+      </a:defRPr>
+    </a:lvl8pPr>
+    <a:lvl9pPr marL="3657600" algn="l" defTabSz="914400" rtl="0" eaLnBrk="1" latinLnBrk="0" hangingPunct="1">
+      <a:defRPr sz="1200" kern="1200">
+        <a:solidFill>
+          <a:schemeClr val="tx1"/>
+        </a:solidFill>
+        <a:latin typeface="+mn-lt"/>
+        <a:ea typeface="+mn-ea"/>
+        <a:cs typeface="+mn-cs"/>
+      </a:defRPr>
+    </a:lvl9pPr>
+  </p:notesStyle>
+</p:notesMaster>
+</file>
+
+<file path=ppt/notesSlides/notesSlide1.xml><?xml version="1.0" encoding="utf-8"?>
+<p:notes xmlns:a="http://schemas.openxmlformats.org/drawingml/2006/main" xmlns:r="http://schemas.openxmlformats.org/officeDocument/2006/relationships" xmlns:p="http://schemas.openxmlformats.org/presentationml/2006/main">
+  <p:cSld>
+    <p:spTree>
+      <p:nvGrpSpPr>
+        <p:cNvPr id="1" name=""/>
+        <p:cNvGrpSpPr/>
+        <p:nvPr/>
+      </p:nvGrpSpPr>
+      <p:grpSpPr>
+        <a:xfrm>
+          <a:off x="0" y="0"/>
+          <a:ext cx="0" cy="0"/>
+          <a:chOff x="0" y="0"/>
+          <a:chExt cx="0" cy="0"/>
+        </a:xfrm>
+      </p:grpSpPr>
+      <p:sp>
+        <p:nvSpPr>
+          <p:cNvPr id="2" name="Slide Image Placeholder 1"/>
+          <p:cNvSpPr>
+            <a:spLocks noGrp="1" noRot="1" noChangeAspect="1"/>
+          </p:cNvSpPr>
+          <p:nvPr>
+            <p:ph type="sldImg"/>
+          </p:nvPr>
+        </p:nvSpPr>
+        <p:spPr/>
+      </p:sp>
+      <p:sp>
+        <p:nvSpPr>
+          <p:cNvPr id="3" name="Notes Placeholder 2"/>
+          <p:cNvSpPr>
+            <a:spLocks noGrp="1"/>
+          </p:cNvSpPr>
+          <p:nvPr>
+            <p:ph type="body" idx="1"/>
+          </p:nvPr>
+        </p:nvSpPr>
+        <p:spPr/>
+        <p:txBody>
+          <a:bodyPr/>
+          <a:lstStyle/>
+          <a:p>
+            <a:r>
+              <a:rPr lang="en-US" dirty="0">
+                <a:solidFill>
+                  <a:srgbClr val="0E0E0E"/>
+                </a:solidFill>
+                <a:effectLst/>
+                <a:latin typeface=".SF NS"/>
+              </a:rPr>
+              <a:t>• Welcome everyone.</a:t>
+            </a:r>
+          </a:p>
+          <a:p>
+            <a:r>
+              <a:rPr lang="en-US" dirty="0">
+                <a:solidFill>
+                  <a:srgbClr val="0E0E0E"/>
+                </a:solidFill>
+                <a:effectLst/>
+                <a:latin typeface=".SF NS"/>
+              </a:rPr>
+              <a:t>• Today, we explore if nuclear weapons impact a country’s economic health and stability.</a:t>
+            </a:r>
+          </a:p>
+          <a:p>
+            <a:r>
+              <a:rPr lang="en-US" dirty="0">
+                <a:solidFill>
+                  <a:srgbClr val="0E0E0E"/>
+                </a:solidFill>
+                <a:effectLst/>
+                <a:latin typeface=".SF NS"/>
+              </a:rPr>
+              <a:t>• We’ll use economic and human development indicators for our analysis.</a:t>
+            </a:r>
+          </a:p>
+          <a:p>
+            <a:endParaRPr lang="en-US" dirty="0">
+              <a:solidFill>
+                <a:srgbClr val="0E0E0E"/>
+              </a:solidFill>
+              <a:effectLst/>
+              <a:latin typeface=".SF NS"/>
+            </a:endParaRPr>
+          </a:p>
+          <a:p>
+            <a:r>
+              <a:rPr lang="en-US" dirty="0">
+                <a:solidFill>
+                  <a:srgbClr val="0E0E0E"/>
+                </a:solidFill>
+                <a:effectLst/>
+                <a:latin typeface=".SF NS"/>
+              </a:rPr>
+              <a:t>We will use some key terms, the first being:</a:t>
+            </a:r>
+          </a:p>
+          <a:p>
+            <a:r>
+              <a:rPr lang="en-US" dirty="0">
+                <a:solidFill>
+                  <a:srgbClr val="0E0E0E"/>
+                </a:solidFill>
+                <a:effectLst/>
+                <a:latin typeface=".SF NS"/>
+              </a:rPr>
+              <a:t>• </a:t>
+            </a:r>
+            <a:r>
+              <a:rPr lang="en-US" b="1" dirty="0">
+                <a:solidFill>
+                  <a:srgbClr val="0E0E0E"/>
+                </a:solidFill>
+                <a:effectLst/>
+                <a:latin typeface=".SF NS"/>
+              </a:rPr>
+              <a:t>HDI</a:t>
+            </a:r>
+            <a:r>
+              <a:rPr lang="en-US" dirty="0">
+                <a:solidFill>
+                  <a:srgbClr val="0E0E0E"/>
+                </a:solidFill>
+                <a:effectLst/>
+                <a:latin typeface=".SF NS"/>
+              </a:rPr>
+              <a:t>: Measures health, education, and living standards.</a:t>
+            </a:r>
+          </a:p>
+          <a:p>
+            <a:r>
+              <a:rPr lang="en-US" dirty="0">
+                <a:solidFill>
+                  <a:srgbClr val="0E0E0E"/>
+                </a:solidFill>
+                <a:effectLst/>
+                <a:latin typeface=".SF NS"/>
+              </a:rPr>
+              <a:t>• </a:t>
+            </a:r>
+            <a:r>
+              <a:rPr lang="en-US" b="1" dirty="0">
+                <a:solidFill>
+                  <a:srgbClr val="0E0E0E"/>
+                </a:solidFill>
+                <a:effectLst/>
+                <a:latin typeface=".SF NS"/>
+              </a:rPr>
+              <a:t>GDP</a:t>
+            </a:r>
+            <a:r>
+              <a:rPr lang="en-US" dirty="0">
+                <a:solidFill>
+                  <a:srgbClr val="0E0E0E"/>
+                </a:solidFill>
+                <a:effectLst/>
+                <a:latin typeface=".SF NS"/>
+              </a:rPr>
+              <a:t>: Total market value of goods and services produced.</a:t>
+            </a:r>
+          </a:p>
+          <a:p>
+            <a:endParaRPr lang="en-US" dirty="0">
+              <a:solidFill>
+                <a:srgbClr val="0E0E0E"/>
+              </a:solidFill>
+              <a:effectLst/>
+              <a:latin typeface=".SF NS"/>
+            </a:endParaRPr>
+          </a:p>
+          <a:p>
+            <a:pPr algn="l"/>
+            <a:endParaRPr lang="en-US" b="0" i="0" u="none" strike="noStrike" dirty="0">
+              <a:solidFill>
+                <a:srgbClr val="D8D8D8"/>
+              </a:solidFill>
+              <a:effectLst/>
+              <a:latin typeface="-apple-system"/>
+            </a:endParaRPr>
+          </a:p>
+          <a:p>
+            <a:pPr algn="l"/>
+            <a:r>
+              <a:rPr lang="en-US" b="1" i="0" u="sng" strike="noStrike" dirty="0">
+                <a:solidFill>
+                  <a:srgbClr val="86C1B9"/>
+                </a:solidFill>
+                <a:effectLst/>
+                <a:latin typeface="-apple-system"/>
+              </a:rPr>
+              <a:t>Simplified Version of the Hypothesis Question</a:t>
+            </a:r>
+            <a:br>
+              <a:rPr lang="en-US" b="0" i="0" u="none" strike="noStrike" dirty="0">
+                <a:solidFill>
+                  <a:srgbClr val="D8D8D8"/>
+                </a:solidFill>
+                <a:effectLst/>
+                <a:latin typeface="-apple-system"/>
+              </a:rPr>
+            </a:br>
+            <a:r>
+              <a:rPr lang="en-US" b="0" i="0" u="none" strike="noStrike" dirty="0">
+                <a:solidFill>
+                  <a:srgbClr val="D8D8D8"/>
+                </a:solidFill>
+                <a:effectLst/>
+                <a:latin typeface="-apple-system"/>
+              </a:rPr>
+              <a:t>Do more nukes make a country more stable and richer?</a:t>
+            </a:r>
+          </a:p>
+          <a:p>
+            <a:endParaRPr lang="en-US" dirty="0"/>
+          </a:p>
+        </p:txBody>
+      </p:sp>
+      <p:sp>
+        <p:nvSpPr>
+          <p:cNvPr id="4" name="Slide Number Placeholder 3"/>
+          <p:cNvSpPr>
+            <a:spLocks noGrp="1"/>
+          </p:cNvSpPr>
+          <p:nvPr>
+            <p:ph type="sldNum" sz="quarter" idx="5"/>
+          </p:nvPr>
+        </p:nvSpPr>
+        <p:spPr/>
+        <p:txBody>
+          <a:bodyPr/>
+          <a:lstStyle/>
+          <a:p>
+            <a:fld id="{DF55601B-8ECC-C44A-AFB0-A266DFAEED8C}" type="slidenum">
+              <a:rPr lang="en-US" smtClean="0"/>
+              <a:t>1</a:t>
+            </a:fld>
+            <a:endParaRPr lang="en-US"/>
+          </a:p>
+        </p:txBody>
+      </p:sp>
+    </p:spTree>
+    <p:extLst>
+      <p:ext uri="{BB962C8B-B14F-4D97-AF65-F5344CB8AC3E}">
+        <p14:creationId xmlns:p14="http://schemas.microsoft.com/office/powerpoint/2010/main" val="2684569397"/>
+      </p:ext>
+    </p:extLst>
+  </p:cSld>
+  <p:clrMapOvr>
+    <a:masterClrMapping/>
+  </p:clrMapOvr>
+</p:notes>
+</file>
+
+<file path=ppt/notesSlides/notesSlide10.xml><?xml version="1.0" encoding="utf-8"?>
+<p:notes xmlns:a="http://schemas.openxmlformats.org/drawingml/2006/main" xmlns:r="http://schemas.openxmlformats.org/officeDocument/2006/relationships" xmlns:p="http://schemas.openxmlformats.org/presentationml/2006/main">
+  <p:cSld>
+    <p:spTree>
+      <p:nvGrpSpPr>
+        <p:cNvPr id="1" name=""/>
+        <p:cNvGrpSpPr/>
+        <p:nvPr/>
+      </p:nvGrpSpPr>
+      <p:grpSpPr>
+        <a:xfrm>
+          <a:off x="0" y="0"/>
+          <a:ext cx="0" cy="0"/>
+          <a:chOff x="0" y="0"/>
+          <a:chExt cx="0" cy="0"/>
+        </a:xfrm>
+      </p:grpSpPr>
+      <p:sp>
+        <p:nvSpPr>
+          <p:cNvPr id="2" name="Slide Image Placeholder 1"/>
+          <p:cNvSpPr>
+            <a:spLocks noGrp="1" noRot="1" noChangeAspect="1"/>
+          </p:cNvSpPr>
+          <p:nvPr>
+            <p:ph type="sldImg"/>
+          </p:nvPr>
+        </p:nvSpPr>
+        <p:spPr/>
+      </p:sp>
+      <p:sp>
+        <p:nvSpPr>
+          <p:cNvPr id="3" name="Notes Placeholder 2"/>
+          <p:cNvSpPr>
+            <a:spLocks noGrp="1"/>
+          </p:cNvSpPr>
+          <p:nvPr>
+            <p:ph type="body" idx="1"/>
+          </p:nvPr>
+        </p:nvSpPr>
+        <p:spPr/>
+        <p:txBody>
+          <a:bodyPr/>
+          <a:lstStyle/>
+          <a:p>
+            <a:r>
+              <a:rPr lang="en-US" dirty="0">
+                <a:solidFill>
+                  <a:srgbClr val="0E0E0E"/>
+                </a:solidFill>
+                <a:effectLst/>
+                <a:latin typeface=".SF NS"/>
+              </a:rPr>
+              <a:t>• This graph compares economic growth rates among countries with and without nuclear weapons. Economic growth varies widely and was influenced by factors like the COVID-19 pandemic. The presence of nuclear weapons does not appear to correlate with higher economic growth.</a:t>
+            </a:r>
+          </a:p>
+          <a:p>
+            <a:endParaRPr lang="en-US" dirty="0"/>
+          </a:p>
+        </p:txBody>
+      </p:sp>
+      <p:sp>
+        <p:nvSpPr>
+          <p:cNvPr id="4" name="Slide Number Placeholder 3"/>
+          <p:cNvSpPr>
+            <a:spLocks noGrp="1"/>
+          </p:cNvSpPr>
+          <p:nvPr>
+            <p:ph type="sldNum" sz="quarter" idx="5"/>
+          </p:nvPr>
+        </p:nvSpPr>
+        <p:spPr/>
+        <p:txBody>
+          <a:bodyPr/>
+          <a:lstStyle/>
+          <a:p>
+            <a:fld id="{DF55601B-8ECC-C44A-AFB0-A266DFAEED8C}" type="slidenum">
+              <a:rPr lang="en-US" smtClean="0"/>
+              <a:t>10</a:t>
+            </a:fld>
+            <a:endParaRPr lang="en-US"/>
+          </a:p>
+        </p:txBody>
+      </p:sp>
+    </p:spTree>
+    <p:extLst>
+      <p:ext uri="{BB962C8B-B14F-4D97-AF65-F5344CB8AC3E}">
+        <p14:creationId xmlns:p14="http://schemas.microsoft.com/office/powerpoint/2010/main" val="3497950183"/>
+      </p:ext>
+    </p:extLst>
+  </p:cSld>
+  <p:clrMapOvr>
+    <a:masterClrMapping/>
+  </p:clrMapOvr>
+</p:notes>
+</file>
+
+<file path=ppt/notesSlides/notesSlide11.xml><?xml version="1.0" encoding="utf-8"?>
+<p:notes xmlns:a="http://schemas.openxmlformats.org/drawingml/2006/main" xmlns:r="http://schemas.openxmlformats.org/officeDocument/2006/relationships" xmlns:p="http://schemas.openxmlformats.org/presentationml/2006/main">
+  <p:cSld>
+    <p:spTree>
+      <p:nvGrpSpPr>
+        <p:cNvPr id="1" name=""/>
+        <p:cNvGrpSpPr/>
+        <p:nvPr/>
+      </p:nvGrpSpPr>
+      <p:grpSpPr>
+        <a:xfrm>
+          <a:off x="0" y="0"/>
+          <a:ext cx="0" cy="0"/>
+          <a:chOff x="0" y="0"/>
+          <a:chExt cx="0" cy="0"/>
+        </a:xfrm>
+      </p:grpSpPr>
+      <p:sp>
+        <p:nvSpPr>
+          <p:cNvPr id="2" name="Slide Image Placeholder 1"/>
+          <p:cNvSpPr>
+            <a:spLocks noGrp="1" noRot="1" noChangeAspect="1"/>
+          </p:cNvSpPr>
+          <p:nvPr>
+            <p:ph type="sldImg"/>
+          </p:nvPr>
+        </p:nvSpPr>
+        <p:spPr/>
+      </p:sp>
+      <p:sp>
+        <p:nvSpPr>
+          <p:cNvPr id="3" name="Notes Placeholder 2"/>
+          <p:cNvSpPr>
+            <a:spLocks noGrp="1"/>
+          </p:cNvSpPr>
+          <p:nvPr>
+            <p:ph type="body" idx="1"/>
+          </p:nvPr>
+        </p:nvSpPr>
+        <p:spPr/>
+        <p:txBody>
+          <a:bodyPr/>
+          <a:lstStyle/>
+          <a:p>
+            <a:r>
+              <a:rPr lang="en-US" dirty="0">
+                <a:solidFill>
+                  <a:srgbClr val="0E0E0E"/>
+                </a:solidFill>
+                <a:effectLst/>
+                <a:latin typeface=".SF NS"/>
+              </a:rPr>
+              <a:t>This graph examines the relationship between economic growth and the presence of nuclear weapons.</a:t>
+            </a:r>
+          </a:p>
+          <a:p>
+            <a:r>
+              <a:rPr lang="en-US" dirty="0">
+                <a:solidFill>
+                  <a:srgbClr val="0E0E0E"/>
+                </a:solidFill>
+                <a:effectLst/>
+                <a:latin typeface=".SF NS"/>
+              </a:rPr>
+              <a:t>• Each point represents a country’s economic growth rate and whether it has nuclear weapons.</a:t>
+            </a:r>
+          </a:p>
+          <a:p>
+            <a:r>
+              <a:rPr lang="en-US" dirty="0">
+                <a:solidFill>
+                  <a:srgbClr val="0E0E0E"/>
+                </a:solidFill>
+                <a:effectLst/>
+                <a:latin typeface=".SF NS"/>
+              </a:rPr>
+              <a:t>• We observe if countries with nuclear weapons tend to have higher or lower economic growth rates.</a:t>
+            </a:r>
+          </a:p>
+          <a:p>
+            <a:r>
+              <a:rPr lang="en-US" dirty="0">
+                <a:solidFill>
+                  <a:srgbClr val="0E0E0E"/>
+                </a:solidFill>
+                <a:effectLst/>
+                <a:latin typeface=".SF NS"/>
+              </a:rPr>
+              <a:t>• The analysis shows that having nuclear weapons does not necessarily correlate with higher economic growth.</a:t>
+            </a:r>
+          </a:p>
+          <a:p>
+            <a:r>
+              <a:rPr lang="en-US" dirty="0">
+                <a:solidFill>
+                  <a:srgbClr val="0E0E0E"/>
+                </a:solidFill>
+                <a:effectLst/>
+                <a:latin typeface=".SF NS"/>
+              </a:rPr>
+              <a:t>• This suggests that other factors may play a more significant role in influencing economic growth.</a:t>
+            </a:r>
+          </a:p>
+          <a:p>
+            <a:endParaRPr lang="en-US" dirty="0"/>
+          </a:p>
+        </p:txBody>
+      </p:sp>
+      <p:sp>
+        <p:nvSpPr>
+          <p:cNvPr id="4" name="Slide Number Placeholder 3"/>
+          <p:cNvSpPr>
+            <a:spLocks noGrp="1"/>
+          </p:cNvSpPr>
+          <p:nvPr>
+            <p:ph type="sldNum" sz="quarter" idx="5"/>
+          </p:nvPr>
+        </p:nvSpPr>
+        <p:spPr/>
+        <p:txBody>
+          <a:bodyPr/>
+          <a:lstStyle/>
+          <a:p>
+            <a:fld id="{DF55601B-8ECC-C44A-AFB0-A266DFAEED8C}" type="slidenum">
+              <a:rPr lang="en-US" smtClean="0"/>
+              <a:t>11</a:t>
+            </a:fld>
+            <a:endParaRPr lang="en-US"/>
+          </a:p>
+        </p:txBody>
+      </p:sp>
+    </p:spTree>
+    <p:extLst>
+      <p:ext uri="{BB962C8B-B14F-4D97-AF65-F5344CB8AC3E}">
+        <p14:creationId xmlns:p14="http://schemas.microsoft.com/office/powerpoint/2010/main" val="3369248836"/>
+      </p:ext>
+    </p:extLst>
+  </p:cSld>
+  <p:clrMapOvr>
+    <a:masterClrMapping/>
+  </p:clrMapOvr>
+</p:notes>
+</file>
+
+<file path=ppt/notesSlides/notesSlide2.xml><?xml version="1.0" encoding="utf-8"?>
+<p:notes xmlns:a="http://schemas.openxmlformats.org/drawingml/2006/main" xmlns:r="http://schemas.openxmlformats.org/officeDocument/2006/relationships" xmlns:p="http://schemas.openxmlformats.org/presentationml/2006/main">
+  <p:cSld>
+    <p:spTree>
+      <p:nvGrpSpPr>
+        <p:cNvPr id="1" name=""/>
+        <p:cNvGrpSpPr/>
+        <p:nvPr/>
+      </p:nvGrpSpPr>
+      <p:grpSpPr>
+        <a:xfrm>
+          <a:off x="0" y="0"/>
+          <a:ext cx="0" cy="0"/>
+          <a:chOff x="0" y="0"/>
+          <a:chExt cx="0" cy="0"/>
+        </a:xfrm>
+      </p:grpSpPr>
+      <p:sp>
+        <p:nvSpPr>
+          <p:cNvPr id="2" name="Slide Image Placeholder 1"/>
+          <p:cNvSpPr>
+            <a:spLocks noGrp="1" noRot="1" noChangeAspect="1"/>
+          </p:cNvSpPr>
+          <p:nvPr>
+            <p:ph type="sldImg"/>
+          </p:nvPr>
+        </p:nvSpPr>
+        <p:spPr/>
+      </p:sp>
+      <p:sp>
+        <p:nvSpPr>
+          <p:cNvPr id="3" name="Notes Placeholder 2"/>
+          <p:cNvSpPr>
+            <a:spLocks noGrp="1"/>
+          </p:cNvSpPr>
+          <p:nvPr>
+            <p:ph type="body" idx="1"/>
+          </p:nvPr>
+        </p:nvSpPr>
+        <p:spPr/>
+        <p:txBody>
+          <a:bodyPr/>
+          <a:lstStyle/>
+          <a:p>
+            <a:r>
+              <a:rPr lang="en-US" dirty="0"/>
+              <a:t>In the photo above,</a:t>
+            </a:r>
+          </a:p>
+        </p:txBody>
+      </p:sp>
+      <p:sp>
+        <p:nvSpPr>
+          <p:cNvPr id="4" name="Slide Number Placeholder 3"/>
+          <p:cNvSpPr>
+            <a:spLocks noGrp="1"/>
+          </p:cNvSpPr>
+          <p:nvPr>
+            <p:ph type="sldNum" sz="quarter" idx="5"/>
+          </p:nvPr>
+        </p:nvSpPr>
+        <p:spPr/>
+        <p:txBody>
+          <a:bodyPr/>
+          <a:lstStyle/>
+          <a:p>
+            <a:fld id="{DF55601B-8ECC-C44A-AFB0-A266DFAEED8C}" type="slidenum">
+              <a:rPr lang="en-US" smtClean="0"/>
+              <a:t>2</a:t>
+            </a:fld>
+            <a:endParaRPr lang="en-US"/>
+          </a:p>
+        </p:txBody>
+      </p:sp>
+    </p:spTree>
+    <p:extLst>
+      <p:ext uri="{BB962C8B-B14F-4D97-AF65-F5344CB8AC3E}">
+        <p14:creationId xmlns:p14="http://schemas.microsoft.com/office/powerpoint/2010/main" val="234961856"/>
+      </p:ext>
+    </p:extLst>
+  </p:cSld>
+  <p:clrMapOvr>
+    <a:masterClrMapping/>
+  </p:clrMapOvr>
+</p:notes>
+</file>
+
+<file path=ppt/notesSlides/notesSlide3.xml><?xml version="1.0" encoding="utf-8"?>
+<p:notes xmlns:a="http://schemas.openxmlformats.org/drawingml/2006/main" xmlns:r="http://schemas.openxmlformats.org/officeDocument/2006/relationships" xmlns:p="http://schemas.openxmlformats.org/presentationml/2006/main">
+  <p:cSld>
+    <p:spTree>
+      <p:nvGrpSpPr>
+        <p:cNvPr id="1" name=""/>
+        <p:cNvGrpSpPr/>
+        <p:nvPr/>
+      </p:nvGrpSpPr>
+      <p:grpSpPr>
+        <a:xfrm>
+          <a:off x="0" y="0"/>
+          <a:ext cx="0" cy="0"/>
+          <a:chOff x="0" y="0"/>
+          <a:chExt cx="0" cy="0"/>
+        </a:xfrm>
+      </p:grpSpPr>
+      <p:sp>
+        <p:nvSpPr>
+          <p:cNvPr id="2" name="Slide Image Placeholder 1"/>
+          <p:cNvSpPr>
+            <a:spLocks noGrp="1" noRot="1" noChangeAspect="1"/>
+          </p:cNvSpPr>
+          <p:nvPr>
+            <p:ph type="sldImg"/>
+          </p:nvPr>
+        </p:nvSpPr>
+        <p:spPr/>
+      </p:sp>
+      <p:sp>
+        <p:nvSpPr>
+          <p:cNvPr id="3" name="Notes Placeholder 2"/>
+          <p:cNvSpPr>
+            <a:spLocks noGrp="1"/>
+          </p:cNvSpPr>
+          <p:nvPr>
+            <p:ph type="body" idx="1"/>
+          </p:nvPr>
+        </p:nvSpPr>
+        <p:spPr/>
+        <p:txBody>
+          <a:bodyPr/>
+          <a:lstStyle/>
+          <a:p>
+            <a:r>
+              <a:rPr lang="en-US" b="0" dirty="0">
+                <a:solidFill>
+                  <a:srgbClr val="CCCCCC"/>
+                </a:solidFill>
+                <a:effectLst/>
+                <a:highlight>
+                  <a:srgbClr val="1F1F1F"/>
+                </a:highlight>
+                <a:latin typeface="Menlo" panose="020B0609030804020204" pitchFamily="49" charset="0"/>
+              </a:rPr>
+              <a:t>The graphs compare economic indicators for countries with nuclear warheads in 2022. </a:t>
+            </a:r>
+          </a:p>
+          <a:p>
+            <a:endParaRPr lang="en-US" b="0" dirty="0">
+              <a:solidFill>
+                <a:srgbClr val="CCCCCC"/>
+              </a:solidFill>
+              <a:effectLst/>
+              <a:highlight>
+                <a:srgbClr val="1F1F1F"/>
+              </a:highlight>
+              <a:latin typeface="Menlo" panose="020B0609030804020204" pitchFamily="49" charset="0"/>
+            </a:endParaRPr>
+          </a:p>
+          <a:p>
+            <a:r>
+              <a:rPr lang="en-US" b="0" dirty="0">
+                <a:solidFill>
+                  <a:srgbClr val="CCCCCC"/>
+                </a:solidFill>
+                <a:effectLst/>
+                <a:highlight>
+                  <a:srgbClr val="1F1F1F"/>
+                </a:highlight>
+                <a:latin typeface="Menlo" panose="020B0609030804020204" pitchFamily="49" charset="0"/>
+              </a:rPr>
+              <a:t>1. </a:t>
+            </a:r>
+            <a:r>
+              <a:rPr lang="en-US" b="1" dirty="0">
+                <a:solidFill>
+                  <a:srgbClr val="0E0E0E"/>
+                </a:solidFill>
+                <a:effectLst/>
+                <a:latin typeface=".SF NS"/>
+              </a:rPr>
+              <a:t>GDP per Capita</a:t>
+            </a:r>
+            <a:r>
+              <a:rPr lang="en-US" dirty="0">
+                <a:solidFill>
+                  <a:srgbClr val="0E0E0E"/>
+                </a:solidFill>
+                <a:effectLst/>
+                <a:latin typeface=".SF NS"/>
+              </a:rPr>
+              <a:t>: Highest in the USA, UK, France, Israel; lower in China, Russia, India, Pakistan, North Korea.</a:t>
+            </a:r>
+          </a:p>
+          <a:p>
+            <a:r>
+              <a:rPr lang="en-US" b="0" dirty="0">
+                <a:solidFill>
+                  <a:srgbClr val="CCCCCC"/>
+                </a:solidFill>
+                <a:effectLst/>
+                <a:highlight>
+                  <a:srgbClr val="1F1F1F"/>
+                </a:highlight>
+                <a:latin typeface="Menlo" panose="020B0609030804020204" pitchFamily="49" charset="0"/>
+              </a:rPr>
+              <a:t>2. Economic Growth Rate: Economic growth rates vary widely among the countries, with some experiencing positive growth and others negative, likely influenced by the global impact of the COVID-19 pandemic.</a:t>
+            </a:r>
+          </a:p>
+          <a:p>
+            <a:r>
+              <a:rPr lang="en-US" b="1" dirty="0">
+                <a:solidFill>
+                  <a:srgbClr val="0E0E0E"/>
+                </a:solidFill>
+                <a:effectLst/>
+                <a:latin typeface=".SF NS"/>
+              </a:rPr>
+              <a:t>3. HDI Scores</a:t>
+            </a:r>
+            <a:r>
+              <a:rPr lang="en-US" dirty="0">
+                <a:solidFill>
+                  <a:srgbClr val="0E0E0E"/>
+                </a:solidFill>
+                <a:effectLst/>
+                <a:latin typeface=".SF NS"/>
+              </a:rPr>
+              <a:t>: High in the USA, UK, France, Israel; lower in others.</a:t>
+            </a:r>
+          </a:p>
+          <a:p>
+            <a:r>
+              <a:rPr lang="en-US" b="0" dirty="0">
+                <a:solidFill>
+                  <a:srgbClr val="CCCCCC"/>
+                </a:solidFill>
+                <a:effectLst/>
+                <a:highlight>
+                  <a:srgbClr val="1F1F1F"/>
+                </a:highlight>
+                <a:latin typeface="Menlo" panose="020B0609030804020204" pitchFamily="49" charset="0"/>
+              </a:rPr>
+              <a:t>4. Government Debt as Percent of GDP: The UK and the USA have higher levels of government debt relative to their GDP, while other countries have varying, often lower, levels of debt.</a:t>
+            </a:r>
+          </a:p>
+          <a:p>
+            <a:r>
+              <a:rPr lang="en-US" b="0" dirty="0">
+                <a:solidFill>
+                  <a:srgbClr val="CCCCCC"/>
+                </a:solidFill>
+                <a:effectLst/>
+                <a:highlight>
+                  <a:srgbClr val="1F1F1F"/>
+                </a:highlight>
+                <a:latin typeface="Menlo" panose="020B0609030804020204" pitchFamily="49" charset="0"/>
+              </a:rPr>
+              <a:t>5. Trade Openness: Israel and the UK show higher trade openness, meaning a larger share of their GDP comes from trade. The other countries display varying levels of trade openness.</a:t>
+            </a:r>
+          </a:p>
+          <a:p>
+            <a:br>
+              <a:rPr lang="en-US" b="0" dirty="0">
+                <a:solidFill>
+                  <a:srgbClr val="CCCCCC"/>
+                </a:solidFill>
+                <a:effectLst/>
+                <a:highlight>
+                  <a:srgbClr val="1F1F1F"/>
+                </a:highlight>
+                <a:latin typeface="Menlo" panose="020B0609030804020204" pitchFamily="49" charset="0"/>
+              </a:rPr>
+            </a:br>
+            <a:endParaRPr lang="en-US" dirty="0"/>
+          </a:p>
+        </p:txBody>
+      </p:sp>
+      <p:sp>
+        <p:nvSpPr>
+          <p:cNvPr id="4" name="Slide Number Placeholder 3"/>
+          <p:cNvSpPr>
+            <a:spLocks noGrp="1"/>
+          </p:cNvSpPr>
+          <p:nvPr>
+            <p:ph type="sldNum" sz="quarter" idx="5"/>
+          </p:nvPr>
+        </p:nvSpPr>
+        <p:spPr/>
+        <p:txBody>
+          <a:bodyPr/>
+          <a:lstStyle/>
+          <a:p>
+            <a:fld id="{DF55601B-8ECC-C44A-AFB0-A266DFAEED8C}" type="slidenum">
+              <a:rPr lang="en-US" smtClean="0"/>
+              <a:t>3</a:t>
+            </a:fld>
+            <a:endParaRPr lang="en-US"/>
+          </a:p>
+        </p:txBody>
+      </p:sp>
+    </p:spTree>
+    <p:extLst>
+      <p:ext uri="{BB962C8B-B14F-4D97-AF65-F5344CB8AC3E}">
+        <p14:creationId xmlns:p14="http://schemas.microsoft.com/office/powerpoint/2010/main" val="3680372532"/>
+      </p:ext>
+    </p:extLst>
+  </p:cSld>
+  <p:clrMapOvr>
+    <a:masterClrMapping/>
+  </p:clrMapOvr>
+</p:notes>
+</file>
+
+<file path=ppt/notesSlides/notesSlide4.xml><?xml version="1.0" encoding="utf-8"?>
+<p:notes xmlns:a="http://schemas.openxmlformats.org/drawingml/2006/main" xmlns:r="http://schemas.openxmlformats.org/officeDocument/2006/relationships" xmlns:p="http://schemas.openxmlformats.org/presentationml/2006/main">
+  <p:cSld>
+    <p:spTree>
+      <p:nvGrpSpPr>
+        <p:cNvPr id="1" name=""/>
+        <p:cNvGrpSpPr/>
+        <p:nvPr/>
+      </p:nvGrpSpPr>
+      <p:grpSpPr>
+        <a:xfrm>
+          <a:off x="0" y="0"/>
+          <a:ext cx="0" cy="0"/>
+          <a:chOff x="0" y="0"/>
+          <a:chExt cx="0" cy="0"/>
+        </a:xfrm>
+      </p:grpSpPr>
+      <p:sp>
+        <p:nvSpPr>
+          <p:cNvPr id="2" name="Slide Image Placeholder 1"/>
+          <p:cNvSpPr>
+            <a:spLocks noGrp="1" noRot="1" noChangeAspect="1"/>
+          </p:cNvSpPr>
+          <p:nvPr>
+            <p:ph type="sldImg"/>
+          </p:nvPr>
+        </p:nvSpPr>
+        <p:spPr/>
+      </p:sp>
+      <p:sp>
+        <p:nvSpPr>
+          <p:cNvPr id="3" name="Notes Placeholder 2"/>
+          <p:cNvSpPr>
+            <a:spLocks noGrp="1"/>
+          </p:cNvSpPr>
+          <p:nvPr>
+            <p:ph type="body" idx="1"/>
+          </p:nvPr>
+        </p:nvSpPr>
+        <p:spPr/>
+        <p:txBody>
+          <a:bodyPr/>
+          <a:lstStyle/>
+          <a:p>
+            <a:r>
+              <a:rPr lang="en-US" b="0" dirty="0">
+                <a:solidFill>
+                  <a:srgbClr val="CCCCCC"/>
+                </a:solidFill>
+                <a:effectLst/>
+                <a:highlight>
+                  <a:srgbClr val="1F1F1F"/>
+                </a:highlight>
+                <a:latin typeface="Menlo" panose="020B0609030804020204" pitchFamily="49" charset="0"/>
+              </a:rPr>
+              <a:t>The bar chart shows the Human Development Index (HDI) for the countries with nuclear warheads in 2022. </a:t>
+            </a:r>
+          </a:p>
+          <a:p>
+            <a:br>
+              <a:rPr lang="en-US" b="0" dirty="0">
+                <a:solidFill>
+                  <a:srgbClr val="CCCCCC"/>
+                </a:solidFill>
+                <a:effectLst/>
+                <a:highlight>
+                  <a:srgbClr val="1F1F1F"/>
+                </a:highlight>
+                <a:latin typeface="Menlo" panose="020B0609030804020204" pitchFamily="49" charset="0"/>
+              </a:rPr>
+            </a:br>
+            <a:r>
+              <a:rPr lang="en-US" b="0" dirty="0">
+                <a:solidFill>
+                  <a:srgbClr val="CCCCCC"/>
+                </a:solidFill>
+                <a:effectLst/>
+                <a:highlight>
+                  <a:srgbClr val="1F1F1F"/>
+                </a:highlight>
+                <a:latin typeface="Menlo" panose="020B0609030804020204" pitchFamily="49" charset="0"/>
+              </a:rPr>
+              <a:t>• USA, UK, France, Israel have high HDI values close to 1, reflecting very high levels of human development.</a:t>
+            </a:r>
+          </a:p>
+          <a:p>
+            <a:r>
+              <a:rPr lang="en-US" b="0" dirty="0">
+                <a:solidFill>
+                  <a:srgbClr val="CCCCCC"/>
+                </a:solidFill>
+                <a:effectLst/>
+                <a:highlight>
+                  <a:srgbClr val="1F1F1F"/>
+                </a:highlight>
+                <a:latin typeface="Menlo" panose="020B0609030804020204" pitchFamily="49" charset="0"/>
+              </a:rPr>
+              <a:t>• China: Has a high HDI, showing significant development and improved living standards.</a:t>
+            </a:r>
+          </a:p>
+          <a:p>
+            <a:r>
+              <a:rPr lang="en-US" b="0" dirty="0">
+                <a:solidFill>
+                  <a:srgbClr val="CCCCCC"/>
+                </a:solidFill>
+                <a:effectLst/>
+                <a:highlight>
+                  <a:srgbClr val="1F1F1F"/>
+                </a:highlight>
+                <a:latin typeface="Menlo" panose="020B0609030804020204" pitchFamily="49" charset="0"/>
+              </a:rPr>
+              <a:t>• Russia: Shows a relatively high HDI, indicating good human development.</a:t>
+            </a:r>
+          </a:p>
+          <a:p>
+            <a:r>
+              <a:rPr lang="en-US" b="0" dirty="0">
+                <a:solidFill>
+                  <a:srgbClr val="CCCCCC"/>
+                </a:solidFill>
+                <a:effectLst/>
+                <a:highlight>
+                  <a:srgbClr val="1F1F1F"/>
+                </a:highlight>
+                <a:latin typeface="Menlo" panose="020B0609030804020204" pitchFamily="49" charset="0"/>
+              </a:rPr>
+              <a:t>• India and Pakistan: Have moderate HDI values, indicating ongoing development but still room for improvement.</a:t>
+            </a:r>
+          </a:p>
+          <a:p>
+            <a:br>
+              <a:rPr lang="en-US" b="0" dirty="0">
+                <a:solidFill>
+                  <a:srgbClr val="CCCCCC"/>
+                </a:solidFill>
+                <a:effectLst/>
+                <a:highlight>
+                  <a:srgbClr val="1F1F1F"/>
+                </a:highlight>
+                <a:latin typeface="Menlo" panose="020B0609030804020204" pitchFamily="49" charset="0"/>
+              </a:rPr>
+            </a:br>
+            <a:r>
+              <a:rPr lang="en-US" b="0" dirty="0">
+                <a:solidFill>
+                  <a:srgbClr val="CCCCCC"/>
+                </a:solidFill>
+                <a:effectLst/>
+                <a:highlight>
+                  <a:srgbClr val="1F1F1F"/>
+                </a:highlight>
+                <a:latin typeface="Menlo" panose="020B0609030804020204" pitchFamily="49" charset="0"/>
+              </a:rPr>
+              <a:t>This comparison highlights the disparities and levels of human development among the countries.</a:t>
+            </a:r>
+            <a:endParaRPr lang="en-US" dirty="0"/>
+          </a:p>
+        </p:txBody>
+      </p:sp>
+      <p:sp>
+        <p:nvSpPr>
+          <p:cNvPr id="4" name="Slide Number Placeholder 3"/>
+          <p:cNvSpPr>
+            <a:spLocks noGrp="1"/>
+          </p:cNvSpPr>
+          <p:nvPr>
+            <p:ph type="sldNum" sz="quarter" idx="5"/>
+          </p:nvPr>
+        </p:nvSpPr>
+        <p:spPr/>
+        <p:txBody>
+          <a:bodyPr/>
+          <a:lstStyle/>
+          <a:p>
+            <a:fld id="{DF55601B-8ECC-C44A-AFB0-A266DFAEED8C}" type="slidenum">
+              <a:rPr lang="en-US" smtClean="0"/>
+              <a:t>4</a:t>
+            </a:fld>
+            <a:endParaRPr lang="en-US"/>
+          </a:p>
+        </p:txBody>
+      </p:sp>
+    </p:spTree>
+    <p:extLst>
+      <p:ext uri="{BB962C8B-B14F-4D97-AF65-F5344CB8AC3E}">
+        <p14:creationId xmlns:p14="http://schemas.microsoft.com/office/powerpoint/2010/main" val="3182369364"/>
+      </p:ext>
+    </p:extLst>
+  </p:cSld>
+  <p:clrMapOvr>
+    <a:masterClrMapping/>
+  </p:clrMapOvr>
+</p:notes>
+</file>
+
+<file path=ppt/notesSlides/notesSlide5.xml><?xml version="1.0" encoding="utf-8"?>
+<p:notes xmlns:a="http://schemas.openxmlformats.org/drawingml/2006/main" xmlns:r="http://schemas.openxmlformats.org/officeDocument/2006/relationships" xmlns:p="http://schemas.openxmlformats.org/presentationml/2006/main">
+  <p:cSld>
+    <p:spTree>
+      <p:nvGrpSpPr>
+        <p:cNvPr id="1" name=""/>
+        <p:cNvGrpSpPr/>
+        <p:nvPr/>
+      </p:nvGrpSpPr>
+      <p:grpSpPr>
+        <a:xfrm>
+          <a:off x="0" y="0"/>
+          <a:ext cx="0" cy="0"/>
+          <a:chOff x="0" y="0"/>
+          <a:chExt cx="0" cy="0"/>
+        </a:xfrm>
+      </p:grpSpPr>
+      <p:sp>
+        <p:nvSpPr>
+          <p:cNvPr id="2" name="Slide Image Placeholder 1"/>
+          <p:cNvSpPr>
+            <a:spLocks noGrp="1" noRot="1" noChangeAspect="1"/>
+          </p:cNvSpPr>
+          <p:nvPr>
+            <p:ph type="sldImg"/>
+          </p:nvPr>
+        </p:nvSpPr>
+        <p:spPr/>
+      </p:sp>
+      <p:sp>
+        <p:nvSpPr>
+          <p:cNvPr id="3" name="Notes Placeholder 2"/>
+          <p:cNvSpPr>
+            <a:spLocks noGrp="1"/>
+          </p:cNvSpPr>
+          <p:nvPr>
+            <p:ph type="body" idx="1"/>
+          </p:nvPr>
+        </p:nvSpPr>
+        <p:spPr/>
+        <p:txBody>
+          <a:bodyPr/>
+          <a:lstStyle/>
+          <a:p>
+            <a:r>
+              <a:rPr lang="en-US" b="0" dirty="0">
+                <a:solidFill>
+                  <a:srgbClr val="CCCCCC"/>
+                </a:solidFill>
+                <a:effectLst/>
+                <a:highlight>
+                  <a:srgbClr val="1F1F1F"/>
+                </a:highlight>
+                <a:latin typeface="Menlo" panose="020B0609030804020204" pitchFamily="49" charset="0"/>
+              </a:rPr>
+              <a:t>This graph displays how military spending as a percentage of GDP has changed over time for countries with nuclear warheads.</a:t>
+            </a:r>
+          </a:p>
+          <a:p>
+            <a:endParaRPr lang="en-US" b="0" dirty="0">
+              <a:solidFill>
+                <a:srgbClr val="CCCCCC"/>
+              </a:solidFill>
+              <a:effectLst/>
+              <a:highlight>
+                <a:srgbClr val="1F1F1F"/>
+              </a:highlight>
+              <a:latin typeface="Menlo" panose="020B0609030804020204" pitchFamily="49" charset="0"/>
+            </a:endParaRPr>
+          </a:p>
+          <a:p>
+            <a:r>
+              <a:rPr lang="en-US" b="0" dirty="0">
+                <a:solidFill>
+                  <a:srgbClr val="CCCCCC"/>
+                </a:solidFill>
+                <a:effectLst/>
+                <a:highlight>
+                  <a:srgbClr val="1F1F1F"/>
+                </a:highlight>
+                <a:latin typeface="Menlo" panose="020B0609030804020204" pitchFamily="49" charset="0"/>
+              </a:rPr>
+              <a:t>Spikes or drops in military spending may correlate with historical events, such as conflicts, economic crises, or changes in government policy.</a:t>
+            </a:r>
+          </a:p>
+          <a:p>
+            <a:endParaRPr lang="en-US" dirty="0"/>
+          </a:p>
+          <a:p>
+            <a:r>
+              <a:rPr lang="en-US" dirty="0"/>
+              <a:t>For example, The spike we see in the UK in the 70s was due to the Cold War</a:t>
+            </a:r>
+          </a:p>
+        </p:txBody>
+      </p:sp>
+      <p:sp>
+        <p:nvSpPr>
+          <p:cNvPr id="4" name="Slide Number Placeholder 3"/>
+          <p:cNvSpPr>
+            <a:spLocks noGrp="1"/>
+          </p:cNvSpPr>
+          <p:nvPr>
+            <p:ph type="sldNum" sz="quarter" idx="5"/>
+          </p:nvPr>
+        </p:nvSpPr>
+        <p:spPr/>
+        <p:txBody>
+          <a:bodyPr/>
+          <a:lstStyle/>
+          <a:p>
+            <a:fld id="{DF55601B-8ECC-C44A-AFB0-A266DFAEED8C}" type="slidenum">
+              <a:rPr lang="en-US" smtClean="0"/>
+              <a:t>5</a:t>
+            </a:fld>
+            <a:endParaRPr lang="en-US"/>
+          </a:p>
+        </p:txBody>
+      </p:sp>
+    </p:spTree>
+    <p:extLst>
+      <p:ext uri="{BB962C8B-B14F-4D97-AF65-F5344CB8AC3E}">
+        <p14:creationId xmlns:p14="http://schemas.microsoft.com/office/powerpoint/2010/main" val="257122556"/>
+      </p:ext>
+    </p:extLst>
+  </p:cSld>
+  <p:clrMapOvr>
+    <a:masterClrMapping/>
+  </p:clrMapOvr>
+</p:notes>
+</file>
+
+<file path=ppt/notesSlides/notesSlide6.xml><?xml version="1.0" encoding="utf-8"?>
+<p:notes xmlns:a="http://schemas.openxmlformats.org/drawingml/2006/main" xmlns:r="http://schemas.openxmlformats.org/officeDocument/2006/relationships" xmlns:p="http://schemas.openxmlformats.org/presentationml/2006/main">
+  <p:cSld>
+    <p:spTree>
+      <p:nvGrpSpPr>
+        <p:cNvPr id="1" name=""/>
+        <p:cNvGrpSpPr/>
+        <p:nvPr/>
+      </p:nvGrpSpPr>
+      <p:grpSpPr>
+        <a:xfrm>
+          <a:off x="0" y="0"/>
+          <a:ext cx="0" cy="0"/>
+          <a:chOff x="0" y="0"/>
+          <a:chExt cx="0" cy="0"/>
+        </a:xfrm>
+      </p:grpSpPr>
+      <p:sp>
+        <p:nvSpPr>
+          <p:cNvPr id="2" name="Slide Image Placeholder 1"/>
+          <p:cNvSpPr>
+            <a:spLocks noGrp="1" noRot="1" noChangeAspect="1"/>
+          </p:cNvSpPr>
+          <p:nvPr>
+            <p:ph type="sldImg"/>
+          </p:nvPr>
+        </p:nvSpPr>
+        <p:spPr/>
+      </p:sp>
+      <p:sp>
+        <p:nvSpPr>
+          <p:cNvPr id="3" name="Notes Placeholder 2"/>
+          <p:cNvSpPr>
+            <a:spLocks noGrp="1"/>
+          </p:cNvSpPr>
+          <p:nvPr>
+            <p:ph type="body" idx="1"/>
+          </p:nvPr>
+        </p:nvSpPr>
+        <p:spPr/>
+        <p:txBody>
+          <a:bodyPr/>
+          <a:lstStyle/>
+          <a:p>
+            <a:r>
+              <a:rPr lang="en-US" b="0" dirty="0">
+                <a:solidFill>
+                  <a:srgbClr val="CCCCCC"/>
+                </a:solidFill>
+                <a:effectLst/>
+                <a:highlight>
+                  <a:srgbClr val="1F1F1F"/>
+                </a:highlight>
+                <a:latin typeface="Menlo" panose="020B0609030804020204" pitchFamily="49" charset="0"/>
+              </a:rPr>
+              <a:t>The graph allows us to see if there’s a correlation between higher military spending and human development, indicating whether countries that allocate more of their GDP to military expenses tend to have higher or lower levels of human development. Outliers can highlight countries with high military spending but lower human development, or vice versa.</a:t>
+            </a:r>
+          </a:p>
+          <a:p>
+            <a:endParaRPr lang="en-US" dirty="0"/>
+          </a:p>
+        </p:txBody>
+      </p:sp>
+      <p:sp>
+        <p:nvSpPr>
+          <p:cNvPr id="4" name="Slide Number Placeholder 3"/>
+          <p:cNvSpPr>
+            <a:spLocks noGrp="1"/>
+          </p:cNvSpPr>
+          <p:nvPr>
+            <p:ph type="sldNum" sz="quarter" idx="5"/>
+          </p:nvPr>
+        </p:nvSpPr>
+        <p:spPr/>
+        <p:txBody>
+          <a:bodyPr/>
+          <a:lstStyle/>
+          <a:p>
+            <a:fld id="{DF55601B-8ECC-C44A-AFB0-A266DFAEED8C}" type="slidenum">
+              <a:rPr lang="en-US" smtClean="0"/>
+              <a:t>6</a:t>
+            </a:fld>
+            <a:endParaRPr lang="en-US"/>
+          </a:p>
+        </p:txBody>
+      </p:sp>
+    </p:spTree>
+    <p:extLst>
+      <p:ext uri="{BB962C8B-B14F-4D97-AF65-F5344CB8AC3E}">
+        <p14:creationId xmlns:p14="http://schemas.microsoft.com/office/powerpoint/2010/main" val="4103949685"/>
+      </p:ext>
+    </p:extLst>
+  </p:cSld>
+  <p:clrMapOvr>
+    <a:masterClrMapping/>
+  </p:clrMapOvr>
+</p:notes>
+</file>
+
+<file path=ppt/notesSlides/notesSlide7.xml><?xml version="1.0" encoding="utf-8"?>
+<p:notes xmlns:a="http://schemas.openxmlformats.org/drawingml/2006/main" xmlns:r="http://schemas.openxmlformats.org/officeDocument/2006/relationships" xmlns:p="http://schemas.openxmlformats.org/presentationml/2006/main">
+  <p:cSld>
+    <p:spTree>
+      <p:nvGrpSpPr>
+        <p:cNvPr id="1" name=""/>
+        <p:cNvGrpSpPr/>
+        <p:nvPr/>
+      </p:nvGrpSpPr>
+      <p:grpSpPr>
+        <a:xfrm>
+          <a:off x="0" y="0"/>
+          <a:ext cx="0" cy="0"/>
+          <a:chOff x="0" y="0"/>
+          <a:chExt cx="0" cy="0"/>
+        </a:xfrm>
+      </p:grpSpPr>
+      <p:sp>
+        <p:nvSpPr>
+          <p:cNvPr id="2" name="Slide Image Placeholder 1"/>
+          <p:cNvSpPr>
+            <a:spLocks noGrp="1" noRot="1" noChangeAspect="1"/>
+          </p:cNvSpPr>
+          <p:nvPr>
+            <p:ph type="sldImg"/>
+          </p:nvPr>
+        </p:nvSpPr>
+        <p:spPr/>
+      </p:sp>
+      <p:sp>
+        <p:nvSpPr>
+          <p:cNvPr id="3" name="Notes Placeholder 2"/>
+          <p:cNvSpPr>
+            <a:spLocks noGrp="1"/>
+          </p:cNvSpPr>
+          <p:nvPr>
+            <p:ph type="body" idx="1"/>
+          </p:nvPr>
+        </p:nvSpPr>
+        <p:spPr/>
+        <p:txBody>
+          <a:bodyPr/>
+          <a:lstStyle/>
+          <a:p>
+            <a:r>
+              <a:rPr lang="en-US" b="0" dirty="0">
+                <a:solidFill>
+                  <a:srgbClr val="CCCCCC"/>
+                </a:solidFill>
+                <a:effectLst/>
+                <a:highlight>
+                  <a:srgbClr val="1F1F1F"/>
+                </a:highlight>
+                <a:latin typeface="Menlo" panose="020B0609030804020204" pitchFamily="49" charset="0"/>
+              </a:rPr>
+              <a:t>The graph allows us to see if there’s a correlation between higher military spending and economic prosperity, revealing whether countries that spend more on their military tend to have higher or lower GDP per capita. Outliers in the plot indicate countries with unique economic and defense spending priorities.</a:t>
+            </a:r>
+          </a:p>
+          <a:p>
+            <a:endParaRPr lang="en-US" dirty="0"/>
+          </a:p>
+        </p:txBody>
+      </p:sp>
+      <p:sp>
+        <p:nvSpPr>
+          <p:cNvPr id="4" name="Slide Number Placeholder 3"/>
+          <p:cNvSpPr>
+            <a:spLocks noGrp="1"/>
+          </p:cNvSpPr>
+          <p:nvPr>
+            <p:ph type="sldNum" sz="quarter" idx="5"/>
+          </p:nvPr>
+        </p:nvSpPr>
+        <p:spPr/>
+        <p:txBody>
+          <a:bodyPr/>
+          <a:lstStyle/>
+          <a:p>
+            <a:fld id="{DF55601B-8ECC-C44A-AFB0-A266DFAEED8C}" type="slidenum">
+              <a:rPr lang="en-US" smtClean="0"/>
+              <a:t>7</a:t>
+            </a:fld>
+            <a:endParaRPr lang="en-US"/>
+          </a:p>
+        </p:txBody>
+      </p:sp>
+    </p:spTree>
+    <p:extLst>
+      <p:ext uri="{BB962C8B-B14F-4D97-AF65-F5344CB8AC3E}">
+        <p14:creationId xmlns:p14="http://schemas.microsoft.com/office/powerpoint/2010/main" val="330858687"/>
+      </p:ext>
+    </p:extLst>
+  </p:cSld>
+  <p:clrMapOvr>
+    <a:masterClrMapping/>
+  </p:clrMapOvr>
+</p:notes>
+</file>
+
+<file path=ppt/notesSlides/notesSlide8.xml><?xml version="1.0" encoding="utf-8"?>
+<p:notes xmlns:a="http://schemas.openxmlformats.org/drawingml/2006/main" xmlns:r="http://schemas.openxmlformats.org/officeDocument/2006/relationships" xmlns:p="http://schemas.openxmlformats.org/presentationml/2006/main">
+  <p:cSld>
+    <p:spTree>
+      <p:nvGrpSpPr>
+        <p:cNvPr id="1" name=""/>
+        <p:cNvGrpSpPr/>
+        <p:nvPr/>
+      </p:nvGrpSpPr>
+      <p:grpSpPr>
+        <a:xfrm>
+          <a:off x="0" y="0"/>
+          <a:ext cx="0" cy="0"/>
+          <a:chOff x="0" y="0"/>
+          <a:chExt cx="0" cy="0"/>
+        </a:xfrm>
+      </p:grpSpPr>
+      <p:sp>
+        <p:nvSpPr>
+          <p:cNvPr id="2" name="Slide Image Placeholder 1"/>
+          <p:cNvSpPr>
+            <a:spLocks noGrp="1" noRot="1" noChangeAspect="1"/>
+          </p:cNvSpPr>
+          <p:nvPr>
+            <p:ph type="sldImg"/>
+          </p:nvPr>
+        </p:nvSpPr>
+        <p:spPr/>
+      </p:sp>
+      <p:sp>
+        <p:nvSpPr>
+          <p:cNvPr id="3" name="Notes Placeholder 2"/>
+          <p:cNvSpPr>
+            <a:spLocks noGrp="1"/>
+          </p:cNvSpPr>
+          <p:nvPr>
+            <p:ph type="body" idx="1"/>
+          </p:nvPr>
+        </p:nvSpPr>
+        <p:spPr/>
+        <p:txBody>
+          <a:bodyPr/>
+          <a:lstStyle/>
+          <a:p>
+            <a:r>
+              <a:rPr lang="en-US" dirty="0">
+                <a:solidFill>
+                  <a:srgbClr val="0E0E0E"/>
+                </a:solidFill>
+                <a:effectLst/>
+                <a:latin typeface=".SF NS"/>
+              </a:rPr>
+              <a:t>The histogram shows a comparison of the Human Development Index (HDI) between countries with and without nuclear weapons. The analysis indicates that countries with nuclear weapons tend to have a slightly higher HDI on average. However, this difference is not statistically significant, as there is considerable overlap between the HDI values of the two groups. Specifically, the HDI values for both groups converge around 0.75, indicating that countries with and without nuclear weapons have similar HDI scores in this range. This overlap suggests that while there might be a slight tendency for nuclear-armed countries to have higher HDI values, it is not enough to conclude that nuclear status alone significantly impacts HDI.</a:t>
+            </a:r>
+          </a:p>
+          <a:p>
+            <a:endParaRPr lang="en-US" dirty="0"/>
+          </a:p>
+        </p:txBody>
+      </p:sp>
+      <p:sp>
+        <p:nvSpPr>
+          <p:cNvPr id="4" name="Slide Number Placeholder 3"/>
+          <p:cNvSpPr>
+            <a:spLocks noGrp="1"/>
+          </p:cNvSpPr>
+          <p:nvPr>
+            <p:ph type="sldNum" sz="quarter" idx="5"/>
+          </p:nvPr>
+        </p:nvSpPr>
+        <p:spPr/>
+        <p:txBody>
+          <a:bodyPr/>
+          <a:lstStyle/>
+          <a:p>
+            <a:fld id="{DF55601B-8ECC-C44A-AFB0-A266DFAEED8C}" type="slidenum">
+              <a:rPr lang="en-US" smtClean="0"/>
+              <a:t>8</a:t>
+            </a:fld>
+            <a:endParaRPr lang="en-US"/>
+          </a:p>
+        </p:txBody>
+      </p:sp>
+    </p:spTree>
+    <p:extLst>
+      <p:ext uri="{BB962C8B-B14F-4D97-AF65-F5344CB8AC3E}">
+        <p14:creationId xmlns:p14="http://schemas.microsoft.com/office/powerpoint/2010/main" val="1644484577"/>
+      </p:ext>
+    </p:extLst>
+  </p:cSld>
+  <p:clrMapOvr>
+    <a:masterClrMapping/>
+  </p:clrMapOvr>
+</p:notes>
+</file>
+
+<file path=ppt/notesSlides/notesSlide9.xml><?xml version="1.0" encoding="utf-8"?>
+<p:notes xmlns:a="http://schemas.openxmlformats.org/drawingml/2006/main" xmlns:r="http://schemas.openxmlformats.org/officeDocument/2006/relationships" xmlns:p="http://schemas.openxmlformats.org/presentationml/2006/main">
+  <p:cSld>
+    <p:spTree>
+      <p:nvGrpSpPr>
+        <p:cNvPr id="1" name=""/>
+        <p:cNvGrpSpPr/>
+        <p:nvPr/>
+      </p:nvGrpSpPr>
+      <p:grpSpPr>
+        <a:xfrm>
+          <a:off x="0" y="0"/>
+          <a:ext cx="0" cy="0"/>
+          <a:chOff x="0" y="0"/>
+          <a:chExt cx="0" cy="0"/>
+        </a:xfrm>
+      </p:grpSpPr>
+      <p:sp>
+        <p:nvSpPr>
+          <p:cNvPr id="2" name="Slide Image Placeholder 1"/>
+          <p:cNvSpPr>
+            <a:spLocks noGrp="1" noRot="1" noChangeAspect="1"/>
+          </p:cNvSpPr>
+          <p:nvPr>
+            <p:ph type="sldImg"/>
+          </p:nvPr>
+        </p:nvSpPr>
+        <p:spPr/>
+      </p:sp>
+      <p:sp>
+        <p:nvSpPr>
+          <p:cNvPr id="3" name="Notes Placeholder 2"/>
+          <p:cNvSpPr>
+            <a:spLocks noGrp="1"/>
+          </p:cNvSpPr>
+          <p:nvPr>
+            <p:ph type="body" idx="1"/>
+          </p:nvPr>
+        </p:nvSpPr>
+        <p:spPr/>
+        <p:txBody>
+          <a:bodyPr/>
+          <a:lstStyle/>
+          <a:p>
+            <a:r>
+              <a:rPr lang="en-US" b="0" dirty="0">
+                <a:solidFill>
+                  <a:srgbClr val="CCCCCC"/>
+                </a:solidFill>
+                <a:effectLst/>
+                <a:highlight>
+                  <a:srgbClr val="1F1F1F"/>
+                </a:highlight>
+                <a:latin typeface="Menlo" panose="020B0609030804020204" pitchFamily="49" charset="0"/>
+              </a:rPr>
+              <a:t>This graph determines relationship between a country having nuclear weapons and its Human Development Index. The blue dots represent actual HDI values for countries, with the x-axis showing whether a country has nuclear weapons (1 means it has nukes, 0 means it doesn’t). The red line shows the general trend. This graph indicates that countries with nuclear weapons tend to have a higher HDI. </a:t>
+            </a:r>
+            <a:endParaRPr lang="en-US" dirty="0"/>
+          </a:p>
+        </p:txBody>
+      </p:sp>
+      <p:sp>
+        <p:nvSpPr>
+          <p:cNvPr id="4" name="Slide Number Placeholder 3"/>
+          <p:cNvSpPr>
+            <a:spLocks noGrp="1"/>
+          </p:cNvSpPr>
+          <p:nvPr>
+            <p:ph type="sldNum" sz="quarter" idx="5"/>
+          </p:nvPr>
+        </p:nvSpPr>
+        <p:spPr/>
+        <p:txBody>
+          <a:bodyPr/>
+          <a:lstStyle/>
+          <a:p>
+            <a:fld id="{DF55601B-8ECC-C44A-AFB0-A266DFAEED8C}" type="slidenum">
+              <a:rPr lang="en-US" smtClean="0"/>
+              <a:t>9</a:t>
+            </a:fld>
+            <a:endParaRPr lang="en-US"/>
+          </a:p>
+        </p:txBody>
+      </p:sp>
+    </p:spTree>
+    <p:extLst>
+      <p:ext uri="{BB962C8B-B14F-4D97-AF65-F5344CB8AC3E}">
+        <p14:creationId xmlns:p14="http://schemas.microsoft.com/office/powerpoint/2010/main" val="4108130858"/>
+      </p:ext>
+    </p:extLst>
+  </p:cSld>
+  <p:clrMapOvr>
+    <a:masterClrMapping/>
+  </p:clrMapOvr>
+</p:notes>
+</file>
+
+<file path=ppt/slideLayouts/slideLayout1.xml><?xml version="1.0" encoding="utf-8"?>
+<p:sldLayout xmlns:a="http://schemas.openxmlformats.org/drawingml/2006/main" xmlns:r="http://schemas.openxmlformats.org/officeDocument/2006/relationships" xmlns:p="http://schemas.openxmlformats.org/presentationml/2006/main" type="title" preserve="1">
+  <p:cSld name="Title Slide">
+    <p:bg>
+      <p:bgPr>
+        <a:solidFill>
+          <a:schemeClr val="accent2"/>
+        </a:solidFill>
+        <a:effectLst/>
+      </p:bgPr>
+    </p:bg>
+    <p:spTree>
+      <p:nvGrpSpPr>
+        <p:cNvPr id="1" name=""/>
+        <p:cNvGrpSpPr/>
+        <p:nvPr/>
+      </p:nvGrpSpPr>
+      <p:grpSpPr>
+        <a:xfrm>
+          <a:off x="0" y="0"/>
+          <a:ext cx="0" cy="0"/>
+          <a:chOff x="0" y="0"/>
+          <a:chExt cx="0" cy="0"/>
+        </a:xfrm>
+      </p:grpSpPr>
+      <p:sp>
+        <p:nvSpPr>
+          <p:cNvPr id="2" name="Title 1"/>
+          <p:cNvSpPr>
+            <a:spLocks noGrp="1"/>
+          </p:cNvSpPr>
+          <p:nvPr>
+            <p:ph type="ctrTitle"/>
+          </p:nvPr>
+        </p:nvSpPr>
+        <p:spPr bwMode="blackWhite">
+          <a:xfrm>
+            <a:off x="1600200" y="2386744"/>
+            <a:ext cx="8991600" cy="1645920"/>
+          </a:xfrm>
+          <a:solidFill>
+            <a:srgbClr val="FFFFFF"/>
+          </a:solidFill>
+          <a:ln w="38100">
+            <a:solidFill>
+              <a:srgbClr val="404040"/>
+            </a:solidFill>
+          </a:ln>
+        </p:spPr>
+        <p:txBody>
+          <a:bodyPr lIns="274320" rIns="274320" anchor="ctr" anchorCtr="1">
+            <a:normAutofit/>
+          </a:bodyPr>
           <a:lstStyle>
             <a:lvl1pPr algn="ctr">
-              <a:defRPr sz="6000"/>
+              <a:defRPr sz="3800">
+                <a:solidFill>
+                  <a:srgbClr val="262626"/>
+                </a:solidFill>
+              </a:defRPr>
             </a:lvl1pPr>
           </a:lstStyle>
           <a:p>
@@ -158,18 +2063,13 @@
               <a:rPr lang="en-US"/>
               <a:t>Click to edit Master title style</a:t>
             </a:r>
-          </a:p>
-        </p:txBody>
-      </p:sp>
-      <p:sp>
-        <p:nvSpPr>
-          <p:cNvPr id="3" name="Subtitle 2">
-            <a:extLst>
-              <a:ext uri="{FF2B5EF4-FFF2-40B4-BE49-F238E27FC236}">
-                <a16:creationId xmlns:a16="http://schemas.microsoft.com/office/drawing/2014/main" id="{C7EE9C22-5F35-7D6E-D43F-7639C0574465}"/>
-              </a:ext>
-            </a:extLst>
-          </p:cNvPr>
+            <a:endParaRPr lang="en-US" dirty="0"/>
+          </a:p>
+        </p:txBody>
+      </p:sp>
+      <p:sp>
+        <p:nvSpPr>
+          <p:cNvPr id="3" name="Subtitle 2"/>
           <p:cNvSpPr>
             <a:spLocks noGrp="1"/>
           </p:cNvSpPr>
@@ -179,16 +2079,26 @@
         </p:nvSpPr>
         <p:spPr>
           <a:xfrm>
-            <a:off x="1524000" y="3602038"/>
-            <a:ext cx="9144000" cy="1655762"/>
+            <a:off x="2695194" y="4352544"/>
+            <a:ext cx="6801612" cy="1239894"/>
           </a:xfrm>
+          <a:noFill/>
         </p:spPr>
         <p:txBody>
-          <a:bodyPr/>
+          <a:bodyPr>
+            <a:normAutofit/>
+          </a:bodyPr>
           <a:lstStyle>
             <a:lvl1pPr marL="0" indent="0" algn="ctr">
               <a:buNone/>
-              <a:defRPr sz="2400"/>
+              <a:defRPr sz="2000">
+                <a:solidFill>
+                  <a:schemeClr val="tx1">
+                    <a:lumMod val="75000"/>
+                    <a:lumOff val="25000"/>
+                  </a:schemeClr>
+                </a:solidFill>
+              </a:defRPr>
             </a:lvl1pPr>
             <a:lvl2pPr marL="457200" indent="0" algn="ctr">
               <a:buNone/>
@@ -228,18 +2138,13 @@
               <a:rPr lang="en-US"/>
               <a:t>Click to edit Master subtitle style</a:t>
             </a:r>
-          </a:p>
-        </p:txBody>
-      </p:sp>
-      <p:sp>
-        <p:nvSpPr>
-          <p:cNvPr id="4" name="Date Placeholder 3">
-            <a:extLst>
-              <a:ext uri="{FF2B5EF4-FFF2-40B4-BE49-F238E27FC236}">
-                <a16:creationId xmlns:a16="http://schemas.microsoft.com/office/drawing/2014/main" id="{CD2CD434-2512-C0BB-ECD6-381FE7A2A472}"/>
-              </a:ext>
-            </a:extLst>
-          </p:cNvPr>
+            <a:endParaRPr lang="en-US" dirty="0"/>
+          </a:p>
+        </p:txBody>
+      </p:sp>
+      <p:sp>
+        <p:nvSpPr>
+          <p:cNvPr id="7" name="Date Placeholder 6"/>
           <p:cNvSpPr>
             <a:spLocks noGrp="1"/>
           </p:cNvSpPr>
@@ -252,7 +2157,7 @@
           <a:bodyPr/>
           <a:lstStyle/>
           <a:p>
-            <a:fld id="{5F1ED7ED-5A14-BD4D-B77F-4106FBDF7991}" type="datetimeFigureOut">
+            <a:fld id="{B6D41BCC-AD73-4203-A5A6-E62EB28B0FE6}" type="datetimeFigureOut">
               <a:rPr lang="en-US" smtClean="0"/>
               <a:t>7/24/24</a:t>
             </a:fld>
@@ -262,13 +2167,7 @@
       </p:sp>
       <p:sp>
         <p:nvSpPr>
-          <p:cNvPr id="5" name="Footer Placeholder 4">
-            <a:extLst>
-              <a:ext uri="{FF2B5EF4-FFF2-40B4-BE49-F238E27FC236}">
-                <a16:creationId xmlns:a16="http://schemas.microsoft.com/office/drawing/2014/main" id="{5804D17B-7478-9F11-B2F2-FCA1D890E106}"/>
-              </a:ext>
-            </a:extLst>
-          </p:cNvPr>
+          <p:cNvPr id="8" name="Footer Placeholder 7"/>
           <p:cNvSpPr>
             <a:spLocks noGrp="1"/>
           </p:cNvSpPr>
@@ -287,13 +2186,7 @@
       </p:sp>
       <p:sp>
         <p:nvSpPr>
-          <p:cNvPr id="6" name="Slide Number Placeholder 5">
-            <a:extLst>
-              <a:ext uri="{FF2B5EF4-FFF2-40B4-BE49-F238E27FC236}">
-                <a16:creationId xmlns:a16="http://schemas.microsoft.com/office/drawing/2014/main" id="{909BE2E9-7258-5FD0-B084-47D67BE2B0AB}"/>
-              </a:ext>
-            </a:extLst>
-          </p:cNvPr>
+          <p:cNvPr id="9" name="Slide Number Placeholder 8"/>
           <p:cNvSpPr>
             <a:spLocks noGrp="1"/>
           </p:cNvSpPr>
@@ -306,7 +2199,7 @@
           <a:bodyPr/>
           <a:lstStyle/>
           <a:p>
-            <a:fld id="{E073CD1C-CB8C-374F-9C5A-2CCD76BEF49B}" type="slidenum">
+            <a:fld id="{D637F8FC-4B86-4690-8888-22AB2F781BEF}" type="slidenum">
               <a:rPr lang="en-US" smtClean="0"/>
               <a:t>‹#›</a:t>
             </a:fld>
@@ -317,12 +2210,12 @@
     </p:spTree>
     <p:extLst>
       <p:ext uri="{BB962C8B-B14F-4D97-AF65-F5344CB8AC3E}">
-        <p14:creationId xmlns:p14="http://schemas.microsoft.com/office/powerpoint/2010/main" val="2527326545"/>
+        <p14:creationId xmlns:p14="http://schemas.microsoft.com/office/powerpoint/2010/main" val="2374307037"/>
       </p:ext>
     </p:extLst>
   </p:cSld>
   <p:clrMapOvr>
-    <a:masterClrMapping/>
+    <a:overrideClrMapping bg1="dk1" tx1="lt1" bg2="dk2" tx2="lt2" accent1="accent1" accent2="accent2" accent3="accent3" accent4="accent4" accent5="accent5" accent6="accent6" hlink="hlink" folHlink="folHlink"/>
   </p:clrMapOvr>
 </p:sldLayout>
 </file>
@@ -346,13 +2239,7 @@
       </p:grpSpPr>
       <p:sp>
         <p:nvSpPr>
-          <p:cNvPr id="2" name="Title 1">
-            <a:extLst>
-              <a:ext uri="{FF2B5EF4-FFF2-40B4-BE49-F238E27FC236}">
-                <a16:creationId xmlns:a16="http://schemas.microsoft.com/office/drawing/2014/main" id="{63C9CE2F-0840-3F72-340D-979E28335063}"/>
-              </a:ext>
-            </a:extLst>
-          </p:cNvPr>
+          <p:cNvPr id="2" name="Title 1"/>
           <p:cNvSpPr>
             <a:spLocks noGrp="1"/>
           </p:cNvSpPr>
@@ -369,18 +2256,13 @@
               <a:rPr lang="en-US"/>
               <a:t>Click to edit Master title style</a:t>
             </a:r>
-          </a:p>
-        </p:txBody>
-      </p:sp>
-      <p:sp>
-        <p:nvSpPr>
-          <p:cNvPr id="3" name="Vertical Text Placeholder 2">
-            <a:extLst>
-              <a:ext uri="{FF2B5EF4-FFF2-40B4-BE49-F238E27FC236}">
-                <a16:creationId xmlns:a16="http://schemas.microsoft.com/office/drawing/2014/main" id="{2E9C85F1-77C3-54E2-B05C-F28F3366CA2B}"/>
-              </a:ext>
-            </a:extLst>
-          </p:cNvPr>
+            <a:endParaRPr lang="en-US" dirty="0"/>
+          </a:p>
+        </p:txBody>
+      </p:sp>
+      <p:sp>
+        <p:nvSpPr>
+          <p:cNvPr id="3" name="Vertical Text Placeholder 2"/>
           <p:cNvSpPr>
             <a:spLocks noGrp="1"/>
           </p:cNvSpPr>
@@ -426,18 +2308,13 @@
               <a:rPr lang="en-US"/>
               <a:t>Fifth level</a:t>
             </a:r>
-          </a:p>
-        </p:txBody>
-      </p:sp>
-      <p:sp>
-        <p:nvSpPr>
-          <p:cNvPr id="4" name="Date Placeholder 3">
-            <a:extLst>
-              <a:ext uri="{FF2B5EF4-FFF2-40B4-BE49-F238E27FC236}">
-                <a16:creationId xmlns:a16="http://schemas.microsoft.com/office/drawing/2014/main" id="{2A586728-D380-677C-7D90-79A7796E5607}"/>
-              </a:ext>
-            </a:extLst>
-          </p:cNvPr>
+            <a:endParaRPr lang="en-US" dirty="0"/>
+          </a:p>
+        </p:txBody>
+      </p:sp>
+      <p:sp>
+        <p:nvSpPr>
+          <p:cNvPr id="4" name="Date Placeholder 3"/>
           <p:cNvSpPr>
             <a:spLocks noGrp="1"/>
           </p:cNvSpPr>
@@ -450,7 +2327,7 @@
           <a:bodyPr/>
           <a:lstStyle/>
           <a:p>
-            <a:fld id="{5F1ED7ED-5A14-BD4D-B77F-4106FBDF7991}" type="datetimeFigureOut">
+            <a:fld id="{B6D41BCC-AD73-4203-A5A6-E62EB28B0FE6}" type="datetimeFigureOut">
               <a:rPr lang="en-US" smtClean="0"/>
               <a:t>7/24/24</a:t>
             </a:fld>
@@ -460,13 +2337,7 @@
       </p:sp>
       <p:sp>
         <p:nvSpPr>
-          <p:cNvPr id="5" name="Footer Placeholder 4">
-            <a:extLst>
-              <a:ext uri="{FF2B5EF4-FFF2-40B4-BE49-F238E27FC236}">
-                <a16:creationId xmlns:a16="http://schemas.microsoft.com/office/drawing/2014/main" id="{1CED19A0-7154-137E-35F1-F25B4FF1BBDD}"/>
-              </a:ext>
-            </a:extLst>
-          </p:cNvPr>
+          <p:cNvPr id="5" name="Footer Placeholder 4"/>
           <p:cNvSpPr>
             <a:spLocks noGrp="1"/>
           </p:cNvSpPr>
@@ -485,13 +2356,7 @@
       </p:sp>
       <p:sp>
         <p:nvSpPr>
-          <p:cNvPr id="6" name="Slide Number Placeholder 5">
-            <a:extLst>
-              <a:ext uri="{FF2B5EF4-FFF2-40B4-BE49-F238E27FC236}">
-                <a16:creationId xmlns:a16="http://schemas.microsoft.com/office/drawing/2014/main" id="{9E9922EE-3B73-4DD4-828B-00121D5DF956}"/>
-              </a:ext>
-            </a:extLst>
-          </p:cNvPr>
+          <p:cNvPr id="6" name="Slide Number Placeholder 5"/>
           <p:cNvSpPr>
             <a:spLocks noGrp="1"/>
           </p:cNvSpPr>
@@ -504,7 +2369,7 @@
           <a:bodyPr/>
           <a:lstStyle/>
           <a:p>
-            <a:fld id="{E073CD1C-CB8C-374F-9C5A-2CCD76BEF49B}" type="slidenum">
+            <a:fld id="{D637F8FC-4B86-4690-8888-22AB2F781BEF}" type="slidenum">
               <a:rPr lang="en-US" smtClean="0"/>
               <a:t>‹#›</a:t>
             </a:fld>
@@ -515,7 +2380,7 @@
     </p:spTree>
     <p:extLst>
       <p:ext uri="{BB962C8B-B14F-4D97-AF65-F5344CB8AC3E}">
-        <p14:creationId xmlns:p14="http://schemas.microsoft.com/office/powerpoint/2010/main" val="42323285"/>
+        <p14:creationId xmlns:p14="http://schemas.microsoft.com/office/powerpoint/2010/main" val="2739611735"/>
       </p:ext>
     </p:extLst>
   </p:cSld>
@@ -544,13 +2409,7 @@
       </p:grpSpPr>
       <p:sp>
         <p:nvSpPr>
-          <p:cNvPr id="2" name="Vertical Title 1">
-            <a:extLst>
-              <a:ext uri="{FF2B5EF4-FFF2-40B4-BE49-F238E27FC236}">
-                <a16:creationId xmlns:a16="http://schemas.microsoft.com/office/drawing/2014/main" id="{2311AF32-40D2-C2B4-EC0D-D434601E6AFA}"/>
-              </a:ext>
-            </a:extLst>
-          </p:cNvPr>
+          <p:cNvPr id="2" name="Vertical Title 1"/>
           <p:cNvSpPr>
             <a:spLocks noGrp="1"/>
           </p:cNvSpPr>
@@ -560,8 +2419,8 @@
         </p:nvSpPr>
         <p:spPr>
           <a:xfrm>
-            <a:off x="8724900" y="365125"/>
-            <a:ext cx="2628900" cy="5811838"/>
+            <a:off x="8653112" y="937260"/>
+            <a:ext cx="1298608" cy="4983480"/>
           </a:xfrm>
         </p:spPr>
         <p:txBody>
@@ -572,18 +2431,13 @@
               <a:rPr lang="en-US"/>
               <a:t>Click to edit Master title style</a:t>
             </a:r>
-          </a:p>
-        </p:txBody>
-      </p:sp>
-      <p:sp>
-        <p:nvSpPr>
-          <p:cNvPr id="3" name="Vertical Text Placeholder 2">
-            <a:extLst>
-              <a:ext uri="{FF2B5EF4-FFF2-40B4-BE49-F238E27FC236}">
-                <a16:creationId xmlns:a16="http://schemas.microsoft.com/office/drawing/2014/main" id="{A01FFB8A-3ADE-509D-A48D-56C7BC787F41}"/>
-              </a:ext>
-            </a:extLst>
-          </p:cNvPr>
+            <a:endParaRPr lang="en-US" dirty="0"/>
+          </a:p>
+        </p:txBody>
+      </p:sp>
+      <p:sp>
+        <p:nvSpPr>
+          <p:cNvPr id="3" name="Vertical Text Placeholder 2"/>
           <p:cNvSpPr>
             <a:spLocks noGrp="1"/>
           </p:cNvSpPr>
@@ -593,8 +2447,8 @@
         </p:nvSpPr>
         <p:spPr>
           <a:xfrm>
-            <a:off x="838200" y="365125"/>
-            <a:ext cx="7734300" cy="5811838"/>
+            <a:off x="2231136" y="937260"/>
+            <a:ext cx="6198489" cy="4983480"/>
           </a:xfrm>
         </p:spPr>
         <p:txBody>
@@ -634,18 +2488,13 @@
               <a:rPr lang="en-US"/>
               <a:t>Fifth level</a:t>
             </a:r>
-          </a:p>
-        </p:txBody>
-      </p:sp>
-      <p:sp>
-        <p:nvSpPr>
-          <p:cNvPr id="4" name="Date Placeholder 3">
-            <a:extLst>
-              <a:ext uri="{FF2B5EF4-FFF2-40B4-BE49-F238E27FC236}">
-                <a16:creationId xmlns:a16="http://schemas.microsoft.com/office/drawing/2014/main" id="{9FE5417E-20B8-2B5F-92E9-51DB380BC68C}"/>
-              </a:ext>
-            </a:extLst>
-          </p:cNvPr>
+            <a:endParaRPr lang="en-US" dirty="0"/>
+          </a:p>
+        </p:txBody>
+      </p:sp>
+      <p:sp>
+        <p:nvSpPr>
+          <p:cNvPr id="4" name="Date Placeholder 3"/>
           <p:cNvSpPr>
             <a:spLocks noGrp="1"/>
           </p:cNvSpPr>
@@ -658,7 +2507,7 @@
           <a:bodyPr/>
           <a:lstStyle/>
           <a:p>
-            <a:fld id="{5F1ED7ED-5A14-BD4D-B77F-4106FBDF7991}" type="datetimeFigureOut">
+            <a:fld id="{B6D41BCC-AD73-4203-A5A6-E62EB28B0FE6}" type="datetimeFigureOut">
               <a:rPr lang="en-US" smtClean="0"/>
               <a:t>7/24/24</a:t>
             </a:fld>
@@ -668,13 +2517,7 @@
       </p:sp>
       <p:sp>
         <p:nvSpPr>
-          <p:cNvPr id="5" name="Footer Placeholder 4">
-            <a:extLst>
-              <a:ext uri="{FF2B5EF4-FFF2-40B4-BE49-F238E27FC236}">
-                <a16:creationId xmlns:a16="http://schemas.microsoft.com/office/drawing/2014/main" id="{1F782852-05DC-AC92-1351-68C70BD2273B}"/>
-              </a:ext>
-            </a:extLst>
-          </p:cNvPr>
+          <p:cNvPr id="5" name="Footer Placeholder 4"/>
           <p:cNvSpPr>
             <a:spLocks noGrp="1"/>
           </p:cNvSpPr>
@@ -693,13 +2536,7 @@
       </p:sp>
       <p:sp>
         <p:nvSpPr>
-          <p:cNvPr id="6" name="Slide Number Placeholder 5">
-            <a:extLst>
-              <a:ext uri="{FF2B5EF4-FFF2-40B4-BE49-F238E27FC236}">
-                <a16:creationId xmlns:a16="http://schemas.microsoft.com/office/drawing/2014/main" id="{44F5FA10-D8BB-F3F3-FE95-B90D59199069}"/>
-              </a:ext>
-            </a:extLst>
-          </p:cNvPr>
+          <p:cNvPr id="6" name="Slide Number Placeholder 5"/>
           <p:cNvSpPr>
             <a:spLocks noGrp="1"/>
           </p:cNvSpPr>
@@ -712,7 +2549,7 @@
           <a:bodyPr/>
           <a:lstStyle/>
           <a:p>
-            <a:fld id="{E073CD1C-CB8C-374F-9C5A-2CCD76BEF49B}" type="slidenum">
+            <a:fld id="{D637F8FC-4B86-4690-8888-22AB2F781BEF}" type="slidenum">
               <a:rPr lang="en-US" smtClean="0"/>
               <a:t>‹#›</a:t>
             </a:fld>
@@ -723,7 +2560,7 @@
     </p:spTree>
     <p:extLst>
       <p:ext uri="{BB962C8B-B14F-4D97-AF65-F5344CB8AC3E}">
-        <p14:creationId xmlns:p14="http://schemas.microsoft.com/office/powerpoint/2010/main" val="2638053411"/>
+        <p14:creationId xmlns:p14="http://schemas.microsoft.com/office/powerpoint/2010/main" val="2757751835"/>
       </p:ext>
     </p:extLst>
   </p:cSld>
@@ -752,13 +2589,7 @@
       </p:grpSpPr>
       <p:sp>
         <p:nvSpPr>
-          <p:cNvPr id="2" name="Title 1">
-            <a:extLst>
-              <a:ext uri="{FF2B5EF4-FFF2-40B4-BE49-F238E27FC236}">
-                <a16:creationId xmlns:a16="http://schemas.microsoft.com/office/drawing/2014/main" id="{B07D7B07-3768-01AA-CEC4-9316CCB0E371}"/>
-              </a:ext>
-            </a:extLst>
-          </p:cNvPr>
+          <p:cNvPr id="2" name="Title 1"/>
           <p:cNvSpPr>
             <a:spLocks noGrp="1"/>
           </p:cNvSpPr>
@@ -775,18 +2606,13 @@
               <a:rPr lang="en-US"/>
               <a:t>Click to edit Master title style</a:t>
             </a:r>
-          </a:p>
-        </p:txBody>
-      </p:sp>
-      <p:sp>
-        <p:nvSpPr>
-          <p:cNvPr id="3" name="Content Placeholder 2">
-            <a:extLst>
-              <a:ext uri="{FF2B5EF4-FFF2-40B4-BE49-F238E27FC236}">
-                <a16:creationId xmlns:a16="http://schemas.microsoft.com/office/drawing/2014/main" id="{E811E922-E48D-C374-6C13-BA59D4DF3D1C}"/>
-              </a:ext>
-            </a:extLst>
-          </p:cNvPr>
+            <a:endParaRPr lang="en-US" dirty="0"/>
+          </a:p>
+        </p:txBody>
+      </p:sp>
+      <p:sp>
+        <p:nvSpPr>
+          <p:cNvPr id="3" name="Content Placeholder 2"/>
           <p:cNvSpPr>
             <a:spLocks noGrp="1"/>
           </p:cNvSpPr>
@@ -832,18 +2658,13 @@
               <a:rPr lang="en-US"/>
               <a:t>Fifth level</a:t>
             </a:r>
-          </a:p>
-        </p:txBody>
-      </p:sp>
-      <p:sp>
-        <p:nvSpPr>
-          <p:cNvPr id="4" name="Date Placeholder 3">
-            <a:extLst>
-              <a:ext uri="{FF2B5EF4-FFF2-40B4-BE49-F238E27FC236}">
-                <a16:creationId xmlns:a16="http://schemas.microsoft.com/office/drawing/2014/main" id="{DC143436-8C5E-38B1-B4A2-7C880B54B8E0}"/>
-              </a:ext>
-            </a:extLst>
-          </p:cNvPr>
+            <a:endParaRPr lang="en-US" dirty="0"/>
+          </a:p>
+        </p:txBody>
+      </p:sp>
+      <p:sp>
+        <p:nvSpPr>
+          <p:cNvPr id="7" name="Date Placeholder 6"/>
           <p:cNvSpPr>
             <a:spLocks noGrp="1"/>
           </p:cNvSpPr>
@@ -856,7 +2677,7 @@
           <a:bodyPr/>
           <a:lstStyle/>
           <a:p>
-            <a:fld id="{5F1ED7ED-5A14-BD4D-B77F-4106FBDF7991}" type="datetimeFigureOut">
+            <a:fld id="{B6D41BCC-AD73-4203-A5A6-E62EB28B0FE6}" type="datetimeFigureOut">
               <a:rPr lang="en-US" smtClean="0"/>
               <a:t>7/24/24</a:t>
             </a:fld>
@@ -866,13 +2687,7 @@
       </p:sp>
       <p:sp>
         <p:nvSpPr>
-          <p:cNvPr id="5" name="Footer Placeholder 4">
-            <a:extLst>
-              <a:ext uri="{FF2B5EF4-FFF2-40B4-BE49-F238E27FC236}">
-                <a16:creationId xmlns:a16="http://schemas.microsoft.com/office/drawing/2014/main" id="{CEBF6A81-E254-5EBC-0F82-3E00641EC773}"/>
-              </a:ext>
-            </a:extLst>
-          </p:cNvPr>
+          <p:cNvPr id="8" name="Footer Placeholder 7"/>
           <p:cNvSpPr>
             <a:spLocks noGrp="1"/>
           </p:cNvSpPr>
@@ -891,13 +2706,7 @@
       </p:sp>
       <p:sp>
         <p:nvSpPr>
-          <p:cNvPr id="6" name="Slide Number Placeholder 5">
-            <a:extLst>
-              <a:ext uri="{FF2B5EF4-FFF2-40B4-BE49-F238E27FC236}">
-                <a16:creationId xmlns:a16="http://schemas.microsoft.com/office/drawing/2014/main" id="{708394FB-3129-BC8D-A40E-0A6CA0E0B8CF}"/>
-              </a:ext>
-            </a:extLst>
-          </p:cNvPr>
+          <p:cNvPr id="9" name="Slide Number Placeholder 8"/>
           <p:cNvSpPr>
             <a:spLocks noGrp="1"/>
           </p:cNvSpPr>
@@ -910,7 +2719,7 @@
           <a:bodyPr/>
           <a:lstStyle/>
           <a:p>
-            <a:fld id="{E073CD1C-CB8C-374F-9C5A-2CCD76BEF49B}" type="slidenum">
+            <a:fld id="{D637F8FC-4B86-4690-8888-22AB2F781BEF}" type="slidenum">
               <a:rPr lang="en-US" smtClean="0"/>
               <a:t>‹#›</a:t>
             </a:fld>
@@ -921,7 +2730,7 @@
     </p:spTree>
     <p:extLst>
       <p:ext uri="{BB962C8B-B14F-4D97-AF65-F5344CB8AC3E}">
-        <p14:creationId xmlns:p14="http://schemas.microsoft.com/office/powerpoint/2010/main" val="3464899554"/>
+        <p14:creationId xmlns:p14="http://schemas.microsoft.com/office/powerpoint/2010/main" val="3448076305"/>
       </p:ext>
     </p:extLst>
   </p:cSld>
@@ -934,6 +2743,14 @@
 <file path=ppt/slideLayouts/slideLayout3.xml><?xml version="1.0" encoding="utf-8"?>
 <p:sldLayout xmlns:a="http://schemas.openxmlformats.org/drawingml/2006/main" xmlns:r="http://schemas.openxmlformats.org/officeDocument/2006/relationships" xmlns:p="http://schemas.openxmlformats.org/presentationml/2006/main" type="secHead" preserve="1">
   <p:cSld name="Section Header">
+    <p:bg>
+      <p:bgPr>
+        <a:solidFill>
+          <a:schemeClr val="accent1"/>
+        </a:solidFill>
+        <a:effectLst/>
+      </p:bgPr>
+    </p:bg>
     <p:spTree>
       <p:nvGrpSpPr>
         <p:cNvPr id="1" name=""/>
@@ -950,73 +2767,76 @@
       </p:grpSpPr>
       <p:sp>
         <p:nvSpPr>
-          <p:cNvPr id="2" name="Title 1">
-            <a:extLst>
-              <a:ext uri="{FF2B5EF4-FFF2-40B4-BE49-F238E27FC236}">
-                <a16:creationId xmlns:a16="http://schemas.microsoft.com/office/drawing/2014/main" id="{F5698F0B-09C4-CFB0-D68B-5A6ADD3D55DA}"/>
-              </a:ext>
-            </a:extLst>
-          </p:cNvPr>
+          <p:cNvPr id="2" name="Title 1"/>
           <p:cNvSpPr>
             <a:spLocks noGrp="1"/>
           </p:cNvSpPr>
           <p:nvPr>
             <p:ph type="title"/>
+          </p:nvPr>
+        </p:nvSpPr>
+        <p:spPr bwMode="blackWhite">
+          <a:xfrm>
+            <a:off x="1600200" y="2386744"/>
+            <a:ext cx="8991600" cy="1645920"/>
+          </a:xfrm>
+          <a:solidFill>
+            <a:srgbClr val="FFFFFF"/>
+          </a:solidFill>
+          <a:ln w="38100">
+            <a:solidFill>
+              <a:srgbClr val="404040"/>
+            </a:solidFill>
+          </a:ln>
+        </p:spPr>
+        <p:txBody>
+          <a:bodyPr lIns="274320" rIns="274320" anchor="ctr" anchorCtr="1">
+            <a:normAutofit/>
+          </a:bodyPr>
+          <a:lstStyle>
+            <a:lvl1pPr>
+              <a:defRPr sz="3800">
+                <a:solidFill>
+                  <a:srgbClr val="262626"/>
+                </a:solidFill>
+              </a:defRPr>
+            </a:lvl1pPr>
+          </a:lstStyle>
+          <a:p>
+            <a:r>
+              <a:rPr lang="en-US"/>
+              <a:t>Click to edit Master title style</a:t>
+            </a:r>
+            <a:endParaRPr lang="en-US" dirty="0"/>
+          </a:p>
+        </p:txBody>
+      </p:sp>
+      <p:sp>
+        <p:nvSpPr>
+          <p:cNvPr id="3" name="Text Placeholder 2"/>
+          <p:cNvSpPr>
+            <a:spLocks noGrp="1"/>
+          </p:cNvSpPr>
+          <p:nvPr>
+            <p:ph type="body" idx="1"/>
           </p:nvPr>
         </p:nvSpPr>
         <p:spPr>
           <a:xfrm>
-            <a:off x="831850" y="1709738"/>
-            <a:ext cx="10515600" cy="2852737"/>
+            <a:off x="2695194" y="4352465"/>
+            <a:ext cx="6801612" cy="1265082"/>
           </a:xfrm>
         </p:spPr>
         <p:txBody>
-          <a:bodyPr anchor="b"/>
-          <a:lstStyle>
-            <a:lvl1pPr>
-              <a:defRPr sz="6000"/>
-            </a:lvl1pPr>
-          </a:lstStyle>
-          <a:p>
-            <a:r>
-              <a:rPr lang="en-US"/>
-              <a:t>Click to edit Master title style</a:t>
-            </a:r>
-          </a:p>
-        </p:txBody>
-      </p:sp>
-      <p:sp>
-        <p:nvSpPr>
-          <p:cNvPr id="3" name="Text Placeholder 2">
-            <a:extLst>
-              <a:ext uri="{FF2B5EF4-FFF2-40B4-BE49-F238E27FC236}">
-                <a16:creationId xmlns:a16="http://schemas.microsoft.com/office/drawing/2014/main" id="{5E6CAB39-338F-8352-A9B4-0AC57F5C8B9D}"/>
-              </a:ext>
-            </a:extLst>
-          </p:cNvPr>
-          <p:cNvSpPr>
-            <a:spLocks noGrp="1"/>
-          </p:cNvSpPr>
-          <p:nvPr>
-            <p:ph type="body" idx="1"/>
-          </p:nvPr>
-        </p:nvSpPr>
-        <p:spPr>
-          <a:xfrm>
-            <a:off x="831850" y="4589463"/>
-            <a:ext cx="10515600" cy="1500187"/>
-          </a:xfrm>
-        </p:spPr>
-        <p:txBody>
-          <a:bodyPr/>
+          <a:bodyPr anchor="t" anchorCtr="1">
+            <a:normAutofit/>
+          </a:bodyPr>
           <a:lstStyle>
             <a:lvl1pPr marL="0" indent="0">
               <a:buNone/>
-              <a:defRPr sz="2400">
-                <a:solidFill>
-                  <a:schemeClr val="tx1">
-                    <a:tint val="82000"/>
-                  </a:schemeClr>
+              <a:defRPr sz="2000">
+                <a:solidFill>
+                  <a:schemeClr val="tx1"/>
                 </a:solidFill>
               </a:defRPr>
             </a:lvl1pPr>
@@ -1025,7 +2845,7 @@
               <a:defRPr sz="2000">
                 <a:solidFill>
                   <a:schemeClr val="tx1">
-                    <a:tint val="82000"/>
+                    <a:tint val="75000"/>
                   </a:schemeClr>
                 </a:solidFill>
               </a:defRPr>
@@ -1035,7 +2855,7 @@
               <a:defRPr sz="1800">
                 <a:solidFill>
                   <a:schemeClr val="tx1">
-                    <a:tint val="82000"/>
+                    <a:tint val="75000"/>
                   </a:schemeClr>
                 </a:solidFill>
               </a:defRPr>
@@ -1045,7 +2865,7 @@
               <a:defRPr sz="1600">
                 <a:solidFill>
                   <a:schemeClr val="tx1">
-                    <a:tint val="82000"/>
+                    <a:tint val="75000"/>
                   </a:schemeClr>
                 </a:solidFill>
               </a:defRPr>
@@ -1055,7 +2875,7 @@
               <a:defRPr sz="1600">
                 <a:solidFill>
                   <a:schemeClr val="tx1">
-                    <a:tint val="82000"/>
+                    <a:tint val="75000"/>
                   </a:schemeClr>
                 </a:solidFill>
               </a:defRPr>
@@ -1065,7 +2885,7 @@
               <a:defRPr sz="1600">
                 <a:solidFill>
                   <a:schemeClr val="tx1">
-                    <a:tint val="82000"/>
+                    <a:tint val="75000"/>
                   </a:schemeClr>
                 </a:solidFill>
               </a:defRPr>
@@ -1075,7 +2895,7 @@
               <a:defRPr sz="1600">
                 <a:solidFill>
                   <a:schemeClr val="tx1">
-                    <a:tint val="82000"/>
+                    <a:tint val="75000"/>
                   </a:schemeClr>
                 </a:solidFill>
               </a:defRPr>
@@ -1085,7 +2905,7 @@
               <a:defRPr sz="1600">
                 <a:solidFill>
                   <a:schemeClr val="tx1">
-                    <a:tint val="82000"/>
+                    <a:tint val="75000"/>
                   </a:schemeClr>
                 </a:solidFill>
               </a:defRPr>
@@ -1095,7 +2915,7 @@
               <a:defRPr sz="1600">
                 <a:solidFill>
                   <a:schemeClr val="tx1">
-                    <a:tint val="82000"/>
+                    <a:tint val="75000"/>
                   </a:schemeClr>
                 </a:solidFill>
               </a:defRPr>
@@ -1112,13 +2932,7 @@
       </p:sp>
       <p:sp>
         <p:nvSpPr>
-          <p:cNvPr id="4" name="Date Placeholder 3">
-            <a:extLst>
-              <a:ext uri="{FF2B5EF4-FFF2-40B4-BE49-F238E27FC236}">
-                <a16:creationId xmlns:a16="http://schemas.microsoft.com/office/drawing/2014/main" id="{94465377-3487-085B-8301-F375F7896852}"/>
-              </a:ext>
-            </a:extLst>
-          </p:cNvPr>
+          <p:cNvPr id="7" name="Date Placeholder 6"/>
           <p:cNvSpPr>
             <a:spLocks noGrp="1"/>
           </p:cNvSpPr>
@@ -1131,7 +2945,7 @@
           <a:bodyPr/>
           <a:lstStyle/>
           <a:p>
-            <a:fld id="{5F1ED7ED-5A14-BD4D-B77F-4106FBDF7991}" type="datetimeFigureOut">
+            <a:fld id="{B6D41BCC-AD73-4203-A5A6-E62EB28B0FE6}" type="datetimeFigureOut">
               <a:rPr lang="en-US" smtClean="0"/>
               <a:t>7/24/24</a:t>
             </a:fld>
@@ -1141,13 +2955,7 @@
       </p:sp>
       <p:sp>
         <p:nvSpPr>
-          <p:cNvPr id="5" name="Footer Placeholder 4">
-            <a:extLst>
-              <a:ext uri="{FF2B5EF4-FFF2-40B4-BE49-F238E27FC236}">
-                <a16:creationId xmlns:a16="http://schemas.microsoft.com/office/drawing/2014/main" id="{F714480A-7A80-8541-699A-0DB93B68D12A}"/>
-              </a:ext>
-            </a:extLst>
-          </p:cNvPr>
+          <p:cNvPr id="8" name="Footer Placeholder 7"/>
           <p:cNvSpPr>
             <a:spLocks noGrp="1"/>
           </p:cNvSpPr>
@@ -1166,13 +2974,7 @@
       </p:sp>
       <p:sp>
         <p:nvSpPr>
-          <p:cNvPr id="6" name="Slide Number Placeholder 5">
-            <a:extLst>
-              <a:ext uri="{FF2B5EF4-FFF2-40B4-BE49-F238E27FC236}">
-                <a16:creationId xmlns:a16="http://schemas.microsoft.com/office/drawing/2014/main" id="{168C5A37-8339-2D44-CFE8-C1C89EC339AB}"/>
-              </a:ext>
-            </a:extLst>
-          </p:cNvPr>
+          <p:cNvPr id="9" name="Slide Number Placeholder 8"/>
           <p:cNvSpPr>
             <a:spLocks noGrp="1"/>
           </p:cNvSpPr>
@@ -1185,7 +2987,7 @@
           <a:bodyPr/>
           <a:lstStyle/>
           <a:p>
-            <a:fld id="{E073CD1C-CB8C-374F-9C5A-2CCD76BEF49B}" type="slidenum">
+            <a:fld id="{D637F8FC-4B86-4690-8888-22AB2F781BEF}" type="slidenum">
               <a:rPr lang="en-US" smtClean="0"/>
               <a:t>‹#›</a:t>
             </a:fld>
@@ -1196,12 +2998,12 @@
     </p:spTree>
     <p:extLst>
       <p:ext uri="{BB962C8B-B14F-4D97-AF65-F5344CB8AC3E}">
-        <p14:creationId xmlns:p14="http://schemas.microsoft.com/office/powerpoint/2010/main" val="1371985637"/>
+        <p14:creationId xmlns:p14="http://schemas.microsoft.com/office/powerpoint/2010/main" val="34490288"/>
       </p:ext>
     </p:extLst>
   </p:cSld>
   <p:clrMapOvr>
-    <a:masterClrMapping/>
+    <a:overrideClrMapping bg1="dk1" tx1="lt1" bg2="dk2" tx2="lt2" accent1="accent1" accent2="accent2" accent3="accent3" accent4="accent4" accent5="accent5" accent6="accent6" hlink="hlink" folHlink="folHlink"/>
   </p:clrMapOvr>
 </p:sldLayout>
 </file>
@@ -1225,13 +3027,7 @@
       </p:grpSpPr>
       <p:sp>
         <p:nvSpPr>
-          <p:cNvPr id="2" name="Title 1">
-            <a:extLst>
-              <a:ext uri="{FF2B5EF4-FFF2-40B4-BE49-F238E27FC236}">
-                <a16:creationId xmlns:a16="http://schemas.microsoft.com/office/drawing/2014/main" id="{E89097A0-FFE7-0882-BD3E-97A1F89732B9}"/>
-              </a:ext>
-            </a:extLst>
-          </p:cNvPr>
+          <p:cNvPr id="2" name="Title 1"/>
           <p:cNvSpPr>
             <a:spLocks noGrp="1"/>
           </p:cNvSpPr>
@@ -1248,18 +3044,13 @@
               <a:rPr lang="en-US"/>
               <a:t>Click to edit Master title style</a:t>
             </a:r>
-          </a:p>
-        </p:txBody>
-      </p:sp>
-      <p:sp>
-        <p:nvSpPr>
-          <p:cNvPr id="3" name="Content Placeholder 2">
-            <a:extLst>
-              <a:ext uri="{FF2B5EF4-FFF2-40B4-BE49-F238E27FC236}">
-                <a16:creationId xmlns:a16="http://schemas.microsoft.com/office/drawing/2014/main" id="{571E69A1-8F62-DFC9-C400-E102E667790E}"/>
-              </a:ext>
-            </a:extLst>
-          </p:cNvPr>
+            <a:endParaRPr lang="en-US" dirty="0"/>
+          </a:p>
+        </p:txBody>
+      </p:sp>
+      <p:sp>
+        <p:nvSpPr>
+          <p:cNvPr id="3" name="Content Placeholder 2"/>
           <p:cNvSpPr>
             <a:spLocks noGrp="1"/>
           </p:cNvSpPr>
@@ -1269,8 +3060,8 @@
         </p:nvSpPr>
         <p:spPr>
           <a:xfrm>
-            <a:off x="838200" y="1825625"/>
-            <a:ext cx="5181600" cy="4351338"/>
+            <a:off x="1581912" y="2638044"/>
+            <a:ext cx="4271771" cy="3101982"/>
           </a:xfrm>
         </p:spPr>
         <p:txBody>
@@ -1310,18 +3101,13 @@
               <a:rPr lang="en-US"/>
               <a:t>Fifth level</a:t>
             </a:r>
-          </a:p>
-        </p:txBody>
-      </p:sp>
-      <p:sp>
-        <p:nvSpPr>
-          <p:cNvPr id="4" name="Content Placeholder 3">
-            <a:extLst>
-              <a:ext uri="{FF2B5EF4-FFF2-40B4-BE49-F238E27FC236}">
-                <a16:creationId xmlns:a16="http://schemas.microsoft.com/office/drawing/2014/main" id="{6E478A58-3642-EAE0-E941-11618AB11128}"/>
-              </a:ext>
-            </a:extLst>
-          </p:cNvPr>
+            <a:endParaRPr lang="en-US" dirty="0"/>
+          </a:p>
+        </p:txBody>
+      </p:sp>
+      <p:sp>
+        <p:nvSpPr>
+          <p:cNvPr id="4" name="Content Placeholder 3"/>
           <p:cNvSpPr>
             <a:spLocks noGrp="1"/>
           </p:cNvSpPr>
@@ -1331,8 +3117,8 @@
         </p:nvSpPr>
         <p:spPr>
           <a:xfrm>
-            <a:off x="6172200" y="1825625"/>
-            <a:ext cx="5181600" cy="4351338"/>
+            <a:off x="6338315" y="2638044"/>
+            <a:ext cx="4270247" cy="3101982"/>
           </a:xfrm>
         </p:spPr>
         <p:txBody>
@@ -1372,18 +3158,13 @@
               <a:rPr lang="en-US"/>
               <a:t>Fifth level</a:t>
             </a:r>
-          </a:p>
-        </p:txBody>
-      </p:sp>
-      <p:sp>
-        <p:nvSpPr>
-          <p:cNvPr id="5" name="Date Placeholder 4">
-            <a:extLst>
-              <a:ext uri="{FF2B5EF4-FFF2-40B4-BE49-F238E27FC236}">
-                <a16:creationId xmlns:a16="http://schemas.microsoft.com/office/drawing/2014/main" id="{E1EF8986-D95E-B823-5B68-76346DD03ACF}"/>
-              </a:ext>
-            </a:extLst>
-          </p:cNvPr>
+            <a:endParaRPr lang="en-US" dirty="0"/>
+          </a:p>
+        </p:txBody>
+      </p:sp>
+      <p:sp>
+        <p:nvSpPr>
+          <p:cNvPr id="8" name="Date Placeholder 7"/>
           <p:cNvSpPr>
             <a:spLocks noGrp="1"/>
           </p:cNvSpPr>
@@ -1396,7 +3177,7 @@
           <a:bodyPr/>
           <a:lstStyle/>
           <a:p>
-            <a:fld id="{5F1ED7ED-5A14-BD4D-B77F-4106FBDF7991}" type="datetimeFigureOut">
+            <a:fld id="{B6D41BCC-AD73-4203-A5A6-E62EB28B0FE6}" type="datetimeFigureOut">
               <a:rPr lang="en-US" smtClean="0"/>
               <a:t>7/24/24</a:t>
             </a:fld>
@@ -1406,13 +3187,7 @@
       </p:sp>
       <p:sp>
         <p:nvSpPr>
-          <p:cNvPr id="6" name="Footer Placeholder 5">
-            <a:extLst>
-              <a:ext uri="{FF2B5EF4-FFF2-40B4-BE49-F238E27FC236}">
-                <a16:creationId xmlns:a16="http://schemas.microsoft.com/office/drawing/2014/main" id="{B2622C34-B0D4-B779-1EBD-03F603DBC785}"/>
-              </a:ext>
-            </a:extLst>
-          </p:cNvPr>
+          <p:cNvPr id="9" name="Footer Placeholder 8"/>
           <p:cNvSpPr>
             <a:spLocks noGrp="1"/>
           </p:cNvSpPr>
@@ -1431,13 +3206,7 @@
       </p:sp>
       <p:sp>
         <p:nvSpPr>
-          <p:cNvPr id="7" name="Slide Number Placeholder 6">
-            <a:extLst>
-              <a:ext uri="{FF2B5EF4-FFF2-40B4-BE49-F238E27FC236}">
-                <a16:creationId xmlns:a16="http://schemas.microsoft.com/office/drawing/2014/main" id="{159362D3-CF5F-5CD7-DF0F-58E60F1C20D1}"/>
-              </a:ext>
-            </a:extLst>
-          </p:cNvPr>
+          <p:cNvPr id="10" name="Slide Number Placeholder 9"/>
           <p:cNvSpPr>
             <a:spLocks noGrp="1"/>
           </p:cNvSpPr>
@@ -1450,7 +3219,7 @@
           <a:bodyPr/>
           <a:lstStyle/>
           <a:p>
-            <a:fld id="{E073CD1C-CB8C-374F-9C5A-2CCD76BEF49B}" type="slidenum">
+            <a:fld id="{D637F8FC-4B86-4690-8888-22AB2F781BEF}" type="slidenum">
               <a:rPr lang="en-US" smtClean="0"/>
               <a:t>‹#›</a:t>
             </a:fld>
@@ -1461,7 +3230,7 @@
     </p:spTree>
     <p:extLst>
       <p:ext uri="{BB962C8B-B14F-4D97-AF65-F5344CB8AC3E}">
-        <p14:creationId xmlns:p14="http://schemas.microsoft.com/office/powerpoint/2010/main" val="2672866839"/>
+        <p14:creationId xmlns:p14="http://schemas.microsoft.com/office/powerpoint/2010/main" val="3848376891"/>
       </p:ext>
     </p:extLst>
   </p:cSld>
@@ -1490,69 +3259,38 @@
       </p:grpSpPr>
       <p:sp>
         <p:nvSpPr>
-          <p:cNvPr id="2" name="Title 1">
-            <a:extLst>
-              <a:ext uri="{FF2B5EF4-FFF2-40B4-BE49-F238E27FC236}">
-                <a16:creationId xmlns:a16="http://schemas.microsoft.com/office/drawing/2014/main" id="{A4E55B76-C6E7-0620-FE92-A3DE37483EE3}"/>
-              </a:ext>
-            </a:extLst>
-          </p:cNvPr>
-          <p:cNvSpPr>
-            <a:spLocks noGrp="1"/>
-          </p:cNvSpPr>
-          <p:nvPr>
-            <p:ph type="title"/>
+          <p:cNvPr id="3" name="Text Placeholder 2"/>
+          <p:cNvSpPr>
+            <a:spLocks noGrp="1"/>
+          </p:cNvSpPr>
+          <p:nvPr>
+            <p:ph type="body" idx="1"/>
           </p:nvPr>
         </p:nvSpPr>
         <p:spPr>
           <a:xfrm>
-            <a:off x="839788" y="365125"/>
-            <a:ext cx="10515600" cy="1325563"/>
+            <a:off x="1583436" y="2313433"/>
+            <a:ext cx="4270248" cy="704087"/>
           </a:xfrm>
         </p:spPr>
         <p:txBody>
-          <a:bodyPr/>
-          <a:lstStyle/>
-          <a:p>
-            <a:r>
-              <a:rPr lang="en-US"/>
-              <a:t>Click to edit Master title style</a:t>
-            </a:r>
-          </a:p>
-        </p:txBody>
-      </p:sp>
-      <p:sp>
-        <p:nvSpPr>
-          <p:cNvPr id="3" name="Text Placeholder 2">
-            <a:extLst>
-              <a:ext uri="{FF2B5EF4-FFF2-40B4-BE49-F238E27FC236}">
-                <a16:creationId xmlns:a16="http://schemas.microsoft.com/office/drawing/2014/main" id="{C34B7B66-98E5-1A18-1447-EB65C71D7E8B}"/>
-              </a:ext>
-            </a:extLst>
-          </p:cNvPr>
-          <p:cNvSpPr>
-            <a:spLocks noGrp="1"/>
-          </p:cNvSpPr>
-          <p:nvPr>
-            <p:ph type="body" idx="1"/>
-          </p:nvPr>
-        </p:nvSpPr>
-        <p:spPr>
-          <a:xfrm>
-            <a:off x="839788" y="1681163"/>
-            <a:ext cx="5157787" cy="823912"/>
-          </a:xfrm>
-        </p:spPr>
-        <p:txBody>
-          <a:bodyPr anchor="b"/>
+          <a:bodyPr anchor="b" anchorCtr="1">
+            <a:normAutofit/>
+          </a:bodyPr>
           <a:lstStyle>
-            <a:lvl1pPr marL="0" indent="0">
+            <a:lvl1pPr marL="0" indent="0" algn="ctr">
               <a:buNone/>
-              <a:defRPr sz="2400" b="1"/>
+              <a:defRPr sz="1900" b="0" cap="all" spc="100" baseline="0">
+                <a:solidFill>
+                  <a:schemeClr val="accent2">
+                    <a:lumMod val="75000"/>
+                  </a:schemeClr>
+                </a:solidFill>
+              </a:defRPr>
             </a:lvl1pPr>
             <a:lvl2pPr marL="457200" indent="0">
               <a:buNone/>
-              <a:defRPr sz="2000" b="1"/>
+              <a:defRPr sz="1900" b="1"/>
             </a:lvl2pPr>
             <a:lvl3pPr marL="914400" indent="0">
               <a:buNone/>
@@ -1594,13 +3332,7 @@
       </p:sp>
       <p:sp>
         <p:nvSpPr>
-          <p:cNvPr id="4" name="Content Placeholder 3">
-            <a:extLst>
-              <a:ext uri="{FF2B5EF4-FFF2-40B4-BE49-F238E27FC236}">
-                <a16:creationId xmlns:a16="http://schemas.microsoft.com/office/drawing/2014/main" id="{32C01561-B9DA-EBC6-F37B-0B5190EC895C}"/>
-              </a:ext>
-            </a:extLst>
-          </p:cNvPr>
+          <p:cNvPr id="4" name="Content Placeholder 3"/>
           <p:cNvSpPr>
             <a:spLocks noGrp="1"/>
           </p:cNvSpPr>
@@ -1610,8 +3342,8 @@
         </p:nvSpPr>
         <p:spPr>
           <a:xfrm>
-            <a:off x="839788" y="2505075"/>
-            <a:ext cx="5157787" cy="3684588"/>
+            <a:off x="1583436" y="3143250"/>
+            <a:ext cx="4270248" cy="2596776"/>
           </a:xfrm>
         </p:spPr>
         <p:txBody>
@@ -1651,41 +3383,105 @@
               <a:rPr lang="en-US"/>
               <a:t>Fifth level</a:t>
             </a:r>
-          </a:p>
-        </p:txBody>
-      </p:sp>
-      <p:sp>
-        <p:nvSpPr>
-          <p:cNvPr id="5" name="Text Placeholder 4">
-            <a:extLst>
-              <a:ext uri="{FF2B5EF4-FFF2-40B4-BE49-F238E27FC236}">
-                <a16:creationId xmlns:a16="http://schemas.microsoft.com/office/drawing/2014/main" id="{EA746674-683C-0F34-4BF5-7944DBA76E92}"/>
-              </a:ext>
-            </a:extLst>
-          </p:cNvPr>
-          <p:cNvSpPr>
-            <a:spLocks noGrp="1"/>
-          </p:cNvSpPr>
-          <p:nvPr>
-            <p:ph type="body" sz="quarter" idx="3"/>
+            <a:endParaRPr lang="en-US" dirty="0"/>
+          </a:p>
+        </p:txBody>
+      </p:sp>
+      <p:sp>
+        <p:nvSpPr>
+          <p:cNvPr id="6" name="Content Placeholder 5"/>
+          <p:cNvSpPr>
+            <a:spLocks noGrp="1"/>
+          </p:cNvSpPr>
+          <p:nvPr>
+            <p:ph sz="quarter" idx="4"/>
           </p:nvPr>
         </p:nvSpPr>
         <p:spPr>
           <a:xfrm>
-            <a:off x="6172200" y="1681163"/>
-            <a:ext cx="5183188" cy="823912"/>
+            <a:off x="6338316" y="3143250"/>
+            <a:ext cx="4253484" cy="2596776"/>
           </a:xfrm>
         </p:spPr>
         <p:txBody>
-          <a:bodyPr anchor="b"/>
+          <a:bodyPr/>
           <a:lstStyle>
-            <a:lvl1pPr marL="0" indent="0">
+            <a:lvl5pPr>
+              <a:defRPr/>
+            </a:lvl5pPr>
+          </a:lstStyle>
+          <a:p>
+            <a:pPr lvl="0"/>
+            <a:r>
+              <a:rPr lang="en-US"/>
+              <a:t>Click to edit Master text styles</a:t>
+            </a:r>
+          </a:p>
+          <a:p>
+            <a:pPr lvl="1"/>
+            <a:r>
+              <a:rPr lang="en-US"/>
+              <a:t>Second level</a:t>
+            </a:r>
+          </a:p>
+          <a:p>
+            <a:pPr lvl="2"/>
+            <a:r>
+              <a:rPr lang="en-US"/>
+              <a:t>Third level</a:t>
+            </a:r>
+          </a:p>
+          <a:p>
+            <a:pPr lvl="3"/>
+            <a:r>
+              <a:rPr lang="en-US"/>
+              <a:t>Fourth level</a:t>
+            </a:r>
+          </a:p>
+          <a:p>
+            <a:pPr lvl="4"/>
+            <a:r>
+              <a:rPr lang="en-US"/>
+              <a:t>Fifth level</a:t>
+            </a:r>
+            <a:endParaRPr lang="en-US" dirty="0"/>
+          </a:p>
+        </p:txBody>
+      </p:sp>
+      <p:sp>
+        <p:nvSpPr>
+          <p:cNvPr id="11" name="Text Placeholder 4"/>
+          <p:cNvSpPr>
+            <a:spLocks noGrp="1"/>
+          </p:cNvSpPr>
+          <p:nvPr>
+            <p:ph type="body" sz="quarter" idx="13"/>
+          </p:nvPr>
+        </p:nvSpPr>
+        <p:spPr>
+          <a:xfrm>
+            <a:off x="6338316" y="2313433"/>
+            <a:ext cx="4270248" cy="704087"/>
+          </a:xfrm>
+        </p:spPr>
+        <p:txBody>
+          <a:bodyPr anchor="b" anchorCtr="1">
+            <a:normAutofit/>
+          </a:bodyPr>
+          <a:lstStyle>
+            <a:lvl1pPr marL="0" indent="0" algn="ctr">
               <a:buNone/>
-              <a:defRPr sz="2400" b="1"/>
+              <a:defRPr sz="1900" b="0" cap="all" spc="100" baseline="0">
+                <a:solidFill>
+                  <a:schemeClr val="accent2">
+                    <a:lumMod val="75000"/>
+                  </a:schemeClr>
+                </a:solidFill>
+              </a:defRPr>
             </a:lvl1pPr>
             <a:lvl2pPr marL="457200" indent="0">
               <a:buNone/>
-              <a:defRPr sz="2000" b="1"/>
+              <a:defRPr sz="1900" b="1"/>
             </a:lvl2pPr>
             <a:lvl3pPr marL="914400" indent="0">
               <a:buNone/>
@@ -1727,89 +3523,22 @@
       </p:sp>
       <p:sp>
         <p:nvSpPr>
-          <p:cNvPr id="6" name="Content Placeholder 5">
-            <a:extLst>
-              <a:ext uri="{FF2B5EF4-FFF2-40B4-BE49-F238E27FC236}">
-                <a16:creationId xmlns:a16="http://schemas.microsoft.com/office/drawing/2014/main" id="{CB9BE488-7A5E-3AA7-D9C6-A415D754DCAB}"/>
-              </a:ext>
-            </a:extLst>
-          </p:cNvPr>
-          <p:cNvSpPr>
-            <a:spLocks noGrp="1"/>
-          </p:cNvSpPr>
-          <p:nvPr>
-            <p:ph sz="quarter" idx="4"/>
-          </p:nvPr>
-        </p:nvSpPr>
-        <p:spPr>
-          <a:xfrm>
-            <a:off x="6172200" y="2505075"/>
-            <a:ext cx="5183188" cy="3684588"/>
-          </a:xfrm>
-        </p:spPr>
+          <p:cNvPr id="7" name="Date Placeholder 6"/>
+          <p:cNvSpPr>
+            <a:spLocks noGrp="1"/>
+          </p:cNvSpPr>
+          <p:nvPr>
+            <p:ph type="dt" sz="half" idx="10"/>
+          </p:nvPr>
+        </p:nvSpPr>
+        <p:spPr/>
         <p:txBody>
           <a:bodyPr/>
           <a:lstStyle/>
           <a:p>
-            <a:pPr lvl="0"/>
-            <a:r>
-              <a:rPr lang="en-US"/>
-              <a:t>Click to edit Master text styles</a:t>
-            </a:r>
-          </a:p>
-          <a:p>
-            <a:pPr lvl="1"/>
-            <a:r>
-              <a:rPr lang="en-US"/>
-              <a:t>Second level</a:t>
-            </a:r>
-          </a:p>
-          <a:p>
-            <a:pPr lvl="2"/>
-            <a:r>
-              <a:rPr lang="en-US"/>
-              <a:t>Third level</a:t>
-            </a:r>
-          </a:p>
-          <a:p>
-            <a:pPr lvl="3"/>
-            <a:r>
-              <a:rPr lang="en-US"/>
-              <a:t>Fourth level</a:t>
-            </a:r>
-          </a:p>
-          <a:p>
-            <a:pPr lvl="4"/>
-            <a:r>
-              <a:rPr lang="en-US"/>
-              <a:t>Fifth level</a:t>
-            </a:r>
-          </a:p>
-        </p:txBody>
-      </p:sp>
-      <p:sp>
-        <p:nvSpPr>
-          <p:cNvPr id="7" name="Date Placeholder 6">
-            <a:extLst>
-              <a:ext uri="{FF2B5EF4-FFF2-40B4-BE49-F238E27FC236}">
-                <a16:creationId xmlns:a16="http://schemas.microsoft.com/office/drawing/2014/main" id="{0B5D81F1-351E-DCE3-F815-203E57D9F2F6}"/>
-              </a:ext>
-            </a:extLst>
-          </p:cNvPr>
-          <p:cNvSpPr>
-            <a:spLocks noGrp="1"/>
-          </p:cNvSpPr>
-          <p:nvPr>
-            <p:ph type="dt" sz="half" idx="10"/>
-          </p:nvPr>
-        </p:nvSpPr>
-        <p:spPr/>
-        <p:txBody>
-          <a:bodyPr/>
-          <a:lstStyle/>
-          <a:p>
-            <a:fld id="{5F1ED7ED-5A14-BD4D-B77F-4106FBDF7991}" type="datetimeFigureOut">
+            <a:fld id="{B6D41BCC-AD73-4203-A5A6-E62EB28B0FE6}" type="datetimeFigureOut">
               <a:rPr lang="en-US" smtClean="0"/>
+              <a:pPr/>
               <a:t>7/24/24</a:t>
             </a:fld>
             <a:endParaRPr lang="en-US"/>
@@ -1818,13 +3547,7 @@
       </p:sp>
       <p:sp>
         <p:nvSpPr>
-          <p:cNvPr id="8" name="Footer Placeholder 7">
-            <a:extLst>
-              <a:ext uri="{FF2B5EF4-FFF2-40B4-BE49-F238E27FC236}">
-                <a16:creationId xmlns:a16="http://schemas.microsoft.com/office/drawing/2014/main" id="{7B21F292-3F4F-ED06-571C-00FDC8EB7F59}"/>
-              </a:ext>
-            </a:extLst>
-          </p:cNvPr>
+          <p:cNvPr id="8" name="Footer Placeholder 7"/>
           <p:cNvSpPr>
             <a:spLocks noGrp="1"/>
           </p:cNvSpPr>
@@ -1837,19 +3560,13 @@
           <a:bodyPr/>
           <a:lstStyle/>
           <a:p>
-            <a:endParaRPr lang="en-US"/>
-          </a:p>
-        </p:txBody>
-      </p:sp>
-      <p:sp>
-        <p:nvSpPr>
-          <p:cNvPr id="9" name="Slide Number Placeholder 8">
-            <a:extLst>
-              <a:ext uri="{FF2B5EF4-FFF2-40B4-BE49-F238E27FC236}">
-                <a16:creationId xmlns:a16="http://schemas.microsoft.com/office/drawing/2014/main" id="{CD850459-BD5C-896C-1A6A-5E16F0ECF3FF}"/>
-              </a:ext>
-            </a:extLst>
-          </p:cNvPr>
+            <a:endParaRPr lang="en-US" dirty="0"/>
+          </a:p>
+        </p:txBody>
+      </p:sp>
+      <p:sp>
+        <p:nvSpPr>
+          <p:cNvPr id="9" name="Slide Number Placeholder 8"/>
           <p:cNvSpPr>
             <a:spLocks noGrp="1"/>
           </p:cNvSpPr>
@@ -1862,18 +3579,42 @@
           <a:bodyPr/>
           <a:lstStyle/>
           <a:p>
-            <a:fld id="{E073CD1C-CB8C-374F-9C5A-2CCD76BEF49B}" type="slidenum">
+            <a:fld id="{D637F8FC-4B86-4690-8888-22AB2F781BEF}" type="slidenum">
               <a:rPr lang="en-US" smtClean="0"/>
+              <a:pPr/>
               <a:t>‹#›</a:t>
             </a:fld>
             <a:endParaRPr lang="en-US"/>
           </a:p>
         </p:txBody>
       </p:sp>
+      <p:sp>
+        <p:nvSpPr>
+          <p:cNvPr id="10" name="Title 9"/>
+          <p:cNvSpPr>
+            <a:spLocks noGrp="1"/>
+          </p:cNvSpPr>
+          <p:nvPr>
+            <p:ph type="title"/>
+          </p:nvPr>
+        </p:nvSpPr>
+        <p:spPr/>
+        <p:txBody>
+          <a:bodyPr/>
+          <a:lstStyle/>
+          <a:p>
+            <a:r>
+              <a:rPr lang="en-US"/>
+              <a:t>Click to edit Master title style</a:t>
+            </a:r>
+            <a:endParaRPr lang="en-US" dirty="0"/>
+          </a:p>
+        </p:txBody>
+      </p:sp>
     </p:spTree>
     <p:extLst>
       <p:ext uri="{BB962C8B-B14F-4D97-AF65-F5344CB8AC3E}">
-        <p14:creationId xmlns:p14="http://schemas.microsoft.com/office/powerpoint/2010/main" val="4103155459"/>
+        <p14:creationId xmlns:p14="http://schemas.microsoft.com/office/powerpoint/2010/main" val="3243289454"/>
       </p:ext>
     </p:extLst>
   </p:cSld>
@@ -1902,13 +3643,7 @@
       </p:grpSpPr>
       <p:sp>
         <p:nvSpPr>
-          <p:cNvPr id="2" name="Title 1">
-            <a:extLst>
-              <a:ext uri="{FF2B5EF4-FFF2-40B4-BE49-F238E27FC236}">
-                <a16:creationId xmlns:a16="http://schemas.microsoft.com/office/drawing/2014/main" id="{29FF311D-6046-F23E-CFAE-34D328F61CD4}"/>
-              </a:ext>
-            </a:extLst>
-          </p:cNvPr>
+          <p:cNvPr id="2" name="Title 1"/>
           <p:cNvSpPr>
             <a:spLocks noGrp="1"/>
           </p:cNvSpPr>
@@ -1925,18 +3660,13 @@
               <a:rPr lang="en-US"/>
               <a:t>Click to edit Master title style</a:t>
             </a:r>
-          </a:p>
-        </p:txBody>
-      </p:sp>
-      <p:sp>
-        <p:nvSpPr>
-          <p:cNvPr id="3" name="Date Placeholder 2">
-            <a:extLst>
-              <a:ext uri="{FF2B5EF4-FFF2-40B4-BE49-F238E27FC236}">
-                <a16:creationId xmlns:a16="http://schemas.microsoft.com/office/drawing/2014/main" id="{642364F7-1704-FFDD-7A2C-D009337ACB50}"/>
-              </a:ext>
-            </a:extLst>
-          </p:cNvPr>
+            <a:endParaRPr lang="en-US" dirty="0"/>
+          </a:p>
+        </p:txBody>
+      </p:sp>
+      <p:sp>
+        <p:nvSpPr>
+          <p:cNvPr id="3" name="Date Placeholder 2"/>
           <p:cNvSpPr>
             <a:spLocks noGrp="1"/>
           </p:cNvSpPr>
@@ -1949,7 +3679,7 @@
           <a:bodyPr/>
           <a:lstStyle/>
           <a:p>
-            <a:fld id="{5F1ED7ED-5A14-BD4D-B77F-4106FBDF7991}" type="datetimeFigureOut">
+            <a:fld id="{B6D41BCC-AD73-4203-A5A6-E62EB28B0FE6}" type="datetimeFigureOut">
               <a:rPr lang="en-US" smtClean="0"/>
               <a:t>7/24/24</a:t>
             </a:fld>
@@ -1959,13 +3689,7 @@
       </p:sp>
       <p:sp>
         <p:nvSpPr>
-          <p:cNvPr id="4" name="Footer Placeholder 3">
-            <a:extLst>
-              <a:ext uri="{FF2B5EF4-FFF2-40B4-BE49-F238E27FC236}">
-                <a16:creationId xmlns:a16="http://schemas.microsoft.com/office/drawing/2014/main" id="{499DB262-35E0-C451-6FBC-19E19B149EB6}"/>
-              </a:ext>
-            </a:extLst>
-          </p:cNvPr>
+          <p:cNvPr id="4" name="Footer Placeholder 3"/>
           <p:cNvSpPr>
             <a:spLocks noGrp="1"/>
           </p:cNvSpPr>
@@ -1984,13 +3708,7 @@
       </p:sp>
       <p:sp>
         <p:nvSpPr>
-          <p:cNvPr id="5" name="Slide Number Placeholder 4">
-            <a:extLst>
-              <a:ext uri="{FF2B5EF4-FFF2-40B4-BE49-F238E27FC236}">
-                <a16:creationId xmlns:a16="http://schemas.microsoft.com/office/drawing/2014/main" id="{1C9B9353-DAE5-6807-EB4E-9F18507995EE}"/>
-              </a:ext>
-            </a:extLst>
-          </p:cNvPr>
+          <p:cNvPr id="5" name="Slide Number Placeholder 4"/>
           <p:cNvSpPr>
             <a:spLocks noGrp="1"/>
           </p:cNvSpPr>
@@ -2003,7 +3721,7 @@
           <a:bodyPr/>
           <a:lstStyle/>
           <a:p>
-            <a:fld id="{E073CD1C-CB8C-374F-9C5A-2CCD76BEF49B}" type="slidenum">
+            <a:fld id="{D637F8FC-4B86-4690-8888-22AB2F781BEF}" type="slidenum">
               <a:rPr lang="en-US" smtClean="0"/>
               <a:t>‹#›</a:t>
             </a:fld>
@@ -2014,7 +3732,7 @@
     </p:spTree>
     <p:extLst>
       <p:ext uri="{BB962C8B-B14F-4D97-AF65-F5344CB8AC3E}">
-        <p14:creationId xmlns:p14="http://schemas.microsoft.com/office/powerpoint/2010/main" val="380065301"/>
+        <p14:creationId xmlns:p14="http://schemas.microsoft.com/office/powerpoint/2010/main" val="3578394451"/>
       </p:ext>
     </p:extLst>
   </p:cSld>
@@ -2043,13 +3761,7 @@
       </p:grpSpPr>
       <p:sp>
         <p:nvSpPr>
-          <p:cNvPr id="2" name="Date Placeholder 1">
-            <a:extLst>
-              <a:ext uri="{FF2B5EF4-FFF2-40B4-BE49-F238E27FC236}">
-                <a16:creationId xmlns:a16="http://schemas.microsoft.com/office/drawing/2014/main" id="{37C7E042-C147-FE2D-9471-CFDCD30A8EFD}"/>
-              </a:ext>
-            </a:extLst>
-          </p:cNvPr>
+          <p:cNvPr id="2" name="Date Placeholder 1"/>
           <p:cNvSpPr>
             <a:spLocks noGrp="1"/>
           </p:cNvSpPr>
@@ -2062,7 +3774,7 @@
           <a:bodyPr/>
           <a:lstStyle/>
           <a:p>
-            <a:fld id="{5F1ED7ED-5A14-BD4D-B77F-4106FBDF7991}" type="datetimeFigureOut">
+            <a:fld id="{B6D41BCC-AD73-4203-A5A6-E62EB28B0FE6}" type="datetimeFigureOut">
               <a:rPr lang="en-US" smtClean="0"/>
               <a:t>7/24/24</a:t>
             </a:fld>
@@ -2072,13 +3784,7 @@
       </p:sp>
       <p:sp>
         <p:nvSpPr>
-          <p:cNvPr id="3" name="Footer Placeholder 2">
-            <a:extLst>
-              <a:ext uri="{FF2B5EF4-FFF2-40B4-BE49-F238E27FC236}">
-                <a16:creationId xmlns:a16="http://schemas.microsoft.com/office/drawing/2014/main" id="{F6B3ADB5-2770-90A0-3EE1-F7E898578EC0}"/>
-              </a:ext>
-            </a:extLst>
-          </p:cNvPr>
+          <p:cNvPr id="3" name="Footer Placeholder 2"/>
           <p:cNvSpPr>
             <a:spLocks noGrp="1"/>
           </p:cNvSpPr>
@@ -2097,13 +3803,7 @@
       </p:sp>
       <p:sp>
         <p:nvSpPr>
-          <p:cNvPr id="4" name="Slide Number Placeholder 3">
-            <a:extLst>
-              <a:ext uri="{FF2B5EF4-FFF2-40B4-BE49-F238E27FC236}">
-                <a16:creationId xmlns:a16="http://schemas.microsoft.com/office/drawing/2014/main" id="{1735B54D-39B2-9CD8-0114-72D8D734F7F2}"/>
-              </a:ext>
-            </a:extLst>
-          </p:cNvPr>
+          <p:cNvPr id="4" name="Slide Number Placeholder 3"/>
           <p:cNvSpPr>
             <a:spLocks noGrp="1"/>
           </p:cNvSpPr>
@@ -2116,7 +3816,7 @@
           <a:bodyPr/>
           <a:lstStyle/>
           <a:p>
-            <a:fld id="{E073CD1C-CB8C-374F-9C5A-2CCD76BEF49B}" type="slidenum">
+            <a:fld id="{D637F8FC-4B86-4690-8888-22AB2F781BEF}" type="slidenum">
               <a:rPr lang="en-US" smtClean="0"/>
               <a:t>‹#›</a:t>
             </a:fld>
@@ -2127,7 +3827,7 @@
     </p:spTree>
     <p:extLst>
       <p:ext uri="{BB962C8B-B14F-4D97-AF65-F5344CB8AC3E}">
-        <p14:creationId xmlns:p14="http://schemas.microsoft.com/office/powerpoint/2010/main" val="2211495724"/>
+        <p14:creationId xmlns:p14="http://schemas.microsoft.com/office/powerpoint/2010/main" val="2228432358"/>
       </p:ext>
     </p:extLst>
   </p:cSld>
@@ -2156,159 +3856,223 @@
       </p:grpSpPr>
       <p:sp>
         <p:nvSpPr>
-          <p:cNvPr id="2" name="Title 1">
-            <a:extLst>
-              <a:ext uri="{FF2B5EF4-FFF2-40B4-BE49-F238E27FC236}">
-                <a16:creationId xmlns:a16="http://schemas.microsoft.com/office/drawing/2014/main" id="{E80E355D-E44A-41E0-66CC-1515C6F209DB}"/>
-              </a:ext>
-            </a:extLst>
-          </p:cNvPr>
-          <p:cNvSpPr>
-            <a:spLocks noGrp="1"/>
-          </p:cNvSpPr>
-          <p:nvPr>
-            <p:ph type="title"/>
-          </p:nvPr>
+          <p:cNvPr id="26" name="Rectangle 25"/>
+          <p:cNvSpPr/>
+          <p:nvPr/>
         </p:nvSpPr>
         <p:spPr>
           <a:xfrm>
-            <a:off x="839788" y="457200"/>
-            <a:ext cx="3932237" cy="1600200"/>
+            <a:off x="0" y="0"/>
+            <a:ext cx="6096000" cy="6858000"/>
+          </a:xfrm>
+          <a:prstGeom prst="rect">
+            <a:avLst/>
+          </a:prstGeom>
+          <a:solidFill>
+            <a:schemeClr val="accent2"/>
+          </a:solidFill>
+          <a:ln>
+            <a:noFill/>
+          </a:ln>
+        </p:spPr>
+        <p:style>
+          <a:lnRef idx="2">
+            <a:schemeClr val="accent1">
+              <a:shade val="50000"/>
+            </a:schemeClr>
+          </a:lnRef>
+          <a:fillRef idx="1">
+            <a:schemeClr val="accent1"/>
+          </a:fillRef>
+          <a:effectRef idx="0">
+            <a:schemeClr val="accent1"/>
+          </a:effectRef>
+          <a:fontRef idx="minor">
+            <a:schemeClr val="lt1"/>
+          </a:fontRef>
+        </p:style>
+      </p:sp>
+      <p:sp>
+        <p:nvSpPr>
+          <p:cNvPr id="2" name="Title 1"/>
+          <p:cNvSpPr>
+            <a:spLocks noGrp="1"/>
+          </p:cNvSpPr>
+          <p:nvPr>
+            <p:ph type="title"/>
+          </p:nvPr>
+        </p:nvSpPr>
+        <p:spPr bwMode="blackWhite">
+          <a:xfrm>
+            <a:off x="804672" y="2243828"/>
+            <a:ext cx="4486656" cy="1141497"/>
+          </a:xfrm>
+          <a:solidFill>
+            <a:srgbClr val="FFFFFF"/>
+          </a:solidFill>
+          <a:ln>
+            <a:solidFill>
+              <a:srgbClr val="404040"/>
+            </a:solidFill>
+          </a:ln>
+        </p:spPr>
+        <p:txBody>
+          <a:bodyPr anchor="ctr" anchorCtr="1">
+            <a:normAutofit/>
+          </a:bodyPr>
+          <a:lstStyle>
+            <a:lvl1pPr>
+              <a:defRPr sz="2200">
+                <a:solidFill>
+                  <a:srgbClr val="262626"/>
+                </a:solidFill>
+              </a:defRPr>
+            </a:lvl1pPr>
+          </a:lstStyle>
+          <a:p>
+            <a:r>
+              <a:rPr lang="en-US"/>
+              <a:t>Click to edit Master title style</a:t>
+            </a:r>
+            <a:endParaRPr lang="en-US" dirty="0"/>
+          </a:p>
+        </p:txBody>
+      </p:sp>
+      <p:sp>
+        <p:nvSpPr>
+          <p:cNvPr id="3" name="Content Placeholder 2"/>
+          <p:cNvSpPr>
+            <a:spLocks noGrp="1"/>
+          </p:cNvSpPr>
+          <p:nvPr>
+            <p:ph idx="1"/>
+          </p:nvPr>
+        </p:nvSpPr>
+        <p:spPr>
+          <a:xfrm>
+            <a:off x="6736080" y="804672"/>
+            <a:ext cx="4815840" cy="5248656"/>
           </a:xfrm>
         </p:spPr>
         <p:txBody>
-          <a:bodyPr anchor="b"/>
+          <a:bodyPr>
+            <a:normAutofit/>
+          </a:bodyPr>
           <a:lstStyle>
             <a:lvl1pPr>
-              <a:defRPr sz="3200"/>
+              <a:defRPr sz="1900">
+                <a:solidFill>
+                  <a:schemeClr val="tx1"/>
+                </a:solidFill>
+              </a:defRPr>
             </a:lvl1pPr>
+            <a:lvl2pPr>
+              <a:defRPr sz="1600">
+                <a:solidFill>
+                  <a:schemeClr val="tx1"/>
+                </a:solidFill>
+              </a:defRPr>
+            </a:lvl2pPr>
+            <a:lvl3pPr>
+              <a:defRPr sz="1600">
+                <a:solidFill>
+                  <a:schemeClr val="tx1"/>
+                </a:solidFill>
+              </a:defRPr>
+            </a:lvl3pPr>
+            <a:lvl4pPr>
+              <a:defRPr sz="1600">
+                <a:solidFill>
+                  <a:schemeClr val="tx1"/>
+                </a:solidFill>
+              </a:defRPr>
+            </a:lvl4pPr>
+            <a:lvl5pPr>
+              <a:defRPr sz="1600">
+                <a:solidFill>
+                  <a:schemeClr val="tx1"/>
+                </a:solidFill>
+              </a:defRPr>
+            </a:lvl5pPr>
+            <a:lvl6pPr>
+              <a:defRPr sz="1600"/>
+            </a:lvl6pPr>
+            <a:lvl7pPr>
+              <a:defRPr sz="1600"/>
+            </a:lvl7pPr>
+            <a:lvl8pPr>
+              <a:defRPr sz="1600"/>
+            </a:lvl8pPr>
+            <a:lvl9pPr>
+              <a:defRPr sz="1600"/>
+            </a:lvl9pPr>
           </a:lstStyle>
           <a:p>
-            <a:r>
-              <a:rPr lang="en-US"/>
-              <a:t>Click to edit Master title style</a:t>
-            </a:r>
-          </a:p>
-        </p:txBody>
-      </p:sp>
-      <p:sp>
-        <p:nvSpPr>
-          <p:cNvPr id="3" name="Content Placeholder 2">
-            <a:extLst>
-              <a:ext uri="{FF2B5EF4-FFF2-40B4-BE49-F238E27FC236}">
-                <a16:creationId xmlns:a16="http://schemas.microsoft.com/office/drawing/2014/main" id="{0F5B0945-9B7C-F2F6-EFB7-852F5FD9A21E}"/>
-              </a:ext>
-            </a:extLst>
-          </p:cNvPr>
-          <p:cNvSpPr>
-            <a:spLocks noGrp="1"/>
-          </p:cNvSpPr>
-          <p:nvPr>
-            <p:ph idx="1"/>
+            <a:pPr lvl="0"/>
+            <a:r>
+              <a:rPr lang="en-US"/>
+              <a:t>Click to edit Master text styles</a:t>
+            </a:r>
+          </a:p>
+          <a:p>
+            <a:pPr lvl="1"/>
+            <a:r>
+              <a:rPr lang="en-US"/>
+              <a:t>Second level</a:t>
+            </a:r>
+          </a:p>
+          <a:p>
+            <a:pPr lvl="2"/>
+            <a:r>
+              <a:rPr lang="en-US"/>
+              <a:t>Third level</a:t>
+            </a:r>
+          </a:p>
+          <a:p>
+            <a:pPr lvl="3"/>
+            <a:r>
+              <a:rPr lang="en-US"/>
+              <a:t>Fourth level</a:t>
+            </a:r>
+          </a:p>
+          <a:p>
+            <a:pPr lvl="4"/>
+            <a:r>
+              <a:rPr lang="en-US"/>
+              <a:t>Fifth level</a:t>
+            </a:r>
+            <a:endParaRPr lang="en-US" dirty="0"/>
+          </a:p>
+        </p:txBody>
+      </p:sp>
+      <p:sp>
+        <p:nvSpPr>
+          <p:cNvPr id="4" name="Text Placeholder 3"/>
+          <p:cNvSpPr>
+            <a:spLocks noGrp="1"/>
+          </p:cNvSpPr>
+          <p:nvPr>
+            <p:ph type="body" sz="half" idx="2"/>
           </p:nvPr>
         </p:nvSpPr>
         <p:spPr>
           <a:xfrm>
-            <a:off x="5183188" y="987425"/>
-            <a:ext cx="6172200" cy="4873625"/>
+            <a:off x="1115568" y="3549918"/>
+            <a:ext cx="3794760" cy="2194036"/>
           </a:xfrm>
         </p:spPr>
         <p:txBody>
-          <a:bodyPr/>
+          <a:bodyPr anchor="t" anchorCtr="1">
+            <a:normAutofit/>
+          </a:bodyPr>
           <a:lstStyle>
-            <a:lvl1pPr>
-              <a:defRPr sz="3200"/>
-            </a:lvl1pPr>
-            <a:lvl2pPr>
-              <a:defRPr sz="2800"/>
-            </a:lvl2pPr>
-            <a:lvl3pPr>
-              <a:defRPr sz="2400"/>
-            </a:lvl3pPr>
-            <a:lvl4pPr>
-              <a:defRPr sz="2000"/>
-            </a:lvl4pPr>
-            <a:lvl5pPr>
-              <a:defRPr sz="2000"/>
-            </a:lvl5pPr>
-            <a:lvl6pPr>
-              <a:defRPr sz="2000"/>
-            </a:lvl6pPr>
-            <a:lvl7pPr>
-              <a:defRPr sz="2000"/>
-            </a:lvl7pPr>
-            <a:lvl8pPr>
-              <a:defRPr sz="2000"/>
-            </a:lvl8pPr>
-            <a:lvl9pPr>
-              <a:defRPr sz="2000"/>
-            </a:lvl9pPr>
-          </a:lstStyle>
-          <a:p>
-            <a:pPr lvl="0"/>
-            <a:r>
-              <a:rPr lang="en-US"/>
-              <a:t>Click to edit Master text styles</a:t>
-            </a:r>
-          </a:p>
-          <a:p>
-            <a:pPr lvl="1"/>
-            <a:r>
-              <a:rPr lang="en-US"/>
-              <a:t>Second level</a:t>
-            </a:r>
-          </a:p>
-          <a:p>
-            <a:pPr lvl="2"/>
-            <a:r>
-              <a:rPr lang="en-US"/>
-              <a:t>Third level</a:t>
-            </a:r>
-          </a:p>
-          <a:p>
-            <a:pPr lvl="3"/>
-            <a:r>
-              <a:rPr lang="en-US"/>
-              <a:t>Fourth level</a:t>
-            </a:r>
-          </a:p>
-          <a:p>
-            <a:pPr lvl="4"/>
-            <a:r>
-              <a:rPr lang="en-US"/>
-              <a:t>Fifth level</a:t>
-            </a:r>
-          </a:p>
-        </p:txBody>
-      </p:sp>
-      <p:sp>
-        <p:nvSpPr>
-          <p:cNvPr id="4" name="Text Placeholder 3">
-            <a:extLst>
-              <a:ext uri="{FF2B5EF4-FFF2-40B4-BE49-F238E27FC236}">
-                <a16:creationId xmlns:a16="http://schemas.microsoft.com/office/drawing/2014/main" id="{5B08A6CE-5792-742A-164C-E5829A12C102}"/>
-              </a:ext>
-            </a:extLst>
-          </p:cNvPr>
-          <p:cNvSpPr>
-            <a:spLocks noGrp="1"/>
-          </p:cNvSpPr>
-          <p:nvPr>
-            <p:ph type="body" sz="half" idx="2"/>
-          </p:nvPr>
-        </p:nvSpPr>
-        <p:spPr>
-          <a:xfrm>
-            <a:off x="839788" y="2057400"/>
-            <a:ext cx="3932237" cy="3811588"/>
-          </a:xfrm>
-        </p:spPr>
-        <p:txBody>
-          <a:bodyPr/>
-          <a:lstStyle>
-            <a:lvl1pPr marL="0" indent="0">
+            <a:lvl1pPr marL="0" indent="0" algn="ctr">
               <a:buNone/>
-              <a:defRPr sz="1600"/>
+              <a:defRPr sz="1500">
+                <a:solidFill>
+                  <a:srgbClr val="FFFFFF"/>
+                </a:solidFill>
+              </a:defRPr>
             </a:lvl1pPr>
             <a:lvl2pPr marL="457200" indent="0">
               <a:buNone/>
@@ -2354,13 +4118,7 @@
       </p:sp>
       <p:sp>
         <p:nvSpPr>
-          <p:cNvPr id="5" name="Date Placeholder 4">
-            <a:extLst>
-              <a:ext uri="{FF2B5EF4-FFF2-40B4-BE49-F238E27FC236}">
-                <a16:creationId xmlns:a16="http://schemas.microsoft.com/office/drawing/2014/main" id="{872310E6-2199-F32F-0384-3D0EA3C1A887}"/>
-              </a:ext>
-            </a:extLst>
-          </p:cNvPr>
+          <p:cNvPr id="9" name="Date Placeholder 8"/>
           <p:cNvSpPr>
             <a:spLocks noGrp="1"/>
           </p:cNvSpPr>
@@ -2373,7 +4131,7 @@
           <a:bodyPr/>
           <a:lstStyle/>
           <a:p>
-            <a:fld id="{5F1ED7ED-5A14-BD4D-B77F-4106FBDF7991}" type="datetimeFigureOut">
+            <a:fld id="{B6D41BCC-AD73-4203-A5A6-E62EB28B0FE6}" type="datetimeFigureOut">
               <a:rPr lang="en-US" smtClean="0"/>
               <a:t>7/24/24</a:t>
             </a:fld>
@@ -2383,13 +4141,7 @@
       </p:sp>
       <p:sp>
         <p:nvSpPr>
-          <p:cNvPr id="6" name="Footer Placeholder 5">
-            <a:extLst>
-              <a:ext uri="{FF2B5EF4-FFF2-40B4-BE49-F238E27FC236}">
-                <a16:creationId xmlns:a16="http://schemas.microsoft.com/office/drawing/2014/main" id="{5AE3B6F3-2E24-2E25-609B-78F722C194AB}"/>
-              </a:ext>
-            </a:extLst>
-          </p:cNvPr>
+          <p:cNvPr id="10" name="Footer Placeholder 9"/>
           <p:cNvSpPr>
             <a:spLocks noGrp="1"/>
           </p:cNvSpPr>
@@ -2397,10 +4149,25 @@
             <p:ph type="ftr" sz="quarter" idx="11"/>
           </p:nvPr>
         </p:nvSpPr>
-        <p:spPr/>
+        <p:spPr>
+          <a:xfrm>
+            <a:off x="804672" y="6236208"/>
+            <a:ext cx="5124797" cy="320040"/>
+          </a:xfrm>
+        </p:spPr>
         <p:txBody>
           <a:bodyPr/>
-          <a:lstStyle/>
+          <a:lstStyle>
+            <a:lvl1pPr>
+              <a:defRPr>
+                <a:solidFill>
+                  <a:srgbClr val="FFFFFF">
+                    <a:alpha val="70000"/>
+                  </a:srgbClr>
+                </a:solidFill>
+              </a:defRPr>
+            </a:lvl1pPr>
+          </a:lstStyle>
           <a:p>
             <a:endParaRPr lang="en-US"/>
           </a:p>
@@ -2408,13 +4175,7 @@
       </p:sp>
       <p:sp>
         <p:nvSpPr>
-          <p:cNvPr id="7" name="Slide Number Placeholder 6">
-            <a:extLst>
-              <a:ext uri="{FF2B5EF4-FFF2-40B4-BE49-F238E27FC236}">
-                <a16:creationId xmlns:a16="http://schemas.microsoft.com/office/drawing/2014/main" id="{D5D79417-0579-344B-3D27-9E6F25E27FC0}"/>
-              </a:ext>
-            </a:extLst>
-          </p:cNvPr>
+          <p:cNvPr id="11" name="Slide Number Placeholder 10"/>
           <p:cNvSpPr>
             <a:spLocks noGrp="1"/>
           </p:cNvSpPr>
@@ -2427,7 +4188,7 @@
           <a:bodyPr/>
           <a:lstStyle/>
           <a:p>
-            <a:fld id="{E073CD1C-CB8C-374F-9C5A-2CCD76BEF49B}" type="slidenum">
+            <a:fld id="{D637F8FC-4B86-4690-8888-22AB2F781BEF}" type="slidenum">
               <a:rPr lang="en-US" smtClean="0"/>
               <a:t>‹#›</a:t>
             </a:fld>
@@ -2438,7 +4199,7 @@
     </p:spTree>
     <p:extLst>
       <p:ext uri="{BB962C8B-B14F-4D97-AF65-F5344CB8AC3E}">
-        <p14:creationId xmlns:p14="http://schemas.microsoft.com/office/powerpoint/2010/main" val="86461703"/>
+        <p14:creationId xmlns:p14="http://schemas.microsoft.com/office/powerpoint/2010/main" val="1554687827"/>
       </p:ext>
     </p:extLst>
   </p:cSld>
@@ -2467,31 +4228,77 @@
       </p:grpSpPr>
       <p:sp>
         <p:nvSpPr>
-          <p:cNvPr id="2" name="Title 1">
-            <a:extLst>
-              <a:ext uri="{FF2B5EF4-FFF2-40B4-BE49-F238E27FC236}">
-                <a16:creationId xmlns:a16="http://schemas.microsoft.com/office/drawing/2014/main" id="{922C3844-D89E-D938-CA07-B35126F506CE}"/>
-              </a:ext>
-            </a:extLst>
-          </p:cNvPr>
-          <p:cNvSpPr>
-            <a:spLocks noGrp="1"/>
-          </p:cNvSpPr>
-          <p:nvPr>
-            <p:ph type="title"/>
-          </p:nvPr>
+          <p:cNvPr id="18" name="Rectangle 17"/>
+          <p:cNvSpPr/>
+          <p:nvPr/>
         </p:nvSpPr>
         <p:spPr>
           <a:xfrm>
-            <a:off x="839788" y="457200"/>
-            <a:ext cx="3932237" cy="1600200"/>
+            <a:off x="0" y="0"/>
+            <a:ext cx="6095999" cy="6858000"/>
           </a:xfrm>
+          <a:prstGeom prst="rect">
+            <a:avLst/>
+          </a:prstGeom>
+          <a:solidFill>
+            <a:schemeClr val="accent2"/>
+          </a:solidFill>
+          <a:ln>
+            <a:noFill/>
+          </a:ln>
         </p:spPr>
-        <p:txBody>
-          <a:bodyPr anchor="b"/>
+        <p:style>
+          <a:lnRef idx="2">
+            <a:schemeClr val="accent1">
+              <a:shade val="50000"/>
+            </a:schemeClr>
+          </a:lnRef>
+          <a:fillRef idx="1">
+            <a:schemeClr val="accent1"/>
+          </a:fillRef>
+          <a:effectRef idx="0">
+            <a:schemeClr val="accent1"/>
+          </a:effectRef>
+          <a:fontRef idx="minor">
+            <a:schemeClr val="lt1"/>
+          </a:fontRef>
+        </p:style>
+      </p:sp>
+      <p:sp>
+        <p:nvSpPr>
+          <p:cNvPr id="2" name="Title 1"/>
+          <p:cNvSpPr>
+            <a:spLocks noGrp="1"/>
+          </p:cNvSpPr>
+          <p:nvPr>
+            <p:ph type="title"/>
+          </p:nvPr>
+        </p:nvSpPr>
+        <p:spPr bwMode="blackWhite">
+          <a:xfrm>
+            <a:off x="808523" y="2243828"/>
+            <a:ext cx="4494998" cy="1134640"/>
+          </a:xfrm>
+          <a:solidFill>
+            <a:srgbClr val="FFFFFF"/>
+          </a:solidFill>
+          <a:ln>
+            <a:solidFill>
+              <a:srgbClr val="404040"/>
+            </a:solidFill>
+          </a:ln>
+        </p:spPr>
+        <p:txBody>
+          <a:bodyPr anchor="ctr" anchorCtr="1">
+            <a:noAutofit/>
+          </a:bodyPr>
           <a:lstStyle>
             <a:lvl1pPr>
-              <a:defRPr sz="3200"/>
+              <a:defRPr sz="2200">
+                <a:solidFill>
+                  <a:srgbClr val="262626"/>
+                </a:solidFill>
+              </a:defRPr>
             </a:lvl1pPr>
           </a:lstStyle>
           <a:p>
@@ -2499,20 +4306,15 @@
               <a:rPr lang="en-US"/>
               <a:t>Click to edit Master title style</a:t>
             </a:r>
-          </a:p>
-        </p:txBody>
-      </p:sp>
-      <p:sp>
-        <p:nvSpPr>
-          <p:cNvPr id="3" name="Picture Placeholder 2">
-            <a:extLst>
-              <a:ext uri="{FF2B5EF4-FFF2-40B4-BE49-F238E27FC236}">
-                <a16:creationId xmlns:a16="http://schemas.microsoft.com/office/drawing/2014/main" id="{3AAB6A8A-2880-036C-9787-52CDD7EB7768}"/>
-              </a:ext>
-            </a:extLst>
-          </p:cNvPr>
-          <p:cNvSpPr>
-            <a:spLocks noGrp="1"/>
+            <a:endParaRPr lang="en-US" dirty="0"/>
+          </a:p>
+        </p:txBody>
+      </p:sp>
+      <p:sp>
+        <p:nvSpPr>
+          <p:cNvPr id="3" name="Picture Placeholder 2"/>
+          <p:cNvSpPr>
+            <a:spLocks noGrp="1" noChangeAspect="1"/>
           </p:cNvSpPr>
           <p:nvPr>
             <p:ph type="pic" idx="1"/>
@@ -2520,16 +4322,28 @@
         </p:nvSpPr>
         <p:spPr>
           <a:xfrm>
-            <a:off x="5183188" y="987425"/>
-            <a:ext cx="6172200" cy="4873625"/>
+            <a:off x="6095999" y="0"/>
+            <a:ext cx="6102097" cy="6858000"/>
           </a:xfrm>
+          <a:solidFill>
+            <a:schemeClr val="bg1">
+              <a:lumMod val="75000"/>
+            </a:schemeClr>
+          </a:solidFill>
         </p:spPr>
         <p:txBody>
-          <a:bodyPr/>
+          <a:bodyPr anchor="t"/>
           <a:lstStyle>
             <a:lvl1pPr marL="0" indent="0">
               <a:buNone/>
-              <a:defRPr sz="3200"/>
+              <a:defRPr sz="3200">
+                <a:solidFill>
+                  <a:schemeClr val="bg1">
+                    <a:lumMod val="85000"/>
+                    <a:lumOff val="15000"/>
+                  </a:schemeClr>
+                </a:solidFill>
+              </a:defRPr>
             </a:lvl1pPr>
             <a:lvl2pPr marL="457200" indent="0">
               <a:buNone/>
@@ -2565,19 +4379,17 @@
             </a:lvl9pPr>
           </a:lstStyle>
           <a:p>
-            <a:endParaRPr lang="en-US"/>
-          </a:p>
-        </p:txBody>
-      </p:sp>
-      <p:sp>
-        <p:nvSpPr>
-          <p:cNvPr id="4" name="Text Placeholder 3">
-            <a:extLst>
-              <a:ext uri="{FF2B5EF4-FFF2-40B4-BE49-F238E27FC236}">
-                <a16:creationId xmlns:a16="http://schemas.microsoft.com/office/drawing/2014/main" id="{E827B37F-FD1E-4E06-584B-6BB5A2DAC540}"/>
-              </a:ext>
-            </a:extLst>
-          </p:cNvPr>
+            <a:r>
+              <a:rPr lang="en-US"/>
+              <a:t>Click icon to add picture</a:t>
+            </a:r>
+            <a:endParaRPr lang="en-US" dirty="0"/>
+          </a:p>
+        </p:txBody>
+      </p:sp>
+      <p:sp>
+        <p:nvSpPr>
+          <p:cNvPr id="4" name="Text Placeholder 3"/>
           <p:cNvSpPr>
             <a:spLocks noGrp="1"/>
           </p:cNvSpPr>
@@ -2587,16 +4399,22 @@
         </p:nvSpPr>
         <p:spPr>
           <a:xfrm>
-            <a:off x="839788" y="2057400"/>
-            <a:ext cx="3932237" cy="3811588"/>
+            <a:off x="1115568" y="3549918"/>
+            <a:ext cx="3794760" cy="2194037"/>
           </a:xfrm>
         </p:spPr>
         <p:txBody>
-          <a:bodyPr/>
+          <a:bodyPr anchor="t" anchorCtr="1">
+            <a:normAutofit/>
+          </a:bodyPr>
           <a:lstStyle>
-            <a:lvl1pPr marL="0" indent="0">
+            <a:lvl1pPr marL="0" indent="0" algn="ctr">
               <a:buNone/>
-              <a:defRPr sz="1600"/>
+              <a:defRPr sz="1500">
+                <a:solidFill>
+                  <a:srgbClr val="FFFFFF"/>
+                </a:solidFill>
+              </a:defRPr>
             </a:lvl1pPr>
             <a:lvl2pPr marL="457200" indent="0">
               <a:buNone/>
@@ -2642,13 +4460,7 @@
       </p:sp>
       <p:sp>
         <p:nvSpPr>
-          <p:cNvPr id="5" name="Date Placeholder 4">
-            <a:extLst>
-              <a:ext uri="{FF2B5EF4-FFF2-40B4-BE49-F238E27FC236}">
-                <a16:creationId xmlns:a16="http://schemas.microsoft.com/office/drawing/2014/main" id="{7E7BDDBC-51FD-D5CF-C7E8-131017F9693A}"/>
-              </a:ext>
-            </a:extLst>
-          </p:cNvPr>
+          <p:cNvPr id="8" name="Date Placeholder 7"/>
           <p:cNvSpPr>
             <a:spLocks noGrp="1"/>
           </p:cNvSpPr>
@@ -2659,9 +4471,24 @@
         <p:spPr/>
         <p:txBody>
           <a:bodyPr/>
-          <a:lstStyle/>
-          <a:p>
-            <a:fld id="{5F1ED7ED-5A14-BD4D-B77F-4106FBDF7991}" type="datetimeFigureOut">
+          <a:lstStyle>
+            <a:lvl1pPr>
+              <a:defRPr>
+                <a:solidFill>
+                  <a:srgbClr val="FFFFFF"/>
+                </a:solidFill>
+                <a:effectLst>
+                  <a:outerShdw blurRad="50800" dist="38100" dir="2700000" algn="tl" rotWithShape="0">
+                    <a:prstClr val="black">
+                      <a:alpha val="43000"/>
+                    </a:prstClr>
+                  </a:outerShdw>
+                </a:effectLst>
+              </a:defRPr>
+            </a:lvl1pPr>
+          </a:lstStyle>
+          <a:p>
+            <a:fld id="{B6D41BCC-AD73-4203-A5A6-E62EB28B0FE6}" type="datetimeFigureOut">
               <a:rPr lang="en-US" smtClean="0"/>
               <a:t>7/24/24</a:t>
             </a:fld>
@@ -2671,13 +4498,7 @@
       </p:sp>
       <p:sp>
         <p:nvSpPr>
-          <p:cNvPr id="6" name="Footer Placeholder 5">
-            <a:extLst>
-              <a:ext uri="{FF2B5EF4-FFF2-40B4-BE49-F238E27FC236}">
-                <a16:creationId xmlns:a16="http://schemas.microsoft.com/office/drawing/2014/main" id="{8B1F5B37-E1A1-F410-E7D1-463A1A82E180}"/>
-              </a:ext>
-            </a:extLst>
-          </p:cNvPr>
+          <p:cNvPr id="9" name="Footer Placeholder 8"/>
           <p:cNvSpPr>
             <a:spLocks noGrp="1"/>
           </p:cNvSpPr>
@@ -2685,24 +4506,33 @@
             <p:ph type="ftr" sz="quarter" idx="11"/>
           </p:nvPr>
         </p:nvSpPr>
-        <p:spPr/>
+        <p:spPr>
+          <a:xfrm>
+            <a:off x="804672" y="6236208"/>
+            <a:ext cx="5124797" cy="320040"/>
+          </a:xfrm>
+        </p:spPr>
         <p:txBody>
           <a:bodyPr/>
-          <a:lstStyle/>
-          <a:p>
-            <a:endParaRPr lang="en-US"/>
-          </a:p>
-        </p:txBody>
-      </p:sp>
-      <p:sp>
-        <p:nvSpPr>
-          <p:cNvPr id="7" name="Slide Number Placeholder 6">
-            <a:extLst>
-              <a:ext uri="{FF2B5EF4-FFF2-40B4-BE49-F238E27FC236}">
-                <a16:creationId xmlns:a16="http://schemas.microsoft.com/office/drawing/2014/main" id="{7EFBCF24-EB85-804E-1E9A-A65F4468204B}"/>
-              </a:ext>
-            </a:extLst>
-          </p:cNvPr>
+          <a:lstStyle>
+            <a:lvl1pPr>
+              <a:defRPr>
+                <a:solidFill>
+                  <a:srgbClr val="FFFFFF">
+                    <a:alpha val="70000"/>
+                  </a:srgbClr>
+                </a:solidFill>
+              </a:defRPr>
+            </a:lvl1pPr>
+          </a:lstStyle>
+          <a:p>
+            <a:endParaRPr lang="en-US" dirty="0"/>
+          </a:p>
+        </p:txBody>
+      </p:sp>
+      <p:sp>
+        <p:nvSpPr>
+          <p:cNvPr id="10" name="Slide Number Placeholder 9"/>
           <p:cNvSpPr>
             <a:spLocks noGrp="1"/>
           </p:cNvSpPr>
@@ -2715,7 +4545,7 @@
           <a:bodyPr/>
           <a:lstStyle/>
           <a:p>
-            <a:fld id="{E073CD1C-CB8C-374F-9C5A-2CCD76BEF49B}" type="slidenum">
+            <a:fld id="{D637F8FC-4B86-4690-8888-22AB2F781BEF}" type="slidenum">
               <a:rPr lang="en-US" smtClean="0"/>
               <a:t>‹#›</a:t>
             </a:fld>
@@ -2726,7 +4556,7 @@
     </p:spTree>
     <p:extLst>
       <p:ext uri="{BB962C8B-B14F-4D97-AF65-F5344CB8AC3E}">
-        <p14:creationId xmlns:p14="http://schemas.microsoft.com/office/powerpoint/2010/main" val="1408803877"/>
+        <p14:creationId xmlns:p14="http://schemas.microsoft.com/office/powerpoint/2010/main" val="4040227273"/>
       </p:ext>
     </p:extLst>
   </p:cSld>
@@ -2740,9 +4570,14 @@
 <p:sldMaster xmlns:a="http://schemas.openxmlformats.org/drawingml/2006/main" xmlns:r="http://schemas.openxmlformats.org/officeDocument/2006/relationships" xmlns:p="http://schemas.openxmlformats.org/presentationml/2006/main">
   <p:cSld>
     <p:bg>
-      <p:bgRef idx="1001">
-        <a:schemeClr val="bg1"/>
-      </p:bgRef>
+      <p:bgPr>
+        <a:solidFill>
+          <a:schemeClr val="bg1">
+            <a:lumMod val="95000"/>
+          </a:schemeClr>
+        </a:solidFill>
+        <a:effectLst/>
+      </p:bgPr>
     </p:bg>
     <p:spTree>
       <p:nvGrpSpPr>
@@ -2760,129 +4595,164 @@
       </p:grpSpPr>
       <p:sp>
         <p:nvSpPr>
-          <p:cNvPr id="2" name="Title Placeholder 1">
-            <a:extLst>
-              <a:ext uri="{FF2B5EF4-FFF2-40B4-BE49-F238E27FC236}">
-                <a16:creationId xmlns:a16="http://schemas.microsoft.com/office/drawing/2014/main" id="{76F7F9C4-CE72-F860-EDA2-F866FDE1DF42}"/>
-              </a:ext>
-            </a:extLst>
-          </p:cNvPr>
+          <p:cNvPr id="2" name="Title Placeholder 1"/>
           <p:cNvSpPr>
             <a:spLocks noGrp="1"/>
           </p:cNvSpPr>
           <p:nvPr>
             <p:ph type="title"/>
+          </p:nvPr>
+        </p:nvSpPr>
+        <p:spPr bwMode="black">
+          <a:xfrm>
+            <a:off x="2231136" y="964692"/>
+            <a:ext cx="7729728" cy="1188720"/>
+          </a:xfrm>
+          <a:prstGeom prst="rect">
+            <a:avLst/>
+          </a:prstGeom>
+          <a:solidFill>
+            <a:srgbClr val="FFFFFF"/>
+          </a:solidFill>
+          <a:ln w="31750" cap="sq">
+            <a:solidFill>
+              <a:srgbClr val="404040"/>
+            </a:solidFill>
+            <a:miter lim="800000"/>
+          </a:ln>
+        </p:spPr>
+        <p:txBody>
+          <a:bodyPr vert="horz" lIns="182880" tIns="182880" rIns="182880" bIns="182880" rtlCol="0" anchor="ctr">
+            <a:normAutofit/>
+          </a:bodyPr>
+          <a:lstStyle/>
+          <a:p>
+            <a:r>
+              <a:rPr lang="en-US"/>
+              <a:t>Click to edit Master title style</a:t>
+            </a:r>
+            <a:endParaRPr lang="en-US" dirty="0"/>
+          </a:p>
+        </p:txBody>
+      </p:sp>
+      <p:sp>
+        <p:nvSpPr>
+          <p:cNvPr id="3" name="Text Placeholder 2"/>
+          <p:cNvSpPr>
+            <a:spLocks noGrp="1"/>
+          </p:cNvSpPr>
+          <p:nvPr>
+            <p:ph type="body" idx="1"/>
           </p:nvPr>
         </p:nvSpPr>
         <p:spPr>
           <a:xfrm>
-            <a:off x="838200" y="365125"/>
-            <a:ext cx="10515600" cy="1325563"/>
+            <a:off x="2231136" y="2638044"/>
+            <a:ext cx="7729728" cy="3101983"/>
           </a:xfrm>
           <a:prstGeom prst="rect">
             <a:avLst/>
           </a:prstGeom>
         </p:spPr>
         <p:txBody>
-          <a:bodyPr vert="horz" lIns="91440" tIns="45720" rIns="91440" bIns="45720" rtlCol="0" anchor="ctr">
+          <a:bodyPr vert="horz" lIns="91440" tIns="45720" rIns="91440" bIns="45720" rtlCol="0">
             <a:normAutofit/>
           </a:bodyPr>
           <a:lstStyle/>
           <a:p>
-            <a:r>
-              <a:rPr lang="en-US"/>
-              <a:t>Click to edit Master title style</a:t>
-            </a:r>
-          </a:p>
-        </p:txBody>
-      </p:sp>
-      <p:sp>
-        <p:nvSpPr>
-          <p:cNvPr id="3" name="Text Placeholder 2">
-            <a:extLst>
-              <a:ext uri="{FF2B5EF4-FFF2-40B4-BE49-F238E27FC236}">
-                <a16:creationId xmlns:a16="http://schemas.microsoft.com/office/drawing/2014/main" id="{20D575FF-00C8-358D-BD9C-10E25C55C8A4}"/>
-              </a:ext>
-            </a:extLst>
-          </p:cNvPr>
-          <p:cNvSpPr>
-            <a:spLocks noGrp="1"/>
-          </p:cNvSpPr>
-          <p:nvPr>
-            <p:ph type="body" idx="1"/>
+            <a:pPr lvl="0"/>
+            <a:r>
+              <a:rPr lang="en-US"/>
+              <a:t>Click to edit Master text styles</a:t>
+            </a:r>
+          </a:p>
+          <a:p>
+            <a:pPr lvl="1"/>
+            <a:r>
+              <a:rPr lang="en-US"/>
+              <a:t>Second level</a:t>
+            </a:r>
+          </a:p>
+          <a:p>
+            <a:pPr lvl="2"/>
+            <a:r>
+              <a:rPr lang="en-US"/>
+              <a:t>Third level</a:t>
+            </a:r>
+          </a:p>
+          <a:p>
+            <a:pPr lvl="3"/>
+            <a:r>
+              <a:rPr lang="en-US"/>
+              <a:t>Fourth level</a:t>
+            </a:r>
+          </a:p>
+          <a:p>
+            <a:pPr lvl="4"/>
+            <a:r>
+              <a:rPr lang="en-US"/>
+              <a:t>Fifth level</a:t>
+            </a:r>
+            <a:endParaRPr lang="en-US" dirty="0"/>
+          </a:p>
+        </p:txBody>
+      </p:sp>
+      <p:sp>
+        <p:nvSpPr>
+          <p:cNvPr id="4" name="Date Placeholder 3"/>
+          <p:cNvSpPr>
+            <a:spLocks noGrp="1"/>
+          </p:cNvSpPr>
+          <p:nvPr>
+            <p:ph type="dt" sz="half" idx="2"/>
           </p:nvPr>
         </p:nvSpPr>
         <p:spPr>
           <a:xfrm>
-            <a:off x="838200" y="1825625"/>
-            <a:ext cx="10515600" cy="4351338"/>
+            <a:off x="7821429" y="6238816"/>
+            <a:ext cx="2753746" cy="323968"/>
           </a:xfrm>
           <a:prstGeom prst="rect">
             <a:avLst/>
           </a:prstGeom>
         </p:spPr>
         <p:txBody>
-          <a:bodyPr vert="horz" lIns="91440" tIns="45720" rIns="91440" bIns="45720" rtlCol="0">
-            <a:normAutofit/>
-          </a:bodyPr>
-          <a:lstStyle/>
-          <a:p>
-            <a:pPr lvl="0"/>
-            <a:r>
-              <a:rPr lang="en-US"/>
-              <a:t>Click to edit Master text styles</a:t>
-            </a:r>
-          </a:p>
-          <a:p>
-            <a:pPr lvl="1"/>
-            <a:r>
-              <a:rPr lang="en-US"/>
-              <a:t>Second level</a:t>
-            </a:r>
-          </a:p>
-          <a:p>
-            <a:pPr lvl="2"/>
-            <a:r>
-              <a:rPr lang="en-US"/>
-              <a:t>Third level</a:t>
-            </a:r>
-          </a:p>
-          <a:p>
-            <a:pPr lvl="3"/>
-            <a:r>
-              <a:rPr lang="en-US"/>
-              <a:t>Fourth level</a:t>
-            </a:r>
-          </a:p>
-          <a:p>
-            <a:pPr lvl="4"/>
-            <a:r>
-              <a:rPr lang="en-US"/>
-              <a:t>Fifth level</a:t>
-            </a:r>
-          </a:p>
-        </p:txBody>
-      </p:sp>
-      <p:sp>
-        <p:nvSpPr>
-          <p:cNvPr id="4" name="Date Placeholder 3">
-            <a:extLst>
-              <a:ext uri="{FF2B5EF4-FFF2-40B4-BE49-F238E27FC236}">
-                <a16:creationId xmlns:a16="http://schemas.microsoft.com/office/drawing/2014/main" id="{62C08691-5F80-F2E4-F7F6-8773CBB6BC5E}"/>
-              </a:ext>
-            </a:extLst>
-          </p:cNvPr>
-          <p:cNvSpPr>
-            <a:spLocks noGrp="1"/>
-          </p:cNvSpPr>
-          <p:nvPr>
-            <p:ph type="dt" sz="half" idx="2"/>
+          <a:bodyPr vert="horz" lIns="91440" tIns="45720" rIns="91440" bIns="45720" rtlCol="0" anchor="ctr"/>
+          <a:lstStyle>
+            <a:lvl1pPr algn="r">
+              <a:defRPr sz="1050">
+                <a:solidFill>
+                  <a:schemeClr val="tx1">
+                    <a:alpha val="70000"/>
+                  </a:schemeClr>
+                </a:solidFill>
+              </a:defRPr>
+            </a:lvl1pPr>
+          </a:lstStyle>
+          <a:p>
+            <a:fld id="{B6D41BCC-AD73-4203-A5A6-E62EB28B0FE6}" type="datetimeFigureOut">
+              <a:rPr lang="en-US" smtClean="0"/>
+              <a:pPr/>
+              <a:t>7/24/24</a:t>
+            </a:fld>
+            <a:endParaRPr lang="en-US"/>
+          </a:p>
+        </p:txBody>
+      </p:sp>
+      <p:sp>
+        <p:nvSpPr>
+          <p:cNvPr id="5" name="Footer Placeholder 4"/>
+          <p:cNvSpPr>
+            <a:spLocks noGrp="1"/>
+          </p:cNvSpPr>
+          <p:nvPr>
+            <p:ph type="ftr" sz="quarter" idx="3"/>
           </p:nvPr>
         </p:nvSpPr>
         <p:spPr>
           <a:xfrm>
-            <a:off x="838200" y="6356350"/>
-            <a:ext cx="2743200" cy="365125"/>
+            <a:off x="1600200" y="6236208"/>
+            <a:ext cx="5901189" cy="320040"/>
           </a:xfrm>
           <a:prstGeom prst="rect">
             <a:avLst/>
@@ -2892,108 +4762,61 @@
           <a:bodyPr vert="horz" lIns="91440" tIns="45720" rIns="91440" bIns="45720" rtlCol="0" anchor="ctr"/>
           <a:lstStyle>
             <a:lvl1pPr algn="l">
-              <a:defRPr sz="1200">
+              <a:defRPr sz="1050">
                 <a:solidFill>
                   <a:schemeClr val="tx1">
-                    <a:tint val="82000"/>
+                    <a:alpha val="70000"/>
                   </a:schemeClr>
                 </a:solidFill>
               </a:defRPr>
             </a:lvl1pPr>
           </a:lstStyle>
           <a:p>
-            <a:fld id="{5F1ED7ED-5A14-BD4D-B77F-4106FBDF7991}" type="datetimeFigureOut">
-              <a:rPr lang="en-US" smtClean="0"/>
-              <a:t>7/24/24</a:t>
-            </a:fld>
-            <a:endParaRPr lang="en-US"/>
-          </a:p>
-        </p:txBody>
-      </p:sp>
-      <p:sp>
-        <p:nvSpPr>
-          <p:cNvPr id="5" name="Footer Placeholder 4">
-            <a:extLst>
-              <a:ext uri="{FF2B5EF4-FFF2-40B4-BE49-F238E27FC236}">
-                <a16:creationId xmlns:a16="http://schemas.microsoft.com/office/drawing/2014/main" id="{2E4E567D-76DE-E2FC-2968-E1AAB0FAC886}"/>
-              </a:ext>
-            </a:extLst>
-          </p:cNvPr>
-          <p:cNvSpPr>
-            <a:spLocks noGrp="1"/>
-          </p:cNvSpPr>
-          <p:nvPr>
-            <p:ph type="ftr" sz="quarter" idx="3"/>
+            <a:endParaRPr lang="en-US" dirty="0"/>
+          </a:p>
+        </p:txBody>
+      </p:sp>
+      <p:sp>
+        <p:nvSpPr>
+          <p:cNvPr id="6" name="Slide Number Placeholder 5"/>
+          <p:cNvSpPr>
+            <a:spLocks noGrp="1"/>
+          </p:cNvSpPr>
+          <p:nvPr>
+            <p:ph type="sldNum" sz="quarter" idx="4"/>
           </p:nvPr>
         </p:nvSpPr>
         <p:spPr>
           <a:xfrm>
-            <a:off x="4038600" y="6356350"/>
-            <a:ext cx="4114800" cy="365125"/>
+            <a:off x="10758922" y="6217920"/>
+            <a:ext cx="365760" cy="365760"/>
           </a:xfrm>
-          <a:prstGeom prst="rect">
+          <a:prstGeom prst="ellipse">
             <a:avLst/>
           </a:prstGeom>
+          <a:solidFill>
+            <a:srgbClr val="1D1D1D">
+              <a:alpha val="70000"/>
+            </a:srgbClr>
+          </a:solidFill>
         </p:spPr>
         <p:txBody>
-          <a:bodyPr vert="horz" lIns="91440" tIns="45720" rIns="91440" bIns="45720" rtlCol="0" anchor="ctr"/>
+          <a:bodyPr vert="horz" lIns="18288" tIns="45720" rIns="18288" bIns="45720" rtlCol="0" anchor="ctr">
+            <a:noAutofit/>
+          </a:bodyPr>
           <a:lstStyle>
             <a:lvl1pPr algn="ctr">
-              <a:defRPr sz="1200">
-                <a:solidFill>
-                  <a:schemeClr val="tx1">
-                    <a:tint val="82000"/>
-                  </a:schemeClr>
+              <a:defRPr sz="1100" spc="0" baseline="0">
+                <a:solidFill>
+                  <a:srgbClr val="FFFFFF"/>
                 </a:solidFill>
               </a:defRPr>
             </a:lvl1pPr>
           </a:lstStyle>
           <a:p>
-            <a:endParaRPr lang="en-US"/>
-          </a:p>
-        </p:txBody>
-      </p:sp>
-      <p:sp>
-        <p:nvSpPr>
-          <p:cNvPr id="6" name="Slide Number Placeholder 5">
-            <a:extLst>
-              <a:ext uri="{FF2B5EF4-FFF2-40B4-BE49-F238E27FC236}">
-                <a16:creationId xmlns:a16="http://schemas.microsoft.com/office/drawing/2014/main" id="{FB7F5D71-812D-0318-39A9-B564CE04C02E}"/>
-              </a:ext>
-            </a:extLst>
-          </p:cNvPr>
-          <p:cNvSpPr>
-            <a:spLocks noGrp="1"/>
-          </p:cNvSpPr>
-          <p:nvPr>
-            <p:ph type="sldNum" sz="quarter" idx="4"/>
-          </p:nvPr>
-        </p:nvSpPr>
-        <p:spPr>
-          <a:xfrm>
-            <a:off x="8610600" y="6356350"/>
-            <a:ext cx="2743200" cy="365125"/>
-          </a:xfrm>
-          <a:prstGeom prst="rect">
-            <a:avLst/>
-          </a:prstGeom>
-        </p:spPr>
-        <p:txBody>
-          <a:bodyPr vert="horz" lIns="91440" tIns="45720" rIns="91440" bIns="45720" rtlCol="0" anchor="ctr"/>
-          <a:lstStyle>
-            <a:lvl1pPr algn="r">
-              <a:defRPr sz="1200">
-                <a:solidFill>
-                  <a:schemeClr val="tx1">
-                    <a:tint val="82000"/>
-                  </a:schemeClr>
-                </a:solidFill>
-              </a:defRPr>
-            </a:lvl1pPr>
-          </a:lstStyle>
-          <a:p>
-            <a:fld id="{E073CD1C-CB8C-374F-9C5A-2CCD76BEF49B}" type="slidenum">
+            <a:fld id="{D637F8FC-4B86-4690-8888-22AB2F781BEF}" type="slidenum">
               <a:rPr lang="en-US" smtClean="0"/>
+              <a:pPr/>
               <a:t>‹#›</a:t>
             </a:fld>
             <a:endParaRPr lang="en-US"/>
@@ -3003,27 +4826,27 @@
     </p:spTree>
     <p:extLst>
       <p:ext uri="{BB962C8B-B14F-4D97-AF65-F5344CB8AC3E}">
-        <p14:creationId xmlns:p14="http://schemas.microsoft.com/office/powerpoint/2010/main" val="2742620986"/>
+        <p14:creationId xmlns:p14="http://schemas.microsoft.com/office/powerpoint/2010/main" val="806762596"/>
       </p:ext>
     </p:extLst>
   </p:cSld>
   <p:clrMap bg1="lt1" tx1="dk1" bg2="lt2" tx2="dk2" accent1="accent1" accent2="accent2" accent3="accent3" accent4="accent4" accent5="accent5" accent6="accent6" hlink="hlink" folHlink="folHlink"/>
   <p:sldLayoutIdLst>
-    <p:sldLayoutId id="2147483649" r:id="rId1"/>
-    <p:sldLayoutId id="2147483650" r:id="rId2"/>
-    <p:sldLayoutId id="2147483651" r:id="rId3"/>
-    <p:sldLayoutId id="2147483652" r:id="rId4"/>
-    <p:sldLayoutId id="2147483653" r:id="rId5"/>
-    <p:sldLayoutId id="2147483654" r:id="rId6"/>
-    <p:sldLayoutId id="2147483655" r:id="rId7"/>
-    <p:sldLayoutId id="2147483656" r:id="rId8"/>
-    <p:sldLayoutId id="2147483657" r:id="rId9"/>
-    <p:sldLayoutId id="2147483658" r:id="rId10"/>
-    <p:sldLayoutId id="2147483659" r:id="rId11"/>
+    <p:sldLayoutId id="2147483939" r:id="rId1"/>
+    <p:sldLayoutId id="2147483940" r:id="rId2"/>
+    <p:sldLayoutId id="2147483941" r:id="rId3"/>
+    <p:sldLayoutId id="2147483942" r:id="rId4"/>
+    <p:sldLayoutId id="2147483943" r:id="rId5"/>
+    <p:sldLayoutId id="2147483944" r:id="rId6"/>
+    <p:sldLayoutId id="2147483945" r:id="rId7"/>
+    <p:sldLayoutId id="2147483946" r:id="rId8"/>
+    <p:sldLayoutId id="2147483947" r:id="rId9"/>
+    <p:sldLayoutId id="2147483948" r:id="rId10"/>
+    <p:sldLayoutId id="2147483949" r:id="rId11"/>
   </p:sldLayoutIdLst>
   <p:txStyles>
     <p:titleStyle>
-      <a:lvl1pPr algn="l" defTabSz="914400" rtl="0" eaLnBrk="1" latinLnBrk="0" hangingPunct="1">
+      <a:lvl1pPr algn="ctr" defTabSz="914400" rtl="0" eaLnBrk="1" latinLnBrk="0" hangingPunct="1">
         <a:lnSpc>
           <a:spcPct val="90000"/>
         </a:lnSpc>
@@ -3031,9 +4854,9 @@
           <a:spcPct val="0"/>
         </a:spcBef>
         <a:buNone/>
-        <a:defRPr sz="4400" kern="1200">
+        <a:defRPr sz="2800" kern="1200" cap="all" spc="200" baseline="0">
           <a:solidFill>
-            <a:schemeClr val="tx1"/>
+            <a:srgbClr val="262626"/>
           </a:solidFill>
           <a:latin typeface="+mj-lt"/>
           <a:ea typeface="+mj-ea"/>
@@ -3044,104 +4867,137 @@
     <p:bodyStyle>
       <a:lvl1pPr marL="228600" indent="-228600" algn="l" defTabSz="914400" rtl="0" eaLnBrk="1" latinLnBrk="0" hangingPunct="1">
         <a:lnSpc>
-          <a:spcPct val="90000"/>
+          <a:spcPct val="100000"/>
         </a:lnSpc>
         <a:spcBef>
           <a:spcPts val="1000"/>
         </a:spcBef>
+        <a:buClr>
+          <a:schemeClr val="accent2"/>
+        </a:buClr>
         <a:buFont typeface="Arial" panose="020B0604020202020204" pitchFamily="34" charset="0"/>
         <a:buChar char="•"/>
-        <a:defRPr sz="2800" kern="1200">
+        <a:defRPr sz="1800" kern="1200">
           <a:solidFill>
-            <a:schemeClr val="tx1"/>
+            <a:schemeClr val="tx1">
+              <a:lumMod val="85000"/>
+              <a:lumOff val="15000"/>
+            </a:schemeClr>
           </a:solidFill>
           <a:latin typeface="+mn-lt"/>
           <a:ea typeface="+mn-ea"/>
           <a:cs typeface="+mn-cs"/>
         </a:defRPr>
       </a:lvl1pPr>
-      <a:lvl2pPr marL="685800" indent="-228600" algn="l" defTabSz="914400" rtl="0" eaLnBrk="1" latinLnBrk="0" hangingPunct="1">
+      <a:lvl2pPr marL="457200" indent="-228600" algn="l" defTabSz="914400" rtl="0" eaLnBrk="1" latinLnBrk="0" hangingPunct="1">
         <a:lnSpc>
-          <a:spcPct val="90000"/>
+          <a:spcPct val="100000"/>
         </a:lnSpc>
         <a:spcBef>
-          <a:spcPts val="500"/>
+          <a:spcPts val="1000"/>
         </a:spcBef>
+        <a:buClr>
+          <a:schemeClr val="accent2"/>
+        </a:buClr>
         <a:buFont typeface="Arial" panose="020B0604020202020204" pitchFamily="34" charset="0"/>
         <a:buChar char="•"/>
-        <a:defRPr sz="2400" kern="1200">
+        <a:defRPr sz="1600" kern="1200">
           <a:solidFill>
-            <a:schemeClr val="tx1"/>
+            <a:schemeClr val="tx1">
+              <a:lumMod val="85000"/>
+              <a:lumOff val="15000"/>
+            </a:schemeClr>
           </a:solidFill>
           <a:latin typeface="+mn-lt"/>
           <a:ea typeface="+mn-ea"/>
           <a:cs typeface="+mn-cs"/>
         </a:defRPr>
       </a:lvl2pPr>
-      <a:lvl3pPr marL="1143000" indent="-228600" algn="l" defTabSz="914400" rtl="0" eaLnBrk="1" latinLnBrk="0" hangingPunct="1">
+      <a:lvl3pPr marL="685800" indent="-228600" algn="l" defTabSz="914400" rtl="0" eaLnBrk="1" latinLnBrk="0" hangingPunct="1">
         <a:lnSpc>
-          <a:spcPct val="90000"/>
+          <a:spcPct val="100000"/>
         </a:lnSpc>
         <a:spcBef>
-          <a:spcPts val="500"/>
+          <a:spcPts val="1000"/>
         </a:spcBef>
+        <a:buClr>
+          <a:schemeClr val="accent2"/>
+        </a:buClr>
         <a:buFont typeface="Arial" panose="020B0604020202020204" pitchFamily="34" charset="0"/>
         <a:buChar char="•"/>
-        <a:defRPr sz="2000" kern="1200">
+        <a:defRPr sz="1600" kern="1200">
           <a:solidFill>
-            <a:schemeClr val="tx1"/>
+            <a:schemeClr val="tx1">
+              <a:lumMod val="85000"/>
+              <a:lumOff val="15000"/>
+            </a:schemeClr>
           </a:solidFill>
           <a:latin typeface="+mn-lt"/>
           <a:ea typeface="+mn-ea"/>
           <a:cs typeface="+mn-cs"/>
         </a:defRPr>
       </a:lvl3pPr>
-      <a:lvl4pPr marL="1600200" indent="-228600" algn="l" defTabSz="914400" rtl="0" eaLnBrk="1" latinLnBrk="0" hangingPunct="1">
+      <a:lvl4pPr marL="914400" indent="-228600" algn="l" defTabSz="914400" rtl="0" eaLnBrk="1" latinLnBrk="0" hangingPunct="1">
         <a:lnSpc>
-          <a:spcPct val="90000"/>
+          <a:spcPct val="100000"/>
         </a:lnSpc>
         <a:spcBef>
-          <a:spcPts val="500"/>
+          <a:spcPts val="1000"/>
         </a:spcBef>
+        <a:buClr>
+          <a:schemeClr val="accent2"/>
+        </a:buClr>
         <a:buFont typeface="Arial" panose="020B0604020202020204" pitchFamily="34" charset="0"/>
         <a:buChar char="•"/>
-        <a:defRPr sz="1800" kern="1200">
+        <a:defRPr sz="1600" kern="1200">
           <a:solidFill>
-            <a:schemeClr val="tx1"/>
+            <a:schemeClr val="tx1">
+              <a:lumMod val="85000"/>
+              <a:lumOff val="15000"/>
+            </a:schemeClr>
           </a:solidFill>
           <a:latin typeface="+mn-lt"/>
           <a:ea typeface="+mn-ea"/>
           <a:cs typeface="+mn-cs"/>
         </a:defRPr>
       </a:lvl4pPr>
-      <a:lvl5pPr marL="2057400" indent="-228600" algn="l" defTabSz="914400" rtl="0" eaLnBrk="1" latinLnBrk="0" hangingPunct="1">
+      <a:lvl5pPr marL="1143000" indent="-228600" algn="l" defTabSz="914400" rtl="0" eaLnBrk="1" latinLnBrk="0" hangingPunct="1">
         <a:lnSpc>
-          <a:spcPct val="90000"/>
+          <a:spcPct val="100000"/>
         </a:lnSpc>
         <a:spcBef>
-          <a:spcPts val="500"/>
+          <a:spcPts val="1000"/>
         </a:spcBef>
+        <a:buClr>
+          <a:schemeClr val="accent2"/>
+        </a:buClr>
         <a:buFont typeface="Arial" panose="020B0604020202020204" pitchFamily="34" charset="0"/>
         <a:buChar char="•"/>
-        <a:defRPr sz="1800" kern="1200">
+        <a:defRPr sz="1600" kern="1200">
           <a:solidFill>
-            <a:schemeClr val="tx1"/>
+            <a:schemeClr val="tx1">
+              <a:lumMod val="85000"/>
+              <a:lumOff val="15000"/>
+            </a:schemeClr>
           </a:solidFill>
           <a:latin typeface="+mn-lt"/>
           <a:ea typeface="+mn-ea"/>
           <a:cs typeface="+mn-cs"/>
         </a:defRPr>
       </a:lvl5pPr>
-      <a:lvl6pPr marL="2514600" indent="-228600" algn="l" defTabSz="914400" rtl="0" eaLnBrk="1" latinLnBrk="0" hangingPunct="1">
+      <a:lvl6pPr marL="1312863" indent="-228600" algn="l" defTabSz="914400" rtl="0" eaLnBrk="1" latinLnBrk="0" hangingPunct="1">
         <a:lnSpc>
-          <a:spcPct val="90000"/>
+          <a:spcPct val="100000"/>
         </a:lnSpc>
         <a:spcBef>
-          <a:spcPts val="500"/>
+          <a:spcPts val="1000"/>
         </a:spcBef>
+        <a:buClr>
+          <a:schemeClr val="accent2"/>
+        </a:buClr>
         <a:buFont typeface="Arial" panose="020B0604020202020204" pitchFamily="34" charset="0"/>
         <a:buChar char="•"/>
-        <a:defRPr sz="1800" kern="1200">
+        <a:defRPr sz="1600" kern="1200">
           <a:solidFill>
             <a:schemeClr val="tx1"/>
           </a:solidFill>
@@ -3150,16 +5006,19 @@
           <a:cs typeface="+mn-cs"/>
         </a:defRPr>
       </a:lvl6pPr>
-      <a:lvl7pPr marL="2971800" indent="-228600" algn="l" defTabSz="914400" rtl="0" eaLnBrk="1" latinLnBrk="0" hangingPunct="1">
+      <a:lvl7pPr marL="1484313" indent="-228600" algn="l" defTabSz="914400" rtl="0" eaLnBrk="1" latinLnBrk="0" hangingPunct="1">
         <a:lnSpc>
-          <a:spcPct val="90000"/>
+          <a:spcPct val="100000"/>
         </a:lnSpc>
         <a:spcBef>
-          <a:spcPts val="500"/>
+          <a:spcPts val="1000"/>
         </a:spcBef>
+        <a:buClr>
+          <a:schemeClr val="accent2"/>
+        </a:buClr>
         <a:buFont typeface="Arial" panose="020B0604020202020204" pitchFamily="34" charset="0"/>
         <a:buChar char="•"/>
-        <a:defRPr sz="1800" kern="1200">
+        <a:defRPr sz="1600" kern="1200">
           <a:solidFill>
             <a:schemeClr val="tx1"/>
           </a:solidFill>
@@ -3168,16 +5027,19 @@
           <a:cs typeface="+mn-cs"/>
         </a:defRPr>
       </a:lvl7pPr>
-      <a:lvl8pPr marL="3429000" indent="-228600" algn="l" defTabSz="914400" rtl="0" eaLnBrk="1" latinLnBrk="0" hangingPunct="1">
+      <a:lvl8pPr marL="1657350" indent="-228600" algn="l" defTabSz="914400" rtl="0" eaLnBrk="1" latinLnBrk="0" hangingPunct="1">
         <a:lnSpc>
-          <a:spcPct val="90000"/>
+          <a:spcPct val="100000"/>
         </a:lnSpc>
         <a:spcBef>
-          <a:spcPts val="500"/>
+          <a:spcPts val="1000"/>
         </a:spcBef>
+        <a:buClr>
+          <a:schemeClr val="accent2"/>
+        </a:buClr>
         <a:buFont typeface="Arial" panose="020B0604020202020204" pitchFamily="34" charset="0"/>
         <a:buChar char="•"/>
-        <a:defRPr sz="1800" kern="1200">
+        <a:defRPr sz="1600" kern="1200" baseline="0">
           <a:solidFill>
             <a:schemeClr val="tx1"/>
           </a:solidFill>
@@ -3186,16 +5048,19 @@
           <a:cs typeface="+mn-cs"/>
         </a:defRPr>
       </a:lvl8pPr>
-      <a:lvl9pPr marL="3886200" indent="-228600" algn="l" defTabSz="914400" rtl="0" eaLnBrk="1" latinLnBrk="0" hangingPunct="1">
+      <a:lvl9pPr marL="1882775" indent="-228600" algn="l" defTabSz="914400" rtl="0" eaLnBrk="1" latinLnBrk="0" hangingPunct="1">
         <a:lnSpc>
-          <a:spcPct val="90000"/>
+          <a:spcPct val="100000"/>
         </a:lnSpc>
         <a:spcBef>
-          <a:spcPts val="500"/>
+          <a:spcPts val="1000"/>
         </a:spcBef>
+        <a:buClr>
+          <a:schemeClr val="accent2"/>
+        </a:buClr>
         <a:buFont typeface="Arial" panose="020B0604020202020204" pitchFamily="34" charset="0"/>
         <a:buChar char="•"/>
-        <a:defRPr sz="1800" kern="1200">
+        <a:defRPr sz="1600" kern="1200" baseline="0">
           <a:solidFill>
             <a:schemeClr val="tx1"/>
           </a:solidFill>
@@ -3307,6 +5172,16 @@
 <file path=ppt/slides/slide1.xml><?xml version="1.0" encoding="utf-8"?>
 <p:sld xmlns:a="http://schemas.openxmlformats.org/drawingml/2006/main" xmlns:r="http://schemas.openxmlformats.org/officeDocument/2006/relationships" xmlns:p="http://schemas.openxmlformats.org/presentationml/2006/main">
   <p:cSld>
+    <p:bg>
+      <p:bgPr>
+        <a:solidFill>
+          <a:schemeClr val="bg1">
+            <a:lumMod val="95000"/>
+          </a:schemeClr>
+        </a:solidFill>
+        <a:effectLst/>
+      </p:bgPr>
+    </p:bg>
     <p:spTree>
       <p:nvGrpSpPr>
         <p:cNvPr id="1" name=""/>
@@ -3321,53 +5196,132 @@
           <a:chExt cx="0" cy="0"/>
         </a:xfrm>
       </p:grpSpPr>
-      <p:sp>
-        <p:nvSpPr>
-          <p:cNvPr id="2" name="Title 1">
+      <p:pic>
+        <p:nvPicPr>
+          <p:cNvPr id="1028" name="Picture 4" descr="Nuclear War Could End the World, but What if It's All in Our Heads? - The  New York Times">
             <a:extLst>
               <a:ext uri="{FF2B5EF4-FFF2-40B4-BE49-F238E27FC236}">
-                <a16:creationId xmlns:a16="http://schemas.microsoft.com/office/drawing/2014/main" id="{61887D56-D4E6-2757-0D5B-EDEC3A8CC2D0}"/>
+                <a16:creationId xmlns:a16="http://schemas.microsoft.com/office/drawing/2014/main" id="{63D37B65-87C9-AF8B-EFB1-20C74D4857BA}"/>
               </a:ext>
             </a:extLst>
           </p:cNvPr>
-          <p:cNvSpPr>
-            <a:spLocks noGrp="1"/>
-          </p:cNvSpPr>
-          <p:nvPr>
-            <p:ph type="ctrTitle"/>
-          </p:nvPr>
-        </p:nvSpPr>
-        <p:spPr/>
-        <p:txBody>
-          <a:bodyPr/>
-          <a:lstStyle/>
-          <a:p>
-            <a:endParaRPr lang="en-US"/>
-          </a:p>
-        </p:txBody>
-      </p:sp>
-      <p:sp>
-        <p:nvSpPr>
-          <p:cNvPr id="3" name="Subtitle 2">
+          <p:cNvPicPr>
+            <a:picLocks noChangeAspect="1" noChangeArrowheads="1"/>
+          </p:cNvPicPr>
+          <p:nvPr/>
+        </p:nvPicPr>
+        <p:blipFill>
+          <a:blip r:embed="rId3">
+            <a:extLst>
+              <a:ext uri="{28A0092B-C50C-407E-A947-70E740481C1C}">
+                <a14:useLocalDpi xmlns:a14="http://schemas.microsoft.com/office/drawing/2010/main" val="0"/>
+              </a:ext>
+            </a:extLst>
+          </a:blip>
+          <a:stretch>
+            <a:fillRect/>
+          </a:stretch>
+        </p:blipFill>
+        <p:spPr bwMode="auto">
+          <a:xfrm>
+            <a:off x="6096000" y="804334"/>
+            <a:ext cx="5249332" cy="5249332"/>
+          </a:xfrm>
+          <a:prstGeom prst="rect">
+            <a:avLst/>
+          </a:prstGeom>
+          <a:noFill/>
+          <a:extLst>
+            <a:ext uri="{909E8E84-426E-40DD-AFC4-6F175D3DCCD1}">
+              <a14:hiddenFill xmlns:a14="http://schemas.microsoft.com/office/drawing/2010/main">
+                <a:solidFill>
+                  <a:srgbClr val="FFFFFF"/>
+                </a:solidFill>
+              </a14:hiddenFill>
+            </a:ext>
+          </a:extLst>
+        </p:spPr>
+      </p:pic>
+      <p:sp>
+        <p:nvSpPr>
+          <p:cNvPr id="5" name="TextBox 4">
             <a:extLst>
               <a:ext uri="{FF2B5EF4-FFF2-40B4-BE49-F238E27FC236}">
-                <a16:creationId xmlns:a16="http://schemas.microsoft.com/office/drawing/2014/main" id="{B859B0A1-A39D-E2EB-5D03-7454E526B138}"/>
+                <a16:creationId xmlns:a16="http://schemas.microsoft.com/office/drawing/2014/main" id="{2A8E9F27-11D8-F7C4-A5CF-129C56302AC8}"/>
               </a:ext>
             </a:extLst>
           </p:cNvPr>
-          <p:cNvSpPr>
-            <a:spLocks noGrp="1"/>
-          </p:cNvSpPr>
-          <p:nvPr>
-            <p:ph type="subTitle" idx="1"/>
-          </p:nvPr>
-        </p:nvSpPr>
-        <p:spPr/>
-        <p:txBody>
-          <a:bodyPr/>
-          <a:lstStyle/>
-          <a:p>
-            <a:endParaRPr lang="en-US"/>
+          <p:cNvSpPr txBox="1"/>
+          <p:nvPr/>
+        </p:nvSpPr>
+        <p:spPr>
+          <a:xfrm>
+            <a:off x="490846" y="1720840"/>
+            <a:ext cx="5605154" cy="3416320"/>
+          </a:xfrm>
+          <a:prstGeom prst="rect">
+            <a:avLst/>
+          </a:prstGeom>
+          <a:noFill/>
+        </p:spPr>
+        <p:txBody>
+          <a:bodyPr wrap="square" rtlCol="0">
+            <a:spAutoFit/>
+          </a:bodyPr>
+          <a:lstStyle/>
+          <a:p>
+            <a:pPr algn="ctr"/>
+            <a:r>
+              <a:rPr lang="en-US" sz="3600" b="0" i="0" u="none" strike="noStrike" dirty="0">
+                <a:solidFill>
+                  <a:srgbClr val="D8D8D8"/>
+                </a:solidFill>
+                <a:effectLst/>
+                <a:latin typeface="-apple-system"/>
+              </a:rPr>
+              <a:t>Is the possession of nuclear weapons linked to a country's economic health                                                                                                                                                                                                                                                                                                                                                                                                                                                                                                                                                                                                                                                                                                                                                                                                                                                                                                                                                                                                                                                                                                                                                                                                                                                                                                                                                                                                                                                                                                                                                                                                                                                                                                                                                                                                                                                                                                                                                                                                                                                                                                                                                                                                                                                                                                                                                                                                                                                                                                                                                                                                                                                                                                                                                                                                                                                                                                                                                                                                                                                                                                                       and overall stability?</a:t>
+            </a:r>
+          </a:p>
+          <a:p>
+            <a:pPr algn="ctr"/>
+            <a:endParaRPr lang="en-US" sz="3600" dirty="0">
+              <a:solidFill>
+                <a:srgbClr val="D8D8D8"/>
+              </a:solidFill>
+              <a:latin typeface="-apple-system"/>
+            </a:endParaRPr>
+          </a:p>
+          <a:p>
+            <a:pPr algn="ctr"/>
+            <a:r>
+              <a:rPr lang="en-US" sz="3600" b="0" i="0" u="none" strike="noStrike" dirty="0">
+                <a:solidFill>
+                  <a:srgbClr val="D8D8D8"/>
+                </a:solidFill>
+                <a:effectLst/>
+                <a:latin typeface="-apple-system"/>
+              </a:rPr>
+              <a:t>By: Chanel “</a:t>
+            </a:r>
+            <a:r>
+              <a:rPr lang="en-US" sz="3600" dirty="0">
+                <a:solidFill>
+                  <a:srgbClr val="D8D8D8"/>
+                </a:solidFill>
+                <a:latin typeface="-apple-system"/>
+              </a:rPr>
+              <a:t>CJ” </a:t>
+            </a:r>
+            <a:r>
+              <a:rPr lang="en-US" sz="3600" b="0" i="0" u="none" strike="noStrike" dirty="0">
+                <a:solidFill>
+                  <a:srgbClr val="D8D8D8"/>
+                </a:solidFill>
+                <a:effectLst/>
+                <a:latin typeface="-apple-system"/>
+              </a:rPr>
+              <a:t>Jones</a:t>
+            </a:r>
           </a:p>
         </p:txBody>
       </p:sp>
@@ -3384,7 +5338,996 @@
 </p:sld>
 </file>
 
+<file path=ppt/slides/slide10.xml><?xml version="1.0" encoding="utf-8"?>
+<p:sld xmlns:a="http://schemas.openxmlformats.org/drawingml/2006/main" xmlns:r="http://schemas.openxmlformats.org/officeDocument/2006/relationships" xmlns:p="http://schemas.openxmlformats.org/presentationml/2006/main">
+  <p:cSld>
+    <p:spTree>
+      <p:nvGrpSpPr>
+        <p:cNvPr id="1" name=""/>
+        <p:cNvGrpSpPr/>
+        <p:nvPr/>
+      </p:nvGrpSpPr>
+      <p:grpSpPr>
+        <a:xfrm>
+          <a:off x="0" y="0"/>
+          <a:ext cx="0" cy="0"/>
+          <a:chOff x="0" y="0"/>
+          <a:chExt cx="0" cy="0"/>
+        </a:xfrm>
+      </p:grpSpPr>
+      <p:pic>
+        <p:nvPicPr>
+          <p:cNvPr id="5" name="Content Placeholder 4" descr="A graph of a graph&#10;&#10;Description automatically generated">
+            <a:extLst>
+              <a:ext uri="{FF2B5EF4-FFF2-40B4-BE49-F238E27FC236}">
+                <a16:creationId xmlns:a16="http://schemas.microsoft.com/office/drawing/2014/main" id="{ECDAF1C1-E87C-B585-0A99-A69C4477611D}"/>
+              </a:ext>
+            </a:extLst>
+          </p:cNvPr>
+          <p:cNvPicPr>
+            <a:picLocks noGrp="1" noChangeAspect="1"/>
+          </p:cNvPicPr>
+          <p:nvPr>
+            <p:ph idx="1"/>
+          </p:nvPr>
+        </p:nvPicPr>
+        <p:blipFill>
+          <a:blip r:embed="rId3"/>
+          <a:stretch>
+            <a:fillRect/>
+          </a:stretch>
+        </p:blipFill>
+        <p:spPr>
+          <a:xfrm>
+            <a:off x="539578" y="1322173"/>
+            <a:ext cx="4576119" cy="3806095"/>
+          </a:xfrm>
+        </p:spPr>
+      </p:pic>
+      <p:pic>
+        <p:nvPicPr>
+          <p:cNvPr id="7" name="Picture 6" descr="A graph of a graph showing the value of a number of nukes&#10;&#10;Description automatically generated">
+            <a:extLst>
+              <a:ext uri="{FF2B5EF4-FFF2-40B4-BE49-F238E27FC236}">
+                <a16:creationId xmlns:a16="http://schemas.microsoft.com/office/drawing/2014/main" id="{B654356A-A75D-5608-8F52-DC3BCAAD0092}"/>
+              </a:ext>
+            </a:extLst>
+          </p:cNvPr>
+          <p:cNvPicPr>
+            <a:picLocks noChangeAspect="1"/>
+          </p:cNvPicPr>
+          <p:nvPr/>
+        </p:nvPicPr>
+        <p:blipFill>
+          <a:blip r:embed="rId4"/>
+          <a:stretch>
+            <a:fillRect/>
+          </a:stretch>
+        </p:blipFill>
+        <p:spPr>
+          <a:xfrm>
+            <a:off x="5399903" y="308918"/>
+            <a:ext cx="6252519" cy="6030097"/>
+          </a:xfrm>
+          <a:prstGeom prst="rect">
+            <a:avLst/>
+          </a:prstGeom>
+        </p:spPr>
+      </p:pic>
+    </p:spTree>
+    <p:extLst>
+      <p:ext uri="{BB962C8B-B14F-4D97-AF65-F5344CB8AC3E}">
+        <p14:creationId xmlns:p14="http://schemas.microsoft.com/office/powerpoint/2010/main" val="3668272315"/>
+      </p:ext>
+    </p:extLst>
+  </p:cSld>
+  <p:clrMapOvr>
+    <a:masterClrMapping/>
+  </p:clrMapOvr>
+</p:sld>
+</file>
+
+<file path=ppt/slides/slide11.xml><?xml version="1.0" encoding="utf-8"?>
+<p:sld xmlns:a="http://schemas.openxmlformats.org/drawingml/2006/main" xmlns:r="http://schemas.openxmlformats.org/officeDocument/2006/relationships" xmlns:p="http://schemas.openxmlformats.org/presentationml/2006/main">
+  <p:cSld>
+    <p:spTree>
+      <p:nvGrpSpPr>
+        <p:cNvPr id="1" name=""/>
+        <p:cNvGrpSpPr/>
+        <p:nvPr/>
+      </p:nvGrpSpPr>
+      <p:grpSpPr>
+        <a:xfrm>
+          <a:off x="0" y="0"/>
+          <a:ext cx="0" cy="0"/>
+          <a:chOff x="0" y="0"/>
+          <a:chExt cx="0" cy="0"/>
+        </a:xfrm>
+      </p:grpSpPr>
+      <p:pic>
+        <p:nvPicPr>
+          <p:cNvPr id="9" name="Content Placeholder 8">
+            <a:extLst>
+              <a:ext uri="{FF2B5EF4-FFF2-40B4-BE49-F238E27FC236}">
+                <a16:creationId xmlns:a16="http://schemas.microsoft.com/office/drawing/2014/main" id="{836BE150-8A47-69EE-7811-A1F2AC1D6286}"/>
+              </a:ext>
+            </a:extLst>
+          </p:cNvPr>
+          <p:cNvPicPr>
+            <a:picLocks noGrp="1" noChangeAspect="1"/>
+          </p:cNvPicPr>
+          <p:nvPr>
+            <p:ph idx="1"/>
+          </p:nvPr>
+        </p:nvPicPr>
+        <p:blipFill>
+          <a:blip r:embed="rId3"/>
+          <a:stretch>
+            <a:fillRect/>
+          </a:stretch>
+        </p:blipFill>
+        <p:spPr>
+          <a:xfrm>
+            <a:off x="604158" y="832757"/>
+            <a:ext cx="11054442" cy="5372100"/>
+          </a:xfrm>
+        </p:spPr>
+      </p:pic>
+    </p:spTree>
+    <p:extLst>
+      <p:ext uri="{BB962C8B-B14F-4D97-AF65-F5344CB8AC3E}">
+        <p14:creationId xmlns:p14="http://schemas.microsoft.com/office/powerpoint/2010/main" val="2544273103"/>
+      </p:ext>
+    </p:extLst>
+  </p:cSld>
+  <p:clrMapOvr>
+    <a:masterClrMapping/>
+  </p:clrMapOvr>
+</p:sld>
+</file>
+
+<file path=ppt/slides/slide2.xml><?xml version="1.0" encoding="utf-8"?>
+<p:sld xmlns:a="http://schemas.openxmlformats.org/drawingml/2006/main" xmlns:r="http://schemas.openxmlformats.org/officeDocument/2006/relationships" xmlns:p="http://schemas.openxmlformats.org/presentationml/2006/main">
+  <p:cSld>
+    <p:bg>
+      <p:bgPr>
+        <a:solidFill>
+          <a:schemeClr val="bg1">
+            <a:lumMod val="95000"/>
+          </a:schemeClr>
+        </a:solidFill>
+        <a:effectLst/>
+      </p:bgPr>
+    </p:bg>
+    <p:spTree>
+      <p:nvGrpSpPr>
+        <p:cNvPr id="1" name=""/>
+        <p:cNvGrpSpPr/>
+        <p:nvPr/>
+      </p:nvGrpSpPr>
+      <p:grpSpPr>
+        <a:xfrm>
+          <a:off x="0" y="0"/>
+          <a:ext cx="0" cy="0"/>
+          <a:chOff x="0" y="0"/>
+          <a:chExt cx="0" cy="0"/>
+        </a:xfrm>
+      </p:grpSpPr>
+      <p:sp>
+        <p:nvSpPr>
+          <p:cNvPr id="9" name="Rectangle 8">
+            <a:extLst>
+              <a:ext uri="{FF2B5EF4-FFF2-40B4-BE49-F238E27FC236}">
+                <a16:creationId xmlns:a16="http://schemas.microsoft.com/office/drawing/2014/main" id="{65041AB2-A9B4-4D3F-B120-38E7860A8F1A}"/>
+              </a:ext>
+              <a:ext uri="{C183D7F6-B498-43B3-948B-1728B52AA6E4}">
+                <adec:decorative xmlns:adec="http://schemas.microsoft.com/office/drawing/2017/decorative" val="1"/>
+              </a:ext>
+            </a:extLst>
+          </p:cNvPr>
+          <p:cNvSpPr>
+            <a:spLocks noGrp="1" noRot="1" noChangeAspect="1" noMove="1" noResize="1" noEditPoints="1" noAdjustHandles="1" noChangeArrowheads="1" noChangeShapeType="1" noTextEdit="1"/>
+          </p:cNvSpPr>
+          <p:nvPr>
+            <p:extLst>
+              <p:ext uri="{386F3935-93C4-4BCD-93E2-E3B085C9AB24}">
+                <p16:designElem xmlns:p16="http://schemas.microsoft.com/office/powerpoint/2015/main" val="1"/>
+              </p:ext>
+            </p:extLst>
+          </p:nvPr>
+        </p:nvSpPr>
+        <p:spPr>
+          <a:xfrm>
+            <a:off x="804334" y="804334"/>
+            <a:ext cx="10583332" cy="5249332"/>
+          </a:xfrm>
+          <a:prstGeom prst="rect">
+            <a:avLst/>
+          </a:prstGeom>
+          <a:solidFill>
+            <a:srgbClr val="FFFFFF"/>
+          </a:solidFill>
+          <a:ln w="19050" cap="sq">
+            <a:solidFill>
+              <a:schemeClr val="tx1">
+                <a:lumMod val="75000"/>
+                <a:lumOff val="25000"/>
+              </a:schemeClr>
+            </a:solidFill>
+            <a:miter lim="800000"/>
+          </a:ln>
+        </p:spPr>
+        <p:style>
+          <a:lnRef idx="2">
+            <a:schemeClr val="accent1">
+              <a:shade val="50000"/>
+            </a:schemeClr>
+          </a:lnRef>
+          <a:fillRef idx="1">
+            <a:schemeClr val="accent1"/>
+          </a:fillRef>
+          <a:effectRef idx="0">
+            <a:schemeClr val="accent1"/>
+          </a:effectRef>
+          <a:fontRef idx="minor">
+            <a:schemeClr val="lt1"/>
+          </a:fontRef>
+        </p:style>
+        <p:txBody>
+          <a:bodyPr rtlCol="0" anchor="ctr"/>
+          <a:lstStyle/>
+          <a:p>
+            <a:pPr algn="ctr"/>
+            <a:endParaRPr lang="en-US"/>
+          </a:p>
+        </p:txBody>
+      </p:sp>
+      <p:pic>
+        <p:nvPicPr>
+          <p:cNvPr id="20" name="Content Placeholder 19" descr="A graph with numbers and text&#10;&#10;Description automatically generated with medium confidence">
+            <a:extLst>
+              <a:ext uri="{FF2B5EF4-FFF2-40B4-BE49-F238E27FC236}">
+                <a16:creationId xmlns:a16="http://schemas.microsoft.com/office/drawing/2014/main" id="{85019D36-31C9-7911-44AB-840B3B2C4ADC}"/>
+              </a:ext>
+            </a:extLst>
+          </p:cNvPr>
+          <p:cNvPicPr>
+            <a:picLocks noGrp="1" noChangeAspect="1"/>
+          </p:cNvPicPr>
+          <p:nvPr>
+            <p:ph idx="1"/>
+          </p:nvPr>
+        </p:nvPicPr>
+        <p:blipFill>
+          <a:blip r:embed="rId3"/>
+          <a:stretch>
+            <a:fillRect/>
+          </a:stretch>
+        </p:blipFill>
+        <p:spPr>
+          <a:xfrm>
+            <a:off x="1519881" y="1186248"/>
+            <a:ext cx="9304638" cy="4485503"/>
+          </a:xfrm>
+        </p:spPr>
+      </p:pic>
+    </p:spTree>
+    <p:extLst>
+      <p:ext uri="{BB962C8B-B14F-4D97-AF65-F5344CB8AC3E}">
+        <p14:creationId xmlns:p14="http://schemas.microsoft.com/office/powerpoint/2010/main" val="2126611988"/>
+      </p:ext>
+    </p:extLst>
+  </p:cSld>
+  <p:clrMapOvr>
+    <a:masterClrMapping/>
+  </p:clrMapOvr>
+</p:sld>
+</file>
+
+<file path=ppt/slides/slide3.xml><?xml version="1.0" encoding="utf-8"?>
+<p:sld xmlns:a="http://schemas.openxmlformats.org/drawingml/2006/main" xmlns:r="http://schemas.openxmlformats.org/officeDocument/2006/relationships" xmlns:p="http://schemas.openxmlformats.org/presentationml/2006/main">
+  <p:cSld>
+    <p:spTree>
+      <p:nvGrpSpPr>
+        <p:cNvPr id="1" name=""/>
+        <p:cNvGrpSpPr/>
+        <p:nvPr/>
+      </p:nvGrpSpPr>
+      <p:grpSpPr>
+        <a:xfrm>
+          <a:off x="0" y="0"/>
+          <a:ext cx="0" cy="0"/>
+          <a:chOff x="0" y="0"/>
+          <a:chExt cx="0" cy="0"/>
+        </a:xfrm>
+      </p:grpSpPr>
+      <p:pic>
+        <p:nvPicPr>
+          <p:cNvPr id="5" name="Content Placeholder 4" descr="A graph of different sizes and colors&#10;&#10;Description automatically generated with medium confidence">
+            <a:extLst>
+              <a:ext uri="{FF2B5EF4-FFF2-40B4-BE49-F238E27FC236}">
+                <a16:creationId xmlns:a16="http://schemas.microsoft.com/office/drawing/2014/main" id="{84FDAC51-B724-D58D-80D5-98A45ECEEA20}"/>
+              </a:ext>
+            </a:extLst>
+          </p:cNvPr>
+          <p:cNvPicPr>
+            <a:picLocks noGrp="1" noChangeAspect="1"/>
+          </p:cNvPicPr>
+          <p:nvPr>
+            <p:ph idx="1"/>
+          </p:nvPr>
+        </p:nvPicPr>
+        <p:blipFill>
+          <a:blip r:embed="rId3"/>
+          <a:stretch>
+            <a:fillRect/>
+          </a:stretch>
+        </p:blipFill>
+        <p:spPr>
+          <a:xfrm>
+            <a:off x="642551" y="432486"/>
+            <a:ext cx="10799805" cy="5955957"/>
+          </a:xfrm>
+        </p:spPr>
+      </p:pic>
+    </p:spTree>
+    <p:extLst>
+      <p:ext uri="{BB962C8B-B14F-4D97-AF65-F5344CB8AC3E}">
+        <p14:creationId xmlns:p14="http://schemas.microsoft.com/office/powerpoint/2010/main" val="1246688538"/>
+      </p:ext>
+    </p:extLst>
+  </p:cSld>
+  <p:clrMapOvr>
+    <a:masterClrMapping/>
+  </p:clrMapOvr>
+</p:sld>
+</file>
+
+<file path=ppt/slides/slide4.xml><?xml version="1.0" encoding="utf-8"?>
+<p:sld xmlns:a="http://schemas.openxmlformats.org/drawingml/2006/main" xmlns:r="http://schemas.openxmlformats.org/officeDocument/2006/relationships" xmlns:p="http://schemas.openxmlformats.org/presentationml/2006/main">
+  <p:cSld>
+    <p:spTree>
+      <p:nvGrpSpPr>
+        <p:cNvPr id="1" name=""/>
+        <p:cNvGrpSpPr/>
+        <p:nvPr/>
+      </p:nvGrpSpPr>
+      <p:grpSpPr>
+        <a:xfrm>
+          <a:off x="0" y="0"/>
+          <a:ext cx="0" cy="0"/>
+          <a:chOff x="0" y="0"/>
+          <a:chExt cx="0" cy="0"/>
+        </a:xfrm>
+      </p:grpSpPr>
+      <p:pic>
+        <p:nvPicPr>
+          <p:cNvPr id="5" name="Content Placeholder 4" descr="A graph of different colored lines&#10;&#10;Description automatically generated">
+            <a:extLst>
+              <a:ext uri="{FF2B5EF4-FFF2-40B4-BE49-F238E27FC236}">
+                <a16:creationId xmlns:a16="http://schemas.microsoft.com/office/drawing/2014/main" id="{9B63E3E6-13B3-0445-244D-5D4088E05FA0}"/>
+              </a:ext>
+            </a:extLst>
+          </p:cNvPr>
+          <p:cNvPicPr>
+            <a:picLocks noGrp="1" noChangeAspect="1"/>
+          </p:cNvPicPr>
+          <p:nvPr>
+            <p:ph idx="1"/>
+          </p:nvPr>
+        </p:nvPicPr>
+        <p:blipFill>
+          <a:blip r:embed="rId3"/>
+          <a:stretch>
+            <a:fillRect/>
+          </a:stretch>
+        </p:blipFill>
+        <p:spPr>
+          <a:xfrm>
+            <a:off x="584462" y="970961"/>
+            <a:ext cx="10953946" cy="5043340"/>
+          </a:xfrm>
+        </p:spPr>
+      </p:pic>
+    </p:spTree>
+    <p:extLst>
+      <p:ext uri="{BB962C8B-B14F-4D97-AF65-F5344CB8AC3E}">
+        <p14:creationId xmlns:p14="http://schemas.microsoft.com/office/powerpoint/2010/main" val="172318775"/>
+      </p:ext>
+    </p:extLst>
+  </p:cSld>
+  <p:clrMapOvr>
+    <a:masterClrMapping/>
+  </p:clrMapOvr>
+</p:sld>
+</file>
+
+<file path=ppt/slides/slide5.xml><?xml version="1.0" encoding="utf-8"?>
+<p:sld xmlns:a="http://schemas.openxmlformats.org/drawingml/2006/main" xmlns:r="http://schemas.openxmlformats.org/officeDocument/2006/relationships" xmlns:p="http://schemas.openxmlformats.org/presentationml/2006/main">
+  <p:cSld>
+    <p:spTree>
+      <p:nvGrpSpPr>
+        <p:cNvPr id="1" name=""/>
+        <p:cNvGrpSpPr/>
+        <p:nvPr/>
+      </p:nvGrpSpPr>
+      <p:grpSpPr>
+        <a:xfrm>
+          <a:off x="0" y="0"/>
+          <a:ext cx="0" cy="0"/>
+          <a:chOff x="0" y="0"/>
+          <a:chExt cx="0" cy="0"/>
+        </a:xfrm>
+      </p:grpSpPr>
+      <p:pic>
+        <p:nvPicPr>
+          <p:cNvPr id="8" name="Content Placeholder 7" descr="A graph of a number of people&#10;&#10;Description automatically generated">
+            <a:extLst>
+              <a:ext uri="{FF2B5EF4-FFF2-40B4-BE49-F238E27FC236}">
+                <a16:creationId xmlns:a16="http://schemas.microsoft.com/office/drawing/2014/main" id="{6626E2D4-B78A-BF38-2CB7-DABA8EA85A79}"/>
+              </a:ext>
+            </a:extLst>
+          </p:cNvPr>
+          <p:cNvPicPr>
+            <a:picLocks noGrp="1" noChangeAspect="1"/>
+          </p:cNvPicPr>
+          <p:nvPr>
+            <p:ph idx="1"/>
+          </p:nvPr>
+        </p:nvPicPr>
+        <p:blipFill>
+          <a:blip r:embed="rId3"/>
+          <a:stretch>
+            <a:fillRect/>
+          </a:stretch>
+        </p:blipFill>
+        <p:spPr>
+          <a:xfrm>
+            <a:off x="471341" y="754144"/>
+            <a:ext cx="11189616" cy="5580667"/>
+          </a:xfrm>
+        </p:spPr>
+      </p:pic>
+    </p:spTree>
+    <p:extLst>
+      <p:ext uri="{BB962C8B-B14F-4D97-AF65-F5344CB8AC3E}">
+        <p14:creationId xmlns:p14="http://schemas.microsoft.com/office/powerpoint/2010/main" val="3477511363"/>
+      </p:ext>
+    </p:extLst>
+  </p:cSld>
+  <p:clrMapOvr>
+    <a:masterClrMapping/>
+  </p:clrMapOvr>
+</p:sld>
+</file>
+
+<file path=ppt/slides/slide6.xml><?xml version="1.0" encoding="utf-8"?>
+<p:sld xmlns:a="http://schemas.openxmlformats.org/drawingml/2006/main" xmlns:r="http://schemas.openxmlformats.org/officeDocument/2006/relationships" xmlns:p="http://schemas.openxmlformats.org/presentationml/2006/main">
+  <p:cSld>
+    <p:spTree>
+      <p:nvGrpSpPr>
+        <p:cNvPr id="1" name=""/>
+        <p:cNvGrpSpPr/>
+        <p:nvPr/>
+      </p:nvGrpSpPr>
+      <p:grpSpPr>
+        <a:xfrm>
+          <a:off x="0" y="0"/>
+          <a:ext cx="0" cy="0"/>
+          <a:chOff x="0" y="0"/>
+          <a:chExt cx="0" cy="0"/>
+        </a:xfrm>
+      </p:grpSpPr>
+      <p:pic>
+        <p:nvPicPr>
+          <p:cNvPr id="5" name="Content Placeholder 4" descr="A graph with numbers and symbols&#10;&#10;Description automatically generated">
+            <a:extLst>
+              <a:ext uri="{FF2B5EF4-FFF2-40B4-BE49-F238E27FC236}">
+                <a16:creationId xmlns:a16="http://schemas.microsoft.com/office/drawing/2014/main" id="{69A44057-1725-7960-F887-EE1220D23ADD}"/>
+              </a:ext>
+            </a:extLst>
+          </p:cNvPr>
+          <p:cNvPicPr>
+            <a:picLocks noGrp="1" noChangeAspect="1"/>
+          </p:cNvPicPr>
+          <p:nvPr>
+            <p:ph idx="1"/>
+          </p:nvPr>
+        </p:nvPicPr>
+        <p:blipFill>
+          <a:blip r:embed="rId3"/>
+          <a:stretch>
+            <a:fillRect/>
+          </a:stretch>
+        </p:blipFill>
+        <p:spPr>
+          <a:xfrm>
+            <a:off x="653143" y="641268"/>
+            <a:ext cx="10759044" cy="5723905"/>
+          </a:xfrm>
+        </p:spPr>
+      </p:pic>
+    </p:spTree>
+    <p:extLst>
+      <p:ext uri="{BB962C8B-B14F-4D97-AF65-F5344CB8AC3E}">
+        <p14:creationId xmlns:p14="http://schemas.microsoft.com/office/powerpoint/2010/main" val="1997220018"/>
+      </p:ext>
+    </p:extLst>
+  </p:cSld>
+  <p:clrMapOvr>
+    <a:masterClrMapping/>
+  </p:clrMapOvr>
+</p:sld>
+</file>
+
+<file path=ppt/slides/slide7.xml><?xml version="1.0" encoding="utf-8"?>
+<p:sld xmlns:a="http://schemas.openxmlformats.org/drawingml/2006/main" xmlns:r="http://schemas.openxmlformats.org/officeDocument/2006/relationships" xmlns:p="http://schemas.openxmlformats.org/presentationml/2006/main">
+  <p:cSld>
+    <p:spTree>
+      <p:nvGrpSpPr>
+        <p:cNvPr id="1" name=""/>
+        <p:cNvGrpSpPr/>
+        <p:nvPr/>
+      </p:nvGrpSpPr>
+      <p:grpSpPr>
+        <a:xfrm>
+          <a:off x="0" y="0"/>
+          <a:ext cx="0" cy="0"/>
+          <a:chOff x="0" y="0"/>
+          <a:chExt cx="0" cy="0"/>
+        </a:xfrm>
+      </p:grpSpPr>
+      <p:pic>
+        <p:nvPicPr>
+          <p:cNvPr id="5" name="Content Placeholder 4" descr="A graph with numbers and symbols&#10;&#10;Description automatically generated">
+            <a:extLst>
+              <a:ext uri="{FF2B5EF4-FFF2-40B4-BE49-F238E27FC236}">
+                <a16:creationId xmlns:a16="http://schemas.microsoft.com/office/drawing/2014/main" id="{6AFBB880-826E-C52C-9AFB-9424B571F581}"/>
+              </a:ext>
+            </a:extLst>
+          </p:cNvPr>
+          <p:cNvPicPr>
+            <a:picLocks noGrp="1" noChangeAspect="1"/>
+          </p:cNvPicPr>
+          <p:nvPr>
+            <p:ph idx="1"/>
+          </p:nvPr>
+        </p:nvPicPr>
+        <p:blipFill>
+          <a:blip r:embed="rId3"/>
+          <a:stretch>
+            <a:fillRect/>
+          </a:stretch>
+        </p:blipFill>
+        <p:spPr>
+          <a:xfrm>
+            <a:off x="475013" y="712519"/>
+            <a:ext cx="11281557" cy="5569528"/>
+          </a:xfrm>
+        </p:spPr>
+      </p:pic>
+    </p:spTree>
+    <p:extLst>
+      <p:ext uri="{BB962C8B-B14F-4D97-AF65-F5344CB8AC3E}">
+        <p14:creationId xmlns:p14="http://schemas.microsoft.com/office/powerpoint/2010/main" val="1213269127"/>
+      </p:ext>
+    </p:extLst>
+  </p:cSld>
+  <p:clrMapOvr>
+    <a:masterClrMapping/>
+  </p:clrMapOvr>
+</p:sld>
+</file>
+
+<file path=ppt/slides/slide8.xml><?xml version="1.0" encoding="utf-8"?>
+<p:sld xmlns:a="http://schemas.openxmlformats.org/drawingml/2006/main" xmlns:r="http://schemas.openxmlformats.org/officeDocument/2006/relationships" xmlns:p="http://schemas.openxmlformats.org/presentationml/2006/main">
+  <p:cSld>
+    <p:spTree>
+      <p:nvGrpSpPr>
+        <p:cNvPr id="1" name=""/>
+        <p:cNvGrpSpPr/>
+        <p:nvPr/>
+      </p:nvGrpSpPr>
+      <p:grpSpPr>
+        <a:xfrm>
+          <a:off x="0" y="0"/>
+          <a:ext cx="0" cy="0"/>
+          <a:chOff x="0" y="0"/>
+          <a:chExt cx="0" cy="0"/>
+        </a:xfrm>
+      </p:grpSpPr>
+      <p:pic>
+        <p:nvPicPr>
+          <p:cNvPr id="5" name="Content Placeholder 4" descr="A graph of a graph&#10;&#10;Description automatically generated">
+            <a:extLst>
+              <a:ext uri="{FF2B5EF4-FFF2-40B4-BE49-F238E27FC236}">
+                <a16:creationId xmlns:a16="http://schemas.microsoft.com/office/drawing/2014/main" id="{DA037875-89D7-8E2D-7D36-CB0546FD3EDC}"/>
+              </a:ext>
+            </a:extLst>
+          </p:cNvPr>
+          <p:cNvPicPr>
+            <a:picLocks noGrp="1" noChangeAspect="1"/>
+          </p:cNvPicPr>
+          <p:nvPr>
+            <p:ph idx="1"/>
+          </p:nvPr>
+        </p:nvPicPr>
+        <p:blipFill>
+          <a:blip r:embed="rId3"/>
+          <a:stretch>
+            <a:fillRect/>
+          </a:stretch>
+        </p:blipFill>
+        <p:spPr>
+          <a:xfrm>
+            <a:off x="294331" y="1436914"/>
+            <a:ext cx="4405121" cy="4263242"/>
+          </a:xfrm>
+        </p:spPr>
+      </p:pic>
+      <p:pic>
+        <p:nvPicPr>
+          <p:cNvPr id="7" name="Picture 6" descr="A graph of a number of nukes&#10;&#10;Description automatically generated">
+            <a:extLst>
+              <a:ext uri="{FF2B5EF4-FFF2-40B4-BE49-F238E27FC236}">
+                <a16:creationId xmlns:a16="http://schemas.microsoft.com/office/drawing/2014/main" id="{403BB568-DD19-00E5-C5AB-E4153F41BF0B}"/>
+              </a:ext>
+            </a:extLst>
+          </p:cNvPr>
+          <p:cNvPicPr>
+            <a:picLocks noChangeAspect="1"/>
+          </p:cNvPicPr>
+          <p:nvPr/>
+        </p:nvPicPr>
+        <p:blipFill>
+          <a:blip r:embed="rId4"/>
+          <a:stretch>
+            <a:fillRect/>
+          </a:stretch>
+        </p:blipFill>
+        <p:spPr>
+          <a:xfrm>
+            <a:off x="5128054" y="451263"/>
+            <a:ext cx="6769615" cy="5842658"/>
+          </a:xfrm>
+          <a:prstGeom prst="rect">
+            <a:avLst/>
+          </a:prstGeom>
+        </p:spPr>
+      </p:pic>
+    </p:spTree>
+    <p:extLst>
+      <p:ext uri="{BB962C8B-B14F-4D97-AF65-F5344CB8AC3E}">
+        <p14:creationId xmlns:p14="http://schemas.microsoft.com/office/powerpoint/2010/main" val="3307453575"/>
+      </p:ext>
+    </p:extLst>
+  </p:cSld>
+  <p:clrMapOvr>
+    <a:masterClrMapping/>
+  </p:clrMapOvr>
+</p:sld>
+</file>
+
+<file path=ppt/slides/slide9.xml><?xml version="1.0" encoding="utf-8"?>
+<p:sld xmlns:a="http://schemas.openxmlformats.org/drawingml/2006/main" xmlns:r="http://schemas.openxmlformats.org/officeDocument/2006/relationships" xmlns:p="http://schemas.openxmlformats.org/presentationml/2006/main">
+  <p:cSld>
+    <p:spTree>
+      <p:nvGrpSpPr>
+        <p:cNvPr id="1" name=""/>
+        <p:cNvGrpSpPr/>
+        <p:nvPr/>
+      </p:nvGrpSpPr>
+      <p:grpSpPr>
+        <a:xfrm>
+          <a:off x="0" y="0"/>
+          <a:ext cx="0" cy="0"/>
+          <a:chOff x="0" y="0"/>
+          <a:chExt cx="0" cy="0"/>
+        </a:xfrm>
+      </p:grpSpPr>
+      <p:pic>
+        <p:nvPicPr>
+          <p:cNvPr id="5" name="Content Placeholder 4" descr="A graph with a line&#10;&#10;Description automatically generated">
+            <a:extLst>
+              <a:ext uri="{FF2B5EF4-FFF2-40B4-BE49-F238E27FC236}">
+                <a16:creationId xmlns:a16="http://schemas.microsoft.com/office/drawing/2014/main" id="{2364F463-CC16-23CC-8749-FF9AD31AF697}"/>
+              </a:ext>
+            </a:extLst>
+          </p:cNvPr>
+          <p:cNvPicPr>
+            <a:picLocks noGrp="1" noChangeAspect="1"/>
+          </p:cNvPicPr>
+          <p:nvPr>
+            <p:ph idx="1"/>
+          </p:nvPr>
+        </p:nvPicPr>
+        <p:blipFill>
+          <a:blip r:embed="rId3"/>
+          <a:stretch>
+            <a:fillRect/>
+          </a:stretch>
+        </p:blipFill>
+        <p:spPr>
+          <a:xfrm>
+            <a:off x="358346" y="1161536"/>
+            <a:ext cx="11380573" cy="5041556"/>
+          </a:xfrm>
+        </p:spPr>
+      </p:pic>
+    </p:spTree>
+    <p:extLst>
+      <p:ext uri="{BB962C8B-B14F-4D97-AF65-F5344CB8AC3E}">
+        <p14:creationId xmlns:p14="http://schemas.microsoft.com/office/powerpoint/2010/main" val="537371733"/>
+      </p:ext>
+    </p:extLst>
+  </p:cSld>
+  <p:clrMapOvr>
+    <a:masterClrMapping/>
+  </p:clrMapOvr>
+</p:sld>
+</file>
+
 <file path=ppt/theme/theme1.xml><?xml version="1.0" encoding="utf-8"?>
+<a:theme xmlns:a="http://schemas.openxmlformats.org/drawingml/2006/main" name="Parcel">
+  <a:themeElements>
+    <a:clrScheme name="Parcel">
+      <a:dk1>
+        <a:srgbClr val="000000"/>
+      </a:dk1>
+      <a:lt1>
+        <a:srgbClr val="FFFFFF"/>
+      </a:lt1>
+      <a:dk2>
+        <a:srgbClr val="4A5356"/>
+      </a:dk2>
+      <a:lt2>
+        <a:srgbClr val="E8E3CE"/>
+      </a:lt2>
+      <a:accent1>
+        <a:srgbClr val="F6A21D"/>
+      </a:accent1>
+      <a:accent2>
+        <a:srgbClr val="9BAFB5"/>
+      </a:accent2>
+      <a:accent3>
+        <a:srgbClr val="C96731"/>
+      </a:accent3>
+      <a:accent4>
+        <a:srgbClr val="9CA383"/>
+      </a:accent4>
+      <a:accent5>
+        <a:srgbClr val="87795D"/>
+      </a:accent5>
+      <a:accent6>
+        <a:srgbClr val="A0988C"/>
+      </a:accent6>
+      <a:hlink>
+        <a:srgbClr val="00B0F0"/>
+      </a:hlink>
+      <a:folHlink>
+        <a:srgbClr val="738F97"/>
+      </a:folHlink>
+    </a:clrScheme>
+    <a:fontScheme name="Parcel">
+      <a:majorFont>
+        <a:latin typeface="Gill Sans MT" panose="020B0502020104020203"/>
+        <a:ea typeface=""/>
+        <a:cs typeface=""/>
+        <a:font script="Grek" typeface="Corbel"/>
+        <a:font script="Cyrl" typeface="Corbel"/>
+        <a:font script="Jpan" typeface="HGｺﾞｼｯｸE"/>
+        <a:font script="Hang" typeface="휴먼매직체"/>
+        <a:font script="Hans" typeface="华文中宋"/>
+        <a:font script="Hant" typeface="微軟正黑體"/>
+        <a:font script="Arab" typeface="Majalla UI"/>
+        <a:font script="Hebr" typeface="Arial"/>
+        <a:font script="Thai" typeface="Cordia New"/>
+        <a:font script="Ethi" typeface="Nyala"/>
+        <a:font script="Beng" typeface="Vrinda"/>
+        <a:font script="Gujr" typeface="Shruti"/>
+        <a:font script="Khmr" typeface="DaunPenh"/>
+        <a:font script="Knda" typeface="Tunga"/>
+        <a:font script="Guru" typeface="Raavi"/>
+        <a:font script="Cans" typeface="Euphemia"/>
+        <a:font script="Cher" typeface="Plantagenet Cherokee"/>
+        <a:font script="Yiii" typeface="Microsoft Yi Baiti"/>
+        <a:font script="Tibt" typeface="Microsoft Himalaya"/>
+        <a:font script="Thaa" typeface="MV Boli"/>
+        <a:font script="Deva" typeface="Mangal"/>
+        <a:font script="Telu" typeface="Gautami"/>
+        <a:font script="Taml" typeface="Latha"/>
+        <a:font script="Syrc" typeface="Estrangelo Edessa"/>
+        <a:font script="Orya" typeface="Kalinga"/>
+        <a:font script="Mlym" typeface="Kartika"/>
+        <a:font script="Laoo" typeface="DokChampa"/>
+        <a:font script="Sinh" typeface="Iskoola Pota"/>
+        <a:font script="Mong" typeface="Mongolian Baiti"/>
+        <a:font script="Viet" typeface="Tahoma"/>
+        <a:font script="Uigh" typeface="Microsoft Uighur"/>
+        <a:font script="Geor" typeface="Sylfaen"/>
+      </a:majorFont>
+      <a:minorFont>
+        <a:latin typeface="Gill Sans MT" panose="020B0502020104020203"/>
+        <a:ea typeface=""/>
+        <a:cs typeface=""/>
+        <a:font script="Grek" typeface="Corbel"/>
+        <a:font script="Cyrl" typeface="Corbel"/>
+        <a:font script="Jpan" typeface="HGｺﾞｼｯｸE"/>
+        <a:font script="Hang" typeface="휴먼매직체"/>
+        <a:font script="Hans" typeface="华文中宋"/>
+        <a:font script="Hant" typeface="微軟正黑體"/>
+        <a:font script="Arab" typeface="Majalla UI"/>
+        <a:font script="Hebr" typeface="Arial"/>
+        <a:font script="Thai" typeface="Cordia New"/>
+        <a:font script="Ethi" typeface="Nyala"/>
+        <a:font script="Beng" typeface="Vrinda"/>
+        <a:font script="Gujr" typeface="Shruti"/>
+        <a:font script="Khmr" typeface="DaunPenh"/>
+        <a:font script="Knda" typeface="Tunga"/>
+        <a:font script="Guru" typeface="Raavi"/>
+        <a:font script="Cans" typeface="Euphemia"/>
+        <a:font script="Cher" typeface="Plantagenet Cherokee"/>
+        <a:font script="Yiii" typeface="Microsoft Yi Baiti"/>
+        <a:font script="Tibt" typeface="Microsoft Himalaya"/>
+        <a:font script="Thaa" typeface="MV Boli"/>
+        <a:font script="Deva" typeface="Mangal"/>
+        <a:font script="Telu" typeface="Gautami"/>
+        <a:font script="Taml" typeface="Latha"/>
+        <a:font script="Syrc" typeface="Estrangelo Edessa"/>
+        <a:font script="Orya" typeface="Kalinga"/>
+        <a:font script="Mlym" typeface="Kartika"/>
+        <a:font script="Laoo" typeface="DokChampa"/>
+        <a:font script="Sinh" typeface="Iskoola Pota"/>
+        <a:font script="Mong" typeface="Mongolian Baiti"/>
+        <a:font script="Viet" typeface="Tahoma"/>
+        <a:font script="Uigh" typeface="Microsoft Uighur"/>
+        <a:font script="Geor" typeface="Sylfaen"/>
+      </a:minorFont>
+    </a:fontScheme>
+    <a:fmtScheme name="Parcel">
+      <a:fillStyleLst>
+        <a:solidFill>
+          <a:schemeClr val="phClr"/>
+        </a:solidFill>
+        <a:gradFill rotWithShape="1">
+          <a:gsLst>
+            <a:gs pos="0">
+              <a:schemeClr val="phClr">
+                <a:tint val="80000"/>
+                <a:satMod val="107000"/>
+                <a:lumMod val="103000"/>
+              </a:schemeClr>
+            </a:gs>
+            <a:gs pos="100000">
+              <a:schemeClr val="phClr">
+                <a:tint val="82000"/>
+                <a:satMod val="109000"/>
+                <a:lumMod val="103000"/>
+              </a:schemeClr>
+            </a:gs>
+          </a:gsLst>
+          <a:lin ang="5400000" scaled="0"/>
+        </a:gradFill>
+        <a:gradFill rotWithShape="1">
+          <a:gsLst>
+            <a:gs pos="0">
+              <a:schemeClr val="phClr">
+                <a:tint val="97000"/>
+                <a:satMod val="100000"/>
+                <a:lumMod val="102000"/>
+              </a:schemeClr>
+            </a:gs>
+            <a:gs pos="50000">
+              <a:schemeClr val="phClr">
+                <a:shade val="100000"/>
+                <a:satMod val="103000"/>
+                <a:lumMod val="100000"/>
+              </a:schemeClr>
+            </a:gs>
+            <a:gs pos="100000">
+              <a:schemeClr val="phClr">
+                <a:shade val="93000"/>
+                <a:satMod val="110000"/>
+                <a:lumMod val="99000"/>
+              </a:schemeClr>
+            </a:gs>
+          </a:gsLst>
+          <a:lin ang="5400000" scaled="0"/>
+        </a:gradFill>
+      </a:fillStyleLst>
+      <a:lnStyleLst>
+        <a:ln w="6350" cap="flat" cmpd="sng" algn="ctr">
+          <a:solidFill>
+            <a:schemeClr val="phClr"/>
+          </a:solidFill>
+          <a:prstDash val="solid"/>
+        </a:ln>
+        <a:ln w="12700" cap="flat" cmpd="sng" algn="ctr">
+          <a:solidFill>
+            <a:schemeClr val="phClr"/>
+          </a:solidFill>
+          <a:prstDash val="solid"/>
+        </a:ln>
+        <a:ln w="31750" cap="flat" cmpd="sng" algn="ctr">
+          <a:solidFill>
+            <a:schemeClr val="phClr"/>
+          </a:solidFill>
+          <a:prstDash val="solid"/>
+        </a:ln>
+      </a:lnStyleLst>
+      <a:effectStyleLst>
+        <a:effectStyle>
+          <a:effectLst/>
+        </a:effectStyle>
+        <a:effectStyle>
+          <a:effectLst/>
+        </a:effectStyle>
+        <a:effectStyle>
+          <a:effectLst>
+            <a:outerShdw blurRad="55880" dist="15240" dir="5400000" algn="ctr" rotWithShape="0">
+              <a:srgbClr val="000000">
+                <a:alpha val="45000"/>
+              </a:srgbClr>
+            </a:outerShdw>
+          </a:effectLst>
+          <a:scene3d>
+            <a:camera prst="orthographicFront">
+              <a:rot lat="0" lon="0" rev="0"/>
+            </a:camera>
+            <a:lightRig rig="brightRoom" dir="tl"/>
+          </a:scene3d>
+          <a:sp3d prstMaterial="dkEdge">
+            <a:bevelT w="0" h="0"/>
+          </a:sp3d>
+        </a:effectStyle>
+      </a:effectStyleLst>
+      <a:bgFillStyleLst>
+        <a:solidFill>
+          <a:schemeClr val="phClr"/>
+        </a:solidFill>
+        <a:solidFill>
+          <a:schemeClr val="phClr">
+            <a:tint val="95000"/>
+            <a:satMod val="170000"/>
+          </a:schemeClr>
+        </a:solidFill>
+        <a:gradFill rotWithShape="1">
+          <a:gsLst>
+            <a:gs pos="0">
+              <a:schemeClr val="phClr">
+                <a:tint val="97000"/>
+                <a:shade val="100000"/>
+                <a:satMod val="185000"/>
+                <a:lumMod val="120000"/>
+              </a:schemeClr>
+            </a:gs>
+            <a:gs pos="100000">
+              <a:schemeClr val="phClr">
+                <a:tint val="96000"/>
+                <a:shade val="95000"/>
+                <a:satMod val="215000"/>
+                <a:lumMod val="80000"/>
+              </a:schemeClr>
+            </a:gs>
+          </a:gsLst>
+          <a:path path="circle">
+            <a:fillToRect l="50000" t="55000" r="125000" b="100000"/>
+          </a:path>
+        </a:gradFill>
+      </a:bgFillStyleLst>
+    </a:fmtScheme>
+  </a:themeElements>
+  <a:objectDefaults/>
+  <a:extraClrSchemeLst/>
+  <a:extLst>
+    <a:ext uri="{05A4C25C-085E-4340-85A3-A5531E510DB2}">
+      <thm15:themeFamily xmlns:thm15="http://schemas.microsoft.com/office/thememl/2012/main" name="Parcel" id="{8BEC4385-4EB9-4D53-BFB5-0EA123736B6D}" vid="{4DB32801-28C0-48B0-8C1D-A9A58613615A}"/>
+    </a:ext>
+  </a:extLst>
+</a:theme>
+</file>
+
+<file path=ppt/theme/theme2.xml><?xml version="1.0" encoding="utf-8"?>
 <a:theme xmlns:a="http://schemas.openxmlformats.org/drawingml/2006/main" name="Office Theme">
   <a:themeElements>
     <a:clrScheme name="Office">

--- a/eco v nukes.pptx
+++ b/eco v nukes.pptx
@@ -2,10 +2,10 @@
 <file path=ppt/presentation.xml><?xml version="1.0" encoding="utf-8"?>
 <p:presentation xmlns:a="http://schemas.openxmlformats.org/drawingml/2006/main" xmlns:r="http://schemas.openxmlformats.org/officeDocument/2006/relationships" xmlns:p="http://schemas.openxmlformats.org/presentationml/2006/main" saveSubsetFonts="1" autoCompressPictures="0">
   <p:sldMasterIdLst>
-    <p:sldMasterId id="2147483938" r:id="rId1"/>
+    <p:sldMasterId id="2147484082" r:id="rId1"/>
   </p:sldMasterIdLst>
   <p:notesMasterIdLst>
-    <p:notesMasterId r:id="rId13"/>
+    <p:notesMasterId r:id="rId14"/>
   </p:notesMasterIdLst>
   <p:sldIdLst>
     <p:sldId id="256" r:id="rId2"/>
@@ -19,6 +19,7 @@
     <p:sldId id="265" r:id="rId10"/>
     <p:sldId id="266" r:id="rId11"/>
     <p:sldId id="267" r:id="rId12"/>
+    <p:sldId id="269" r:id="rId13"/>
   </p:sldIdLst>
   <p:sldSz cx="12192000" cy="6858000"/>
   <p:notesSz cx="6858000" cy="9144000"/>
@@ -570,6 +571,23 @@
             </a:r>
           </a:p>
           <a:p>
+            <a:pPr marL="0" marR="0" lvl="0" indent="0" algn="l" defTabSz="914400" rtl="0" eaLnBrk="1" fontAlgn="auto" latinLnBrk="0" hangingPunct="1">
+              <a:lnSpc>
+                <a:spcPct val="100000"/>
+              </a:lnSpc>
+              <a:spcBef>
+                <a:spcPts val="0"/>
+              </a:spcBef>
+              <a:spcAft>
+                <a:spcPts val="0"/>
+              </a:spcAft>
+              <a:buClrTx/>
+              <a:buSzTx/>
+              <a:buFontTx/>
+              <a:buNone/>
+              <a:tabLst/>
+              <a:defRPr/>
+            </a:pPr>
             <a:r>
               <a:rPr lang="en-US" dirty="0">
                 <a:solidFill>
@@ -588,7 +606,27 @@
                 <a:effectLst/>
                 <a:latin typeface=".SF NS"/>
               </a:rPr>
-              <a:t>HDI</a:t>
+              <a:t>Human Development Index</a:t>
+            </a:r>
+            <a:r>
+              <a:rPr lang="en-US" b="0" dirty="0">
+                <a:solidFill>
+                  <a:srgbClr val="0E0E0E"/>
+                </a:solidFill>
+                <a:effectLst/>
+                <a:latin typeface=".SF NS"/>
+              </a:rPr>
+              <a:t> (</a:t>
+            </a:r>
+            <a:r>
+              <a:rPr lang="en-US" b="1" dirty="0">
+                <a:solidFill>
+                  <a:srgbClr val="0E0E0E"/>
+                </a:solidFill>
+                <a:effectLst/>
+                <a:latin typeface=".SF NS"/>
+              </a:rPr>
+              <a:t>HDI)</a:t>
             </a:r>
             <a:r>
               <a:rPr lang="en-US" dirty="0">
@@ -602,6 +640,23 @@
             </a:r>
           </a:p>
           <a:p>
+            <a:pPr marL="0" marR="0" lvl="0" indent="0" algn="l" defTabSz="914400" rtl="0" eaLnBrk="1" fontAlgn="auto" latinLnBrk="0" hangingPunct="1">
+              <a:lnSpc>
+                <a:spcPct val="100000"/>
+              </a:lnSpc>
+              <a:spcBef>
+                <a:spcPts val="0"/>
+              </a:spcBef>
+              <a:spcAft>
+                <a:spcPts val="0"/>
+              </a:spcAft>
+              <a:buClrTx/>
+              <a:buSzTx/>
+              <a:buFontTx/>
+              <a:buNone/>
+              <a:tabLst/>
+              <a:defRPr/>
+            </a:pPr>
             <a:r>
               <a:rPr lang="en-US" dirty="0">
                 <a:solidFill>
@@ -620,7 +675,27 @@
                 <a:effectLst/>
                 <a:latin typeface=".SF NS"/>
               </a:rPr>
-              <a:t>GDP</a:t>
+              <a:t>Gross Domestic Product</a:t>
+            </a:r>
+            <a:r>
+              <a:rPr lang="en-US" b="0" dirty="0">
+                <a:solidFill>
+                  <a:srgbClr val="0E0E0E"/>
+                </a:solidFill>
+                <a:effectLst/>
+                <a:latin typeface=".SF NS"/>
+              </a:rPr>
+              <a:t> (</a:t>
+            </a:r>
+            <a:r>
+              <a:rPr lang="en-US" b="1" dirty="0">
+                <a:solidFill>
+                  <a:srgbClr val="0E0E0E"/>
+                </a:solidFill>
+                <a:effectLst/>
+                <a:latin typeface=".SF NS"/>
+              </a:rPr>
+              <a:t>GDP)</a:t>
             </a:r>
             <a:r>
               <a:rPr lang="en-US" dirty="0">
@@ -777,7 +852,7 @@
                 <a:effectLst/>
                 <a:latin typeface=".SF NS"/>
               </a:rPr>
-              <a:t>• This graph compares economic growth rates among countries with and without nuclear weapons. Economic growth varies widely and was influenced by factors like the COVID-19 pandemic. The presence of nuclear weapons does not appear to correlate with higher economic growth.</a:t>
+              <a:t>This graph compares economic growth rates among countries with and without nuclear weapons. Economic growth varies widely and was influenced by factors like the COVID-19 pandemic. The presence of nuclear weapons does not appear to correlate with higher economic growth.</a:t>
             </a:r>
           </a:p>
           <a:p>
@@ -873,55 +948,7 @@
                 <a:effectLst/>
                 <a:latin typeface=".SF NS"/>
               </a:rPr>
-              <a:t>This graph examines the relationship between economic growth and the presence of nuclear weapons.</a:t>
-            </a:r>
-          </a:p>
-          <a:p>
-            <a:r>
-              <a:rPr lang="en-US" dirty="0">
-                <a:solidFill>
-                  <a:srgbClr val="0E0E0E"/>
-                </a:solidFill>
-                <a:effectLst/>
-                <a:latin typeface=".SF NS"/>
-              </a:rPr>
-              <a:t>• Each point represents a country’s economic growth rate and whether it has nuclear weapons.</a:t>
-            </a:r>
-          </a:p>
-          <a:p>
-            <a:r>
-              <a:rPr lang="en-US" dirty="0">
-                <a:solidFill>
-                  <a:srgbClr val="0E0E0E"/>
-                </a:solidFill>
-                <a:effectLst/>
-                <a:latin typeface=".SF NS"/>
-              </a:rPr>
-              <a:t>• We observe if countries with nuclear weapons tend to have higher or lower economic growth rates.</a:t>
-            </a:r>
-          </a:p>
-          <a:p>
-            <a:r>
-              <a:rPr lang="en-US" dirty="0">
-                <a:solidFill>
-                  <a:srgbClr val="0E0E0E"/>
-                </a:solidFill>
-                <a:effectLst/>
-                <a:latin typeface=".SF NS"/>
-              </a:rPr>
-              <a:t>• The analysis shows that having nuclear weapons does not necessarily correlate with higher economic growth.</a:t>
-            </a:r>
-          </a:p>
-          <a:p>
-            <a:r>
-              <a:rPr lang="en-US" dirty="0">
-                <a:solidFill>
-                  <a:srgbClr val="0E0E0E"/>
-                </a:solidFill>
-                <a:effectLst/>
-                <a:latin typeface=".SF NS"/>
-              </a:rPr>
-              <a:t>• This suggests that other factors may play a more significant role in influencing economic growth.</a:t>
+              <a:t>This graph examines the relationship between economic growth and the presence of nuclear weapons. Each point represents a country’s economic growth rate and whether it has nuclear weapons. We observe if countries with nuclear weapons tend to have higher or lower economic growth rates. The analysis shows that having nuclear weapons does not necessarily correlate with higher economic growth. This suggests that other factors may play a more significant role in influencing economic growth.</a:t>
             </a:r>
           </a:p>
           <a:p>
@@ -956,6 +983,109 @@
     <p:extLst>
       <p:ext uri="{BB962C8B-B14F-4D97-AF65-F5344CB8AC3E}">
         <p14:creationId xmlns:p14="http://schemas.microsoft.com/office/powerpoint/2010/main" val="3369248836"/>
+      </p:ext>
+    </p:extLst>
+  </p:cSld>
+  <p:clrMapOvr>
+    <a:masterClrMapping/>
+  </p:clrMapOvr>
+</p:notes>
+</file>
+
+<file path=ppt/notesSlides/notesSlide12.xml><?xml version="1.0" encoding="utf-8"?>
+<p:notes xmlns:a="http://schemas.openxmlformats.org/drawingml/2006/main" xmlns:r="http://schemas.openxmlformats.org/officeDocument/2006/relationships" xmlns:p="http://schemas.openxmlformats.org/presentationml/2006/main">
+  <p:cSld>
+    <p:spTree>
+      <p:nvGrpSpPr>
+        <p:cNvPr id="1" name=""/>
+        <p:cNvGrpSpPr/>
+        <p:nvPr/>
+      </p:nvGrpSpPr>
+      <p:grpSpPr>
+        <a:xfrm>
+          <a:off x="0" y="0"/>
+          <a:ext cx="0" cy="0"/>
+          <a:chOff x="0" y="0"/>
+          <a:chExt cx="0" cy="0"/>
+        </a:xfrm>
+      </p:grpSpPr>
+      <p:sp>
+        <p:nvSpPr>
+          <p:cNvPr id="2" name="Slide Image Placeholder 1"/>
+          <p:cNvSpPr>
+            <a:spLocks noGrp="1" noRot="1" noChangeAspect="1"/>
+          </p:cNvSpPr>
+          <p:nvPr>
+            <p:ph type="sldImg"/>
+          </p:nvPr>
+        </p:nvSpPr>
+        <p:spPr/>
+      </p:sp>
+      <p:sp>
+        <p:nvSpPr>
+          <p:cNvPr id="3" name="Notes Placeholder 2"/>
+          <p:cNvSpPr>
+            <a:spLocks noGrp="1"/>
+          </p:cNvSpPr>
+          <p:nvPr>
+            <p:ph type="body" idx="1"/>
+          </p:nvPr>
+        </p:nvSpPr>
+        <p:spPr/>
+        <p:txBody>
+          <a:bodyPr/>
+          <a:lstStyle/>
+          <a:p>
+            <a:r>
+              <a:rPr lang="en-US" b="0" i="0" u="none" strike="noStrike" dirty="0">
+                <a:solidFill>
+                  <a:srgbClr val="0E0E0E"/>
+                </a:solidFill>
+                <a:effectLst/>
+                <a:latin typeface=".SF NS"/>
+              </a:rPr>
+              <a:t>This concludes my presentation. Are there any questions?</a:t>
+            </a:r>
+            <a:endParaRPr lang="en-US" b="0" i="0" u="none" strike="noStrike" dirty="0">
+              <a:solidFill>
+                <a:srgbClr val="D8D8D8"/>
+              </a:solidFill>
+              <a:effectLst/>
+              <a:latin typeface="-apple-system"/>
+            </a:endParaRPr>
+          </a:p>
+          <a:p>
+            <a:endParaRPr lang="en-US" dirty="0"/>
+          </a:p>
+        </p:txBody>
+      </p:sp>
+      <p:sp>
+        <p:nvSpPr>
+          <p:cNvPr id="4" name="Slide Number Placeholder 3"/>
+          <p:cNvSpPr>
+            <a:spLocks noGrp="1"/>
+          </p:cNvSpPr>
+          <p:nvPr>
+            <p:ph type="sldNum" sz="quarter" idx="5"/>
+          </p:nvPr>
+        </p:nvSpPr>
+        <p:spPr/>
+        <p:txBody>
+          <a:bodyPr/>
+          <a:lstStyle/>
+          <a:p>
+            <a:fld id="{DF55601B-8ECC-C44A-AFB0-A266DFAEED8C}" type="slidenum">
+              <a:rPr lang="en-US" smtClean="0"/>
+              <a:t>12</a:t>
+            </a:fld>
+            <a:endParaRPr lang="en-US"/>
+          </a:p>
+        </p:txBody>
+      </p:sp>
+    </p:spTree>
+    <p:extLst>
+      <p:ext uri="{BB962C8B-B14F-4D97-AF65-F5344CB8AC3E}">
+        <p14:creationId xmlns:p14="http://schemas.microsoft.com/office/powerpoint/2010/main" val="1520480821"/>
       </p:ext>
     </p:extLst>
   </p:cSld>
@@ -1010,8 +1140,14 @@
           <a:lstStyle/>
           <a:p>
             <a:r>
-              <a:rPr lang="en-US" dirty="0"/>
-              <a:t>In the photo above,</a:t>
+              <a:rPr lang="en-US" dirty="0">
+                <a:solidFill>
+                  <a:srgbClr val="0E0E0E"/>
+                </a:solidFill>
+                <a:effectLst/>
+                <a:latin typeface=".SF NS"/>
+              </a:rPr>
+              <a:t>This slide provides an overview of the estimated nuclear inventory of different countries. The graph highlights the number of nuclear warheads each country possesses as of the latest available data. Understanding the distribution of nuclear weapons is crucial for analyzing their potential impact on economic health and stability.</a:t>
             </a:r>
           </a:p>
         </p:txBody>
@@ -1144,7 +1280,7 @@
                 <a:effectLst/>
                 <a:latin typeface=".SF NS"/>
               </a:rPr>
-              <a:t>GDP per Capita</a:t>
+              <a:t>GDP per Capita is </a:t>
             </a:r>
             <a:r>
               <a:rPr lang="en-US" dirty="0">
@@ -1154,7 +1290,7 @@
                 <a:effectLst/>
                 <a:latin typeface=".SF NS"/>
               </a:rPr>
-              <a:t>: Highest in the USA, UK, France, Israel; lower in China, Russia, India, Pakistan, North Korea.</a:t>
+              <a:t>Highest in the USA, UK, France, Israel; lower in China, Russia, India, Pakistan, North Korea.</a:t>
             </a:r>
           </a:p>
           <a:p>
@@ -1169,7 +1305,7 @@
                 </a:highlight>
                 <a:latin typeface="Menlo" panose="020B0609030804020204" pitchFamily="49" charset="0"/>
               </a:rPr>
-              <a:t>2. Economic Growth Rate: Economic growth rates vary widely among the countries, with some experiencing positive growth and others negative, likely influenced by the global impact of the COVID-19 pandemic.</a:t>
+              <a:t>2. Economic Growth Rate vary widely among the countries, with some experiencing positive growth and others negative, likely influenced by the global impact of the COVID-19 pandemic.</a:t>
             </a:r>
           </a:p>
           <a:p>
@@ -1181,7 +1317,7 @@
                 <a:effectLst/>
                 <a:latin typeface=".SF NS"/>
               </a:rPr>
-              <a:t>3. HDI Scores</a:t>
+              <a:t>3. HDI Scores are </a:t>
             </a:r>
             <a:r>
               <a:rPr lang="en-US" dirty="0">
@@ -1191,7 +1327,7 @@
                 <a:effectLst/>
                 <a:latin typeface=".SF NS"/>
               </a:rPr>
-              <a:t>: High in the USA, UK, France, Israel; lower in others.</a:t>
+              <a:t>High in the USA, UK, France, Israel; lower in others.</a:t>
             </a:r>
           </a:p>
           <a:p>
@@ -1206,7 +1342,7 @@
                 </a:highlight>
                 <a:latin typeface="Menlo" panose="020B0609030804020204" pitchFamily="49" charset="0"/>
               </a:rPr>
-              <a:t>4. Government Debt as Percent of GDP: The UK and the USA have higher levels of government debt relative to their GDP, while other countries have varying, often lower, levels of debt.</a:t>
+              <a:t>4. The UK and the USA have higher levels of government debt relative to their GDP, while other countries have varying, often lower, levels of debt.</a:t>
             </a:r>
           </a:p>
           <a:p>
@@ -1221,7 +1357,7 @@
                 </a:highlight>
                 <a:latin typeface="Menlo" panose="020B0609030804020204" pitchFamily="49" charset="0"/>
               </a:rPr>
-              <a:t>5. Trade Openness: Israel and the UK show higher trade openness, meaning a larger share of their GDP comes from trade. The other countries display varying levels of trade openness.</a:t>
+              <a:t>5. Israel and the UK show higher trade openness, meaning a larger share of their GDP comes from trade. The other countries display varying levels of trade openness.</a:t>
             </a:r>
           </a:p>
           <a:p>
@@ -1332,7 +1468,7 @@
                 </a:highlight>
                 <a:latin typeface="Menlo" panose="020B0609030804020204" pitchFamily="49" charset="0"/>
               </a:rPr>
-              <a:t>The bar chart shows the Human Development Index (HDI) for the countries with nuclear warheads in 2022. </a:t>
+              <a:t>The bar chart shows the HDI for the countries with nuclear warheads in 2022. </a:t>
             </a:r>
           </a:p>
           <a:p>
@@ -1374,7 +1510,7 @@
                 </a:highlight>
                 <a:latin typeface="Menlo" panose="020B0609030804020204" pitchFamily="49" charset="0"/>
               </a:rPr>
-              <a:t>• China: Has a high HDI, showing significant development and improved living standards.</a:t>
+              <a:t>• China Has a high HDI, showing significant development and improved living standards.</a:t>
             </a:r>
           </a:p>
           <a:p>
@@ -1389,7 +1525,7 @@
                 </a:highlight>
                 <a:latin typeface="Menlo" panose="020B0609030804020204" pitchFamily="49" charset="0"/>
               </a:rPr>
-              <a:t>• Russia: Shows a relatively high HDI, indicating good human development.</a:t>
+              <a:t>• Russia Shows a relatively high HDI, indicating good human development.</a:t>
             </a:r>
           </a:p>
           <a:p>
@@ -1404,7 +1540,7 @@
                 </a:highlight>
                 <a:latin typeface="Menlo" panose="020B0609030804020204" pitchFamily="49" charset="0"/>
               </a:rPr>
-              <a:t>• India and Pakistan: Have moderate HDI values, indicating ongoing development but still room for improvement.</a:t>
+              <a:t>• India and Pakistan Have moderate HDI values, indicating ongoing development but still room for improvement.</a:t>
             </a:r>
           </a:p>
           <a:p>
@@ -1564,7 +1700,7 @@
           <a:p>
             <a:r>
               <a:rPr lang="en-US" dirty="0"/>
-              <a:t>For example, The spike we see in the UK in the 70s was due to the Cold War</a:t>
+              <a:t>For example, the spike we see in the Israel in the 70s was due to the Cold War</a:t>
             </a:r>
           </a:p>
         </p:txBody>
@@ -1855,7 +1991,7 @@
                 <a:effectLst/>
                 <a:latin typeface=".SF NS"/>
               </a:rPr>
-              <a:t>The histogram shows a comparison of the Human Development Index (HDI) between countries with and without nuclear weapons. The analysis indicates that countries with nuclear weapons tend to have a slightly higher HDI on average. However, this difference is not statistically significant, as there is considerable overlap between the HDI values of the two groups. Specifically, the HDI values for both groups converge around 0.75, indicating that countries with and without nuclear weapons have similar HDI scores in this range. This overlap suggests that while there might be a slight tendency for nuclear-armed countries to have higher HDI values, it is not enough to conclude that nuclear status alone significantly impacts HDI.</a:t>
+              <a:t>The histogram shows a comparison of the HDI between countries with and without nuclear weapons. The analysis indicates that countries with nuclear weapons tend to have a slightly higher HDI on average. However, this difference is not statistically significant, as there is considerable overlap between the HDI values of the two groups. Specifically, the HDI values for both groups converge around 0.75, indicating that countries with and without nuclear weapons have similar HDI scores in this range. This overlap suggests that while there might be a slight tendency for nuclear-armed countries to have higher HDI values, it is not enough to conclude that nuclear status alone significantly impacts HDI.</a:t>
             </a:r>
           </a:p>
           <a:p>
@@ -1954,7 +2090,7 @@
                 </a:highlight>
                 <a:latin typeface="Menlo" panose="020B0609030804020204" pitchFamily="49" charset="0"/>
               </a:rPr>
-              <a:t>This graph determines relationship between a country having nuclear weapons and its Human Development Index. The blue dots represent actual HDI values for countries, with the x-axis showing whether a country has nuclear weapons (1 means it has nukes, 0 means it doesn’t). The red line shows the general trend. This graph indicates that countries with nuclear weapons tend to have a higher HDI. </a:t>
+              <a:t>This graph determines relationship between a country having nuclear weapons and its HDI. The blue dots represent actual HDI values for countries, with the x-axis showing whether a country has nuclear weapons (1 means it has nukes, 0 means it doesn’t). The red line shows the general trend. This graph indicates that countries with nuclear weapons tend to have a higher HDI. </a:t>
             </a:r>
             <a:endParaRPr lang="en-US" dirty="0"/>
           </a:p>
@@ -1999,14 +2135,6 @@
 <file path=ppt/slideLayouts/slideLayout1.xml><?xml version="1.0" encoding="utf-8"?>
 <p:sldLayout xmlns:a="http://schemas.openxmlformats.org/drawingml/2006/main" xmlns:r="http://schemas.openxmlformats.org/officeDocument/2006/relationships" xmlns:p="http://schemas.openxmlformats.org/presentationml/2006/main" type="title" preserve="1">
   <p:cSld name="Title Slide">
-    <p:bg>
-      <p:bgPr>
-        <a:solidFill>
-          <a:schemeClr val="accent2"/>
-        </a:solidFill>
-        <a:effectLst/>
-      </p:bgPr>
-    </p:bg>
     <p:spTree>
       <p:nvGrpSpPr>
         <p:cNvPr id="1" name=""/>
@@ -2031,31 +2159,17 @@
             <p:ph type="ctrTitle"/>
           </p:nvPr>
         </p:nvSpPr>
-        <p:spPr bwMode="blackWhite">
+        <p:spPr>
           <a:xfrm>
-            <a:off x="1600200" y="2386744"/>
-            <a:ext cx="8991600" cy="1645920"/>
+            <a:off x="1524000" y="1122363"/>
+            <a:ext cx="9144000" cy="2387600"/>
           </a:xfrm>
-          <a:solidFill>
-            <a:srgbClr val="FFFFFF"/>
-          </a:solidFill>
-          <a:ln w="38100">
-            <a:solidFill>
-              <a:srgbClr val="404040"/>
-            </a:solidFill>
-          </a:ln>
         </p:spPr>
         <p:txBody>
-          <a:bodyPr lIns="274320" rIns="274320" anchor="ctr" anchorCtr="1">
-            <a:normAutofit/>
-          </a:bodyPr>
+          <a:bodyPr anchor="b"/>
           <a:lstStyle>
             <a:lvl1pPr algn="ctr">
-              <a:defRPr sz="3800">
-                <a:solidFill>
-                  <a:srgbClr val="262626"/>
-                </a:solidFill>
-              </a:defRPr>
+              <a:defRPr sz="6000"/>
             </a:lvl1pPr>
           </a:lstStyle>
           <a:p>
@@ -2079,26 +2193,16 @@
         </p:nvSpPr>
         <p:spPr>
           <a:xfrm>
-            <a:off x="2695194" y="4352544"/>
-            <a:ext cx="6801612" cy="1239894"/>
+            <a:off x="1524000" y="3602038"/>
+            <a:ext cx="9144000" cy="1655762"/>
           </a:xfrm>
-          <a:noFill/>
         </p:spPr>
         <p:txBody>
-          <a:bodyPr>
-            <a:normAutofit/>
-          </a:bodyPr>
+          <a:bodyPr/>
           <a:lstStyle>
             <a:lvl1pPr marL="0" indent="0" algn="ctr">
               <a:buNone/>
-              <a:defRPr sz="2000">
-                <a:solidFill>
-                  <a:schemeClr val="tx1">
-                    <a:lumMod val="75000"/>
-                    <a:lumOff val="25000"/>
-                  </a:schemeClr>
-                </a:solidFill>
-              </a:defRPr>
+              <a:defRPr sz="2400"/>
             </a:lvl1pPr>
             <a:lvl2pPr marL="457200" indent="0" algn="ctr">
               <a:buNone/>
@@ -2144,7 +2248,7 @@
       </p:sp>
       <p:sp>
         <p:nvSpPr>
-          <p:cNvPr id="7" name="Date Placeholder 6"/>
+          <p:cNvPr id="4" name="Date Placeholder 3"/>
           <p:cNvSpPr>
             <a:spLocks noGrp="1"/>
           </p:cNvSpPr>
@@ -2167,7 +2271,7 @@
       </p:sp>
       <p:sp>
         <p:nvSpPr>
-          <p:cNvPr id="8" name="Footer Placeholder 7"/>
+          <p:cNvPr id="5" name="Footer Placeholder 4"/>
           <p:cNvSpPr>
             <a:spLocks noGrp="1"/>
           </p:cNvSpPr>
@@ -2186,7 +2290,7 @@
       </p:sp>
       <p:sp>
         <p:nvSpPr>
-          <p:cNvPr id="9" name="Slide Number Placeholder 8"/>
+          <p:cNvPr id="6" name="Slide Number Placeholder 5"/>
           <p:cNvSpPr>
             <a:spLocks noGrp="1"/>
           </p:cNvSpPr>
@@ -2210,12 +2314,12 @@
     </p:spTree>
     <p:extLst>
       <p:ext uri="{BB962C8B-B14F-4D97-AF65-F5344CB8AC3E}">
-        <p14:creationId xmlns:p14="http://schemas.microsoft.com/office/powerpoint/2010/main" val="2374307037"/>
+        <p14:creationId xmlns:p14="http://schemas.microsoft.com/office/powerpoint/2010/main" val="315236350"/>
       </p:ext>
     </p:extLst>
   </p:cSld>
   <p:clrMapOvr>
-    <a:overrideClrMapping bg1="dk1" tx1="lt1" bg2="dk2" tx2="lt2" accent1="accent1" accent2="accent2" accent3="accent3" accent4="accent4" accent5="accent5" accent6="accent6" hlink="hlink" folHlink="folHlink"/>
+    <a:masterClrMapping/>
   </p:clrMapOvr>
 </p:sldLayout>
 </file>
@@ -2380,7 +2484,7 @@
     </p:spTree>
     <p:extLst>
       <p:ext uri="{BB962C8B-B14F-4D97-AF65-F5344CB8AC3E}">
-        <p14:creationId xmlns:p14="http://schemas.microsoft.com/office/powerpoint/2010/main" val="2739611735"/>
+        <p14:creationId xmlns:p14="http://schemas.microsoft.com/office/powerpoint/2010/main" val="2418968221"/>
       </p:ext>
     </p:extLst>
   </p:cSld>
@@ -2419,8 +2523,8 @@
         </p:nvSpPr>
         <p:spPr>
           <a:xfrm>
-            <a:off x="8653112" y="937260"/>
-            <a:ext cx="1298608" cy="4983480"/>
+            <a:off x="8724900" y="365125"/>
+            <a:ext cx="2628900" cy="5811838"/>
           </a:xfrm>
         </p:spPr>
         <p:txBody>
@@ -2447,8 +2551,8 @@
         </p:nvSpPr>
         <p:spPr>
           <a:xfrm>
-            <a:off x="2231136" y="937260"/>
-            <a:ext cx="6198489" cy="4983480"/>
+            <a:off x="838200" y="365125"/>
+            <a:ext cx="7734300" cy="5811838"/>
           </a:xfrm>
         </p:spPr>
         <p:txBody>
@@ -2560,7 +2664,7 @@
     </p:spTree>
     <p:extLst>
       <p:ext uri="{BB962C8B-B14F-4D97-AF65-F5344CB8AC3E}">
-        <p14:creationId xmlns:p14="http://schemas.microsoft.com/office/powerpoint/2010/main" val="2757751835"/>
+        <p14:creationId xmlns:p14="http://schemas.microsoft.com/office/powerpoint/2010/main" val="2883810376"/>
       </p:ext>
     </p:extLst>
   </p:cSld>
@@ -2664,7 +2768,7 @@
       </p:sp>
       <p:sp>
         <p:nvSpPr>
-          <p:cNvPr id="7" name="Date Placeholder 6"/>
+          <p:cNvPr id="4" name="Date Placeholder 3"/>
           <p:cNvSpPr>
             <a:spLocks noGrp="1"/>
           </p:cNvSpPr>
@@ -2687,7 +2791,7 @@
       </p:sp>
       <p:sp>
         <p:nvSpPr>
-          <p:cNvPr id="8" name="Footer Placeholder 7"/>
+          <p:cNvPr id="5" name="Footer Placeholder 4"/>
           <p:cNvSpPr>
             <a:spLocks noGrp="1"/>
           </p:cNvSpPr>
@@ -2706,7 +2810,7 @@
       </p:sp>
       <p:sp>
         <p:nvSpPr>
-          <p:cNvPr id="9" name="Slide Number Placeholder 8"/>
+          <p:cNvPr id="6" name="Slide Number Placeholder 5"/>
           <p:cNvSpPr>
             <a:spLocks noGrp="1"/>
           </p:cNvSpPr>
@@ -2730,7 +2834,7 @@
     </p:spTree>
     <p:extLst>
       <p:ext uri="{BB962C8B-B14F-4D97-AF65-F5344CB8AC3E}">
-        <p14:creationId xmlns:p14="http://schemas.microsoft.com/office/powerpoint/2010/main" val="3448076305"/>
+        <p14:creationId xmlns:p14="http://schemas.microsoft.com/office/powerpoint/2010/main" val="1480653404"/>
       </p:ext>
     </p:extLst>
   </p:cSld>
@@ -2743,14 +2847,6 @@
 <file path=ppt/slideLayouts/slideLayout3.xml><?xml version="1.0" encoding="utf-8"?>
 <p:sldLayout xmlns:a="http://schemas.openxmlformats.org/drawingml/2006/main" xmlns:r="http://schemas.openxmlformats.org/officeDocument/2006/relationships" xmlns:p="http://schemas.openxmlformats.org/presentationml/2006/main" type="secHead" preserve="1">
   <p:cSld name="Section Header">
-    <p:bg>
-      <p:bgPr>
-        <a:solidFill>
-          <a:schemeClr val="accent1"/>
-        </a:solidFill>
-        <a:effectLst/>
-      </p:bgPr>
-    </p:bg>
     <p:spTree>
       <p:nvGrpSpPr>
         <p:cNvPr id="1" name=""/>
@@ -2775,31 +2871,17 @@
             <p:ph type="title"/>
           </p:nvPr>
         </p:nvSpPr>
-        <p:spPr bwMode="blackWhite">
+        <p:spPr>
           <a:xfrm>
-            <a:off x="1600200" y="2386744"/>
-            <a:ext cx="8991600" cy="1645920"/>
+            <a:off x="831850" y="1709738"/>
+            <a:ext cx="10515600" cy="2852737"/>
           </a:xfrm>
-          <a:solidFill>
-            <a:srgbClr val="FFFFFF"/>
-          </a:solidFill>
-          <a:ln w="38100">
-            <a:solidFill>
-              <a:srgbClr val="404040"/>
-            </a:solidFill>
-          </a:ln>
         </p:spPr>
         <p:txBody>
-          <a:bodyPr lIns="274320" rIns="274320" anchor="ctr" anchorCtr="1">
-            <a:normAutofit/>
-          </a:bodyPr>
+          <a:bodyPr anchor="b"/>
           <a:lstStyle>
             <a:lvl1pPr>
-              <a:defRPr sz="3800">
-                <a:solidFill>
-                  <a:srgbClr val="262626"/>
-                </a:solidFill>
-              </a:defRPr>
+              <a:defRPr sz="6000"/>
             </a:lvl1pPr>
           </a:lstStyle>
           <a:p>
@@ -2823,20 +2905,20 @@
         </p:nvSpPr>
         <p:spPr>
           <a:xfrm>
-            <a:off x="2695194" y="4352465"/>
-            <a:ext cx="6801612" cy="1265082"/>
+            <a:off x="831850" y="4589463"/>
+            <a:ext cx="10515600" cy="1500187"/>
           </a:xfrm>
         </p:spPr>
         <p:txBody>
-          <a:bodyPr anchor="t" anchorCtr="1">
-            <a:normAutofit/>
-          </a:bodyPr>
+          <a:bodyPr/>
           <a:lstStyle>
             <a:lvl1pPr marL="0" indent="0">
               <a:buNone/>
-              <a:defRPr sz="2000">
-                <a:solidFill>
-                  <a:schemeClr val="tx1"/>
+              <a:defRPr sz="2400">
+                <a:solidFill>
+                  <a:schemeClr val="tx1">
+                    <a:shade val="82000"/>
+                  </a:schemeClr>
                 </a:solidFill>
               </a:defRPr>
             </a:lvl1pPr>
@@ -2845,7 +2927,7 @@
               <a:defRPr sz="2000">
                 <a:solidFill>
                   <a:schemeClr val="tx1">
-                    <a:tint val="75000"/>
+                    <a:shade val="82000"/>
                   </a:schemeClr>
                 </a:solidFill>
               </a:defRPr>
@@ -2855,7 +2937,7 @@
               <a:defRPr sz="1800">
                 <a:solidFill>
                   <a:schemeClr val="tx1">
-                    <a:tint val="75000"/>
+                    <a:shade val="82000"/>
                   </a:schemeClr>
                 </a:solidFill>
               </a:defRPr>
@@ -2865,7 +2947,7 @@
               <a:defRPr sz="1600">
                 <a:solidFill>
                   <a:schemeClr val="tx1">
-                    <a:tint val="75000"/>
+                    <a:shade val="82000"/>
                   </a:schemeClr>
                 </a:solidFill>
               </a:defRPr>
@@ -2875,7 +2957,7 @@
               <a:defRPr sz="1600">
                 <a:solidFill>
                   <a:schemeClr val="tx1">
-                    <a:tint val="75000"/>
+                    <a:shade val="82000"/>
                   </a:schemeClr>
                 </a:solidFill>
               </a:defRPr>
@@ -2885,7 +2967,7 @@
               <a:defRPr sz="1600">
                 <a:solidFill>
                   <a:schemeClr val="tx1">
-                    <a:tint val="75000"/>
+                    <a:shade val="82000"/>
                   </a:schemeClr>
                 </a:solidFill>
               </a:defRPr>
@@ -2895,7 +2977,7 @@
               <a:defRPr sz="1600">
                 <a:solidFill>
                   <a:schemeClr val="tx1">
-                    <a:tint val="75000"/>
+                    <a:shade val="82000"/>
                   </a:schemeClr>
                 </a:solidFill>
               </a:defRPr>
@@ -2905,7 +2987,7 @@
               <a:defRPr sz="1600">
                 <a:solidFill>
                   <a:schemeClr val="tx1">
-                    <a:tint val="75000"/>
+                    <a:shade val="82000"/>
                   </a:schemeClr>
                 </a:solidFill>
               </a:defRPr>
@@ -2915,7 +2997,7 @@
               <a:defRPr sz="1600">
                 <a:solidFill>
                   <a:schemeClr val="tx1">
-                    <a:tint val="75000"/>
+                    <a:shade val="82000"/>
                   </a:schemeClr>
                 </a:solidFill>
               </a:defRPr>
@@ -2932,7 +3014,7 @@
       </p:sp>
       <p:sp>
         <p:nvSpPr>
-          <p:cNvPr id="7" name="Date Placeholder 6"/>
+          <p:cNvPr id="4" name="Date Placeholder 3"/>
           <p:cNvSpPr>
             <a:spLocks noGrp="1"/>
           </p:cNvSpPr>
@@ -2955,7 +3037,7 @@
       </p:sp>
       <p:sp>
         <p:nvSpPr>
-          <p:cNvPr id="8" name="Footer Placeholder 7"/>
+          <p:cNvPr id="5" name="Footer Placeholder 4"/>
           <p:cNvSpPr>
             <a:spLocks noGrp="1"/>
           </p:cNvSpPr>
@@ -2974,7 +3056,7 @@
       </p:sp>
       <p:sp>
         <p:nvSpPr>
-          <p:cNvPr id="9" name="Slide Number Placeholder 8"/>
+          <p:cNvPr id="6" name="Slide Number Placeholder 5"/>
           <p:cNvSpPr>
             <a:spLocks noGrp="1"/>
           </p:cNvSpPr>
@@ -2998,12 +3080,12 @@
     </p:spTree>
     <p:extLst>
       <p:ext uri="{BB962C8B-B14F-4D97-AF65-F5344CB8AC3E}">
-        <p14:creationId xmlns:p14="http://schemas.microsoft.com/office/powerpoint/2010/main" val="34490288"/>
+        <p14:creationId xmlns:p14="http://schemas.microsoft.com/office/powerpoint/2010/main" val="236225898"/>
       </p:ext>
     </p:extLst>
   </p:cSld>
   <p:clrMapOvr>
-    <a:overrideClrMapping bg1="dk1" tx1="lt1" bg2="dk2" tx2="lt2" accent1="accent1" accent2="accent2" accent3="accent3" accent4="accent4" accent5="accent5" accent6="accent6" hlink="hlink" folHlink="folHlink"/>
+    <a:masterClrMapping/>
   </p:clrMapOvr>
 </p:sldLayout>
 </file>
@@ -3060,8 +3142,8 @@
         </p:nvSpPr>
         <p:spPr>
           <a:xfrm>
-            <a:off x="1581912" y="2638044"/>
-            <a:ext cx="4271771" cy="3101982"/>
+            <a:off x="838200" y="1825625"/>
+            <a:ext cx="5181600" cy="4351338"/>
           </a:xfrm>
         </p:spPr>
         <p:txBody>
@@ -3117,8 +3199,8 @@
         </p:nvSpPr>
         <p:spPr>
           <a:xfrm>
-            <a:off x="6338315" y="2638044"/>
-            <a:ext cx="4270247" cy="3101982"/>
+            <a:off x="6172200" y="1825625"/>
+            <a:ext cx="5181600" cy="4351338"/>
           </a:xfrm>
         </p:spPr>
         <p:txBody>
@@ -3164,7 +3246,7 @@
       </p:sp>
       <p:sp>
         <p:nvSpPr>
-          <p:cNvPr id="8" name="Date Placeholder 7"/>
+          <p:cNvPr id="5" name="Date Placeholder 4"/>
           <p:cNvSpPr>
             <a:spLocks noGrp="1"/>
           </p:cNvSpPr>
@@ -3187,7 +3269,7 @@
       </p:sp>
       <p:sp>
         <p:nvSpPr>
-          <p:cNvPr id="9" name="Footer Placeholder 8"/>
+          <p:cNvPr id="6" name="Footer Placeholder 5"/>
           <p:cNvSpPr>
             <a:spLocks noGrp="1"/>
           </p:cNvSpPr>
@@ -3206,7 +3288,7 @@
       </p:sp>
       <p:sp>
         <p:nvSpPr>
-          <p:cNvPr id="10" name="Slide Number Placeholder 9"/>
+          <p:cNvPr id="7" name="Slide Number Placeholder 6"/>
           <p:cNvSpPr>
             <a:spLocks noGrp="1"/>
           </p:cNvSpPr>
@@ -3230,7 +3312,7 @@
     </p:spTree>
     <p:extLst>
       <p:ext uri="{BB962C8B-B14F-4D97-AF65-F5344CB8AC3E}">
-        <p14:creationId xmlns:p14="http://schemas.microsoft.com/office/powerpoint/2010/main" val="3848376891"/>
+        <p14:creationId xmlns:p14="http://schemas.microsoft.com/office/powerpoint/2010/main" val="1356445592"/>
       </p:ext>
     </p:extLst>
   </p:cSld>
@@ -3259,38 +3341,58 @@
       </p:grpSpPr>
       <p:sp>
         <p:nvSpPr>
-          <p:cNvPr id="3" name="Text Placeholder 2"/>
-          <p:cNvSpPr>
-            <a:spLocks noGrp="1"/>
-          </p:cNvSpPr>
-          <p:nvPr>
-            <p:ph type="body" idx="1"/>
+          <p:cNvPr id="2" name="Title 1"/>
+          <p:cNvSpPr>
+            <a:spLocks noGrp="1"/>
+          </p:cNvSpPr>
+          <p:nvPr>
+            <p:ph type="title"/>
           </p:nvPr>
         </p:nvSpPr>
         <p:spPr>
           <a:xfrm>
-            <a:off x="1583436" y="2313433"/>
-            <a:ext cx="4270248" cy="704087"/>
+            <a:off x="839788" y="365125"/>
+            <a:ext cx="10515600" cy="1325563"/>
           </a:xfrm>
         </p:spPr>
         <p:txBody>
-          <a:bodyPr anchor="b" anchorCtr="1">
-            <a:normAutofit/>
-          </a:bodyPr>
+          <a:bodyPr/>
+          <a:lstStyle/>
+          <a:p>
+            <a:r>
+              <a:rPr lang="en-US"/>
+              <a:t>Click to edit Master title style</a:t>
+            </a:r>
+            <a:endParaRPr lang="en-US" dirty="0"/>
+          </a:p>
+        </p:txBody>
+      </p:sp>
+      <p:sp>
+        <p:nvSpPr>
+          <p:cNvPr id="3" name="Text Placeholder 2"/>
+          <p:cNvSpPr>
+            <a:spLocks noGrp="1"/>
+          </p:cNvSpPr>
+          <p:nvPr>
+            <p:ph type="body" idx="1"/>
+          </p:nvPr>
+        </p:nvSpPr>
+        <p:spPr>
+          <a:xfrm>
+            <a:off x="839788" y="1681163"/>
+            <a:ext cx="5157787" cy="823912"/>
+          </a:xfrm>
+        </p:spPr>
+        <p:txBody>
+          <a:bodyPr anchor="b"/>
           <a:lstStyle>
-            <a:lvl1pPr marL="0" indent="0" algn="ctr">
+            <a:lvl1pPr marL="0" indent="0">
               <a:buNone/>
-              <a:defRPr sz="1900" b="0" cap="all" spc="100" baseline="0">
-                <a:solidFill>
-                  <a:schemeClr val="accent2">
-                    <a:lumMod val="75000"/>
-                  </a:schemeClr>
-                </a:solidFill>
-              </a:defRPr>
+              <a:defRPr sz="2400" b="1"/>
             </a:lvl1pPr>
             <a:lvl2pPr marL="457200" indent="0">
               <a:buNone/>
-              <a:defRPr sz="1900" b="1"/>
+              <a:defRPr sz="2000" b="1"/>
             </a:lvl2pPr>
             <a:lvl3pPr marL="914400" indent="0">
               <a:buNone/>
@@ -3342,8 +3444,8 @@
         </p:nvSpPr>
         <p:spPr>
           <a:xfrm>
-            <a:off x="1583436" y="3143250"/>
-            <a:ext cx="4270248" cy="2596776"/>
+            <a:off x="839788" y="2505075"/>
+            <a:ext cx="5157787" cy="3684588"/>
           </a:xfrm>
         </p:spPr>
         <p:txBody>
@@ -3389,99 +3491,30 @@
       </p:sp>
       <p:sp>
         <p:nvSpPr>
-          <p:cNvPr id="6" name="Content Placeholder 5"/>
-          <p:cNvSpPr>
-            <a:spLocks noGrp="1"/>
-          </p:cNvSpPr>
-          <p:nvPr>
-            <p:ph sz="quarter" idx="4"/>
+          <p:cNvPr id="5" name="Text Placeholder 4"/>
+          <p:cNvSpPr>
+            <a:spLocks noGrp="1"/>
+          </p:cNvSpPr>
+          <p:nvPr>
+            <p:ph type="body" sz="quarter" idx="3"/>
           </p:nvPr>
         </p:nvSpPr>
         <p:spPr>
           <a:xfrm>
-            <a:off x="6338316" y="3143250"/>
-            <a:ext cx="4253484" cy="2596776"/>
+            <a:off x="6172200" y="1681163"/>
+            <a:ext cx="5183188" cy="823912"/>
           </a:xfrm>
         </p:spPr>
         <p:txBody>
-          <a:bodyPr/>
+          <a:bodyPr anchor="b"/>
           <a:lstStyle>
-            <a:lvl5pPr>
-              <a:defRPr/>
-            </a:lvl5pPr>
-          </a:lstStyle>
-          <a:p>
-            <a:pPr lvl="0"/>
-            <a:r>
-              <a:rPr lang="en-US"/>
-              <a:t>Click to edit Master text styles</a:t>
-            </a:r>
-          </a:p>
-          <a:p>
-            <a:pPr lvl="1"/>
-            <a:r>
-              <a:rPr lang="en-US"/>
-              <a:t>Second level</a:t>
-            </a:r>
-          </a:p>
-          <a:p>
-            <a:pPr lvl="2"/>
-            <a:r>
-              <a:rPr lang="en-US"/>
-              <a:t>Third level</a:t>
-            </a:r>
-          </a:p>
-          <a:p>
-            <a:pPr lvl="3"/>
-            <a:r>
-              <a:rPr lang="en-US"/>
-              <a:t>Fourth level</a:t>
-            </a:r>
-          </a:p>
-          <a:p>
-            <a:pPr lvl="4"/>
-            <a:r>
-              <a:rPr lang="en-US"/>
-              <a:t>Fifth level</a:t>
-            </a:r>
-            <a:endParaRPr lang="en-US" dirty="0"/>
-          </a:p>
-        </p:txBody>
-      </p:sp>
-      <p:sp>
-        <p:nvSpPr>
-          <p:cNvPr id="11" name="Text Placeholder 4"/>
-          <p:cNvSpPr>
-            <a:spLocks noGrp="1"/>
-          </p:cNvSpPr>
-          <p:nvPr>
-            <p:ph type="body" sz="quarter" idx="13"/>
-          </p:nvPr>
-        </p:nvSpPr>
-        <p:spPr>
-          <a:xfrm>
-            <a:off x="6338316" y="2313433"/>
-            <a:ext cx="4270248" cy="704087"/>
-          </a:xfrm>
-        </p:spPr>
-        <p:txBody>
-          <a:bodyPr anchor="b" anchorCtr="1">
-            <a:normAutofit/>
-          </a:bodyPr>
-          <a:lstStyle>
-            <a:lvl1pPr marL="0" indent="0" algn="ctr">
+            <a:lvl1pPr marL="0" indent="0">
               <a:buNone/>
-              <a:defRPr sz="1900" b="0" cap="all" spc="100" baseline="0">
-                <a:solidFill>
-                  <a:schemeClr val="accent2">
-                    <a:lumMod val="75000"/>
-                  </a:schemeClr>
-                </a:solidFill>
-              </a:defRPr>
+              <a:defRPr sz="2400" b="1"/>
             </a:lvl1pPr>
             <a:lvl2pPr marL="457200" indent="0">
               <a:buNone/>
-              <a:defRPr sz="1900" b="1"/>
+              <a:defRPr sz="2000" b="1"/>
             </a:lvl2pPr>
             <a:lvl3pPr marL="914400" indent="0">
               <a:buNone/>
@@ -3523,6 +3556,63 @@
       </p:sp>
       <p:sp>
         <p:nvSpPr>
+          <p:cNvPr id="6" name="Content Placeholder 5"/>
+          <p:cNvSpPr>
+            <a:spLocks noGrp="1"/>
+          </p:cNvSpPr>
+          <p:nvPr>
+            <p:ph sz="quarter" idx="4"/>
+          </p:nvPr>
+        </p:nvSpPr>
+        <p:spPr>
+          <a:xfrm>
+            <a:off x="6172200" y="2505075"/>
+            <a:ext cx="5183188" cy="3684588"/>
+          </a:xfrm>
+        </p:spPr>
+        <p:txBody>
+          <a:bodyPr/>
+          <a:lstStyle/>
+          <a:p>
+            <a:pPr lvl="0"/>
+            <a:r>
+              <a:rPr lang="en-US"/>
+              <a:t>Click to edit Master text styles</a:t>
+            </a:r>
+          </a:p>
+          <a:p>
+            <a:pPr lvl="1"/>
+            <a:r>
+              <a:rPr lang="en-US"/>
+              <a:t>Second level</a:t>
+            </a:r>
+          </a:p>
+          <a:p>
+            <a:pPr lvl="2"/>
+            <a:r>
+              <a:rPr lang="en-US"/>
+              <a:t>Third level</a:t>
+            </a:r>
+          </a:p>
+          <a:p>
+            <a:pPr lvl="3"/>
+            <a:r>
+              <a:rPr lang="en-US"/>
+              <a:t>Fourth level</a:t>
+            </a:r>
+          </a:p>
+          <a:p>
+            <a:pPr lvl="4"/>
+            <a:r>
+              <a:rPr lang="en-US"/>
+              <a:t>Fifth level</a:t>
+            </a:r>
+            <a:endParaRPr lang="en-US" dirty="0"/>
+          </a:p>
+        </p:txBody>
+      </p:sp>
+      <p:sp>
+        <p:nvSpPr>
           <p:cNvPr id="7" name="Date Placeholder 6"/>
           <p:cNvSpPr>
             <a:spLocks noGrp="1"/>
@@ -3588,33 +3678,10 @@
           </a:p>
         </p:txBody>
       </p:sp>
-      <p:sp>
-        <p:nvSpPr>
-          <p:cNvPr id="10" name="Title 9"/>
-          <p:cNvSpPr>
-            <a:spLocks noGrp="1"/>
-          </p:cNvSpPr>
-          <p:nvPr>
-            <p:ph type="title"/>
-          </p:nvPr>
-        </p:nvSpPr>
-        <p:spPr/>
-        <p:txBody>
-          <a:bodyPr/>
-          <a:lstStyle/>
-          <a:p>
-            <a:r>
-              <a:rPr lang="en-US"/>
-              <a:t>Click to edit Master title style</a:t>
-            </a:r>
-            <a:endParaRPr lang="en-US" dirty="0"/>
-          </a:p>
-        </p:txBody>
-      </p:sp>
     </p:spTree>
     <p:extLst>
       <p:ext uri="{BB962C8B-B14F-4D97-AF65-F5344CB8AC3E}">
-        <p14:creationId xmlns:p14="http://schemas.microsoft.com/office/powerpoint/2010/main" val="3243289454"/>
+        <p14:creationId xmlns:p14="http://schemas.microsoft.com/office/powerpoint/2010/main" val="1793603192"/>
       </p:ext>
     </p:extLst>
   </p:cSld>
@@ -3732,7 +3799,7 @@
     </p:spTree>
     <p:extLst>
       <p:ext uri="{BB962C8B-B14F-4D97-AF65-F5344CB8AC3E}">
-        <p14:creationId xmlns:p14="http://schemas.microsoft.com/office/powerpoint/2010/main" val="3578394451"/>
+        <p14:creationId xmlns:p14="http://schemas.microsoft.com/office/powerpoint/2010/main" val="3060335999"/>
       </p:ext>
     </p:extLst>
   </p:cSld>
@@ -3827,7 +3894,7 @@
     </p:spTree>
     <p:extLst>
       <p:ext uri="{BB962C8B-B14F-4D97-AF65-F5344CB8AC3E}">
-        <p14:creationId xmlns:p14="http://schemas.microsoft.com/office/powerpoint/2010/main" val="2228432358"/>
+        <p14:creationId xmlns:p14="http://schemas.microsoft.com/office/powerpoint/2010/main" val="1092357816"/>
       </p:ext>
     </p:extLst>
   </p:cSld>
@@ -3856,77 +3923,25 @@
       </p:grpSpPr>
       <p:sp>
         <p:nvSpPr>
-          <p:cNvPr id="26" name="Rectangle 25"/>
-          <p:cNvSpPr/>
-          <p:nvPr/>
+          <p:cNvPr id="2" name="Title 1"/>
+          <p:cNvSpPr>
+            <a:spLocks noGrp="1"/>
+          </p:cNvSpPr>
+          <p:nvPr>
+            <p:ph type="title"/>
+          </p:nvPr>
         </p:nvSpPr>
         <p:spPr>
           <a:xfrm>
-            <a:off x="0" y="0"/>
-            <a:ext cx="6096000" cy="6858000"/>
+            <a:off x="839788" y="457200"/>
+            <a:ext cx="3932237" cy="1600200"/>
           </a:xfrm>
-          <a:prstGeom prst="rect">
-            <a:avLst/>
-          </a:prstGeom>
-          <a:solidFill>
-            <a:schemeClr val="accent2"/>
-          </a:solidFill>
-          <a:ln>
-            <a:noFill/>
-          </a:ln>
         </p:spPr>
-        <p:style>
-          <a:lnRef idx="2">
-            <a:schemeClr val="accent1">
-              <a:shade val="50000"/>
-            </a:schemeClr>
-          </a:lnRef>
-          <a:fillRef idx="1">
-            <a:schemeClr val="accent1"/>
-          </a:fillRef>
-          <a:effectRef idx="0">
-            <a:schemeClr val="accent1"/>
-          </a:effectRef>
-          <a:fontRef idx="minor">
-            <a:schemeClr val="lt1"/>
-          </a:fontRef>
-        </p:style>
-      </p:sp>
-      <p:sp>
-        <p:nvSpPr>
-          <p:cNvPr id="2" name="Title 1"/>
-          <p:cNvSpPr>
-            <a:spLocks noGrp="1"/>
-          </p:cNvSpPr>
-          <p:nvPr>
-            <p:ph type="title"/>
-          </p:nvPr>
-        </p:nvSpPr>
-        <p:spPr bwMode="blackWhite">
-          <a:xfrm>
-            <a:off x="804672" y="2243828"/>
-            <a:ext cx="4486656" cy="1141497"/>
-          </a:xfrm>
-          <a:solidFill>
-            <a:srgbClr val="FFFFFF"/>
-          </a:solidFill>
-          <a:ln>
-            <a:solidFill>
-              <a:srgbClr val="404040"/>
-            </a:solidFill>
-          </a:ln>
-        </p:spPr>
-        <p:txBody>
-          <a:bodyPr anchor="ctr" anchorCtr="1">
-            <a:normAutofit/>
-          </a:bodyPr>
+        <p:txBody>
+          <a:bodyPr anchor="b"/>
           <a:lstStyle>
             <a:lvl1pPr>
-              <a:defRPr sz="2200">
-                <a:solidFill>
-                  <a:srgbClr val="262626"/>
-                </a:solidFill>
-              </a:defRPr>
+              <a:defRPr sz="3200"/>
             </a:lvl1pPr>
           </a:lstStyle>
           <a:p>
@@ -3950,61 +3965,39 @@
         </p:nvSpPr>
         <p:spPr>
           <a:xfrm>
-            <a:off x="6736080" y="804672"/>
-            <a:ext cx="4815840" cy="5248656"/>
+            <a:off x="5183188" y="987425"/>
+            <a:ext cx="6172200" cy="4873625"/>
           </a:xfrm>
         </p:spPr>
         <p:txBody>
-          <a:bodyPr>
-            <a:normAutofit/>
-          </a:bodyPr>
+          <a:bodyPr/>
           <a:lstStyle>
             <a:lvl1pPr>
-              <a:defRPr sz="1900">
-                <a:solidFill>
-                  <a:schemeClr val="tx1"/>
-                </a:solidFill>
-              </a:defRPr>
+              <a:defRPr sz="3200"/>
             </a:lvl1pPr>
             <a:lvl2pPr>
-              <a:defRPr sz="1600">
-                <a:solidFill>
-                  <a:schemeClr val="tx1"/>
-                </a:solidFill>
-              </a:defRPr>
+              <a:defRPr sz="2800"/>
             </a:lvl2pPr>
             <a:lvl3pPr>
-              <a:defRPr sz="1600">
-                <a:solidFill>
-                  <a:schemeClr val="tx1"/>
-                </a:solidFill>
-              </a:defRPr>
+              <a:defRPr sz="2400"/>
             </a:lvl3pPr>
             <a:lvl4pPr>
-              <a:defRPr sz="1600">
-                <a:solidFill>
-                  <a:schemeClr val="tx1"/>
-                </a:solidFill>
-              </a:defRPr>
+              <a:defRPr sz="2000"/>
             </a:lvl4pPr>
             <a:lvl5pPr>
-              <a:defRPr sz="1600">
-                <a:solidFill>
-                  <a:schemeClr val="tx1"/>
-                </a:solidFill>
-              </a:defRPr>
+              <a:defRPr sz="2000"/>
             </a:lvl5pPr>
             <a:lvl6pPr>
-              <a:defRPr sz="1600"/>
+              <a:defRPr sz="2000"/>
             </a:lvl6pPr>
             <a:lvl7pPr>
-              <a:defRPr sz="1600"/>
+              <a:defRPr sz="2000"/>
             </a:lvl7pPr>
             <a:lvl8pPr>
-              <a:defRPr sz="1600"/>
+              <a:defRPr sz="2000"/>
             </a:lvl8pPr>
             <a:lvl9pPr>
-              <a:defRPr sz="1600"/>
+              <a:defRPr sz="2000"/>
             </a:lvl9pPr>
           </a:lstStyle>
           <a:p>
@@ -4057,22 +4050,16 @@
         </p:nvSpPr>
         <p:spPr>
           <a:xfrm>
-            <a:off x="1115568" y="3549918"/>
-            <a:ext cx="3794760" cy="2194036"/>
+            <a:off x="839788" y="2057400"/>
+            <a:ext cx="3932237" cy="3811588"/>
           </a:xfrm>
         </p:spPr>
         <p:txBody>
-          <a:bodyPr anchor="t" anchorCtr="1">
-            <a:normAutofit/>
-          </a:bodyPr>
+          <a:bodyPr/>
           <a:lstStyle>
-            <a:lvl1pPr marL="0" indent="0" algn="ctr">
+            <a:lvl1pPr marL="0" indent="0">
               <a:buNone/>
-              <a:defRPr sz="1500">
-                <a:solidFill>
-                  <a:srgbClr val="FFFFFF"/>
-                </a:solidFill>
-              </a:defRPr>
+              <a:defRPr sz="1600"/>
             </a:lvl1pPr>
             <a:lvl2pPr marL="457200" indent="0">
               <a:buNone/>
@@ -4118,7 +4105,7 @@
       </p:sp>
       <p:sp>
         <p:nvSpPr>
-          <p:cNvPr id="9" name="Date Placeholder 8"/>
+          <p:cNvPr id="5" name="Date Placeholder 4"/>
           <p:cNvSpPr>
             <a:spLocks noGrp="1"/>
           </p:cNvSpPr>
@@ -4141,7 +4128,7 @@
       </p:sp>
       <p:sp>
         <p:nvSpPr>
-          <p:cNvPr id="10" name="Footer Placeholder 9"/>
+          <p:cNvPr id="6" name="Footer Placeholder 5"/>
           <p:cNvSpPr>
             <a:spLocks noGrp="1"/>
           </p:cNvSpPr>
@@ -4149,25 +4136,10 @@
             <p:ph type="ftr" sz="quarter" idx="11"/>
           </p:nvPr>
         </p:nvSpPr>
-        <p:spPr>
-          <a:xfrm>
-            <a:off x="804672" y="6236208"/>
-            <a:ext cx="5124797" cy="320040"/>
-          </a:xfrm>
-        </p:spPr>
-        <p:txBody>
-          <a:bodyPr/>
-          <a:lstStyle>
-            <a:lvl1pPr>
-              <a:defRPr>
-                <a:solidFill>
-                  <a:srgbClr val="FFFFFF">
-                    <a:alpha val="70000"/>
-                  </a:srgbClr>
-                </a:solidFill>
-              </a:defRPr>
-            </a:lvl1pPr>
-          </a:lstStyle>
+        <p:spPr/>
+        <p:txBody>
+          <a:bodyPr/>
+          <a:lstStyle/>
           <a:p>
             <a:endParaRPr lang="en-US"/>
           </a:p>
@@ -4175,7 +4147,7 @@
       </p:sp>
       <p:sp>
         <p:nvSpPr>
-          <p:cNvPr id="11" name="Slide Number Placeholder 10"/>
+          <p:cNvPr id="7" name="Slide Number Placeholder 6"/>
           <p:cNvSpPr>
             <a:spLocks noGrp="1"/>
           </p:cNvSpPr>
@@ -4199,7 +4171,7 @@
     </p:spTree>
     <p:extLst>
       <p:ext uri="{BB962C8B-B14F-4D97-AF65-F5344CB8AC3E}">
-        <p14:creationId xmlns:p14="http://schemas.microsoft.com/office/powerpoint/2010/main" val="1554687827"/>
+        <p14:creationId xmlns:p14="http://schemas.microsoft.com/office/powerpoint/2010/main" val="787067761"/>
       </p:ext>
     </p:extLst>
   </p:cSld>
@@ -4228,77 +4200,25 @@
       </p:grpSpPr>
       <p:sp>
         <p:nvSpPr>
-          <p:cNvPr id="18" name="Rectangle 17"/>
-          <p:cNvSpPr/>
-          <p:nvPr/>
+          <p:cNvPr id="2" name="Title 1"/>
+          <p:cNvSpPr>
+            <a:spLocks noGrp="1"/>
+          </p:cNvSpPr>
+          <p:nvPr>
+            <p:ph type="title"/>
+          </p:nvPr>
         </p:nvSpPr>
         <p:spPr>
           <a:xfrm>
-            <a:off x="0" y="0"/>
-            <a:ext cx="6095999" cy="6858000"/>
+            <a:off x="839788" y="457200"/>
+            <a:ext cx="3932237" cy="1600200"/>
           </a:xfrm>
-          <a:prstGeom prst="rect">
-            <a:avLst/>
-          </a:prstGeom>
-          <a:solidFill>
-            <a:schemeClr val="accent2"/>
-          </a:solidFill>
-          <a:ln>
-            <a:noFill/>
-          </a:ln>
         </p:spPr>
-        <p:style>
-          <a:lnRef idx="2">
-            <a:schemeClr val="accent1">
-              <a:shade val="50000"/>
-            </a:schemeClr>
-          </a:lnRef>
-          <a:fillRef idx="1">
-            <a:schemeClr val="accent1"/>
-          </a:fillRef>
-          <a:effectRef idx="0">
-            <a:schemeClr val="accent1"/>
-          </a:effectRef>
-          <a:fontRef idx="minor">
-            <a:schemeClr val="lt1"/>
-          </a:fontRef>
-        </p:style>
-      </p:sp>
-      <p:sp>
-        <p:nvSpPr>
-          <p:cNvPr id="2" name="Title 1"/>
-          <p:cNvSpPr>
-            <a:spLocks noGrp="1"/>
-          </p:cNvSpPr>
-          <p:nvPr>
-            <p:ph type="title"/>
-          </p:nvPr>
-        </p:nvSpPr>
-        <p:spPr bwMode="blackWhite">
-          <a:xfrm>
-            <a:off x="808523" y="2243828"/>
-            <a:ext cx="4494998" cy="1134640"/>
-          </a:xfrm>
-          <a:solidFill>
-            <a:srgbClr val="FFFFFF"/>
-          </a:solidFill>
-          <a:ln>
-            <a:solidFill>
-              <a:srgbClr val="404040"/>
-            </a:solidFill>
-          </a:ln>
-        </p:spPr>
-        <p:txBody>
-          <a:bodyPr anchor="ctr" anchorCtr="1">
-            <a:noAutofit/>
-          </a:bodyPr>
+        <p:txBody>
+          <a:bodyPr anchor="b"/>
           <a:lstStyle>
             <a:lvl1pPr>
-              <a:defRPr sz="2200">
-                <a:solidFill>
-                  <a:srgbClr val="262626"/>
-                </a:solidFill>
-              </a:defRPr>
+              <a:defRPr sz="3200"/>
             </a:lvl1pPr>
           </a:lstStyle>
           <a:p>
@@ -4322,28 +4242,16 @@
         </p:nvSpPr>
         <p:spPr>
           <a:xfrm>
-            <a:off x="6095999" y="0"/>
-            <a:ext cx="6102097" cy="6858000"/>
+            <a:off x="5183188" y="987425"/>
+            <a:ext cx="6172200" cy="4873625"/>
           </a:xfrm>
-          <a:solidFill>
-            <a:schemeClr val="bg1">
-              <a:lumMod val="75000"/>
-            </a:schemeClr>
-          </a:solidFill>
         </p:spPr>
         <p:txBody>
           <a:bodyPr anchor="t"/>
           <a:lstStyle>
             <a:lvl1pPr marL="0" indent="0">
               <a:buNone/>
-              <a:defRPr sz="3200">
-                <a:solidFill>
-                  <a:schemeClr val="bg1">
-                    <a:lumMod val="85000"/>
-                    <a:lumOff val="15000"/>
-                  </a:schemeClr>
-                </a:solidFill>
-              </a:defRPr>
+              <a:defRPr sz="3200"/>
             </a:lvl1pPr>
             <a:lvl2pPr marL="457200" indent="0">
               <a:buNone/>
@@ -4399,22 +4307,16 @@
         </p:nvSpPr>
         <p:spPr>
           <a:xfrm>
-            <a:off x="1115568" y="3549918"/>
-            <a:ext cx="3794760" cy="2194037"/>
+            <a:off x="839788" y="2057400"/>
+            <a:ext cx="3932237" cy="3811588"/>
           </a:xfrm>
         </p:spPr>
         <p:txBody>
-          <a:bodyPr anchor="t" anchorCtr="1">
-            <a:normAutofit/>
-          </a:bodyPr>
+          <a:bodyPr/>
           <a:lstStyle>
-            <a:lvl1pPr marL="0" indent="0" algn="ctr">
+            <a:lvl1pPr marL="0" indent="0">
               <a:buNone/>
-              <a:defRPr sz="1500">
-                <a:solidFill>
-                  <a:srgbClr val="FFFFFF"/>
-                </a:solidFill>
-              </a:defRPr>
+              <a:defRPr sz="1600"/>
             </a:lvl1pPr>
             <a:lvl2pPr marL="457200" indent="0">
               <a:buNone/>
@@ -4460,7 +4362,7 @@
       </p:sp>
       <p:sp>
         <p:nvSpPr>
-          <p:cNvPr id="8" name="Date Placeholder 7"/>
+          <p:cNvPr id="5" name="Date Placeholder 4"/>
           <p:cNvSpPr>
             <a:spLocks noGrp="1"/>
           </p:cNvSpPr>
@@ -4471,22 +4373,7 @@
         <p:spPr/>
         <p:txBody>
           <a:bodyPr/>
-          <a:lstStyle>
-            <a:lvl1pPr>
-              <a:defRPr>
-                <a:solidFill>
-                  <a:srgbClr val="FFFFFF"/>
-                </a:solidFill>
-                <a:effectLst>
-                  <a:outerShdw blurRad="50800" dist="38100" dir="2700000" algn="tl" rotWithShape="0">
-                    <a:prstClr val="black">
-                      <a:alpha val="43000"/>
-                    </a:prstClr>
-                  </a:outerShdw>
-                </a:effectLst>
-              </a:defRPr>
-            </a:lvl1pPr>
-          </a:lstStyle>
+          <a:lstStyle/>
           <a:p>
             <a:fld id="{B6D41BCC-AD73-4203-A5A6-E62EB28B0FE6}" type="datetimeFigureOut">
               <a:rPr lang="en-US" smtClean="0"/>
@@ -4498,7 +4385,7 @@
       </p:sp>
       <p:sp>
         <p:nvSpPr>
-          <p:cNvPr id="9" name="Footer Placeholder 8"/>
+          <p:cNvPr id="6" name="Footer Placeholder 5"/>
           <p:cNvSpPr>
             <a:spLocks noGrp="1"/>
           </p:cNvSpPr>
@@ -4506,33 +4393,18 @@
             <p:ph type="ftr" sz="quarter" idx="11"/>
           </p:nvPr>
         </p:nvSpPr>
-        <p:spPr>
-          <a:xfrm>
-            <a:off x="804672" y="6236208"/>
-            <a:ext cx="5124797" cy="320040"/>
-          </a:xfrm>
-        </p:spPr>
-        <p:txBody>
-          <a:bodyPr/>
-          <a:lstStyle>
-            <a:lvl1pPr>
-              <a:defRPr>
-                <a:solidFill>
-                  <a:srgbClr val="FFFFFF">
-                    <a:alpha val="70000"/>
-                  </a:srgbClr>
-                </a:solidFill>
-              </a:defRPr>
-            </a:lvl1pPr>
-          </a:lstStyle>
-          <a:p>
-            <a:endParaRPr lang="en-US" dirty="0"/>
-          </a:p>
-        </p:txBody>
-      </p:sp>
-      <p:sp>
-        <p:nvSpPr>
-          <p:cNvPr id="10" name="Slide Number Placeholder 9"/>
+        <p:spPr/>
+        <p:txBody>
+          <a:bodyPr/>
+          <a:lstStyle/>
+          <a:p>
+            <a:endParaRPr lang="en-US"/>
+          </a:p>
+        </p:txBody>
+      </p:sp>
+      <p:sp>
+        <p:nvSpPr>
+          <p:cNvPr id="7" name="Slide Number Placeholder 6"/>
           <p:cNvSpPr>
             <a:spLocks noGrp="1"/>
           </p:cNvSpPr>
@@ -4556,7 +4428,7 @@
     </p:spTree>
     <p:extLst>
       <p:ext uri="{BB962C8B-B14F-4D97-AF65-F5344CB8AC3E}">
-        <p14:creationId xmlns:p14="http://schemas.microsoft.com/office/powerpoint/2010/main" val="4040227273"/>
+        <p14:creationId xmlns:p14="http://schemas.microsoft.com/office/powerpoint/2010/main" val="1939062424"/>
       </p:ext>
     </p:extLst>
   </p:cSld>
@@ -4570,14 +4442,9 @@
 <p:sldMaster xmlns:a="http://schemas.openxmlformats.org/drawingml/2006/main" xmlns:r="http://schemas.openxmlformats.org/officeDocument/2006/relationships" xmlns:p="http://schemas.openxmlformats.org/presentationml/2006/main">
   <p:cSld>
     <p:bg>
-      <p:bgPr>
-        <a:solidFill>
-          <a:schemeClr val="bg1">
-            <a:lumMod val="95000"/>
-          </a:schemeClr>
-        </a:solidFill>
-        <a:effectLst/>
-      </p:bgPr>
+      <p:bgRef idx="1001">
+        <a:schemeClr val="bg1"/>
+      </p:bgRef>
     </p:bg>
     <p:spTree>
       <p:nvGrpSpPr>
@@ -4603,95 +4470,24 @@
             <p:ph type="title"/>
           </p:nvPr>
         </p:nvSpPr>
-        <p:spPr bwMode="black">
-          <a:xfrm>
-            <a:off x="2231136" y="964692"/>
-            <a:ext cx="7729728" cy="1188720"/>
-          </a:xfrm>
-          <a:prstGeom prst="rect">
-            <a:avLst/>
-          </a:prstGeom>
-          <a:solidFill>
-            <a:srgbClr val="FFFFFF"/>
-          </a:solidFill>
-          <a:ln w="31750" cap="sq">
-            <a:solidFill>
-              <a:srgbClr val="404040"/>
-            </a:solidFill>
-            <a:miter lim="800000"/>
-          </a:ln>
-        </p:spPr>
-        <p:txBody>
-          <a:bodyPr vert="horz" lIns="182880" tIns="182880" rIns="182880" bIns="182880" rtlCol="0" anchor="ctr">
-            <a:normAutofit/>
-          </a:bodyPr>
-          <a:lstStyle/>
-          <a:p>
-            <a:r>
-              <a:rPr lang="en-US"/>
-              <a:t>Click to edit Master title style</a:t>
-            </a:r>
-            <a:endParaRPr lang="en-US" dirty="0"/>
-          </a:p>
-        </p:txBody>
-      </p:sp>
-      <p:sp>
-        <p:nvSpPr>
-          <p:cNvPr id="3" name="Text Placeholder 2"/>
-          <p:cNvSpPr>
-            <a:spLocks noGrp="1"/>
-          </p:cNvSpPr>
-          <p:nvPr>
-            <p:ph type="body" idx="1"/>
-          </p:nvPr>
-        </p:nvSpPr>
         <p:spPr>
           <a:xfrm>
-            <a:off x="2231136" y="2638044"/>
-            <a:ext cx="7729728" cy="3101983"/>
+            <a:off x="838200" y="365125"/>
+            <a:ext cx="10515600" cy="1325563"/>
           </a:xfrm>
           <a:prstGeom prst="rect">
             <a:avLst/>
           </a:prstGeom>
         </p:spPr>
         <p:txBody>
-          <a:bodyPr vert="horz" lIns="91440" tIns="45720" rIns="91440" bIns="45720" rtlCol="0">
+          <a:bodyPr vert="horz" lIns="91440" tIns="45720" rIns="91440" bIns="45720" rtlCol="0" anchor="ctr">
             <a:normAutofit/>
           </a:bodyPr>
           <a:lstStyle/>
           <a:p>
-            <a:pPr lvl="0"/>
             <a:r>
               <a:rPr lang="en-US"/>
-              <a:t>Click to edit Master text styles</a:t>
-            </a:r>
-          </a:p>
-          <a:p>
-            <a:pPr lvl="1"/>
-            <a:r>
-              <a:rPr lang="en-US"/>
-              <a:t>Second level</a:t>
-            </a:r>
-          </a:p>
-          <a:p>
-            <a:pPr lvl="2"/>
-            <a:r>
-              <a:rPr lang="en-US"/>
-              <a:t>Third level</a:t>
-            </a:r>
-          </a:p>
-          <a:p>
-            <a:pPr lvl="3"/>
-            <a:r>
-              <a:rPr lang="en-US"/>
-              <a:t>Fourth level</a:t>
-            </a:r>
-          </a:p>
-          <a:p>
-            <a:pPr lvl="4"/>
-            <a:r>
-              <a:rPr lang="en-US"/>
-              <a:t>Fifth level</a:t>
+              <a:t>Click to edit Master title style</a:t>
             </a:r>
             <a:endParaRPr lang="en-US" dirty="0"/>
           </a:p>
@@ -4699,31 +4495,93 @@
       </p:sp>
       <p:sp>
         <p:nvSpPr>
-          <p:cNvPr id="4" name="Date Placeholder 3"/>
-          <p:cNvSpPr>
-            <a:spLocks noGrp="1"/>
-          </p:cNvSpPr>
-          <p:nvPr>
-            <p:ph type="dt" sz="half" idx="2"/>
+          <p:cNvPr id="3" name="Text Placeholder 2"/>
+          <p:cNvSpPr>
+            <a:spLocks noGrp="1"/>
+          </p:cNvSpPr>
+          <p:nvPr>
+            <p:ph type="body" idx="1"/>
           </p:nvPr>
         </p:nvSpPr>
         <p:spPr>
           <a:xfrm>
-            <a:off x="7821429" y="6238816"/>
-            <a:ext cx="2753746" cy="323968"/>
+            <a:off x="838200" y="1825625"/>
+            <a:ext cx="10515600" cy="4351338"/>
           </a:xfrm>
           <a:prstGeom prst="rect">
             <a:avLst/>
           </a:prstGeom>
         </p:spPr>
         <p:txBody>
+          <a:bodyPr vert="horz" lIns="91440" tIns="45720" rIns="91440" bIns="45720" rtlCol="0">
+            <a:normAutofit/>
+          </a:bodyPr>
+          <a:lstStyle/>
+          <a:p>
+            <a:pPr lvl="0"/>
+            <a:r>
+              <a:rPr lang="en-US"/>
+              <a:t>Click to edit Master text styles</a:t>
+            </a:r>
+          </a:p>
+          <a:p>
+            <a:pPr lvl="1"/>
+            <a:r>
+              <a:rPr lang="en-US"/>
+              <a:t>Second level</a:t>
+            </a:r>
+          </a:p>
+          <a:p>
+            <a:pPr lvl="2"/>
+            <a:r>
+              <a:rPr lang="en-US"/>
+              <a:t>Third level</a:t>
+            </a:r>
+          </a:p>
+          <a:p>
+            <a:pPr lvl="3"/>
+            <a:r>
+              <a:rPr lang="en-US"/>
+              <a:t>Fourth level</a:t>
+            </a:r>
+          </a:p>
+          <a:p>
+            <a:pPr lvl="4"/>
+            <a:r>
+              <a:rPr lang="en-US"/>
+              <a:t>Fifth level</a:t>
+            </a:r>
+            <a:endParaRPr lang="en-US" dirty="0"/>
+          </a:p>
+        </p:txBody>
+      </p:sp>
+      <p:sp>
+        <p:nvSpPr>
+          <p:cNvPr id="4" name="Date Placeholder 3"/>
+          <p:cNvSpPr>
+            <a:spLocks noGrp="1"/>
+          </p:cNvSpPr>
+          <p:nvPr>
+            <p:ph type="dt" sz="half" idx="2"/>
+          </p:nvPr>
+        </p:nvSpPr>
+        <p:spPr>
+          <a:xfrm>
+            <a:off x="838200" y="6356350"/>
+            <a:ext cx="2743200" cy="365125"/>
+          </a:xfrm>
+          <a:prstGeom prst="rect">
+            <a:avLst/>
+          </a:prstGeom>
+        </p:spPr>
+        <p:txBody>
           <a:bodyPr vert="horz" lIns="91440" tIns="45720" rIns="91440" bIns="45720" rtlCol="0" anchor="ctr"/>
           <a:lstStyle>
-            <a:lvl1pPr algn="r">
-              <a:defRPr sz="1050">
+            <a:lvl1pPr algn="l">
+              <a:defRPr sz="1200">
                 <a:solidFill>
                   <a:schemeClr val="tx1">
-                    <a:alpha val="70000"/>
+                    <a:shade val="82000"/>
                   </a:schemeClr>
                 </a:solidFill>
               </a:defRPr>
@@ -4751,8 +4609,8 @@
         </p:nvSpPr>
         <p:spPr>
           <a:xfrm>
-            <a:off x="1600200" y="6236208"/>
-            <a:ext cx="5901189" cy="320040"/>
+            <a:off x="4038600" y="6356350"/>
+            <a:ext cx="4114800" cy="365125"/>
           </a:xfrm>
           <a:prstGeom prst="rect">
             <a:avLst/>
@@ -4761,11 +4619,11 @@
         <p:txBody>
           <a:bodyPr vert="horz" lIns="91440" tIns="45720" rIns="91440" bIns="45720" rtlCol="0" anchor="ctr"/>
           <a:lstStyle>
-            <a:lvl1pPr algn="l">
-              <a:defRPr sz="1050">
+            <a:lvl1pPr algn="ctr">
+              <a:defRPr sz="1200">
                 <a:solidFill>
                   <a:schemeClr val="tx1">
-                    <a:alpha val="70000"/>
+                    <a:shade val="82000"/>
                   </a:schemeClr>
                 </a:solidFill>
               </a:defRPr>
@@ -4788,27 +4646,22 @@
         </p:nvSpPr>
         <p:spPr>
           <a:xfrm>
-            <a:off x="10758922" y="6217920"/>
-            <a:ext cx="365760" cy="365760"/>
+            <a:off x="8610600" y="6356350"/>
+            <a:ext cx="2743200" cy="365125"/>
           </a:xfrm>
-          <a:prstGeom prst="ellipse">
+          <a:prstGeom prst="rect">
             <a:avLst/>
           </a:prstGeom>
-          <a:solidFill>
-            <a:srgbClr val="1D1D1D">
-              <a:alpha val="70000"/>
-            </a:srgbClr>
-          </a:solidFill>
         </p:spPr>
         <p:txBody>
-          <a:bodyPr vert="horz" lIns="18288" tIns="45720" rIns="18288" bIns="45720" rtlCol="0" anchor="ctr">
-            <a:noAutofit/>
-          </a:bodyPr>
+          <a:bodyPr vert="horz" lIns="91440" tIns="45720" rIns="91440" bIns="45720" rtlCol="0" anchor="ctr"/>
           <a:lstStyle>
-            <a:lvl1pPr algn="ctr">
-              <a:defRPr sz="1100" spc="0" baseline="0">
-                <a:solidFill>
-                  <a:srgbClr val="FFFFFF"/>
+            <a:lvl1pPr algn="r">
+              <a:defRPr sz="1200">
+                <a:solidFill>
+                  <a:schemeClr val="tx1">
+                    <a:shade val="82000"/>
+                  </a:schemeClr>
                 </a:solidFill>
               </a:defRPr>
             </a:lvl1pPr>
@@ -4826,27 +4679,27 @@
     </p:spTree>
     <p:extLst>
       <p:ext uri="{BB962C8B-B14F-4D97-AF65-F5344CB8AC3E}">
-        <p14:creationId xmlns:p14="http://schemas.microsoft.com/office/powerpoint/2010/main" val="806762596"/>
+        <p14:creationId xmlns:p14="http://schemas.microsoft.com/office/powerpoint/2010/main" val="3643700224"/>
       </p:ext>
     </p:extLst>
   </p:cSld>
-  <p:clrMap bg1="lt1" tx1="dk1" bg2="lt2" tx2="dk2" accent1="accent1" accent2="accent2" accent3="accent3" accent4="accent4" accent5="accent5" accent6="accent6" hlink="hlink" folHlink="folHlink"/>
+  <p:clrMap bg1="dk1" tx1="lt1" bg2="dk2" tx2="lt2" accent1="accent1" accent2="accent2" accent3="accent3" accent4="accent4" accent5="accent5" accent6="accent6" hlink="hlink" folHlink="folHlink"/>
   <p:sldLayoutIdLst>
-    <p:sldLayoutId id="2147483939" r:id="rId1"/>
-    <p:sldLayoutId id="2147483940" r:id="rId2"/>
-    <p:sldLayoutId id="2147483941" r:id="rId3"/>
-    <p:sldLayoutId id="2147483942" r:id="rId4"/>
-    <p:sldLayoutId id="2147483943" r:id="rId5"/>
-    <p:sldLayoutId id="2147483944" r:id="rId6"/>
-    <p:sldLayoutId id="2147483945" r:id="rId7"/>
-    <p:sldLayoutId id="2147483946" r:id="rId8"/>
-    <p:sldLayoutId id="2147483947" r:id="rId9"/>
-    <p:sldLayoutId id="2147483948" r:id="rId10"/>
-    <p:sldLayoutId id="2147483949" r:id="rId11"/>
+    <p:sldLayoutId id="2147484083" r:id="rId1"/>
+    <p:sldLayoutId id="2147484084" r:id="rId2"/>
+    <p:sldLayoutId id="2147484085" r:id="rId3"/>
+    <p:sldLayoutId id="2147484086" r:id="rId4"/>
+    <p:sldLayoutId id="2147484087" r:id="rId5"/>
+    <p:sldLayoutId id="2147484088" r:id="rId6"/>
+    <p:sldLayoutId id="2147484089" r:id="rId7"/>
+    <p:sldLayoutId id="2147484090" r:id="rId8"/>
+    <p:sldLayoutId id="2147484091" r:id="rId9"/>
+    <p:sldLayoutId id="2147484092" r:id="rId10"/>
+    <p:sldLayoutId id="2147484093" r:id="rId11"/>
   </p:sldLayoutIdLst>
   <p:txStyles>
     <p:titleStyle>
-      <a:lvl1pPr algn="ctr" defTabSz="914400" rtl="0" eaLnBrk="1" latinLnBrk="0" hangingPunct="1">
+      <a:lvl1pPr algn="l" defTabSz="914400" rtl="0" eaLnBrk="1" latinLnBrk="0" hangingPunct="1">
         <a:lnSpc>
           <a:spcPct val="90000"/>
         </a:lnSpc>
@@ -4854,9 +4707,9 @@
           <a:spcPct val="0"/>
         </a:spcBef>
         <a:buNone/>
-        <a:defRPr sz="2800" kern="1200" cap="all" spc="200" baseline="0">
+        <a:defRPr sz="4400" kern="1200">
           <a:solidFill>
-            <a:srgbClr val="262626"/>
+            <a:schemeClr val="tx1"/>
           </a:solidFill>
           <a:latin typeface="+mj-lt"/>
           <a:ea typeface="+mj-ea"/>
@@ -4867,137 +4720,104 @@
     <p:bodyStyle>
       <a:lvl1pPr marL="228600" indent="-228600" algn="l" defTabSz="914400" rtl="0" eaLnBrk="1" latinLnBrk="0" hangingPunct="1">
         <a:lnSpc>
-          <a:spcPct val="100000"/>
+          <a:spcPct val="90000"/>
         </a:lnSpc>
         <a:spcBef>
           <a:spcPts val="1000"/>
         </a:spcBef>
-        <a:buClr>
-          <a:schemeClr val="accent2"/>
-        </a:buClr>
         <a:buFont typeface="Arial" panose="020B0604020202020204" pitchFamily="34" charset="0"/>
         <a:buChar char="•"/>
-        <a:defRPr sz="1800" kern="1200">
+        <a:defRPr sz="2800" kern="1200">
           <a:solidFill>
-            <a:schemeClr val="tx1">
-              <a:lumMod val="85000"/>
-              <a:lumOff val="15000"/>
-            </a:schemeClr>
+            <a:schemeClr val="tx1"/>
           </a:solidFill>
           <a:latin typeface="+mn-lt"/>
           <a:ea typeface="+mn-ea"/>
           <a:cs typeface="+mn-cs"/>
         </a:defRPr>
       </a:lvl1pPr>
-      <a:lvl2pPr marL="457200" indent="-228600" algn="l" defTabSz="914400" rtl="0" eaLnBrk="1" latinLnBrk="0" hangingPunct="1">
+      <a:lvl2pPr marL="685800" indent="-228600" algn="l" defTabSz="914400" rtl="0" eaLnBrk="1" latinLnBrk="0" hangingPunct="1">
         <a:lnSpc>
-          <a:spcPct val="100000"/>
+          <a:spcPct val="90000"/>
         </a:lnSpc>
         <a:spcBef>
-          <a:spcPts val="1000"/>
+          <a:spcPts val="500"/>
         </a:spcBef>
-        <a:buClr>
-          <a:schemeClr val="accent2"/>
-        </a:buClr>
         <a:buFont typeface="Arial" panose="020B0604020202020204" pitchFamily="34" charset="0"/>
         <a:buChar char="•"/>
-        <a:defRPr sz="1600" kern="1200">
+        <a:defRPr sz="2400" kern="1200">
           <a:solidFill>
-            <a:schemeClr val="tx1">
-              <a:lumMod val="85000"/>
-              <a:lumOff val="15000"/>
-            </a:schemeClr>
+            <a:schemeClr val="tx1"/>
           </a:solidFill>
           <a:latin typeface="+mn-lt"/>
           <a:ea typeface="+mn-ea"/>
           <a:cs typeface="+mn-cs"/>
         </a:defRPr>
       </a:lvl2pPr>
-      <a:lvl3pPr marL="685800" indent="-228600" algn="l" defTabSz="914400" rtl="0" eaLnBrk="1" latinLnBrk="0" hangingPunct="1">
+      <a:lvl3pPr marL="1143000" indent="-228600" algn="l" defTabSz="914400" rtl="0" eaLnBrk="1" latinLnBrk="0" hangingPunct="1">
         <a:lnSpc>
-          <a:spcPct val="100000"/>
+          <a:spcPct val="90000"/>
         </a:lnSpc>
         <a:spcBef>
-          <a:spcPts val="1000"/>
+          <a:spcPts val="500"/>
         </a:spcBef>
-        <a:buClr>
-          <a:schemeClr val="accent2"/>
-        </a:buClr>
         <a:buFont typeface="Arial" panose="020B0604020202020204" pitchFamily="34" charset="0"/>
         <a:buChar char="•"/>
-        <a:defRPr sz="1600" kern="1200">
+        <a:defRPr sz="2000" kern="1200">
           <a:solidFill>
-            <a:schemeClr val="tx1">
-              <a:lumMod val="85000"/>
-              <a:lumOff val="15000"/>
-            </a:schemeClr>
+            <a:schemeClr val="tx1"/>
           </a:solidFill>
           <a:latin typeface="+mn-lt"/>
           <a:ea typeface="+mn-ea"/>
           <a:cs typeface="+mn-cs"/>
         </a:defRPr>
       </a:lvl3pPr>
-      <a:lvl4pPr marL="914400" indent="-228600" algn="l" defTabSz="914400" rtl="0" eaLnBrk="1" latinLnBrk="0" hangingPunct="1">
+      <a:lvl4pPr marL="1600200" indent="-228600" algn="l" defTabSz="914400" rtl="0" eaLnBrk="1" latinLnBrk="0" hangingPunct="1">
         <a:lnSpc>
-          <a:spcPct val="100000"/>
+          <a:spcPct val="90000"/>
         </a:lnSpc>
         <a:spcBef>
-          <a:spcPts val="1000"/>
+          <a:spcPts val="500"/>
         </a:spcBef>
-        <a:buClr>
-          <a:schemeClr val="accent2"/>
-        </a:buClr>
         <a:buFont typeface="Arial" panose="020B0604020202020204" pitchFamily="34" charset="0"/>
         <a:buChar char="•"/>
-        <a:defRPr sz="1600" kern="1200">
+        <a:defRPr sz="1800" kern="1200">
           <a:solidFill>
-            <a:schemeClr val="tx1">
-              <a:lumMod val="85000"/>
-              <a:lumOff val="15000"/>
-            </a:schemeClr>
+            <a:schemeClr val="tx1"/>
           </a:solidFill>
           <a:latin typeface="+mn-lt"/>
           <a:ea typeface="+mn-ea"/>
           <a:cs typeface="+mn-cs"/>
         </a:defRPr>
       </a:lvl4pPr>
-      <a:lvl5pPr marL="1143000" indent="-228600" algn="l" defTabSz="914400" rtl="0" eaLnBrk="1" latinLnBrk="0" hangingPunct="1">
+      <a:lvl5pPr marL="2057400" indent="-228600" algn="l" defTabSz="914400" rtl="0" eaLnBrk="1" latinLnBrk="0" hangingPunct="1">
         <a:lnSpc>
-          <a:spcPct val="100000"/>
+          <a:spcPct val="90000"/>
         </a:lnSpc>
         <a:spcBef>
-          <a:spcPts val="1000"/>
+          <a:spcPts val="500"/>
         </a:spcBef>
-        <a:buClr>
-          <a:schemeClr val="accent2"/>
-        </a:buClr>
         <a:buFont typeface="Arial" panose="020B0604020202020204" pitchFamily="34" charset="0"/>
         <a:buChar char="•"/>
-        <a:defRPr sz="1600" kern="1200">
+        <a:defRPr sz="1800" kern="1200">
           <a:solidFill>
-            <a:schemeClr val="tx1">
-              <a:lumMod val="85000"/>
-              <a:lumOff val="15000"/>
-            </a:schemeClr>
+            <a:schemeClr val="tx1"/>
           </a:solidFill>
           <a:latin typeface="+mn-lt"/>
           <a:ea typeface="+mn-ea"/>
           <a:cs typeface="+mn-cs"/>
         </a:defRPr>
       </a:lvl5pPr>
-      <a:lvl6pPr marL="1312863" indent="-228600" algn="l" defTabSz="914400" rtl="0" eaLnBrk="1" latinLnBrk="0" hangingPunct="1">
+      <a:lvl6pPr marL="2514600" indent="-228600" algn="l" defTabSz="914400" rtl="0" eaLnBrk="1" latinLnBrk="0" hangingPunct="1">
         <a:lnSpc>
-          <a:spcPct val="100000"/>
+          <a:spcPct val="90000"/>
         </a:lnSpc>
         <a:spcBef>
-          <a:spcPts val="1000"/>
+          <a:spcPts val="500"/>
         </a:spcBef>
-        <a:buClr>
-          <a:schemeClr val="accent2"/>
-        </a:buClr>
         <a:buFont typeface="Arial" panose="020B0604020202020204" pitchFamily="34" charset="0"/>
         <a:buChar char="•"/>
-        <a:defRPr sz="1600" kern="1200">
+        <a:defRPr sz="1800" kern="1200">
           <a:solidFill>
             <a:schemeClr val="tx1"/>
           </a:solidFill>
@@ -5006,19 +4826,16 @@
           <a:cs typeface="+mn-cs"/>
         </a:defRPr>
       </a:lvl6pPr>
-      <a:lvl7pPr marL="1484313" indent="-228600" algn="l" defTabSz="914400" rtl="0" eaLnBrk="1" latinLnBrk="0" hangingPunct="1">
+      <a:lvl7pPr marL="2971800" indent="-228600" algn="l" defTabSz="914400" rtl="0" eaLnBrk="1" latinLnBrk="0" hangingPunct="1">
         <a:lnSpc>
-          <a:spcPct val="100000"/>
+          <a:spcPct val="90000"/>
         </a:lnSpc>
         <a:spcBef>
-          <a:spcPts val="1000"/>
+          <a:spcPts val="500"/>
         </a:spcBef>
-        <a:buClr>
-          <a:schemeClr val="accent2"/>
-        </a:buClr>
         <a:buFont typeface="Arial" panose="020B0604020202020204" pitchFamily="34" charset="0"/>
         <a:buChar char="•"/>
-        <a:defRPr sz="1600" kern="1200">
+        <a:defRPr sz="1800" kern="1200">
           <a:solidFill>
             <a:schemeClr val="tx1"/>
           </a:solidFill>
@@ -5027,19 +4844,16 @@
           <a:cs typeface="+mn-cs"/>
         </a:defRPr>
       </a:lvl7pPr>
-      <a:lvl8pPr marL="1657350" indent="-228600" algn="l" defTabSz="914400" rtl="0" eaLnBrk="1" latinLnBrk="0" hangingPunct="1">
+      <a:lvl8pPr marL="3429000" indent="-228600" algn="l" defTabSz="914400" rtl="0" eaLnBrk="1" latinLnBrk="0" hangingPunct="1">
         <a:lnSpc>
-          <a:spcPct val="100000"/>
+          <a:spcPct val="90000"/>
         </a:lnSpc>
         <a:spcBef>
-          <a:spcPts val="1000"/>
+          <a:spcPts val="500"/>
         </a:spcBef>
-        <a:buClr>
-          <a:schemeClr val="accent2"/>
-        </a:buClr>
         <a:buFont typeface="Arial" panose="020B0604020202020204" pitchFamily="34" charset="0"/>
         <a:buChar char="•"/>
-        <a:defRPr sz="1600" kern="1200" baseline="0">
+        <a:defRPr sz="1800" kern="1200">
           <a:solidFill>
             <a:schemeClr val="tx1"/>
           </a:solidFill>
@@ -5048,19 +4862,16 @@
           <a:cs typeface="+mn-cs"/>
         </a:defRPr>
       </a:lvl8pPr>
-      <a:lvl9pPr marL="1882775" indent="-228600" algn="l" defTabSz="914400" rtl="0" eaLnBrk="1" latinLnBrk="0" hangingPunct="1">
+      <a:lvl9pPr marL="3886200" indent="-228600" algn="l" defTabSz="914400" rtl="0" eaLnBrk="1" latinLnBrk="0" hangingPunct="1">
         <a:lnSpc>
-          <a:spcPct val="100000"/>
+          <a:spcPct val="90000"/>
         </a:lnSpc>
         <a:spcBef>
-          <a:spcPts val="1000"/>
+          <a:spcPts val="500"/>
         </a:spcBef>
-        <a:buClr>
-          <a:schemeClr val="accent2"/>
-        </a:buClr>
         <a:buFont typeface="Arial" panose="020B0604020202020204" pitchFamily="34" charset="0"/>
         <a:buChar char="•"/>
-        <a:defRPr sz="1600" kern="1200" baseline="0">
+        <a:defRPr sz="1800" kern="1200">
           <a:solidFill>
             <a:schemeClr val="tx1"/>
           </a:solidFill>
@@ -5301,7 +5112,7 @@
                 <a:effectLst/>
                 <a:latin typeface="-apple-system"/>
               </a:rPr>
-              <a:t>By: Chanel “</a:t>
+              <a:t>By: Chanel</a:t>
             </a:r>
             <a:r>
               <a:rPr lang="en-US" sz="3600" dirty="0">
@@ -5310,7 +5121,7 @@
                 </a:solidFill>
                 <a:latin typeface="-apple-system"/>
               </a:rPr>
-              <a:t>CJ” </a:t>
+              <a:t> </a:t>
             </a:r>
             <a:r>
               <a:rPr lang="en-US" sz="3600" b="0" i="0" u="none" strike="noStrike" dirty="0">
@@ -5486,6 +5297,435 @@
 </p:sld>
 </file>
 
+<file path=ppt/slides/slide12.xml><?xml version="1.0" encoding="utf-8"?>
+<p:sld xmlns:a="http://schemas.openxmlformats.org/drawingml/2006/main" xmlns:r="http://schemas.openxmlformats.org/officeDocument/2006/relationships" xmlns:p="http://schemas.openxmlformats.org/presentationml/2006/main">
+  <p:cSld>
+    <p:spTree>
+      <p:nvGrpSpPr>
+        <p:cNvPr id="1" name=""/>
+        <p:cNvGrpSpPr/>
+        <p:nvPr/>
+      </p:nvGrpSpPr>
+      <p:grpSpPr>
+        <a:xfrm>
+          <a:off x="0" y="0"/>
+          <a:ext cx="0" cy="0"/>
+          <a:chOff x="0" y="0"/>
+          <a:chExt cx="0" cy="0"/>
+        </a:xfrm>
+      </p:grpSpPr>
+      <p:pic>
+        <p:nvPicPr>
+          <p:cNvPr id="1028" name="Picture 4" descr="Nuclear War Could End the World, but What if It's All in Our Heads? - The  New York Times">
+            <a:extLst>
+              <a:ext uri="{FF2B5EF4-FFF2-40B4-BE49-F238E27FC236}">
+                <a16:creationId xmlns:a16="http://schemas.microsoft.com/office/drawing/2014/main" id="{63D37B65-87C9-AF8B-EFB1-20C74D4857BA}"/>
+              </a:ext>
+            </a:extLst>
+          </p:cNvPr>
+          <p:cNvPicPr>
+            <a:picLocks noChangeAspect="1" noChangeArrowheads="1"/>
+          </p:cNvPicPr>
+          <p:nvPr/>
+        </p:nvPicPr>
+        <p:blipFill>
+          <a:blip r:embed="rId3">
+            <a:extLst>
+              <a:ext uri="{28A0092B-C50C-407E-A947-70E740481C1C}">
+                <a14:useLocalDpi xmlns:a14="http://schemas.microsoft.com/office/drawing/2010/main" val="0"/>
+              </a:ext>
+            </a:extLst>
+          </a:blip>
+          <a:stretch>
+            <a:fillRect/>
+          </a:stretch>
+        </p:blipFill>
+        <p:spPr bwMode="auto">
+          <a:xfrm>
+            <a:off x="503768" y="771677"/>
+            <a:ext cx="4639732" cy="4845352"/>
+          </a:xfrm>
+          <a:prstGeom prst="rect">
+            <a:avLst/>
+          </a:prstGeom>
+          <a:noFill/>
+          <a:extLst>
+            <a:ext uri="{909E8E84-426E-40DD-AFC4-6F175D3DCCD1}">
+              <a14:hiddenFill xmlns:a14="http://schemas.microsoft.com/office/drawing/2010/main">
+                <a:solidFill>
+                  <a:srgbClr val="FFFFFF"/>
+                </a:solidFill>
+              </a14:hiddenFill>
+            </a:ext>
+          </a:extLst>
+        </p:spPr>
+      </p:pic>
+      <p:sp>
+        <p:nvSpPr>
+          <p:cNvPr id="5" name="TextBox 4">
+            <a:extLst>
+              <a:ext uri="{FF2B5EF4-FFF2-40B4-BE49-F238E27FC236}">
+                <a16:creationId xmlns:a16="http://schemas.microsoft.com/office/drawing/2014/main" id="{2A8E9F27-11D8-F7C4-A5CF-129C56302AC8}"/>
+              </a:ext>
+            </a:extLst>
+          </p:cNvPr>
+          <p:cNvSpPr txBox="1"/>
+          <p:nvPr/>
+        </p:nvSpPr>
+        <p:spPr>
+          <a:xfrm>
+            <a:off x="5056415" y="748577"/>
+            <a:ext cx="7135585" cy="830997"/>
+          </a:xfrm>
+          <a:prstGeom prst="rect">
+            <a:avLst/>
+          </a:prstGeom>
+          <a:noFill/>
+        </p:spPr>
+        <p:txBody>
+          <a:bodyPr wrap="square" rtlCol="0">
+            <a:spAutoFit/>
+          </a:bodyPr>
+          <a:lstStyle/>
+          <a:p>
+            <a:pPr algn="ctr"/>
+            <a:r>
+              <a:rPr lang="en-US" sz="2400" b="0" i="0" u="none" strike="noStrike" dirty="0">
+                <a:solidFill>
+                  <a:srgbClr val="D8D8D8"/>
+                </a:solidFill>
+                <a:effectLst/>
+                <a:latin typeface="-apple-system"/>
+              </a:rPr>
+              <a:t>Git Hub Link: https://</a:t>
+            </a:r>
+            <a:r>
+              <a:rPr lang="en-US" sz="2400" b="0" i="0" u="none" strike="noStrike" dirty="0" err="1">
+                <a:solidFill>
+                  <a:srgbClr val="D8D8D8"/>
+                </a:solidFill>
+                <a:effectLst/>
+                <a:latin typeface="-apple-system"/>
+              </a:rPr>
+              <a:t>github.com</a:t>
+            </a:r>
+            <a:r>
+              <a:rPr lang="en-US" sz="2400" b="0" i="0" u="none" strike="noStrike" dirty="0">
+                <a:solidFill>
+                  <a:srgbClr val="D8D8D8"/>
+                </a:solidFill>
+                <a:effectLst/>
+                <a:latin typeface="-apple-system"/>
+              </a:rPr>
+              <a:t>/</a:t>
+            </a:r>
+            <a:r>
+              <a:rPr lang="en-US" sz="2400" b="0" i="0" u="none" strike="noStrike" dirty="0" err="1">
+                <a:solidFill>
+                  <a:srgbClr val="D8D8D8"/>
+                </a:solidFill>
+                <a:effectLst/>
+                <a:latin typeface="-apple-system"/>
+              </a:rPr>
+              <a:t>Blackbullbjj</a:t>
+            </a:r>
+            <a:r>
+              <a:rPr lang="en-US" sz="2400" b="0" i="0" u="none" strike="noStrike" dirty="0">
+                <a:solidFill>
+                  <a:srgbClr val="D8D8D8"/>
+                </a:solidFill>
+                <a:effectLst/>
+                <a:latin typeface="-apple-system"/>
+              </a:rPr>
+              <a:t>/</a:t>
+            </a:r>
+            <a:r>
+              <a:rPr lang="en-US" sz="2400" b="0" i="0" u="none" strike="noStrike" dirty="0" err="1">
+                <a:solidFill>
+                  <a:srgbClr val="D8D8D8"/>
+                </a:solidFill>
+                <a:effectLst/>
+                <a:latin typeface="-apple-system"/>
+              </a:rPr>
+              <a:t>eco_v_nukes</a:t>
+            </a:r>
+            <a:endParaRPr lang="en-US" sz="2400" b="0" i="0" u="none" strike="noStrike" dirty="0">
+              <a:solidFill>
+                <a:srgbClr val="D8D8D8"/>
+              </a:solidFill>
+              <a:effectLst/>
+              <a:latin typeface="-apple-system"/>
+            </a:endParaRPr>
+          </a:p>
+        </p:txBody>
+      </p:sp>
+      <p:sp>
+        <p:nvSpPr>
+          <p:cNvPr id="3" name="TextBox 2">
+            <a:extLst>
+              <a:ext uri="{FF2B5EF4-FFF2-40B4-BE49-F238E27FC236}">
+                <a16:creationId xmlns:a16="http://schemas.microsoft.com/office/drawing/2014/main" id="{A4BE766B-C637-0A30-4101-D10CA4D87E71}"/>
+              </a:ext>
+            </a:extLst>
+          </p:cNvPr>
+          <p:cNvSpPr txBox="1"/>
+          <p:nvPr/>
+        </p:nvSpPr>
+        <p:spPr>
+          <a:xfrm>
+            <a:off x="1983241" y="5936413"/>
+            <a:ext cx="8225518" cy="954107"/>
+          </a:xfrm>
+          <a:prstGeom prst="rect">
+            <a:avLst/>
+          </a:prstGeom>
+          <a:noFill/>
+        </p:spPr>
+        <p:txBody>
+          <a:bodyPr wrap="square" rtlCol="0">
+            <a:spAutoFit/>
+          </a:bodyPr>
+          <a:lstStyle/>
+          <a:p>
+            <a:pPr algn="ctr"/>
+            <a:r>
+              <a:rPr lang="en-US" sz="2800" dirty="0"/>
+              <a:t>Data Analysis Completed By:  Chanel Jones</a:t>
+            </a:r>
+          </a:p>
+          <a:p>
+            <a:pPr algn="ctr"/>
+            <a:r>
+              <a:rPr lang="en-US" sz="2800" dirty="0"/>
+              <a:t>chanel.jones.3@us.af.mil</a:t>
+            </a:r>
+          </a:p>
+        </p:txBody>
+      </p:sp>
+      <p:sp>
+        <p:nvSpPr>
+          <p:cNvPr id="4" name="TextBox 3">
+            <a:extLst>
+              <a:ext uri="{FF2B5EF4-FFF2-40B4-BE49-F238E27FC236}">
+                <a16:creationId xmlns:a16="http://schemas.microsoft.com/office/drawing/2014/main" id="{5240AE14-0F0F-6E0B-DB72-A62198F6FE8C}"/>
+              </a:ext>
+            </a:extLst>
+          </p:cNvPr>
+          <p:cNvSpPr txBox="1"/>
+          <p:nvPr/>
+        </p:nvSpPr>
+        <p:spPr>
+          <a:xfrm>
+            <a:off x="6125935" y="1622114"/>
+            <a:ext cx="4996543" cy="2585323"/>
+          </a:xfrm>
+          <a:prstGeom prst="rect">
+            <a:avLst/>
+          </a:prstGeom>
+          <a:noFill/>
+        </p:spPr>
+        <p:txBody>
+          <a:bodyPr wrap="square" rtlCol="0">
+            <a:spAutoFit/>
+          </a:bodyPr>
+          <a:lstStyle/>
+          <a:p>
+            <a:pPr algn="ctr"/>
+            <a:r>
+              <a:rPr lang="en-US" sz="2400" u="sng" dirty="0">
+                <a:solidFill>
+                  <a:srgbClr val="D8D8D8"/>
+                </a:solidFill>
+                <a:latin typeface="-apple-system"/>
+              </a:rPr>
+              <a:t>Tools Used: </a:t>
+            </a:r>
+          </a:p>
+          <a:p>
+            <a:pPr algn="ctr"/>
+            <a:r>
+              <a:rPr lang="en-US" sz="2000" dirty="0"/>
+              <a:t>1. Pandas</a:t>
+            </a:r>
+          </a:p>
+          <a:p>
+            <a:pPr algn="ctr"/>
+            <a:r>
+              <a:rPr lang="en-US" sz="2000" dirty="0"/>
+              <a:t>2. NumPy</a:t>
+            </a:r>
+          </a:p>
+          <a:p>
+            <a:pPr algn="ctr"/>
+            <a:r>
+              <a:rPr lang="en-US" sz="2000" dirty="0"/>
+              <a:t>3. Matplotlib</a:t>
+            </a:r>
+          </a:p>
+          <a:p>
+            <a:pPr algn="ctr"/>
+            <a:r>
+              <a:rPr lang="en-US" sz="2000" dirty="0"/>
+              <a:t>4. </a:t>
+            </a:r>
+            <a:r>
+              <a:rPr lang="en-US" sz="2000" dirty="0" err="1"/>
+              <a:t>Scipy</a:t>
+            </a:r>
+            <a:endParaRPr lang="en-US" sz="2000" dirty="0"/>
+          </a:p>
+          <a:p>
+            <a:pPr algn="ctr"/>
+            <a:r>
+              <a:rPr lang="en-US" sz="2000" dirty="0"/>
+              <a:t>5. Scikit-Learn</a:t>
+            </a:r>
+          </a:p>
+          <a:p>
+            <a:pPr algn="ctr"/>
+            <a:r>
+              <a:rPr lang="en-US" sz="2000" dirty="0"/>
+              <a:t>6. </a:t>
+            </a:r>
+            <a:r>
+              <a:rPr lang="en-US" sz="2000" dirty="0" err="1"/>
+              <a:t>Plotly</a:t>
+            </a:r>
+            <a:endParaRPr lang="en-US" sz="2000" dirty="0"/>
+          </a:p>
+          <a:p>
+            <a:pPr algn="ctr"/>
+            <a:endParaRPr lang="en-US" dirty="0"/>
+          </a:p>
+        </p:txBody>
+      </p:sp>
+      <p:sp>
+        <p:nvSpPr>
+          <p:cNvPr id="7" name="TextBox 6">
+            <a:extLst>
+              <a:ext uri="{FF2B5EF4-FFF2-40B4-BE49-F238E27FC236}">
+                <a16:creationId xmlns:a16="http://schemas.microsoft.com/office/drawing/2014/main" id="{70D41F90-86A0-419A-75C9-5A986D176DD6}"/>
+              </a:ext>
+            </a:extLst>
+          </p:cNvPr>
+          <p:cNvSpPr txBox="1"/>
+          <p:nvPr/>
+        </p:nvSpPr>
+        <p:spPr>
+          <a:xfrm>
+            <a:off x="6169478" y="3837729"/>
+            <a:ext cx="4996543" cy="1938992"/>
+          </a:xfrm>
+          <a:prstGeom prst="rect">
+            <a:avLst/>
+          </a:prstGeom>
+          <a:noFill/>
+        </p:spPr>
+        <p:txBody>
+          <a:bodyPr wrap="square" rtlCol="0">
+            <a:spAutoFit/>
+          </a:bodyPr>
+          <a:lstStyle/>
+          <a:p>
+            <a:pPr algn="ctr"/>
+            <a:r>
+              <a:rPr lang="en-US" sz="2400" b="0" i="0" u="sng" strike="noStrike" dirty="0">
+                <a:solidFill>
+                  <a:srgbClr val="D8D8D8"/>
+                </a:solidFill>
+                <a:effectLst/>
+                <a:latin typeface="-apple-system"/>
+              </a:rPr>
+              <a:t>Resources</a:t>
+            </a:r>
+            <a:endParaRPr lang="en-US" sz="2400" b="0" i="0" u="none" strike="noStrike" dirty="0">
+              <a:solidFill>
+                <a:srgbClr val="D8D8D8"/>
+              </a:solidFill>
+              <a:effectLst/>
+              <a:latin typeface="-apple-system"/>
+            </a:endParaRPr>
+          </a:p>
+          <a:p>
+            <a:pPr algn="ctr">
+              <a:buFont typeface="+mj-lt"/>
+              <a:buAutoNum type="arabicPeriod"/>
+            </a:pPr>
+            <a:r>
+              <a:rPr lang="en-US" sz="2400" b="0" i="0" u="none" strike="noStrike" dirty="0">
+                <a:solidFill>
+                  <a:srgbClr val="D8D8D8"/>
+                </a:solidFill>
+                <a:effectLst/>
+                <a:latin typeface="-apple-system"/>
+              </a:rPr>
+              <a:t>Global </a:t>
+            </a:r>
+            <a:r>
+              <a:rPr lang="en-US" sz="2000" b="0" i="0" u="none" strike="noStrike" dirty="0">
+                <a:solidFill>
+                  <a:srgbClr val="D8D8D8"/>
+                </a:solidFill>
+                <a:effectLst/>
+                <a:latin typeface="-apple-system"/>
+              </a:rPr>
+              <a:t>Economy</a:t>
+            </a:r>
+            <a:endParaRPr lang="en-US" sz="2400" b="0" i="0" u="none" strike="noStrike" dirty="0">
+              <a:solidFill>
+                <a:srgbClr val="D8D8D8"/>
+              </a:solidFill>
+              <a:effectLst/>
+              <a:latin typeface="-apple-system"/>
+            </a:endParaRPr>
+          </a:p>
+          <a:p>
+            <a:pPr algn="ctr">
+              <a:buFont typeface="+mj-lt"/>
+              <a:buAutoNum type="arabicPeriod"/>
+            </a:pPr>
+            <a:r>
+              <a:rPr lang="en-US" sz="2400" b="0" i="0" u="none" strike="noStrike" dirty="0">
+                <a:solidFill>
+                  <a:srgbClr val="D8D8D8"/>
+                </a:solidFill>
+                <a:effectLst/>
+                <a:latin typeface="-apple-system"/>
+              </a:rPr>
+              <a:t>SIPRI (Stockholm International Peace Research Institute)</a:t>
+            </a:r>
+          </a:p>
+          <a:p>
+            <a:pPr algn="ctr">
+              <a:buFont typeface="+mj-lt"/>
+              <a:buAutoNum type="arabicPeriod"/>
+            </a:pPr>
+            <a:r>
+              <a:rPr lang="en-US" sz="2400" b="0" i="0" u="none" strike="noStrike" dirty="0">
+                <a:solidFill>
+                  <a:srgbClr val="D8D8D8"/>
+                </a:solidFill>
+                <a:effectLst/>
+                <a:latin typeface="-apple-system"/>
+              </a:rPr>
+              <a:t>Nuclear Threat Initiative.</a:t>
+            </a:r>
+          </a:p>
+        </p:txBody>
+      </p:sp>
+    </p:spTree>
+    <p:extLst>
+      <p:ext uri="{BB962C8B-B14F-4D97-AF65-F5344CB8AC3E}">
+        <p14:creationId xmlns:p14="http://schemas.microsoft.com/office/powerpoint/2010/main" val="4171902466"/>
+      </p:ext>
+    </p:extLst>
+  </p:cSld>
+  <p:clrMapOvr>
+    <a:masterClrMapping/>
+  </p:clrMapOvr>
+</p:sld>
+</file>
+
 <file path=ppt/slides/slide2.xml><?xml version="1.0" encoding="utf-8"?>
 <p:sld xmlns:a="http://schemas.openxmlformats.org/drawingml/2006/main" xmlns:r="http://schemas.openxmlformats.org/officeDocument/2006/relationships" xmlns:p="http://schemas.openxmlformats.org/presentationml/2006/main">
   <p:cSld>
@@ -5513,75 +5753,6 @@
           <a:chExt cx="0" cy="0"/>
         </a:xfrm>
       </p:grpSpPr>
-      <p:sp>
-        <p:nvSpPr>
-          <p:cNvPr id="9" name="Rectangle 8">
-            <a:extLst>
-              <a:ext uri="{FF2B5EF4-FFF2-40B4-BE49-F238E27FC236}">
-                <a16:creationId xmlns:a16="http://schemas.microsoft.com/office/drawing/2014/main" id="{65041AB2-A9B4-4D3F-B120-38E7860A8F1A}"/>
-              </a:ext>
-              <a:ext uri="{C183D7F6-B498-43B3-948B-1728B52AA6E4}">
-                <adec:decorative xmlns:adec="http://schemas.microsoft.com/office/drawing/2017/decorative" val="1"/>
-              </a:ext>
-            </a:extLst>
-          </p:cNvPr>
-          <p:cNvSpPr>
-            <a:spLocks noGrp="1" noRot="1" noChangeAspect="1" noMove="1" noResize="1" noEditPoints="1" noAdjustHandles="1" noChangeArrowheads="1" noChangeShapeType="1" noTextEdit="1"/>
-          </p:cNvSpPr>
-          <p:nvPr>
-            <p:extLst>
-              <p:ext uri="{386F3935-93C4-4BCD-93E2-E3B085C9AB24}">
-                <p16:designElem xmlns:p16="http://schemas.microsoft.com/office/powerpoint/2015/main" val="1"/>
-              </p:ext>
-            </p:extLst>
-          </p:nvPr>
-        </p:nvSpPr>
-        <p:spPr>
-          <a:xfrm>
-            <a:off x="804334" y="804334"/>
-            <a:ext cx="10583332" cy="5249332"/>
-          </a:xfrm>
-          <a:prstGeom prst="rect">
-            <a:avLst/>
-          </a:prstGeom>
-          <a:solidFill>
-            <a:srgbClr val="FFFFFF"/>
-          </a:solidFill>
-          <a:ln w="19050" cap="sq">
-            <a:solidFill>
-              <a:schemeClr val="tx1">
-                <a:lumMod val="75000"/>
-                <a:lumOff val="25000"/>
-              </a:schemeClr>
-            </a:solidFill>
-            <a:miter lim="800000"/>
-          </a:ln>
-        </p:spPr>
-        <p:style>
-          <a:lnRef idx="2">
-            <a:schemeClr val="accent1">
-              <a:shade val="50000"/>
-            </a:schemeClr>
-          </a:lnRef>
-          <a:fillRef idx="1">
-            <a:schemeClr val="accent1"/>
-          </a:fillRef>
-          <a:effectRef idx="0">
-            <a:schemeClr val="accent1"/>
-          </a:effectRef>
-          <a:fontRef idx="minor">
-            <a:schemeClr val="lt1"/>
-          </a:fontRef>
-        </p:style>
-        <p:txBody>
-          <a:bodyPr rtlCol="0" anchor="ctr"/>
-          <a:lstStyle/>
-          <a:p>
-            <a:pPr algn="ctr"/>
-            <a:endParaRPr lang="en-US"/>
-          </a:p>
-        </p:txBody>
-      </p:sp>
       <p:pic>
         <p:nvPicPr>
           <p:cNvPr id="20" name="Content Placeholder 19" descr="A graph with numbers and text&#10;&#10;Description automatically generated with medium confidence">
@@ -6068,58 +6239,108 @@
 </file>
 
 <file path=ppt/theme/theme1.xml><?xml version="1.0" encoding="utf-8"?>
-<a:theme xmlns:a="http://schemas.openxmlformats.org/drawingml/2006/main" name="Parcel">
+<a:theme xmlns:a="http://schemas.openxmlformats.org/drawingml/2006/main" name="Office Theme">
   <a:themeElements>
-    <a:clrScheme name="Parcel">
+    <a:clrScheme name="Office Theme">
       <a:dk1>
-        <a:srgbClr val="000000"/>
+        <a:sysClr val="windowText" lastClr="000000"/>
       </a:dk1>
       <a:lt1>
-        <a:srgbClr val="FFFFFF"/>
+        <a:sysClr val="window" lastClr="FFFFFF"/>
       </a:lt1>
       <a:dk2>
-        <a:srgbClr val="4A5356"/>
+        <a:srgbClr val="0E2841"/>
       </a:dk2>
       <a:lt2>
-        <a:srgbClr val="E8E3CE"/>
+        <a:srgbClr val="E8E8E8"/>
       </a:lt2>
       <a:accent1>
-        <a:srgbClr val="F6A21D"/>
+        <a:srgbClr val="156082"/>
       </a:accent1>
       <a:accent2>
-        <a:srgbClr val="9BAFB5"/>
+        <a:srgbClr val="E97132"/>
       </a:accent2>
       <a:accent3>
-        <a:srgbClr val="C96731"/>
+        <a:srgbClr val="196B24"/>
       </a:accent3>
       <a:accent4>
-        <a:srgbClr val="9CA383"/>
+        <a:srgbClr val="0F9ED5"/>
       </a:accent4>
       <a:accent5>
-        <a:srgbClr val="87795D"/>
+        <a:srgbClr val="A02B93"/>
       </a:accent5>
       <a:accent6>
-        <a:srgbClr val="A0988C"/>
+        <a:srgbClr val="4EA72E"/>
       </a:accent6>
       <a:hlink>
-        <a:srgbClr val="00B0F0"/>
+        <a:srgbClr val="538D9D"/>
       </a:hlink>
       <a:folHlink>
-        <a:srgbClr val="738F97"/>
+        <a:srgbClr val="A5738E"/>
       </a:folHlink>
     </a:clrScheme>
-    <a:fontScheme name="Parcel">
+    <a:fontScheme name="Office Theme">
       <a:majorFont>
-        <a:latin typeface="Gill Sans MT" panose="020B0502020104020203"/>
+        <a:latin typeface="Aptos Display" panose="02110004020202020204"/>
         <a:ea typeface=""/>
         <a:cs typeface=""/>
-        <a:font script="Grek" typeface="Corbel"/>
-        <a:font script="Cyrl" typeface="Corbel"/>
-        <a:font script="Jpan" typeface="HGｺﾞｼｯｸE"/>
-        <a:font script="Hang" typeface="휴먼매직체"/>
-        <a:font script="Hans" typeface="华文中宋"/>
-        <a:font script="Hant" typeface="微軟正黑體"/>
-        <a:font script="Arab" typeface="Majalla UI"/>
+        <a:font script="Jpan" typeface="游ゴシック Light"/>
+        <a:font script="Hang" typeface="맑은 고딕"/>
+        <a:font script="Hans" typeface="等线 Light"/>
+        <a:font script="Hant" typeface="新細明體"/>
+        <a:font script="Arab" typeface="Times New Roman"/>
+        <a:font script="Hebr" typeface="Times New Roman"/>
+        <a:font script="Thai" typeface="Angsana New"/>
+        <a:font script="Ethi" typeface="Nyala"/>
+        <a:font script="Beng" typeface="Vrinda"/>
+        <a:font script="Gujr" typeface="Shruti"/>
+        <a:font script="Khmr" typeface="MoolBoran"/>
+        <a:font script="Knda" typeface="Tunga"/>
+        <a:font script="Guru" typeface="Raavi"/>
+        <a:font script="Cans" typeface="Euphemia"/>
+        <a:font script="Cher" typeface="Plantagenet Cherokee"/>
+        <a:font script="Yiii" typeface="Microsoft Yi Baiti"/>
+        <a:font script="Tibt" typeface="Microsoft Himalaya"/>
+        <a:font script="Thaa" typeface="MV Boli"/>
+        <a:font script="Deva" typeface="Mangal"/>
+        <a:font script="Telu" typeface="Gautami"/>
+        <a:font script="Taml" typeface="Latha"/>
+        <a:font script="Syrc" typeface="Estrangelo Edessa"/>
+        <a:font script="Orya" typeface="Kalinga"/>
+        <a:font script="Mlym" typeface="Kartika"/>
+        <a:font script="Laoo" typeface="DokChampa"/>
+        <a:font script="Sinh" typeface="Iskoola Pota"/>
+        <a:font script="Mong" typeface="Mongolian Baiti"/>
+        <a:font script="Viet" typeface="Times New Roman"/>
+        <a:font script="Uigh" typeface="Microsoft Uighur"/>
+        <a:font script="Geor" typeface="Sylfaen"/>
+        <a:font script="Armn" typeface="Arial"/>
+        <a:font script="Bugi" typeface="Leelawadee UI"/>
+        <a:font script="Bopo" typeface="Microsoft JhengHei"/>
+        <a:font script="Java" typeface="Javanese Text"/>
+        <a:font script="Lisu" typeface="Segoe UI"/>
+        <a:font script="Mymr" typeface="Myanmar Text"/>
+        <a:font script="Nkoo" typeface="Ebrima"/>
+        <a:font script="Olck" typeface="Nirmala UI"/>
+        <a:font script="Osma" typeface="Ebrima"/>
+        <a:font script="Phag" typeface="Phagspa"/>
+        <a:font script="Syrn" typeface="Estrangelo Edessa"/>
+        <a:font script="Syrj" typeface="Estrangelo Edessa"/>
+        <a:font script="Syre" typeface="Estrangelo Edessa"/>
+        <a:font script="Sora" typeface="Nirmala UI"/>
+        <a:font script="Tale" typeface="Microsoft Tai Le"/>
+        <a:font script="Talu" typeface="Microsoft New Tai Lue"/>
+        <a:font script="Tfng" typeface="Ebrima"/>
+      </a:majorFont>
+      <a:minorFont>
+        <a:latin typeface="Aptos" panose="02110004020202020204"/>
+        <a:ea typeface=""/>
+        <a:cs typeface=""/>
+        <a:font script="Jpan" typeface="游ゴシック"/>
+        <a:font script="Hang" typeface="맑은 고딕"/>
+        <a:font script="Hans" typeface="等线"/>
+        <a:font script="Hant" typeface="新細明體"/>
+        <a:font script="Arab" typeface="Arial"/>
         <a:font script="Hebr" typeface="Arial"/>
         <a:font script="Thai" typeface="Cordia New"/>
         <a:font script="Ethi" typeface="Nyala"/>
@@ -6142,49 +6363,29 @@
         <a:font script="Laoo" typeface="DokChampa"/>
         <a:font script="Sinh" typeface="Iskoola Pota"/>
         <a:font script="Mong" typeface="Mongolian Baiti"/>
-        <a:font script="Viet" typeface="Tahoma"/>
+        <a:font script="Viet" typeface="Arial"/>
         <a:font script="Uigh" typeface="Microsoft Uighur"/>
         <a:font script="Geor" typeface="Sylfaen"/>
-      </a:majorFont>
-      <a:minorFont>
-        <a:latin typeface="Gill Sans MT" panose="020B0502020104020203"/>
-        <a:ea typeface=""/>
-        <a:cs typeface=""/>
-        <a:font script="Grek" typeface="Corbel"/>
-        <a:font script="Cyrl" typeface="Corbel"/>
-        <a:font script="Jpan" typeface="HGｺﾞｼｯｸE"/>
-        <a:font script="Hang" typeface="휴먼매직체"/>
-        <a:font script="Hans" typeface="华文中宋"/>
-        <a:font script="Hant" typeface="微軟正黑體"/>
-        <a:font script="Arab" typeface="Majalla UI"/>
-        <a:font script="Hebr" typeface="Arial"/>
-        <a:font script="Thai" typeface="Cordia New"/>
-        <a:font script="Ethi" typeface="Nyala"/>
-        <a:font script="Beng" typeface="Vrinda"/>
-        <a:font script="Gujr" typeface="Shruti"/>
-        <a:font script="Khmr" typeface="DaunPenh"/>
-        <a:font script="Knda" typeface="Tunga"/>
-        <a:font script="Guru" typeface="Raavi"/>
-        <a:font script="Cans" typeface="Euphemia"/>
-        <a:font script="Cher" typeface="Plantagenet Cherokee"/>
-        <a:font script="Yiii" typeface="Microsoft Yi Baiti"/>
-        <a:font script="Tibt" typeface="Microsoft Himalaya"/>
-        <a:font script="Thaa" typeface="MV Boli"/>
-        <a:font script="Deva" typeface="Mangal"/>
-        <a:font script="Telu" typeface="Gautami"/>
-        <a:font script="Taml" typeface="Latha"/>
-        <a:font script="Syrc" typeface="Estrangelo Edessa"/>
-        <a:font script="Orya" typeface="Kalinga"/>
-        <a:font script="Mlym" typeface="Kartika"/>
-        <a:font script="Laoo" typeface="DokChampa"/>
-        <a:font script="Sinh" typeface="Iskoola Pota"/>
-        <a:font script="Mong" typeface="Mongolian Baiti"/>
-        <a:font script="Viet" typeface="Tahoma"/>
-        <a:font script="Uigh" typeface="Microsoft Uighur"/>
-        <a:font script="Geor" typeface="Sylfaen"/>
+        <a:font script="Armn" typeface="Arial"/>
+        <a:font script="Bugi" typeface="Leelawadee UI"/>
+        <a:font script="Bopo" typeface="Microsoft JhengHei"/>
+        <a:font script="Java" typeface="Javanese Text"/>
+        <a:font script="Lisu" typeface="Segoe UI"/>
+        <a:font script="Mymr" typeface="Myanmar Text"/>
+        <a:font script="Nkoo" typeface="Ebrima"/>
+        <a:font script="Olck" typeface="Nirmala UI"/>
+        <a:font script="Osma" typeface="Ebrima"/>
+        <a:font script="Phag" typeface="Phagspa"/>
+        <a:font script="Syrn" typeface="Estrangelo Edessa"/>
+        <a:font script="Syrj" typeface="Estrangelo Edessa"/>
+        <a:font script="Syre" typeface="Estrangelo Edessa"/>
+        <a:font script="Sora" typeface="Nirmala UI"/>
+        <a:font script="Tale" typeface="Microsoft Tai Le"/>
+        <a:font script="Talu" typeface="Microsoft New Tai Lue"/>
+        <a:font script="Tfng" typeface="Ebrima"/>
       </a:minorFont>
     </a:fontScheme>
-    <a:fmtScheme name="Parcel">
+    <a:fmtScheme name="Office Theme">
       <a:fillStyleLst>
         <a:solidFill>
           <a:schemeClr val="phClr"/>
@@ -6193,16 +6394,23 @@
           <a:gsLst>
             <a:gs pos="0">
               <a:schemeClr val="phClr">
-                <a:tint val="80000"/>
-                <a:satMod val="107000"/>
-                <a:lumMod val="103000"/>
+                <a:lumMod val="110000"/>
+                <a:satMod val="105000"/>
+                <a:tint val="67000"/>
+              </a:schemeClr>
+            </a:gs>
+            <a:gs pos="50000">
+              <a:schemeClr val="phClr">
+                <a:lumMod val="105000"/>
+                <a:satMod val="103000"/>
+                <a:tint val="73000"/>
               </a:schemeClr>
             </a:gs>
             <a:gs pos="100000">
               <a:schemeClr val="phClr">
-                <a:tint val="82000"/>
+                <a:lumMod val="105000"/>
                 <a:satMod val="109000"/>
-                <a:lumMod val="103000"/>
+                <a:tint val="81000"/>
               </a:schemeClr>
             </a:gs>
           </a:gsLst>
@@ -6212,23 +6420,23 @@
           <a:gsLst>
             <a:gs pos="0">
               <a:schemeClr val="phClr">
-                <a:tint val="97000"/>
-                <a:satMod val="100000"/>
+                <a:satMod val="103000"/>
                 <a:lumMod val="102000"/>
+                <a:tint val="94000"/>
               </a:schemeClr>
             </a:gs>
             <a:gs pos="50000">
               <a:schemeClr val="phClr">
+                <a:satMod val="110000"/>
+                <a:lumMod val="100000"/>
                 <a:shade val="100000"/>
-                <a:satMod val="103000"/>
-                <a:lumMod val="100000"/>
               </a:schemeClr>
             </a:gs>
             <a:gs pos="100000">
               <a:schemeClr val="phClr">
-                <a:shade val="93000"/>
-                <a:satMod val="110000"/>
                 <a:lumMod val="99000"/>
+                <a:satMod val="120000"/>
+                <a:shade val="78000"/>
               </a:schemeClr>
             </a:gs>
           </a:gsLst>
@@ -6236,23 +6444,26 @@
         </a:gradFill>
       </a:fillStyleLst>
       <a:lnStyleLst>
-        <a:ln w="6350" cap="flat" cmpd="sng" algn="ctr">
-          <a:solidFill>
-            <a:schemeClr val="phClr"/>
-          </a:solidFill>
-          <a:prstDash val="solid"/>
-        </a:ln>
         <a:ln w="12700" cap="flat" cmpd="sng" algn="ctr">
           <a:solidFill>
             <a:schemeClr val="phClr"/>
           </a:solidFill>
           <a:prstDash val="solid"/>
+          <a:miter lim="800000"/>
         </a:ln>
-        <a:ln w="31750" cap="flat" cmpd="sng" algn="ctr">
+        <a:ln w="19050" cap="flat" cmpd="sng" algn="ctr">
           <a:solidFill>
             <a:schemeClr val="phClr"/>
           </a:solidFill>
           <a:prstDash val="solid"/>
+          <a:miter lim="800000"/>
+        </a:ln>
+        <a:ln w="25400" cap="flat" cmpd="sng" algn="ctr">
+          <a:solidFill>
+            <a:schemeClr val="phClr"/>
+          </a:solidFill>
+          <a:prstDash val="solid"/>
+          <a:miter lim="800000"/>
         </a:ln>
       </a:lnStyleLst>
       <a:effectStyleLst>
@@ -6264,21 +6475,12 @@
         </a:effectStyle>
         <a:effectStyle>
           <a:effectLst>
-            <a:outerShdw blurRad="55880" dist="15240" dir="5400000" algn="ctr" rotWithShape="0">
+            <a:outerShdw blurRad="57150" dist="19050" dir="5400000" algn="ctr" rotWithShape="0">
               <a:srgbClr val="000000">
-                <a:alpha val="45000"/>
+                <a:alpha val="63000"/>
               </a:srgbClr>
             </a:outerShdw>
           </a:effectLst>
-          <a:scene3d>
-            <a:camera prst="orthographicFront">
-              <a:rot lat="0" lon="0" rev="0"/>
-            </a:camera>
-            <a:lightRig rig="brightRoom" dir="tl"/>
-          </a:scene3d>
-          <a:sp3d prstMaterial="dkEdge">
-            <a:bevelT w="0" h="0"/>
-          </a:sp3d>
         </a:effectStyle>
       </a:effectStyleLst>
       <a:bgFillStyleLst>
@@ -6295,33 +6497,57 @@
           <a:gsLst>
             <a:gs pos="0">
               <a:schemeClr val="phClr">
-                <a:tint val="97000"/>
-                <a:shade val="100000"/>
-                <a:satMod val="185000"/>
-                <a:lumMod val="120000"/>
+                <a:tint val="93000"/>
+                <a:satMod val="150000"/>
+                <a:shade val="98000"/>
+                <a:lumMod val="102000"/>
+              </a:schemeClr>
+            </a:gs>
+            <a:gs pos="50000">
+              <a:schemeClr val="phClr">
+                <a:tint val="98000"/>
+                <a:satMod val="130000"/>
+                <a:shade val="90000"/>
+                <a:lumMod val="103000"/>
               </a:schemeClr>
             </a:gs>
             <a:gs pos="100000">
               <a:schemeClr val="phClr">
-                <a:tint val="96000"/>
-                <a:shade val="95000"/>
-                <a:satMod val="215000"/>
-                <a:lumMod val="80000"/>
+                <a:shade val="63000"/>
+                <a:satMod val="120000"/>
               </a:schemeClr>
             </a:gs>
           </a:gsLst>
-          <a:path path="circle">
-            <a:fillToRect l="50000" t="55000" r="125000" b="100000"/>
-          </a:path>
+          <a:lin ang="5400000" scaled="0"/>
         </a:gradFill>
       </a:bgFillStyleLst>
     </a:fmtScheme>
   </a:themeElements>
-  <a:objectDefaults/>
+  <a:objectDefaults>
+    <a:lnDef>
+      <a:spPr/>
+      <a:bodyPr/>
+      <a:lstStyle/>
+      <a:style>
+        <a:lnRef idx="2">
+          <a:schemeClr val="accent1"/>
+        </a:lnRef>
+        <a:fillRef idx="0">
+          <a:schemeClr val="accent1"/>
+        </a:fillRef>
+        <a:effectRef idx="1">
+          <a:schemeClr val="accent1"/>
+        </a:effectRef>
+        <a:fontRef idx="minor">
+          <a:schemeClr val="tx1"/>
+        </a:fontRef>
+      </a:style>
+    </a:lnDef>
+  </a:objectDefaults>
   <a:extraClrSchemeLst/>
   <a:extLst>
     <a:ext uri="{05A4C25C-085E-4340-85A3-A5531E510DB2}">
-      <thm15:themeFamily xmlns:thm15="http://schemas.microsoft.com/office/thememl/2012/main" name="Parcel" id="{8BEC4385-4EB9-4D53-BFB5-0EA123736B6D}" vid="{4DB32801-28C0-48B0-8C1D-A9A58613615A}"/>
+      <thm15:themeFamily xmlns:thm15="http://schemas.microsoft.com/office/thememl/2012/main" name="Office Theme" id="{2E142A2C-CD16-42D6-873A-C26D2A0506FA}" vid="{3A418E6B-C5F0-4B95-8D77-61E3EF3B5DF5}"/>
     </a:ext>
   </a:extLst>
 </a:theme>

--- a/eco v nukes.pptx
+++ b/eco v nukes.pptx
@@ -118,6 +118,11 @@
       </a:defRPr>
     </a:lvl9pPr>
   </p:defaultTextStyle>
+  <p:extLst>
+    <p:ext uri="{EFAFB233-063F-42B5-8137-9DF3F51BA10A}">
+      <p15:sldGuideLst xmlns:p15="http://schemas.microsoft.com/office/powerpoint/2012/main"/>
+    </p:ext>
+  </p:extLst>
 </p:presentation>
 </file>
 
@@ -203,7 +208,7 @@
           <a:p>
             <a:fld id="{66CEA388-9760-F642-AB18-16F2F52EF7FA}" type="datetimeFigureOut">
               <a:rPr lang="en-US" smtClean="0"/>
-              <a:t>7/24/24</a:t>
+              <a:t>7/26/24</a:t>
             </a:fld>
             <a:endParaRPr lang="en-US"/>
           </a:p>
@@ -522,31 +527,7 @@
                 <a:effectLst/>
                 <a:latin typeface=".SF NS"/>
               </a:rPr>
-              <a:t>• Welcome everyone.</a:t>
-            </a:r>
-          </a:p>
-          <a:p>
-            <a:r>
-              <a:rPr lang="en-US" dirty="0">
-                <a:solidFill>
-                  <a:srgbClr val="0E0E0E"/>
-                </a:solidFill>
-                <a:effectLst/>
-                <a:latin typeface=".SF NS"/>
-              </a:rPr>
-              <a:t>• Today, we explore if nuclear weapons impact a country’s economic health and stability.</a:t>
-            </a:r>
-          </a:p>
-          <a:p>
-            <a:r>
-              <a:rPr lang="en-US" dirty="0">
-                <a:solidFill>
-                  <a:srgbClr val="0E0E0E"/>
-                </a:solidFill>
-                <a:effectLst/>
-                <a:latin typeface=".SF NS"/>
-              </a:rPr>
-              <a:t>• We’ll use economic and human development indicators for our analysis.</a:t>
+              <a:t>• Welcome, my name is Chanel Jones. Today, we explore if nuclear weapons impact a country’s economic health and stability. We’ll use economic and human development indicators for our analysis.</a:t>
             </a:r>
           </a:p>
           <a:p>
@@ -726,41 +707,6 @@
               <a:effectLst/>
               <a:latin typeface="-apple-system"/>
             </a:endParaRPr>
-          </a:p>
-          <a:p>
-            <a:pPr algn="l"/>
-            <a:r>
-              <a:rPr lang="en-US" b="1" i="0" u="sng" strike="noStrike" dirty="0">
-                <a:solidFill>
-                  <a:srgbClr val="86C1B9"/>
-                </a:solidFill>
-                <a:effectLst/>
-                <a:latin typeface="-apple-system"/>
-              </a:rPr>
-              <a:t>Simplified Version of the Hypothesis Question</a:t>
-            </a:r>
-            <a:br>
-              <a:rPr lang="en-US" b="0" i="0" u="none" strike="noStrike" dirty="0">
-                <a:solidFill>
-                  <a:srgbClr val="D8D8D8"/>
-                </a:solidFill>
-                <a:effectLst/>
-                <a:latin typeface="-apple-system"/>
-              </a:rPr>
-            </a:br>
-            <a:r>
-              <a:rPr lang="en-US" b="0" i="0" u="none" strike="noStrike" dirty="0">
-                <a:solidFill>
-                  <a:srgbClr val="D8D8D8"/>
-                </a:solidFill>
-                <a:effectLst/>
-                <a:latin typeface="-apple-system"/>
-              </a:rPr>
-              <a:t>Do more nukes make a country more stable and richer?</a:t>
-            </a:r>
-          </a:p>
-          <a:p>
-            <a:endParaRPr lang="en-US" dirty="0"/>
           </a:p>
         </p:txBody>
       </p:sp>
@@ -1273,14 +1219,14 @@
               <a:t>1. </a:t>
             </a:r>
             <a:r>
-              <a:rPr lang="en-US" b="1" dirty="0">
+              <a:rPr lang="en-US" b="0" dirty="0">
                 <a:solidFill>
                   <a:srgbClr val="0E0E0E"/>
                 </a:solidFill>
                 <a:effectLst/>
                 <a:latin typeface=".SF NS"/>
               </a:rPr>
-              <a:t>GDP per Capita is </a:t>
+              <a:t>GDP per Capita is the h</a:t>
             </a:r>
             <a:r>
               <a:rPr lang="en-US" dirty="0">
@@ -1290,7 +1236,7 @@
                 <a:effectLst/>
                 <a:latin typeface=".SF NS"/>
               </a:rPr>
-              <a:t>Highest in the USA, UK, France, Israel; lower in China, Russia, India, Pakistan, North Korea.</a:t>
+              <a:t>ighest in the USA, UK, France, Israel; lower in China, Russia, India, Pakistan, North Korea.</a:t>
             </a:r>
           </a:p>
           <a:p>
@@ -1317,7 +1263,17 @@
                 <a:effectLst/>
                 <a:latin typeface=".SF NS"/>
               </a:rPr>
-              <a:t>3. HDI Scores are </a:t>
+              <a:t>3. </a:t>
+            </a:r>
+            <a:r>
+              <a:rPr lang="en-US" b="0" dirty="0">
+                <a:solidFill>
+                  <a:srgbClr val="0E0E0E"/>
+                </a:solidFill>
+                <a:effectLst/>
+                <a:latin typeface=".SF NS"/>
+              </a:rPr>
+              <a:t>HDI Scores are </a:t>
             </a:r>
             <a:r>
               <a:rPr lang="en-US" dirty="0">
@@ -2263,7 +2219,7 @@
           <a:p>
             <a:fld id="{B6D41BCC-AD73-4203-A5A6-E62EB28B0FE6}" type="datetimeFigureOut">
               <a:rPr lang="en-US" smtClean="0"/>
-              <a:t>7/24/24</a:t>
+              <a:t>7/26/24</a:t>
             </a:fld>
             <a:endParaRPr lang="en-US"/>
           </a:p>
@@ -2433,7 +2389,7 @@
           <a:p>
             <a:fld id="{B6D41BCC-AD73-4203-A5A6-E62EB28B0FE6}" type="datetimeFigureOut">
               <a:rPr lang="en-US" smtClean="0"/>
-              <a:t>7/24/24</a:t>
+              <a:t>7/26/24</a:t>
             </a:fld>
             <a:endParaRPr lang="en-US"/>
           </a:p>
@@ -2613,7 +2569,7 @@
           <a:p>
             <a:fld id="{B6D41BCC-AD73-4203-A5A6-E62EB28B0FE6}" type="datetimeFigureOut">
               <a:rPr lang="en-US" smtClean="0"/>
-              <a:t>7/24/24</a:t>
+              <a:t>7/26/24</a:t>
             </a:fld>
             <a:endParaRPr lang="en-US"/>
           </a:p>
@@ -2783,7 +2739,7 @@
           <a:p>
             <a:fld id="{B6D41BCC-AD73-4203-A5A6-E62EB28B0FE6}" type="datetimeFigureOut">
               <a:rPr lang="en-US" smtClean="0"/>
-              <a:t>7/24/24</a:t>
+              <a:t>7/26/24</a:t>
             </a:fld>
             <a:endParaRPr lang="en-US"/>
           </a:p>
@@ -3029,7 +2985,7 @@
           <a:p>
             <a:fld id="{B6D41BCC-AD73-4203-A5A6-E62EB28B0FE6}" type="datetimeFigureOut">
               <a:rPr lang="en-US" smtClean="0"/>
-              <a:t>7/24/24</a:t>
+              <a:t>7/26/24</a:t>
             </a:fld>
             <a:endParaRPr lang="en-US"/>
           </a:p>
@@ -3261,7 +3217,7 @@
           <a:p>
             <a:fld id="{B6D41BCC-AD73-4203-A5A6-E62EB28B0FE6}" type="datetimeFigureOut">
               <a:rPr lang="en-US" smtClean="0"/>
-              <a:t>7/24/24</a:t>
+              <a:t>7/26/24</a:t>
             </a:fld>
             <a:endParaRPr lang="en-US"/>
           </a:p>
@@ -3629,7 +3585,7 @@
             <a:fld id="{B6D41BCC-AD73-4203-A5A6-E62EB28B0FE6}" type="datetimeFigureOut">
               <a:rPr lang="en-US" smtClean="0"/>
               <a:pPr/>
-              <a:t>7/24/24</a:t>
+              <a:t>7/26/24</a:t>
             </a:fld>
             <a:endParaRPr lang="en-US"/>
           </a:p>
@@ -3748,7 +3704,7 @@
           <a:p>
             <a:fld id="{B6D41BCC-AD73-4203-A5A6-E62EB28B0FE6}" type="datetimeFigureOut">
               <a:rPr lang="en-US" smtClean="0"/>
-              <a:t>7/24/24</a:t>
+              <a:t>7/26/24</a:t>
             </a:fld>
             <a:endParaRPr lang="en-US"/>
           </a:p>
@@ -3843,7 +3799,7 @@
           <a:p>
             <a:fld id="{B6D41BCC-AD73-4203-A5A6-E62EB28B0FE6}" type="datetimeFigureOut">
               <a:rPr lang="en-US" smtClean="0"/>
-              <a:t>7/24/24</a:t>
+              <a:t>7/26/24</a:t>
             </a:fld>
             <a:endParaRPr lang="en-US"/>
           </a:p>
@@ -4120,7 +4076,7 @@
           <a:p>
             <a:fld id="{B6D41BCC-AD73-4203-A5A6-E62EB28B0FE6}" type="datetimeFigureOut">
               <a:rPr lang="en-US" smtClean="0"/>
-              <a:t>7/24/24</a:t>
+              <a:t>7/26/24</a:t>
             </a:fld>
             <a:endParaRPr lang="en-US"/>
           </a:p>
@@ -4377,7 +4333,7 @@
           <a:p>
             <a:fld id="{B6D41BCC-AD73-4203-A5A6-E62EB28B0FE6}" type="datetimeFigureOut">
               <a:rPr lang="en-US" smtClean="0"/>
-              <a:t>7/24/24</a:t>
+              <a:t>7/26/24</a:t>
             </a:fld>
             <a:endParaRPr lang="en-US"/>
           </a:p>
@@ -4591,7 +4547,7 @@
             <a:fld id="{B6D41BCC-AD73-4203-A5A6-E62EB28B0FE6}" type="datetimeFigureOut">
               <a:rPr lang="en-US" smtClean="0"/>
               <a:pPr/>
-              <a:t>7/24/24</a:t>
+              <a:t>7/26/24</a:t>
             </a:fld>
             <a:endParaRPr lang="en-US"/>
           </a:p>
